--- a/presentazione.pptx
+++ b/presentazione.pptx
@@ -15,6 +15,9 @@
     <p:sldId id="263" r:id="rId10"/>
     <p:sldId id="264" r:id="rId11"/>
     <p:sldId id="265" r:id="rId12"/>
+    <p:sldId id="266" r:id="rId13"/>
+    <p:sldId id="267" r:id="rId14"/>
+    <p:sldId id="268" r:id="rId15"/>
   </p:sldIdLst>
   <p:sldSz cx="9144000" cy="6858000" type="screen4x3"/>
   <p:notesSz cx="6858000" cy="9144000"/>
@@ -5002,12 +5005,2666 @@
           <a:chExt cx="0" cy="0"/>
         </a:xfrm>
       </p:grpSpPr>
+      <mc:AlternateContent xmlns:mc="http://schemas.openxmlformats.org/markup-compatibility/2006">
+        <mc:Choice xmlns:a14="http://schemas.microsoft.com/office/drawing/2010/main" Requires="a14">
+          <p:sp>
+            <p:nvSpPr>
+              <p:cNvPr id="2" name="Segnaposto contenuto 1">
+                <a:extLst>
+                  <a:ext uri="{FF2B5EF4-FFF2-40B4-BE49-F238E27FC236}">
+                    <a16:creationId xmlns:a16="http://schemas.microsoft.com/office/drawing/2014/main" id="{C0767E69-B884-49AC-B713-33B8D09CB3EC}"/>
+                  </a:ext>
+                </a:extLst>
+              </p:cNvPr>
+              <p:cNvSpPr>
+                <a:spLocks noGrp="1"/>
+              </p:cNvSpPr>
+              <p:nvPr>
+                <p:ph idx="1"/>
+              </p:nvPr>
+            </p:nvSpPr>
+            <p:spPr>
+              <a:xfrm>
+                <a:off x="238236" y="1149023"/>
+                <a:ext cx="3510104" cy="1656183"/>
+              </a:xfrm>
+            </p:spPr>
+            <p:txBody>
+              <a:bodyPr>
+                <a:normAutofit/>
+              </a:bodyPr>
+              <a:lstStyle/>
+              <a:p>
+                <a:r>
+                  <a:rPr lang="en-US" sz="2400" dirty="0" err="1"/>
+                  <a:t>Supporto</a:t>
+                </a:r>
+                <a:endParaRPr lang="en-US" sz="2400" dirty="0"/>
+              </a:p>
+              <a:p>
+                <a:pPr marL="109728" indent="0">
+                  <a:buNone/>
+                </a:pPr>
+                <a14:m>
+                  <m:oMathPara xmlns:m="http://schemas.openxmlformats.org/officeDocument/2006/math">
+                    <m:oMathParaPr>
+                      <m:jc m:val="centerGroup"/>
+                    </m:oMathParaPr>
+                    <m:oMath xmlns:m="http://schemas.openxmlformats.org/officeDocument/2006/math">
+                      <m:r>
+                        <a:rPr lang="en-US" sz="2400" b="0" i="1" smtClean="0">
+                          <a:latin typeface="Cambria Math" panose="02040503050406030204" pitchFamily="18" charset="0"/>
+                        </a:rPr>
+                        <m:t>𝑠</m:t>
+                      </m:r>
+                      <m:d>
+                        <m:dPr>
+                          <m:ctrlPr>
+                            <a:rPr lang="en-US" sz="2400" b="0" i="1" smtClean="0">
+                              <a:latin typeface="Cambria Math" panose="02040503050406030204" pitchFamily="18" charset="0"/>
+                            </a:rPr>
+                          </m:ctrlPr>
+                        </m:dPr>
+                        <m:e>
+                          <m:r>
+                            <a:rPr lang="en-US" sz="2400" b="0" i="1" smtClean="0">
+                              <a:latin typeface="Cambria Math" panose="02040503050406030204" pitchFamily="18" charset="0"/>
+                            </a:rPr>
+                            <m:t>𝐴</m:t>
+                          </m:r>
+                          <m:r>
+                            <a:rPr lang="en-US" sz="2400" b="0" i="1" smtClean="0">
+                              <a:latin typeface="Cambria Math" panose="02040503050406030204" pitchFamily="18" charset="0"/>
+                            </a:rPr>
+                            <m:t>→</m:t>
+                          </m:r>
+                          <m:r>
+                            <a:rPr lang="en-US" sz="2400" b="0" i="1" smtClean="0">
+                              <a:latin typeface="Cambria Math" panose="02040503050406030204" pitchFamily="18" charset="0"/>
+                            </a:rPr>
+                            <m:t>𝐵</m:t>
+                          </m:r>
+                        </m:e>
+                      </m:d>
+                      <m:r>
+                        <a:rPr lang="en-US" sz="2400" b="0" i="1" smtClean="0">
+                          <a:latin typeface="Cambria Math" panose="02040503050406030204" pitchFamily="18" charset="0"/>
+                        </a:rPr>
+                        <m:t>=</m:t>
+                      </m:r>
+                      <m:f>
+                        <m:fPr>
+                          <m:ctrlPr>
+                            <a:rPr lang="en-US" sz="2400" b="0" i="1" smtClean="0">
+                              <a:latin typeface="Cambria Math" panose="02040503050406030204" pitchFamily="18" charset="0"/>
+                            </a:rPr>
+                          </m:ctrlPr>
+                        </m:fPr>
+                        <m:num>
+                          <m:r>
+                            <a:rPr lang="en-US" sz="2400" b="0" i="1" smtClean="0">
+                              <a:latin typeface="Cambria Math" panose="02040503050406030204" pitchFamily="18" charset="0"/>
+                            </a:rPr>
+                            <m:t>𝜎</m:t>
+                          </m:r>
+                          <m:r>
+                            <a:rPr lang="en-US" sz="2400" b="0" i="1" smtClean="0">
+                              <a:latin typeface="Cambria Math" panose="02040503050406030204" pitchFamily="18" charset="0"/>
+                            </a:rPr>
+                            <m:t>{</m:t>
+                          </m:r>
+                          <m:r>
+                            <a:rPr lang="en-US" sz="2400" b="0" i="1" smtClean="0">
+                              <a:latin typeface="Cambria Math" panose="02040503050406030204" pitchFamily="18" charset="0"/>
+                            </a:rPr>
+                            <m:t>𝐴</m:t>
+                          </m:r>
+                          <m:r>
+                            <a:rPr lang="en-US" sz="2400" b="0" i="1" smtClean="0">
+                              <a:latin typeface="Cambria Math" panose="02040503050406030204" pitchFamily="18" charset="0"/>
+                            </a:rPr>
+                            <m:t>, </m:t>
+                          </m:r>
+                          <m:r>
+                            <a:rPr lang="en-US" sz="2400" b="0" i="1" smtClean="0">
+                              <a:latin typeface="Cambria Math" panose="02040503050406030204" pitchFamily="18" charset="0"/>
+                            </a:rPr>
+                            <m:t>𝐵</m:t>
+                          </m:r>
+                          <m:r>
+                            <a:rPr lang="en-US" sz="2400" b="0" i="1" smtClean="0">
+                              <a:latin typeface="Cambria Math" panose="02040503050406030204" pitchFamily="18" charset="0"/>
+                            </a:rPr>
+                            <m:t>}</m:t>
+                          </m:r>
+                        </m:num>
+                        <m:den>
+                          <m:r>
+                            <a:rPr lang="en-US" sz="2400" b="0" i="1" smtClean="0">
+                              <a:latin typeface="Cambria Math" panose="02040503050406030204" pitchFamily="18" charset="0"/>
+                            </a:rPr>
+                            <m:t>|</m:t>
+                          </m:r>
+                          <m:r>
+                            <a:rPr lang="en-US" sz="2400" b="0" i="1" smtClean="0">
+                              <a:latin typeface="Cambria Math" panose="02040503050406030204" pitchFamily="18" charset="0"/>
+                            </a:rPr>
+                            <m:t>𝑇</m:t>
+                          </m:r>
+                          <m:r>
+                            <a:rPr lang="en-US" sz="2400" b="0" i="1" smtClean="0">
+                              <a:latin typeface="Cambria Math" panose="02040503050406030204" pitchFamily="18" charset="0"/>
+                            </a:rPr>
+                            <m:t>|</m:t>
+                          </m:r>
+                        </m:den>
+                      </m:f>
+                    </m:oMath>
+                  </m:oMathPara>
+                </a14:m>
+                <a:endParaRPr lang="it-IT" sz="2400" dirty="0"/>
+              </a:p>
+            </p:txBody>
+          </p:sp>
+        </mc:Choice>
+        <mc:Fallback>
+          <p:sp>
+            <p:nvSpPr>
+              <p:cNvPr id="2" name="Segnaposto contenuto 1">
+                <a:extLst>
+                  <a:ext uri="{FF2B5EF4-FFF2-40B4-BE49-F238E27FC236}">
+                    <a16:creationId xmlns:a16="http://schemas.microsoft.com/office/drawing/2014/main" id="{C0767E69-B884-49AC-B713-33B8D09CB3EC}"/>
+                  </a:ext>
+                </a:extLst>
+              </p:cNvPr>
+              <p:cNvSpPr>
+                <a:spLocks noGrp="1" noRot="1" noChangeAspect="1" noMove="1" noResize="1" noEditPoints="1" noAdjustHandles="1" noChangeArrowheads="1" noChangeShapeType="1" noTextEdit="1"/>
+              </p:cNvSpPr>
+              <p:nvPr>
+                <p:ph idx="1"/>
+              </p:nvPr>
+            </p:nvSpPr>
+            <p:spPr>
+              <a:xfrm>
+                <a:off x="238236" y="1149023"/>
+                <a:ext cx="3510104" cy="1656183"/>
+              </a:xfrm>
+              <a:blipFill>
+                <a:blip r:embed="rId2"/>
+                <a:stretch>
+                  <a:fillRect t="-2941"/>
+                </a:stretch>
+              </a:blipFill>
+            </p:spPr>
+            <p:txBody>
+              <a:bodyPr/>
+              <a:lstStyle/>
+              <a:p>
+                <a:r>
+                  <a:rPr lang="it-IT">
+                    <a:noFill/>
+                  </a:rPr>
+                  <a:t> </a:t>
+                </a:r>
+              </a:p>
+            </p:txBody>
+          </p:sp>
+        </mc:Fallback>
+      </mc:AlternateContent>
+      <p:sp>
+        <p:nvSpPr>
+          <p:cNvPr id="4" name="Titolo 2">
+            <a:extLst>
+              <a:ext uri="{FF2B5EF4-FFF2-40B4-BE49-F238E27FC236}">
+                <a16:creationId xmlns:a16="http://schemas.microsoft.com/office/drawing/2014/main" id="{C83FDF46-E993-4E3E-B6EA-4A221E0D0437}"/>
+              </a:ext>
+            </a:extLst>
+          </p:cNvPr>
+          <p:cNvSpPr>
+            <a:spLocks noGrp="1"/>
+          </p:cNvSpPr>
+          <p:nvPr>
+            <p:ph type="title"/>
+          </p:nvPr>
+        </p:nvSpPr>
+        <p:spPr>
+          <a:xfrm>
+            <a:off x="457200" y="-3712"/>
+            <a:ext cx="8229600" cy="1143000"/>
+          </a:xfrm>
+        </p:spPr>
+        <p:txBody>
+          <a:bodyPr>
+            <a:normAutofit/>
+          </a:bodyPr>
+          <a:lstStyle/>
+          <a:p>
+            <a:pPr algn="ctr"/>
+            <a:r>
+              <a:rPr lang="en-US" dirty="0" err="1"/>
+              <a:t>Analisi</a:t>
+            </a:r>
+            <a:r>
+              <a:rPr lang="en-US" dirty="0"/>
+              <a:t> </a:t>
+            </a:r>
+            <a:r>
+              <a:rPr lang="en-US" dirty="0" err="1"/>
+              <a:t>dei</a:t>
+            </a:r>
+            <a:r>
+              <a:rPr lang="en-US" dirty="0"/>
+              <a:t> </a:t>
+            </a:r>
+            <a:r>
+              <a:rPr lang="en-US" dirty="0" err="1"/>
+              <a:t>risultati</a:t>
+            </a:r>
+            <a:endParaRPr lang="it-IT" dirty="0"/>
+          </a:p>
+        </p:txBody>
+      </p:sp>
+      <p:sp>
+        <p:nvSpPr>
+          <p:cNvPr id="5" name="Titolo 2">
+            <a:extLst>
+              <a:ext uri="{FF2B5EF4-FFF2-40B4-BE49-F238E27FC236}">
+                <a16:creationId xmlns:a16="http://schemas.microsoft.com/office/drawing/2014/main" id="{D79BE033-3A72-4BBC-B6F4-B936BFC0EB57}"/>
+              </a:ext>
+            </a:extLst>
+          </p:cNvPr>
+          <p:cNvSpPr txBox="1">
+            <a:spLocks/>
+          </p:cNvSpPr>
+          <p:nvPr/>
+        </p:nvSpPr>
+        <p:spPr>
+          <a:xfrm>
+            <a:off x="2548404" y="552338"/>
+            <a:ext cx="3960440" cy="715992"/>
+          </a:xfrm>
+          <a:prstGeom prst="rect">
+            <a:avLst/>
+          </a:prstGeom>
+        </p:spPr>
+        <p:txBody>
+          <a:bodyPr vert="horz" rtlCol="0" anchor="ctr">
+            <a:normAutofit/>
+            <a:scene3d>
+              <a:camera prst="orthographicFront"/>
+              <a:lightRig rig="soft" dir="t"/>
+            </a:scene3d>
+            <a:sp3d prstMaterial="softEdge">
+              <a:bevelT w="25400" h="25400"/>
+            </a:sp3d>
+          </a:bodyPr>
+          <a:lstStyle>
+            <a:lvl1pPr algn="l" rtl="0" eaLnBrk="1" latinLnBrk="0" hangingPunct="1">
+              <a:spcBef>
+                <a:spcPct val="0"/>
+              </a:spcBef>
+              <a:buNone/>
+              <a:defRPr kumimoji="0" sz="4100" b="1" kern="1200">
+                <a:solidFill>
+                  <a:schemeClr val="tx2"/>
+                </a:solidFill>
+                <a:effectLst>
+                  <a:outerShdw blurRad="31750" dist="25400" dir="5400000" algn="tl" rotWithShape="0">
+                    <a:srgbClr val="000000">
+                      <a:alpha val="25000"/>
+                    </a:srgbClr>
+                  </a:outerShdw>
+                </a:effectLst>
+                <a:latin typeface="+mj-lt"/>
+                <a:ea typeface="+mj-ea"/>
+                <a:cs typeface="+mj-cs"/>
+              </a:defRPr>
+            </a:lvl1pPr>
+            <a:extLst/>
+          </a:lstStyle>
+          <a:p>
+            <a:pPr algn="ctr"/>
+            <a:r>
+              <a:rPr lang="en-US" sz="2400" dirty="0" err="1">
+                <a:effectLst>
+                  <a:outerShdw blurRad="38100" dist="38100" dir="2700000" algn="tl">
+                    <a:srgbClr val="000000">
+                      <a:alpha val="43137"/>
+                    </a:srgbClr>
+                  </a:outerShdw>
+                </a:effectLst>
+              </a:rPr>
+              <a:t>Indici</a:t>
+            </a:r>
+            <a:endParaRPr lang="it-IT" sz="2400" dirty="0">
+              <a:effectLst>
+                <a:outerShdw blurRad="38100" dist="38100" dir="2700000" algn="tl">
+                  <a:srgbClr val="000000">
+                    <a:alpha val="43137"/>
+                  </a:srgbClr>
+                </a:outerShdw>
+              </a:effectLst>
+            </a:endParaRPr>
+          </a:p>
+        </p:txBody>
+      </p:sp>
+      <mc:AlternateContent xmlns:mc="http://schemas.openxmlformats.org/markup-compatibility/2006">
+        <mc:Choice xmlns:a14="http://schemas.microsoft.com/office/drawing/2010/main" Requires="a14">
+          <p:sp>
+            <p:nvSpPr>
+              <p:cNvPr id="6" name="Segnaposto contenuto 1">
+                <a:extLst>
+                  <a:ext uri="{FF2B5EF4-FFF2-40B4-BE49-F238E27FC236}">
+                    <a16:creationId xmlns:a16="http://schemas.microsoft.com/office/drawing/2014/main" id="{77256A98-FFE6-4E4D-A630-0583D8325749}"/>
+                  </a:ext>
+                </a:extLst>
+              </p:cNvPr>
+              <p:cNvSpPr txBox="1">
+                <a:spLocks/>
+              </p:cNvSpPr>
+              <p:nvPr/>
+            </p:nvSpPr>
+            <p:spPr>
+              <a:xfrm>
+                <a:off x="231703" y="2506629"/>
+                <a:ext cx="6110068" cy="1656183"/>
+              </a:xfrm>
+              <a:prstGeom prst="rect">
+                <a:avLst/>
+              </a:prstGeom>
+            </p:spPr>
+            <p:txBody>
+              <a:bodyPr vert="horz">
+                <a:normAutofit/>
+              </a:bodyPr>
+              <a:lstStyle>
+                <a:lvl1pPr marL="365760" indent="-256032" algn="l" rtl="0" eaLnBrk="1" latinLnBrk="0" hangingPunct="1">
+                  <a:spcBef>
+                    <a:spcPts val="400"/>
+                  </a:spcBef>
+                  <a:spcAft>
+                    <a:spcPts val="0"/>
+                  </a:spcAft>
+                  <a:buClr>
+                    <a:schemeClr val="accent1"/>
+                  </a:buClr>
+                  <a:buSzPct val="68000"/>
+                  <a:buFont typeface="Wingdings 3"/>
+                  <a:buChar char=""/>
+                  <a:defRPr kumimoji="0" sz="2700" kern="1200">
+                    <a:solidFill>
+                      <a:schemeClr val="tx1"/>
+                    </a:solidFill>
+                    <a:latin typeface="+mn-lt"/>
+                    <a:ea typeface="+mn-ea"/>
+                    <a:cs typeface="+mn-cs"/>
+                  </a:defRPr>
+                </a:lvl1pPr>
+                <a:lvl2pPr marL="621792" indent="-228600" algn="l" rtl="0" eaLnBrk="1" latinLnBrk="0" hangingPunct="1">
+                  <a:spcBef>
+                    <a:spcPts val="324"/>
+                  </a:spcBef>
+                  <a:buClr>
+                    <a:schemeClr val="accent1"/>
+                  </a:buClr>
+                  <a:buFont typeface="Verdana"/>
+                  <a:buChar char="◦"/>
+                  <a:defRPr kumimoji="0" sz="2300" kern="1200">
+                    <a:solidFill>
+                      <a:schemeClr val="tx1"/>
+                    </a:solidFill>
+                    <a:latin typeface="+mn-lt"/>
+                    <a:ea typeface="+mn-ea"/>
+                    <a:cs typeface="+mn-cs"/>
+                  </a:defRPr>
+                </a:lvl2pPr>
+                <a:lvl3pPr marL="859536" indent="-228600" algn="l" rtl="0" eaLnBrk="1" latinLnBrk="0" hangingPunct="1">
+                  <a:spcBef>
+                    <a:spcPts val="350"/>
+                  </a:spcBef>
+                  <a:buClr>
+                    <a:schemeClr val="accent2"/>
+                  </a:buClr>
+                  <a:buSzPct val="100000"/>
+                  <a:buFont typeface="Wingdings 2"/>
+                  <a:buChar char=""/>
+                  <a:defRPr kumimoji="0" sz="2100" kern="1200">
+                    <a:solidFill>
+                      <a:schemeClr val="tx1"/>
+                    </a:solidFill>
+                    <a:latin typeface="+mn-lt"/>
+                    <a:ea typeface="+mn-ea"/>
+                    <a:cs typeface="+mn-cs"/>
+                  </a:defRPr>
+                </a:lvl3pPr>
+                <a:lvl4pPr marL="1143000" indent="-228600" algn="l" rtl="0" eaLnBrk="1" latinLnBrk="0" hangingPunct="1">
+                  <a:spcBef>
+                    <a:spcPts val="350"/>
+                  </a:spcBef>
+                  <a:buClr>
+                    <a:schemeClr val="accent2"/>
+                  </a:buClr>
+                  <a:buFont typeface="Wingdings 2"/>
+                  <a:buChar char=""/>
+                  <a:defRPr kumimoji="0" sz="1900" kern="1200">
+                    <a:solidFill>
+                      <a:schemeClr val="tx1"/>
+                    </a:solidFill>
+                    <a:latin typeface="+mn-lt"/>
+                    <a:ea typeface="+mn-ea"/>
+                    <a:cs typeface="+mn-cs"/>
+                  </a:defRPr>
+                </a:lvl4pPr>
+                <a:lvl5pPr marL="1371600" indent="-228600" algn="l" rtl="0" eaLnBrk="1" latinLnBrk="0" hangingPunct="1">
+                  <a:spcBef>
+                    <a:spcPts val="350"/>
+                  </a:spcBef>
+                  <a:buClr>
+                    <a:schemeClr val="accent2"/>
+                  </a:buClr>
+                  <a:buFont typeface="Wingdings 2"/>
+                  <a:buChar char=""/>
+                  <a:defRPr kumimoji="0" sz="1800" kern="1200">
+                    <a:solidFill>
+                      <a:schemeClr val="tx1"/>
+                    </a:solidFill>
+                    <a:latin typeface="+mn-lt"/>
+                    <a:ea typeface="+mn-ea"/>
+                    <a:cs typeface="+mn-cs"/>
+                  </a:defRPr>
+                </a:lvl5pPr>
+                <a:lvl6pPr marL="1600200" indent="-228600" algn="l" rtl="0" eaLnBrk="1" latinLnBrk="0" hangingPunct="1">
+                  <a:spcBef>
+                    <a:spcPts val="350"/>
+                  </a:spcBef>
+                  <a:buClr>
+                    <a:schemeClr val="accent3"/>
+                  </a:buClr>
+                  <a:buFont typeface="Wingdings 2"/>
+                  <a:buChar char=""/>
+                  <a:defRPr kumimoji="0" sz="1800" kern="1200">
+                    <a:solidFill>
+                      <a:schemeClr val="tx1"/>
+                    </a:solidFill>
+                    <a:latin typeface="+mn-lt"/>
+                    <a:ea typeface="+mn-ea"/>
+                    <a:cs typeface="+mn-cs"/>
+                  </a:defRPr>
+                </a:lvl6pPr>
+                <a:lvl7pPr marL="1828800" indent="-228600" algn="l" rtl="0" eaLnBrk="1" latinLnBrk="0" hangingPunct="1">
+                  <a:spcBef>
+                    <a:spcPts val="350"/>
+                  </a:spcBef>
+                  <a:buClr>
+                    <a:schemeClr val="accent3"/>
+                  </a:buClr>
+                  <a:buFont typeface="Wingdings 2"/>
+                  <a:buChar char=""/>
+                  <a:defRPr kumimoji="0" sz="1600" kern="1200">
+                    <a:solidFill>
+                      <a:schemeClr val="tx1"/>
+                    </a:solidFill>
+                    <a:latin typeface="+mn-lt"/>
+                    <a:ea typeface="+mn-ea"/>
+                    <a:cs typeface="+mn-cs"/>
+                  </a:defRPr>
+                </a:lvl7pPr>
+                <a:lvl8pPr marL="2057400" indent="-228600" algn="l" rtl="0" eaLnBrk="1" latinLnBrk="0" hangingPunct="1">
+                  <a:spcBef>
+                    <a:spcPts val="350"/>
+                  </a:spcBef>
+                  <a:buClr>
+                    <a:schemeClr val="accent3"/>
+                  </a:buClr>
+                  <a:buFont typeface="Wingdings 2"/>
+                  <a:buChar char=""/>
+                  <a:defRPr kumimoji="0" sz="1600" kern="1200">
+                    <a:solidFill>
+                      <a:schemeClr val="tx1"/>
+                    </a:solidFill>
+                    <a:latin typeface="+mn-lt"/>
+                    <a:ea typeface="+mn-ea"/>
+                    <a:cs typeface="+mn-cs"/>
+                  </a:defRPr>
+                </a:lvl8pPr>
+                <a:lvl9pPr marL="2286000" indent="-228600" algn="l" rtl="0" eaLnBrk="1" latinLnBrk="0" hangingPunct="1">
+                  <a:spcBef>
+                    <a:spcPts val="350"/>
+                  </a:spcBef>
+                  <a:buClr>
+                    <a:schemeClr val="accent3"/>
+                  </a:buClr>
+                  <a:buFont typeface="Wingdings 2"/>
+                  <a:buChar char=""/>
+                  <a:defRPr kumimoji="0" sz="1600" kern="1200" baseline="0">
+                    <a:solidFill>
+                      <a:schemeClr val="tx1"/>
+                    </a:solidFill>
+                    <a:latin typeface="+mn-lt"/>
+                    <a:ea typeface="+mn-ea"/>
+                    <a:cs typeface="+mn-cs"/>
+                  </a:defRPr>
+                </a:lvl9pPr>
+                <a:extLst/>
+              </a:lstStyle>
+              <a:p>
+                <a:r>
+                  <a:rPr lang="en-US" sz="2400" dirty="0"/>
+                  <a:t>Confidenza</a:t>
+                </a:r>
+              </a:p>
+              <a:p>
+                <a:pPr marL="109728" indent="0">
+                  <a:buFont typeface="Wingdings 3"/>
+                  <a:buNone/>
+                </a:pPr>
+                <a:r>
+                  <a:rPr lang="en-US" sz="2400" dirty="0"/>
+                  <a:t>c</a:t>
+                </a:r>
+                <a14:m>
+                  <m:oMath xmlns:m="http://schemas.openxmlformats.org/officeDocument/2006/math">
+                    <m:d>
+                      <m:dPr>
+                        <m:ctrlPr>
+                          <a:rPr lang="en-US" sz="2400" i="1" smtClean="0">
+                            <a:latin typeface="Cambria Math" panose="02040503050406030204" pitchFamily="18" charset="0"/>
+                          </a:rPr>
+                        </m:ctrlPr>
+                      </m:dPr>
+                      <m:e>
+                        <m:r>
+                          <a:rPr lang="en-US" sz="2400" i="1" smtClean="0">
+                            <a:latin typeface="Cambria Math" panose="02040503050406030204" pitchFamily="18" charset="0"/>
+                          </a:rPr>
+                          <m:t>𝐴</m:t>
+                        </m:r>
+                        <m:r>
+                          <a:rPr lang="en-US" sz="2400" i="1" smtClean="0">
+                            <a:latin typeface="Cambria Math" panose="02040503050406030204" pitchFamily="18" charset="0"/>
+                          </a:rPr>
+                          <m:t>→</m:t>
+                        </m:r>
+                        <m:r>
+                          <a:rPr lang="en-US" sz="2400" i="1" smtClean="0">
+                            <a:latin typeface="Cambria Math" panose="02040503050406030204" pitchFamily="18" charset="0"/>
+                          </a:rPr>
+                          <m:t>𝐵</m:t>
+                        </m:r>
+                      </m:e>
+                    </m:d>
+                    <m:r>
+                      <a:rPr lang="en-US" sz="2400" i="1" smtClean="0">
+                        <a:latin typeface="Cambria Math" panose="02040503050406030204" pitchFamily="18" charset="0"/>
+                      </a:rPr>
+                      <m:t>=</m:t>
+                    </m:r>
+                    <m:r>
+                      <a:rPr lang="en-US" sz="2400" b="0" i="1" smtClean="0">
+                        <a:latin typeface="Cambria Math" panose="02040503050406030204" pitchFamily="18" charset="0"/>
+                      </a:rPr>
+                      <m:t>𝑃</m:t>
+                    </m:r>
+                    <m:d>
+                      <m:dPr>
+                        <m:ctrlPr>
+                          <a:rPr lang="en-US" sz="2400" b="0" i="1" smtClean="0">
+                            <a:latin typeface="Cambria Math" panose="02040503050406030204" pitchFamily="18" charset="0"/>
+                          </a:rPr>
+                        </m:ctrlPr>
+                      </m:dPr>
+                      <m:e>
+                        <m:r>
+                          <a:rPr lang="en-US" sz="2400" b="0" i="1" smtClean="0">
+                            <a:latin typeface="Cambria Math" panose="02040503050406030204" pitchFamily="18" charset="0"/>
+                          </a:rPr>
+                          <m:t>𝐵</m:t>
+                        </m:r>
+                      </m:e>
+                      <m:e>
+                        <m:r>
+                          <a:rPr lang="en-US" sz="2400" b="0" i="1" smtClean="0">
+                            <a:latin typeface="Cambria Math" panose="02040503050406030204" pitchFamily="18" charset="0"/>
+                          </a:rPr>
+                          <m:t>𝐴</m:t>
+                        </m:r>
+                      </m:e>
+                    </m:d>
+                    <m:r>
+                      <a:rPr lang="en-US" sz="2400" b="0" i="1" smtClean="0">
+                        <a:latin typeface="Cambria Math" panose="02040503050406030204" pitchFamily="18" charset="0"/>
+                      </a:rPr>
+                      <m:t>= </m:t>
+                    </m:r>
+                    <m:f>
+                      <m:fPr>
+                        <m:ctrlPr>
+                          <a:rPr lang="en-US" sz="2400" b="0" i="1" smtClean="0">
+                            <a:latin typeface="Cambria Math" panose="02040503050406030204" pitchFamily="18" charset="0"/>
+                          </a:rPr>
+                        </m:ctrlPr>
+                      </m:fPr>
+                      <m:num>
+                        <m:r>
+                          <a:rPr lang="en-US" sz="2400" b="0" i="1" smtClean="0">
+                            <a:latin typeface="Cambria Math" panose="02040503050406030204" pitchFamily="18" charset="0"/>
+                          </a:rPr>
+                          <m:t>𝑃</m:t>
+                        </m:r>
+                        <m:r>
+                          <a:rPr lang="en-US" sz="2400" b="0" i="1" smtClean="0">
+                            <a:latin typeface="Cambria Math" panose="02040503050406030204" pitchFamily="18" charset="0"/>
+                          </a:rPr>
+                          <m:t>(</m:t>
+                        </m:r>
+                        <m:r>
+                          <a:rPr lang="en-US" sz="2400" b="0" i="1" smtClean="0">
+                            <a:latin typeface="Cambria Math" panose="02040503050406030204" pitchFamily="18" charset="0"/>
+                          </a:rPr>
+                          <m:t>𝐴</m:t>
+                        </m:r>
+                        <m:r>
+                          <a:rPr lang="en-US" sz="2400" b="0" i="1" smtClean="0">
+                            <a:latin typeface="Cambria Math" panose="02040503050406030204" pitchFamily="18" charset="0"/>
+                          </a:rPr>
+                          <m:t>,</m:t>
+                        </m:r>
+                        <m:r>
+                          <a:rPr lang="en-US" sz="2400" b="0" i="1" smtClean="0">
+                            <a:latin typeface="Cambria Math" panose="02040503050406030204" pitchFamily="18" charset="0"/>
+                          </a:rPr>
+                          <m:t>𝐵</m:t>
+                        </m:r>
+                        <m:r>
+                          <a:rPr lang="en-US" sz="2400" b="0" i="1" smtClean="0">
+                            <a:latin typeface="Cambria Math" panose="02040503050406030204" pitchFamily="18" charset="0"/>
+                          </a:rPr>
+                          <m:t>)</m:t>
+                        </m:r>
+                      </m:num>
+                      <m:den>
+                        <m:r>
+                          <a:rPr lang="en-US" sz="2400" b="0" i="1" smtClean="0">
+                            <a:latin typeface="Cambria Math" panose="02040503050406030204" pitchFamily="18" charset="0"/>
+                          </a:rPr>
+                          <m:t>𝑃</m:t>
+                        </m:r>
+                        <m:r>
+                          <a:rPr lang="en-US" sz="2400" b="0" i="1" smtClean="0">
+                            <a:latin typeface="Cambria Math" panose="02040503050406030204" pitchFamily="18" charset="0"/>
+                          </a:rPr>
+                          <m:t>(</m:t>
+                        </m:r>
+                        <m:r>
+                          <a:rPr lang="en-US" sz="2400" b="0" i="1" smtClean="0">
+                            <a:latin typeface="Cambria Math" panose="02040503050406030204" pitchFamily="18" charset="0"/>
+                          </a:rPr>
+                          <m:t>𝐴</m:t>
+                        </m:r>
+                        <m:r>
+                          <a:rPr lang="en-US" sz="2400" b="0" i="1" smtClean="0">
+                            <a:latin typeface="Cambria Math" panose="02040503050406030204" pitchFamily="18" charset="0"/>
+                          </a:rPr>
+                          <m:t>)</m:t>
+                        </m:r>
+                      </m:den>
+                    </m:f>
+                    <m:r>
+                      <a:rPr lang="en-US" sz="2400" b="0" i="1" smtClean="0">
+                        <a:latin typeface="Cambria Math" panose="02040503050406030204" pitchFamily="18" charset="0"/>
+                      </a:rPr>
+                      <m:t>=</m:t>
+                    </m:r>
+                    <m:f>
+                      <m:fPr>
+                        <m:ctrlPr>
+                          <a:rPr lang="en-US" sz="2400" b="0" i="1" smtClean="0">
+                            <a:latin typeface="Cambria Math" panose="02040503050406030204" pitchFamily="18" charset="0"/>
+                          </a:rPr>
+                        </m:ctrlPr>
+                      </m:fPr>
+                      <m:num>
+                        <m:r>
+                          <a:rPr lang="en-US" sz="2400" b="0" i="1" smtClean="0">
+                            <a:latin typeface="Cambria Math" panose="02040503050406030204" pitchFamily="18" charset="0"/>
+                          </a:rPr>
+                          <m:t>𝜎</m:t>
+                        </m:r>
+                        <m:r>
+                          <a:rPr lang="en-US" sz="2400" b="0" i="1" smtClean="0">
+                            <a:latin typeface="Cambria Math" panose="02040503050406030204" pitchFamily="18" charset="0"/>
+                          </a:rPr>
+                          <m:t>{</m:t>
+                        </m:r>
+                        <m:r>
+                          <a:rPr lang="en-US" sz="2400" b="0" i="1" smtClean="0">
+                            <a:latin typeface="Cambria Math" panose="02040503050406030204" pitchFamily="18" charset="0"/>
+                          </a:rPr>
+                          <m:t>𝐴</m:t>
+                        </m:r>
+                        <m:r>
+                          <a:rPr lang="en-US" sz="2400" b="0" i="1" smtClean="0">
+                            <a:latin typeface="Cambria Math" panose="02040503050406030204" pitchFamily="18" charset="0"/>
+                          </a:rPr>
+                          <m:t>, </m:t>
+                        </m:r>
+                        <m:r>
+                          <a:rPr lang="en-US" sz="2400" b="0" i="1" smtClean="0">
+                            <a:latin typeface="Cambria Math" panose="02040503050406030204" pitchFamily="18" charset="0"/>
+                          </a:rPr>
+                          <m:t>𝐵</m:t>
+                        </m:r>
+                        <m:r>
+                          <a:rPr lang="en-US" sz="2400" b="0" i="1" smtClean="0">
+                            <a:latin typeface="Cambria Math" panose="02040503050406030204" pitchFamily="18" charset="0"/>
+                          </a:rPr>
+                          <m:t>}</m:t>
+                        </m:r>
+                      </m:num>
+                      <m:den>
+                        <m:r>
+                          <a:rPr lang="en-US" sz="2400" b="0" i="1" smtClean="0">
+                            <a:latin typeface="Cambria Math" panose="02040503050406030204" pitchFamily="18" charset="0"/>
+                          </a:rPr>
+                          <m:t>𝜎</m:t>
+                        </m:r>
+                        <m:r>
+                          <a:rPr lang="en-US" sz="2400" b="0" i="1" smtClean="0">
+                            <a:latin typeface="Cambria Math" panose="02040503050406030204" pitchFamily="18" charset="0"/>
+                          </a:rPr>
+                          <m:t>{</m:t>
+                        </m:r>
+                        <m:r>
+                          <a:rPr lang="en-US" sz="2400" b="0" i="1" smtClean="0">
+                            <a:latin typeface="Cambria Math" panose="02040503050406030204" pitchFamily="18" charset="0"/>
+                          </a:rPr>
+                          <m:t>𝐴</m:t>
+                        </m:r>
+                        <m:r>
+                          <a:rPr lang="en-US" sz="2400" b="0" i="1" smtClean="0">
+                            <a:latin typeface="Cambria Math" panose="02040503050406030204" pitchFamily="18" charset="0"/>
+                          </a:rPr>
+                          <m:t>}</m:t>
+                        </m:r>
+                      </m:den>
+                    </m:f>
+                  </m:oMath>
+                </a14:m>
+                <a:endParaRPr lang="it-IT" sz="2400" dirty="0"/>
+              </a:p>
+            </p:txBody>
+          </p:sp>
+        </mc:Choice>
+        <mc:Fallback>
+          <p:sp>
+            <p:nvSpPr>
+              <p:cNvPr id="6" name="Segnaposto contenuto 1">
+                <a:extLst>
+                  <a:ext uri="{FF2B5EF4-FFF2-40B4-BE49-F238E27FC236}">
+                    <a16:creationId xmlns:a16="http://schemas.microsoft.com/office/drawing/2014/main" id="{77256A98-FFE6-4E4D-A630-0583D8325749}"/>
+                  </a:ext>
+                </a:extLst>
+              </p:cNvPr>
+              <p:cNvSpPr txBox="1">
+                <a:spLocks noRot="1" noChangeAspect="1" noMove="1" noResize="1" noEditPoints="1" noAdjustHandles="1" noChangeArrowheads="1" noChangeShapeType="1" noTextEdit="1"/>
+              </p:cNvSpPr>
+              <p:nvPr/>
+            </p:nvSpPr>
+            <p:spPr>
+              <a:xfrm>
+                <a:off x="231703" y="2506629"/>
+                <a:ext cx="6110068" cy="1656183"/>
+              </a:xfrm>
+              <a:prstGeom prst="rect">
+                <a:avLst/>
+              </a:prstGeom>
+              <a:blipFill>
+                <a:blip r:embed="rId3"/>
+                <a:stretch>
+                  <a:fillRect t="-2941"/>
+                </a:stretch>
+              </a:blipFill>
+            </p:spPr>
+            <p:txBody>
+              <a:bodyPr/>
+              <a:lstStyle/>
+              <a:p>
+                <a:r>
+                  <a:rPr lang="it-IT">
+                    <a:noFill/>
+                  </a:rPr>
+                  <a:t> </a:t>
+                </a:r>
+              </a:p>
+            </p:txBody>
+          </p:sp>
+        </mc:Fallback>
+      </mc:AlternateContent>
+      <mc:AlternateContent xmlns:mc="http://schemas.openxmlformats.org/markup-compatibility/2006">
+        <mc:Choice xmlns:a14="http://schemas.microsoft.com/office/drawing/2010/main" Requires="a14">
+          <p:sp>
+            <p:nvSpPr>
+              <p:cNvPr id="7" name="Segnaposto contenuto 1">
+                <a:extLst>
+                  <a:ext uri="{FF2B5EF4-FFF2-40B4-BE49-F238E27FC236}">
+                    <a16:creationId xmlns:a16="http://schemas.microsoft.com/office/drawing/2014/main" id="{664D5A56-BA27-4B78-9073-06441FDE8814}"/>
+                  </a:ext>
+                </a:extLst>
+              </p:cNvPr>
+              <p:cNvSpPr txBox="1">
+                <a:spLocks/>
+              </p:cNvSpPr>
+              <p:nvPr/>
+            </p:nvSpPr>
+            <p:spPr>
+              <a:xfrm>
+                <a:off x="231703" y="4043505"/>
+                <a:ext cx="5544616" cy="2016224"/>
+              </a:xfrm>
+              <a:prstGeom prst="rect">
+                <a:avLst/>
+              </a:prstGeom>
+            </p:spPr>
+            <p:txBody>
+              <a:bodyPr vert="horz">
+                <a:normAutofit/>
+              </a:bodyPr>
+              <a:lstStyle>
+                <a:lvl1pPr marL="365760" indent="-256032" algn="l" rtl="0" eaLnBrk="1" latinLnBrk="0" hangingPunct="1">
+                  <a:spcBef>
+                    <a:spcPts val="400"/>
+                  </a:spcBef>
+                  <a:spcAft>
+                    <a:spcPts val="0"/>
+                  </a:spcAft>
+                  <a:buClr>
+                    <a:schemeClr val="accent1"/>
+                  </a:buClr>
+                  <a:buSzPct val="68000"/>
+                  <a:buFont typeface="Wingdings 3"/>
+                  <a:buChar char=""/>
+                  <a:defRPr kumimoji="0" sz="2700" kern="1200">
+                    <a:solidFill>
+                      <a:schemeClr val="tx1"/>
+                    </a:solidFill>
+                    <a:latin typeface="+mn-lt"/>
+                    <a:ea typeface="+mn-ea"/>
+                    <a:cs typeface="+mn-cs"/>
+                  </a:defRPr>
+                </a:lvl1pPr>
+                <a:lvl2pPr marL="621792" indent="-228600" algn="l" rtl="0" eaLnBrk="1" latinLnBrk="0" hangingPunct="1">
+                  <a:spcBef>
+                    <a:spcPts val="324"/>
+                  </a:spcBef>
+                  <a:buClr>
+                    <a:schemeClr val="accent1"/>
+                  </a:buClr>
+                  <a:buFont typeface="Verdana"/>
+                  <a:buChar char="◦"/>
+                  <a:defRPr kumimoji="0" sz="2300" kern="1200">
+                    <a:solidFill>
+                      <a:schemeClr val="tx1"/>
+                    </a:solidFill>
+                    <a:latin typeface="+mn-lt"/>
+                    <a:ea typeface="+mn-ea"/>
+                    <a:cs typeface="+mn-cs"/>
+                  </a:defRPr>
+                </a:lvl2pPr>
+                <a:lvl3pPr marL="859536" indent="-228600" algn="l" rtl="0" eaLnBrk="1" latinLnBrk="0" hangingPunct="1">
+                  <a:spcBef>
+                    <a:spcPts val="350"/>
+                  </a:spcBef>
+                  <a:buClr>
+                    <a:schemeClr val="accent2"/>
+                  </a:buClr>
+                  <a:buSzPct val="100000"/>
+                  <a:buFont typeface="Wingdings 2"/>
+                  <a:buChar char=""/>
+                  <a:defRPr kumimoji="0" sz="2100" kern="1200">
+                    <a:solidFill>
+                      <a:schemeClr val="tx1"/>
+                    </a:solidFill>
+                    <a:latin typeface="+mn-lt"/>
+                    <a:ea typeface="+mn-ea"/>
+                    <a:cs typeface="+mn-cs"/>
+                  </a:defRPr>
+                </a:lvl3pPr>
+                <a:lvl4pPr marL="1143000" indent="-228600" algn="l" rtl="0" eaLnBrk="1" latinLnBrk="0" hangingPunct="1">
+                  <a:spcBef>
+                    <a:spcPts val="350"/>
+                  </a:spcBef>
+                  <a:buClr>
+                    <a:schemeClr val="accent2"/>
+                  </a:buClr>
+                  <a:buFont typeface="Wingdings 2"/>
+                  <a:buChar char=""/>
+                  <a:defRPr kumimoji="0" sz="1900" kern="1200">
+                    <a:solidFill>
+                      <a:schemeClr val="tx1"/>
+                    </a:solidFill>
+                    <a:latin typeface="+mn-lt"/>
+                    <a:ea typeface="+mn-ea"/>
+                    <a:cs typeface="+mn-cs"/>
+                  </a:defRPr>
+                </a:lvl4pPr>
+                <a:lvl5pPr marL="1371600" indent="-228600" algn="l" rtl="0" eaLnBrk="1" latinLnBrk="0" hangingPunct="1">
+                  <a:spcBef>
+                    <a:spcPts val="350"/>
+                  </a:spcBef>
+                  <a:buClr>
+                    <a:schemeClr val="accent2"/>
+                  </a:buClr>
+                  <a:buFont typeface="Wingdings 2"/>
+                  <a:buChar char=""/>
+                  <a:defRPr kumimoji="0" sz="1800" kern="1200">
+                    <a:solidFill>
+                      <a:schemeClr val="tx1"/>
+                    </a:solidFill>
+                    <a:latin typeface="+mn-lt"/>
+                    <a:ea typeface="+mn-ea"/>
+                    <a:cs typeface="+mn-cs"/>
+                  </a:defRPr>
+                </a:lvl5pPr>
+                <a:lvl6pPr marL="1600200" indent="-228600" algn="l" rtl="0" eaLnBrk="1" latinLnBrk="0" hangingPunct="1">
+                  <a:spcBef>
+                    <a:spcPts val="350"/>
+                  </a:spcBef>
+                  <a:buClr>
+                    <a:schemeClr val="accent3"/>
+                  </a:buClr>
+                  <a:buFont typeface="Wingdings 2"/>
+                  <a:buChar char=""/>
+                  <a:defRPr kumimoji="0" sz="1800" kern="1200">
+                    <a:solidFill>
+                      <a:schemeClr val="tx1"/>
+                    </a:solidFill>
+                    <a:latin typeface="+mn-lt"/>
+                    <a:ea typeface="+mn-ea"/>
+                    <a:cs typeface="+mn-cs"/>
+                  </a:defRPr>
+                </a:lvl6pPr>
+                <a:lvl7pPr marL="1828800" indent="-228600" algn="l" rtl="0" eaLnBrk="1" latinLnBrk="0" hangingPunct="1">
+                  <a:spcBef>
+                    <a:spcPts val="350"/>
+                  </a:spcBef>
+                  <a:buClr>
+                    <a:schemeClr val="accent3"/>
+                  </a:buClr>
+                  <a:buFont typeface="Wingdings 2"/>
+                  <a:buChar char=""/>
+                  <a:defRPr kumimoji="0" sz="1600" kern="1200">
+                    <a:solidFill>
+                      <a:schemeClr val="tx1"/>
+                    </a:solidFill>
+                    <a:latin typeface="+mn-lt"/>
+                    <a:ea typeface="+mn-ea"/>
+                    <a:cs typeface="+mn-cs"/>
+                  </a:defRPr>
+                </a:lvl7pPr>
+                <a:lvl8pPr marL="2057400" indent="-228600" algn="l" rtl="0" eaLnBrk="1" latinLnBrk="0" hangingPunct="1">
+                  <a:spcBef>
+                    <a:spcPts val="350"/>
+                  </a:spcBef>
+                  <a:buClr>
+                    <a:schemeClr val="accent3"/>
+                  </a:buClr>
+                  <a:buFont typeface="Wingdings 2"/>
+                  <a:buChar char=""/>
+                  <a:defRPr kumimoji="0" sz="1600" kern="1200">
+                    <a:solidFill>
+                      <a:schemeClr val="tx1"/>
+                    </a:solidFill>
+                    <a:latin typeface="+mn-lt"/>
+                    <a:ea typeface="+mn-ea"/>
+                    <a:cs typeface="+mn-cs"/>
+                  </a:defRPr>
+                </a:lvl8pPr>
+                <a:lvl9pPr marL="2286000" indent="-228600" algn="l" rtl="0" eaLnBrk="1" latinLnBrk="0" hangingPunct="1">
+                  <a:spcBef>
+                    <a:spcPts val="350"/>
+                  </a:spcBef>
+                  <a:buClr>
+                    <a:schemeClr val="accent3"/>
+                  </a:buClr>
+                  <a:buFont typeface="Wingdings 2"/>
+                  <a:buChar char=""/>
+                  <a:defRPr kumimoji="0" sz="1600" kern="1200" baseline="0">
+                    <a:solidFill>
+                      <a:schemeClr val="tx1"/>
+                    </a:solidFill>
+                    <a:latin typeface="+mn-lt"/>
+                    <a:ea typeface="+mn-ea"/>
+                    <a:cs typeface="+mn-cs"/>
+                  </a:defRPr>
+                </a:lvl9pPr>
+                <a:extLst/>
+              </a:lstStyle>
+              <a:p>
+                <a:r>
+                  <a:rPr lang="en-US" sz="2400" dirty="0"/>
+                  <a:t>Lift</a:t>
+                </a:r>
+              </a:p>
+              <a:p>
+                <a:pPr marL="109728" indent="0">
+                  <a:buFont typeface="Wingdings 3"/>
+                  <a:buNone/>
+                </a:pPr>
+                <a14:m>
+                  <m:oMathPara xmlns:m="http://schemas.openxmlformats.org/officeDocument/2006/math">
+                    <m:oMathParaPr>
+                      <m:jc m:val="centerGroup"/>
+                    </m:oMathParaPr>
+                    <m:oMath xmlns:m="http://schemas.openxmlformats.org/officeDocument/2006/math">
+                      <m:r>
+                        <a:rPr lang="en-US" sz="2400" b="0" i="1" smtClean="0">
+                          <a:latin typeface="Cambria Math" panose="02040503050406030204" pitchFamily="18" charset="0"/>
+                        </a:rPr>
+                        <m:t>𝐿𝑖𝑓𝑡</m:t>
+                      </m:r>
+                      <m:d>
+                        <m:dPr>
+                          <m:ctrlPr>
+                            <a:rPr lang="en-US" sz="2400" b="0" i="1" smtClean="0">
+                              <a:latin typeface="Cambria Math" panose="02040503050406030204" pitchFamily="18" charset="0"/>
+                            </a:rPr>
+                          </m:ctrlPr>
+                        </m:dPr>
+                        <m:e>
+                          <m:r>
+                            <a:rPr lang="en-US" sz="2400" b="0" i="1" smtClean="0">
+                              <a:latin typeface="Cambria Math" panose="02040503050406030204" pitchFamily="18" charset="0"/>
+                            </a:rPr>
+                            <m:t>𝐴</m:t>
+                          </m:r>
+                          <m:r>
+                            <a:rPr lang="en-US" sz="2400" b="0" i="1" smtClean="0">
+                              <a:latin typeface="Cambria Math" panose="02040503050406030204" pitchFamily="18" charset="0"/>
+                            </a:rPr>
+                            <m:t>→</m:t>
+                          </m:r>
+                          <m:r>
+                            <a:rPr lang="en-US" sz="2400" b="0" i="1" smtClean="0">
+                              <a:latin typeface="Cambria Math" panose="02040503050406030204" pitchFamily="18" charset="0"/>
+                            </a:rPr>
+                            <m:t>𝐵</m:t>
+                          </m:r>
+                        </m:e>
+                      </m:d>
+                      <m:r>
+                        <a:rPr lang="en-US" sz="2400" b="0" i="1" smtClean="0">
+                          <a:latin typeface="Cambria Math" panose="02040503050406030204" pitchFamily="18" charset="0"/>
+                        </a:rPr>
+                        <m:t>= </m:t>
+                      </m:r>
+                      <m:f>
+                        <m:fPr>
+                          <m:ctrlPr>
+                            <a:rPr lang="en-US" sz="2400" b="0" i="1" smtClean="0">
+                              <a:latin typeface="Cambria Math" panose="02040503050406030204" pitchFamily="18" charset="0"/>
+                            </a:rPr>
+                          </m:ctrlPr>
+                        </m:fPr>
+                        <m:num>
+                          <m:r>
+                            <a:rPr lang="en-US" sz="2400" b="0" i="1" smtClean="0">
+                              <a:latin typeface="Cambria Math" panose="02040503050406030204" pitchFamily="18" charset="0"/>
+                            </a:rPr>
+                            <m:t>𝑐</m:t>
+                          </m:r>
+                          <m:r>
+                            <a:rPr lang="en-US" sz="2400" b="0" i="1" smtClean="0">
+                              <a:latin typeface="Cambria Math" panose="02040503050406030204" pitchFamily="18" charset="0"/>
+                            </a:rPr>
+                            <m:t>(</m:t>
+                          </m:r>
+                          <m:r>
+                            <a:rPr lang="en-US" sz="2400" b="0" i="1" smtClean="0">
+                              <a:latin typeface="Cambria Math" panose="02040503050406030204" pitchFamily="18" charset="0"/>
+                            </a:rPr>
+                            <m:t>𝐴</m:t>
+                          </m:r>
+                          <m:r>
+                            <a:rPr lang="en-US" sz="2400" b="0" i="1" smtClean="0">
+                              <a:latin typeface="Cambria Math" panose="02040503050406030204" pitchFamily="18" charset="0"/>
+                            </a:rPr>
+                            <m:t>→</m:t>
+                          </m:r>
+                          <m:r>
+                            <a:rPr lang="en-US" sz="2400" b="0" i="1" smtClean="0">
+                              <a:latin typeface="Cambria Math" panose="02040503050406030204" pitchFamily="18" charset="0"/>
+                            </a:rPr>
+                            <m:t>𝐵</m:t>
+                          </m:r>
+                          <m:r>
+                            <a:rPr lang="en-US" sz="2400" b="0" i="1" smtClean="0">
+                              <a:latin typeface="Cambria Math" panose="02040503050406030204" pitchFamily="18" charset="0"/>
+                            </a:rPr>
+                            <m:t>)</m:t>
+                          </m:r>
+                        </m:num>
+                        <m:den>
+                          <m:r>
+                            <a:rPr lang="en-US" sz="2400" b="0" i="1" smtClean="0">
+                              <a:latin typeface="Cambria Math" panose="02040503050406030204" pitchFamily="18" charset="0"/>
+                            </a:rPr>
+                            <m:t>𝑠</m:t>
+                          </m:r>
+                          <m:r>
+                            <a:rPr lang="en-US" sz="2400" b="0" i="1" smtClean="0">
+                              <a:latin typeface="Cambria Math" panose="02040503050406030204" pitchFamily="18" charset="0"/>
+                            </a:rPr>
+                            <m:t>(</m:t>
+                          </m:r>
+                          <m:r>
+                            <a:rPr lang="en-US" sz="2400" b="0" i="1" smtClean="0">
+                              <a:latin typeface="Cambria Math" panose="02040503050406030204" pitchFamily="18" charset="0"/>
+                            </a:rPr>
+                            <m:t>𝐵</m:t>
+                          </m:r>
+                          <m:r>
+                            <a:rPr lang="en-US" sz="2400" b="0" i="1" smtClean="0">
+                              <a:latin typeface="Cambria Math" panose="02040503050406030204" pitchFamily="18" charset="0"/>
+                            </a:rPr>
+                            <m:t>)</m:t>
+                          </m:r>
+                        </m:den>
+                      </m:f>
+                      <m:r>
+                        <a:rPr lang="en-US" sz="2400" b="0" i="1" smtClean="0">
+                          <a:latin typeface="Cambria Math" panose="02040503050406030204" pitchFamily="18" charset="0"/>
+                        </a:rPr>
+                        <m:t>=</m:t>
+                      </m:r>
+                      <m:f>
+                        <m:fPr>
+                          <m:ctrlPr>
+                            <a:rPr lang="en-US" sz="2400" b="0" i="1" smtClean="0">
+                              <a:latin typeface="Cambria Math" panose="02040503050406030204" pitchFamily="18" charset="0"/>
+                            </a:rPr>
+                          </m:ctrlPr>
+                        </m:fPr>
+                        <m:num>
+                          <m:r>
+                            <a:rPr lang="en-US" sz="2400" b="0" i="1" smtClean="0">
+                              <a:latin typeface="Cambria Math" panose="02040503050406030204" pitchFamily="18" charset="0"/>
+                            </a:rPr>
+                            <m:t>𝑃</m:t>
+                          </m:r>
+                          <m:r>
+                            <a:rPr lang="en-US" sz="2400" b="0" i="1" smtClean="0">
+                              <a:latin typeface="Cambria Math" panose="02040503050406030204" pitchFamily="18" charset="0"/>
+                            </a:rPr>
+                            <m:t>(</m:t>
+                          </m:r>
+                          <m:r>
+                            <a:rPr lang="en-US" sz="2400" b="0" i="1" smtClean="0">
+                              <a:latin typeface="Cambria Math" panose="02040503050406030204" pitchFamily="18" charset="0"/>
+                            </a:rPr>
+                            <m:t>𝐵</m:t>
+                          </m:r>
+                          <m:r>
+                            <a:rPr lang="en-US" sz="2400" b="0" i="1" smtClean="0">
+                              <a:latin typeface="Cambria Math" panose="02040503050406030204" pitchFamily="18" charset="0"/>
+                            </a:rPr>
+                            <m:t>|</m:t>
+                          </m:r>
+                          <m:r>
+                            <a:rPr lang="en-US" sz="2400" b="0" i="1" smtClean="0">
+                              <a:latin typeface="Cambria Math" panose="02040503050406030204" pitchFamily="18" charset="0"/>
+                            </a:rPr>
+                            <m:t>𝐴</m:t>
+                          </m:r>
+                          <m:r>
+                            <a:rPr lang="en-US" sz="2400" b="0" i="1" smtClean="0">
+                              <a:latin typeface="Cambria Math" panose="02040503050406030204" pitchFamily="18" charset="0"/>
+                            </a:rPr>
+                            <m:t>)</m:t>
+                          </m:r>
+                        </m:num>
+                        <m:den>
+                          <m:r>
+                            <a:rPr lang="en-US" sz="2400" b="0" i="1" smtClean="0">
+                              <a:latin typeface="Cambria Math" panose="02040503050406030204" pitchFamily="18" charset="0"/>
+                            </a:rPr>
+                            <m:t>𝑃</m:t>
+                          </m:r>
+                          <m:r>
+                            <a:rPr lang="en-US" sz="2400" b="0" i="1" smtClean="0">
+                              <a:latin typeface="Cambria Math" panose="02040503050406030204" pitchFamily="18" charset="0"/>
+                            </a:rPr>
+                            <m:t>(</m:t>
+                          </m:r>
+                          <m:r>
+                            <a:rPr lang="en-US" sz="2400" b="0" i="1" smtClean="0">
+                              <a:latin typeface="Cambria Math" panose="02040503050406030204" pitchFamily="18" charset="0"/>
+                            </a:rPr>
+                            <m:t>𝐵</m:t>
+                          </m:r>
+                          <m:r>
+                            <a:rPr lang="en-US" sz="2400" b="0" i="1" smtClean="0">
+                              <a:latin typeface="Cambria Math" panose="02040503050406030204" pitchFamily="18" charset="0"/>
+                            </a:rPr>
+                            <m:t>)</m:t>
+                          </m:r>
+                        </m:den>
+                      </m:f>
+                    </m:oMath>
+                  </m:oMathPara>
+                </a14:m>
+                <a:endParaRPr lang="it-IT" sz="2400" dirty="0"/>
+              </a:p>
+            </p:txBody>
+          </p:sp>
+        </mc:Choice>
+        <mc:Fallback>
+          <p:sp>
+            <p:nvSpPr>
+              <p:cNvPr id="7" name="Segnaposto contenuto 1">
+                <a:extLst>
+                  <a:ext uri="{FF2B5EF4-FFF2-40B4-BE49-F238E27FC236}">
+                    <a16:creationId xmlns:a16="http://schemas.microsoft.com/office/drawing/2014/main" id="{664D5A56-BA27-4B78-9073-06441FDE8814}"/>
+                  </a:ext>
+                </a:extLst>
+              </p:cNvPr>
+              <p:cNvSpPr txBox="1">
+                <a:spLocks noRot="1" noChangeAspect="1" noMove="1" noResize="1" noEditPoints="1" noAdjustHandles="1" noChangeArrowheads="1" noChangeShapeType="1" noTextEdit="1"/>
+              </p:cNvSpPr>
+              <p:nvPr/>
+            </p:nvSpPr>
+            <p:spPr>
+              <a:xfrm>
+                <a:off x="231703" y="4043505"/>
+                <a:ext cx="5544616" cy="2016224"/>
+              </a:xfrm>
+              <a:prstGeom prst="rect">
+                <a:avLst/>
+              </a:prstGeom>
+              <a:blipFill>
+                <a:blip r:embed="rId4"/>
+                <a:stretch>
+                  <a:fillRect t="-2417"/>
+                </a:stretch>
+              </a:blipFill>
+            </p:spPr>
+            <p:txBody>
+              <a:bodyPr/>
+              <a:lstStyle/>
+              <a:p>
+                <a:r>
+                  <a:rPr lang="it-IT">
+                    <a:noFill/>
+                  </a:rPr>
+                  <a:t> </a:t>
+                </a:r>
+              </a:p>
+            </p:txBody>
+          </p:sp>
+        </mc:Fallback>
+      </mc:AlternateContent>
+      <mc:AlternateContent xmlns:mc="http://schemas.openxmlformats.org/markup-compatibility/2006">
+        <mc:Choice xmlns:a14="http://schemas.microsoft.com/office/drawing/2010/main" Requires="a14">
+          <p:sp>
+            <p:nvSpPr>
+              <p:cNvPr id="8" name="CasellaDiTesto 7">
+                <a:extLst>
+                  <a:ext uri="{FF2B5EF4-FFF2-40B4-BE49-F238E27FC236}">
+                    <a16:creationId xmlns:a16="http://schemas.microsoft.com/office/drawing/2014/main" id="{FF797468-0070-4CF4-BCAB-59F37728362A}"/>
+                  </a:ext>
+                </a:extLst>
+              </p:cNvPr>
+              <p:cNvSpPr txBox="1"/>
+              <p:nvPr/>
+            </p:nvSpPr>
+            <p:spPr>
+              <a:xfrm>
+                <a:off x="4211960" y="1486460"/>
+                <a:ext cx="4716016" cy="707886"/>
+              </a:xfrm>
+              <a:prstGeom prst="rect">
+                <a:avLst/>
+              </a:prstGeom>
+              <a:noFill/>
+            </p:spPr>
+            <p:txBody>
+              <a:bodyPr wrap="square" rtlCol="0">
+                <a:spAutoFit/>
+              </a:bodyPr>
+              <a:lstStyle/>
+              <a:p>
+                <a:r>
+                  <a:rPr lang="en-US" sz="2000" dirty="0"/>
+                  <a:t>dove </a:t>
+                </a:r>
+                <a14:m>
+                  <m:oMath xmlns:m="http://schemas.openxmlformats.org/officeDocument/2006/math">
+                    <m:r>
+                      <a:rPr lang="en-US" sz="2000" b="0" i="1" smtClean="0">
+                        <a:latin typeface="Cambria Math" panose="02040503050406030204" pitchFamily="18" charset="0"/>
+                      </a:rPr>
+                      <m:t>𝜎</m:t>
+                    </m:r>
+                    <m:r>
+                      <a:rPr lang="en-US" sz="2000" b="0" i="1" smtClean="0">
+                        <a:latin typeface="Cambria Math" panose="02040503050406030204" pitchFamily="18" charset="0"/>
+                      </a:rPr>
+                      <m:t>{</m:t>
+                    </m:r>
+                    <m:r>
+                      <a:rPr lang="en-US" sz="2000" b="0" i="1" smtClean="0">
+                        <a:latin typeface="Cambria Math" panose="02040503050406030204" pitchFamily="18" charset="0"/>
+                      </a:rPr>
+                      <m:t>𝐴</m:t>
+                    </m:r>
+                    <m:r>
+                      <a:rPr lang="en-US" sz="2000" b="0" i="1" smtClean="0">
+                        <a:latin typeface="Cambria Math" panose="02040503050406030204" pitchFamily="18" charset="0"/>
+                      </a:rPr>
+                      <m:t>, </m:t>
+                    </m:r>
+                    <m:r>
+                      <a:rPr lang="en-US" sz="2000" b="0" i="1" smtClean="0">
+                        <a:latin typeface="Cambria Math" panose="02040503050406030204" pitchFamily="18" charset="0"/>
+                      </a:rPr>
+                      <m:t>𝐵</m:t>
+                    </m:r>
+                    <m:r>
+                      <a:rPr lang="en-US" sz="2000" b="0" i="1" smtClean="0">
+                        <a:latin typeface="Cambria Math" panose="02040503050406030204" pitchFamily="18" charset="0"/>
+                      </a:rPr>
+                      <m:t>}</m:t>
+                    </m:r>
+                  </m:oMath>
+                </a14:m>
+                <a:r>
+                  <a:rPr lang="en-US" sz="2000" dirty="0"/>
+                  <a:t> </a:t>
+                </a:r>
+                <a:r>
+                  <a:rPr lang="en-US" sz="2000" dirty="0" err="1"/>
+                  <a:t>numero</a:t>
+                </a:r>
+                <a:r>
+                  <a:rPr lang="en-US" sz="2000" dirty="0"/>
+                  <a:t> di </a:t>
+                </a:r>
+                <a:r>
+                  <a:rPr lang="en-US" sz="2000" dirty="0" err="1"/>
+                  <a:t>istanze</a:t>
+                </a:r>
+                <a:r>
+                  <a:rPr lang="en-US" sz="2000" dirty="0"/>
+                  <a:t> con </a:t>
+                </a:r>
+                <a:r>
+                  <a:rPr lang="en-US" sz="2000" dirty="0" err="1"/>
+                  <a:t>sia</a:t>
+                </a:r>
+                <a:r>
+                  <a:rPr lang="en-US" sz="2000" dirty="0"/>
+                  <a:t> A che B </a:t>
+                </a:r>
+                <a:endParaRPr lang="it-IT" sz="2000" dirty="0"/>
+              </a:p>
+            </p:txBody>
+          </p:sp>
+        </mc:Choice>
+        <mc:Fallback>
+          <p:sp>
+            <p:nvSpPr>
+              <p:cNvPr id="8" name="CasellaDiTesto 7">
+                <a:extLst>
+                  <a:ext uri="{FF2B5EF4-FFF2-40B4-BE49-F238E27FC236}">
+                    <a16:creationId xmlns:a16="http://schemas.microsoft.com/office/drawing/2014/main" id="{FF797468-0070-4CF4-BCAB-59F37728362A}"/>
+                  </a:ext>
+                </a:extLst>
+              </p:cNvPr>
+              <p:cNvSpPr txBox="1">
+                <a:spLocks noRot="1" noChangeAspect="1" noMove="1" noResize="1" noEditPoints="1" noAdjustHandles="1" noChangeArrowheads="1" noChangeShapeType="1" noTextEdit="1"/>
+              </p:cNvSpPr>
+              <p:nvPr/>
+            </p:nvSpPr>
+            <p:spPr>
+              <a:xfrm>
+                <a:off x="4211960" y="1486460"/>
+                <a:ext cx="4716016" cy="707886"/>
+              </a:xfrm>
+              <a:prstGeom prst="rect">
+                <a:avLst/>
+              </a:prstGeom>
+              <a:blipFill>
+                <a:blip r:embed="rId5"/>
+                <a:stretch>
+                  <a:fillRect l="-1421" t="-4310" b="-14655"/>
+                </a:stretch>
+              </a:blipFill>
+            </p:spPr>
+            <p:txBody>
+              <a:bodyPr/>
+              <a:lstStyle/>
+              <a:p>
+                <a:r>
+                  <a:rPr lang="it-IT">
+                    <a:noFill/>
+                  </a:rPr>
+                  <a:t> </a:t>
+                </a:r>
+              </a:p>
+            </p:txBody>
+          </p:sp>
+        </mc:Fallback>
+      </mc:AlternateContent>
+      <mc:AlternateContent xmlns:mc="http://schemas.openxmlformats.org/markup-compatibility/2006">
+        <mc:Choice xmlns:a14="http://schemas.microsoft.com/office/drawing/2010/main" Requires="a14">
+          <p:sp>
+            <p:nvSpPr>
+              <p:cNvPr id="9" name="CasellaDiTesto 8">
+                <a:extLst>
+                  <a:ext uri="{FF2B5EF4-FFF2-40B4-BE49-F238E27FC236}">
+                    <a16:creationId xmlns:a16="http://schemas.microsoft.com/office/drawing/2014/main" id="{5B8FC6F9-D199-43E6-91D4-8798D930629D}"/>
+                  </a:ext>
+                </a:extLst>
+              </p:cNvPr>
+              <p:cNvSpPr txBox="1"/>
+              <p:nvPr/>
+            </p:nvSpPr>
+            <p:spPr>
+              <a:xfrm>
+                <a:off x="5580112" y="4189079"/>
+                <a:ext cx="3491880" cy="2308324"/>
+              </a:xfrm>
+              <a:prstGeom prst="rect">
+                <a:avLst/>
+              </a:prstGeom>
+              <a:noFill/>
+            </p:spPr>
+            <p:txBody>
+              <a:bodyPr wrap="square" rtlCol="0">
+                <a:spAutoFit/>
+              </a:bodyPr>
+              <a:lstStyle/>
+              <a:p>
+                <a:pPr marL="285750" indent="-285750">
+                  <a:buFont typeface="Arial" panose="020B0604020202020204" pitchFamily="34" charset="0"/>
+                  <a:buChar char="•"/>
+                </a:pPr>
+                <a:r>
+                  <a:rPr lang="en-US" dirty="0"/>
+                  <a:t>Se </a:t>
+                </a:r>
+                <a14:m>
+                  <m:oMath xmlns:m="http://schemas.openxmlformats.org/officeDocument/2006/math">
+                    <m:r>
+                      <a:rPr lang="en-US" b="0" i="1" smtClean="0">
+                        <a:latin typeface="Cambria Math" panose="02040503050406030204" pitchFamily="18" charset="0"/>
+                      </a:rPr>
+                      <m:t>𝐿𝑖𝑓𝑡</m:t>
+                    </m:r>
+                    <m:r>
+                      <a:rPr lang="en-US" b="0" i="1" smtClean="0">
+                        <a:latin typeface="Cambria Math" panose="02040503050406030204" pitchFamily="18" charset="0"/>
+                      </a:rPr>
+                      <m:t>=1</m:t>
+                    </m:r>
+                  </m:oMath>
+                </a14:m>
+                <a:r>
+                  <a:rPr lang="it-IT" dirty="0"/>
+                  <a:t> i tipi sono indipendenti</a:t>
+                </a:r>
+              </a:p>
+              <a:p>
+                <a:pPr marL="285750" indent="-285750">
+                  <a:buFont typeface="Arial" panose="020B0604020202020204" pitchFamily="34" charset="0"/>
+                  <a:buChar char="•"/>
+                </a:pPr>
+                <a:r>
+                  <a:rPr lang="en-US" dirty="0"/>
+                  <a:t>Se </a:t>
+                </a:r>
+                <a14:m>
+                  <m:oMath xmlns:m="http://schemas.openxmlformats.org/officeDocument/2006/math">
+                    <m:r>
+                      <a:rPr lang="en-US" i="1">
+                        <a:latin typeface="Cambria Math" panose="02040503050406030204" pitchFamily="18" charset="0"/>
+                      </a:rPr>
+                      <m:t>𝐿𝑖𝑓𝑡</m:t>
+                    </m:r>
+                    <m:r>
+                      <a:rPr lang="en-US" b="0" i="1" smtClean="0">
+                        <a:latin typeface="Cambria Math" panose="02040503050406030204" pitchFamily="18" charset="0"/>
+                      </a:rPr>
+                      <m:t>&gt;</m:t>
+                    </m:r>
+                    <m:r>
+                      <a:rPr lang="en-US" i="1">
+                        <a:latin typeface="Cambria Math" panose="02040503050406030204" pitchFamily="18" charset="0"/>
+                      </a:rPr>
+                      <m:t>1</m:t>
+                    </m:r>
+                  </m:oMath>
+                </a14:m>
+                <a:r>
+                  <a:rPr lang="it-IT" dirty="0"/>
+                  <a:t> i tipi sono correlati positivamente</a:t>
+                </a:r>
+              </a:p>
+              <a:p>
+                <a:pPr marL="285750" indent="-285750">
+                  <a:buFont typeface="Arial" panose="020B0604020202020204" pitchFamily="34" charset="0"/>
+                  <a:buChar char="•"/>
+                </a:pPr>
+                <a:r>
+                  <a:rPr lang="en-US" dirty="0"/>
+                  <a:t>Se </a:t>
+                </a:r>
+                <a14:m>
+                  <m:oMath xmlns:m="http://schemas.openxmlformats.org/officeDocument/2006/math">
+                    <m:r>
+                      <a:rPr lang="en-US" i="1">
+                        <a:latin typeface="Cambria Math" panose="02040503050406030204" pitchFamily="18" charset="0"/>
+                      </a:rPr>
+                      <m:t>𝐿𝑖𝑓𝑡</m:t>
+                    </m:r>
+                    <m:r>
+                      <a:rPr lang="en-US" b="0" i="1" smtClean="0">
+                        <a:latin typeface="Cambria Math" panose="02040503050406030204" pitchFamily="18" charset="0"/>
+                      </a:rPr>
+                      <m:t>&lt;</m:t>
+                    </m:r>
+                    <m:r>
+                      <a:rPr lang="en-US" i="1">
+                        <a:latin typeface="Cambria Math" panose="02040503050406030204" pitchFamily="18" charset="0"/>
+                      </a:rPr>
+                      <m:t>1</m:t>
+                    </m:r>
+                  </m:oMath>
+                </a14:m>
+                <a:r>
+                  <a:rPr lang="it-IT" dirty="0"/>
+                  <a:t> i tipi sono correlati negativamente</a:t>
+                </a:r>
+              </a:p>
+              <a:p>
+                <a:pPr marL="285750" indent="-285750">
+                  <a:buFont typeface="Arial" panose="020B0604020202020204" pitchFamily="34" charset="0"/>
+                  <a:buChar char="•"/>
+                </a:pPr>
+                <a:endParaRPr lang="it-IT" dirty="0"/>
+              </a:p>
+              <a:p>
+                <a:pPr marL="285750" indent="-285750">
+                  <a:buFont typeface="Arial" panose="020B0604020202020204" pitchFamily="34" charset="0"/>
+                  <a:buChar char="•"/>
+                </a:pPr>
+                <a:endParaRPr lang="it-IT" dirty="0"/>
+              </a:p>
+            </p:txBody>
+          </p:sp>
+        </mc:Choice>
+        <mc:Fallback>
+          <p:sp>
+            <p:nvSpPr>
+              <p:cNvPr id="9" name="CasellaDiTesto 8">
+                <a:extLst>
+                  <a:ext uri="{FF2B5EF4-FFF2-40B4-BE49-F238E27FC236}">
+                    <a16:creationId xmlns:a16="http://schemas.microsoft.com/office/drawing/2014/main" id="{5B8FC6F9-D199-43E6-91D4-8798D930629D}"/>
+                  </a:ext>
+                </a:extLst>
+              </p:cNvPr>
+              <p:cNvSpPr txBox="1">
+                <a:spLocks noRot="1" noChangeAspect="1" noMove="1" noResize="1" noEditPoints="1" noAdjustHandles="1" noChangeArrowheads="1" noChangeShapeType="1" noTextEdit="1"/>
+              </p:cNvSpPr>
+              <p:nvPr/>
+            </p:nvSpPr>
+            <p:spPr>
+              <a:xfrm>
+                <a:off x="5580112" y="4189079"/>
+                <a:ext cx="3491880" cy="2308324"/>
+              </a:xfrm>
+              <a:prstGeom prst="rect">
+                <a:avLst/>
+              </a:prstGeom>
+              <a:blipFill>
+                <a:blip r:embed="rId6"/>
+                <a:stretch>
+                  <a:fillRect l="-1047" t="-1055"/>
+                </a:stretch>
+              </a:blipFill>
+            </p:spPr>
+            <p:txBody>
+              <a:bodyPr/>
+              <a:lstStyle/>
+              <a:p>
+                <a:r>
+                  <a:rPr lang="it-IT">
+                    <a:noFill/>
+                  </a:rPr>
+                  <a:t> </a:t>
+                </a:r>
+              </a:p>
+            </p:txBody>
+          </p:sp>
+        </mc:Fallback>
+      </mc:AlternateContent>
+    </p:spTree>
+    <p:extLst>
+      <p:ext uri="{BB962C8B-B14F-4D97-AF65-F5344CB8AC3E}">
+        <p14:creationId xmlns:p14="http://schemas.microsoft.com/office/powerpoint/2010/main" val="3846920731"/>
+      </p:ext>
+    </p:extLst>
+  </p:cSld>
+  <p:clrMapOvr>
+    <a:masterClrMapping/>
+  </p:clrMapOvr>
+  <p:timing>
+    <p:tnLst>
+      <p:par>
+        <p:cTn id="1" dur="indefinite" restart="never" nodeType="tmRoot">
+          <p:childTnLst>
+            <p:seq concurrent="1" nextAc="seek">
+              <p:cTn id="2" dur="indefinite" nodeType="mainSeq">
+                <p:childTnLst>
+                  <p:par>
+                    <p:cTn id="3" fill="hold">
+                      <p:stCondLst>
+                        <p:cond delay="indefinite"/>
+                      </p:stCondLst>
+                      <p:childTnLst>
+                        <p:par>
+                          <p:cTn id="4" fill="hold">
+                            <p:stCondLst>
+                              <p:cond delay="0"/>
+                            </p:stCondLst>
+                            <p:childTnLst>
+                              <p:par>
+                                <p:cTn id="5" presetID="1" presetClass="entr" presetSubtype="0" fill="hold" grpId="0" nodeType="clickEffect">
+                                  <p:stCondLst>
+                                    <p:cond delay="0"/>
+                                  </p:stCondLst>
+                                  <p:childTnLst>
+                                    <p:set>
+                                      <p:cBhvr>
+                                        <p:cTn id="6" dur="1" fill="hold">
+                                          <p:stCondLst>
+                                            <p:cond delay="0"/>
+                                          </p:stCondLst>
+                                        </p:cTn>
+                                        <p:tgtEl>
+                                          <p:spTgt spid="2"/>
+                                        </p:tgtEl>
+                                        <p:attrNameLst>
+                                          <p:attrName>style.visibility</p:attrName>
+                                        </p:attrNameLst>
+                                      </p:cBhvr>
+                                      <p:to>
+                                        <p:strVal val="visible"/>
+                                      </p:to>
+                                    </p:set>
+                                  </p:childTnLst>
+                                </p:cTn>
+                              </p:par>
+                              <p:par>
+                                <p:cTn id="7" presetID="1" presetClass="entr" presetSubtype="0" fill="hold" grpId="0" nodeType="withEffect">
+                                  <p:stCondLst>
+                                    <p:cond delay="0"/>
+                                  </p:stCondLst>
+                                  <p:childTnLst>
+                                    <p:set>
+                                      <p:cBhvr>
+                                        <p:cTn id="8" dur="1" fill="hold">
+                                          <p:stCondLst>
+                                            <p:cond delay="0"/>
+                                          </p:stCondLst>
+                                        </p:cTn>
+                                        <p:tgtEl>
+                                          <p:spTgt spid="8"/>
+                                        </p:tgtEl>
+                                        <p:attrNameLst>
+                                          <p:attrName>style.visibility</p:attrName>
+                                        </p:attrNameLst>
+                                      </p:cBhvr>
+                                      <p:to>
+                                        <p:strVal val="visible"/>
+                                      </p:to>
+                                    </p:set>
+                                  </p:childTnLst>
+                                </p:cTn>
+                              </p:par>
+                            </p:childTnLst>
+                          </p:cTn>
+                        </p:par>
+                      </p:childTnLst>
+                    </p:cTn>
+                  </p:par>
+                  <p:par>
+                    <p:cTn id="9" fill="hold">
+                      <p:stCondLst>
+                        <p:cond delay="indefinite"/>
+                      </p:stCondLst>
+                      <p:childTnLst>
+                        <p:par>
+                          <p:cTn id="10" fill="hold">
+                            <p:stCondLst>
+                              <p:cond delay="0"/>
+                            </p:stCondLst>
+                            <p:childTnLst>
+                              <p:par>
+                                <p:cTn id="11" presetID="1" presetClass="entr" presetSubtype="0" fill="hold" grpId="0" nodeType="clickEffect">
+                                  <p:stCondLst>
+                                    <p:cond delay="0"/>
+                                  </p:stCondLst>
+                                  <p:childTnLst>
+                                    <p:set>
+                                      <p:cBhvr>
+                                        <p:cTn id="12" dur="1" fill="hold">
+                                          <p:stCondLst>
+                                            <p:cond delay="0"/>
+                                          </p:stCondLst>
+                                        </p:cTn>
+                                        <p:tgtEl>
+                                          <p:spTgt spid="6"/>
+                                        </p:tgtEl>
+                                        <p:attrNameLst>
+                                          <p:attrName>style.visibility</p:attrName>
+                                        </p:attrNameLst>
+                                      </p:cBhvr>
+                                      <p:to>
+                                        <p:strVal val="visible"/>
+                                      </p:to>
+                                    </p:set>
+                                  </p:childTnLst>
+                                </p:cTn>
+                              </p:par>
+                            </p:childTnLst>
+                          </p:cTn>
+                        </p:par>
+                      </p:childTnLst>
+                    </p:cTn>
+                  </p:par>
+                  <p:par>
+                    <p:cTn id="13" fill="hold">
+                      <p:stCondLst>
+                        <p:cond delay="indefinite"/>
+                      </p:stCondLst>
+                      <p:childTnLst>
+                        <p:par>
+                          <p:cTn id="14" fill="hold">
+                            <p:stCondLst>
+                              <p:cond delay="0"/>
+                            </p:stCondLst>
+                            <p:childTnLst>
+                              <p:par>
+                                <p:cTn id="15" presetID="1" presetClass="entr" presetSubtype="0" fill="hold" grpId="0" nodeType="clickEffect">
+                                  <p:stCondLst>
+                                    <p:cond delay="0"/>
+                                  </p:stCondLst>
+                                  <p:childTnLst>
+                                    <p:set>
+                                      <p:cBhvr>
+                                        <p:cTn id="16" dur="1" fill="hold">
+                                          <p:stCondLst>
+                                            <p:cond delay="0"/>
+                                          </p:stCondLst>
+                                        </p:cTn>
+                                        <p:tgtEl>
+                                          <p:spTgt spid="7"/>
+                                        </p:tgtEl>
+                                        <p:attrNameLst>
+                                          <p:attrName>style.visibility</p:attrName>
+                                        </p:attrNameLst>
+                                      </p:cBhvr>
+                                      <p:to>
+                                        <p:strVal val="visible"/>
+                                      </p:to>
+                                    </p:set>
+                                  </p:childTnLst>
+                                </p:cTn>
+                              </p:par>
+                              <p:par>
+                                <p:cTn id="17" presetID="1" presetClass="entr" presetSubtype="0" fill="hold" grpId="0" nodeType="withEffect">
+                                  <p:stCondLst>
+                                    <p:cond delay="0"/>
+                                  </p:stCondLst>
+                                  <p:childTnLst>
+                                    <p:set>
+                                      <p:cBhvr>
+                                        <p:cTn id="18" dur="1" fill="hold">
+                                          <p:stCondLst>
+                                            <p:cond delay="0"/>
+                                          </p:stCondLst>
+                                        </p:cTn>
+                                        <p:tgtEl>
+                                          <p:spTgt spid="9"/>
+                                        </p:tgtEl>
+                                        <p:attrNameLst>
+                                          <p:attrName>style.visibility</p:attrName>
+                                        </p:attrNameLst>
+                                      </p:cBhvr>
+                                      <p:to>
+                                        <p:strVal val="visible"/>
+                                      </p:to>
+                                    </p:set>
+                                  </p:childTnLst>
+                                </p:cTn>
+                              </p:par>
+                            </p:childTnLst>
+                          </p:cTn>
+                        </p:par>
+                      </p:childTnLst>
+                    </p:cTn>
+                  </p:par>
+                </p:childTnLst>
+              </p:cTn>
+              <p:prevCondLst>
+                <p:cond evt="onPrev" delay="0">
+                  <p:tgtEl>
+                    <p:sldTgt/>
+                  </p:tgtEl>
+                </p:cond>
+              </p:prevCondLst>
+              <p:nextCondLst>
+                <p:cond evt="onNext" delay="0">
+                  <p:tgtEl>
+                    <p:sldTgt/>
+                  </p:tgtEl>
+                </p:cond>
+              </p:nextCondLst>
+            </p:seq>
+          </p:childTnLst>
+        </p:cTn>
+      </p:par>
+    </p:tnLst>
+    <p:bldLst>
+      <p:bldP spid="2" grpId="0"/>
+      <p:bldP spid="6" grpId="0"/>
+      <p:bldP spid="7" grpId="0"/>
+      <p:bldP spid="8" grpId="0"/>
+      <p:bldP spid="9" grpId="0"/>
+    </p:bldLst>
+  </p:timing>
+</p:sld>
+</file>
+
+<file path=ppt/slides/slide11.xml><?xml version="1.0" encoding="utf-8"?>
+<p:sld xmlns:a="http://schemas.openxmlformats.org/drawingml/2006/main" xmlns:r="http://schemas.openxmlformats.org/officeDocument/2006/relationships" xmlns:p="http://schemas.openxmlformats.org/presentationml/2006/main">
+  <p:cSld>
+    <p:spTree>
+      <p:nvGrpSpPr>
+        <p:cNvPr id="1" name=""/>
+        <p:cNvGrpSpPr/>
+        <p:nvPr/>
+      </p:nvGrpSpPr>
+      <p:grpSpPr>
+        <a:xfrm>
+          <a:off x="0" y="0"/>
+          <a:ext cx="0" cy="0"/>
+          <a:chOff x="0" y="0"/>
+          <a:chExt cx="0" cy="0"/>
+        </a:xfrm>
+      </p:grpSpPr>
+      <mc:AlternateContent xmlns:mc="http://schemas.openxmlformats.org/markup-compatibility/2006">
+        <mc:Choice xmlns:a14="http://schemas.microsoft.com/office/drawing/2010/main" Requires="a14">
+          <p:sp>
+            <p:nvSpPr>
+              <p:cNvPr id="2" name="Segnaposto contenuto 1">
+                <a:extLst>
+                  <a:ext uri="{FF2B5EF4-FFF2-40B4-BE49-F238E27FC236}">
+                    <a16:creationId xmlns:a16="http://schemas.microsoft.com/office/drawing/2014/main" id="{105B47A1-F943-45D7-B32D-409F404B886E}"/>
+                  </a:ext>
+                </a:extLst>
+              </p:cNvPr>
+              <p:cNvSpPr>
+                <a:spLocks noGrp="1"/>
+              </p:cNvSpPr>
+              <p:nvPr>
+                <p:ph idx="1"/>
+              </p:nvPr>
+            </p:nvSpPr>
+            <p:spPr>
+              <a:xfrm>
+                <a:off x="997950" y="1124744"/>
+                <a:ext cx="3538736" cy="1296144"/>
+              </a:xfrm>
+            </p:spPr>
+            <p:txBody>
+              <a:bodyPr>
+                <a:normAutofit/>
+              </a:bodyPr>
+              <a:lstStyle/>
+              <a:p>
+                <a:pPr marL="109728" indent="0">
+                  <a:buNone/>
+                </a:pPr>
+                <a:r>
+                  <a:rPr lang="en-US" sz="2200" dirty="0"/>
+                  <a:t>Test con (3129 record):</a:t>
+                </a:r>
+              </a:p>
+              <a:p>
+                <a14:m>
+                  <m:oMath xmlns:m="http://schemas.openxmlformats.org/officeDocument/2006/math">
+                    <m:r>
+                      <a:rPr lang="en-US" sz="2200" b="0" i="1" smtClean="0">
+                        <a:latin typeface="Cambria Math" panose="02040503050406030204" pitchFamily="18" charset="0"/>
+                      </a:rPr>
+                      <m:t>𝑁𝑢𝑚</m:t>
+                    </m:r>
+                    <m:r>
+                      <a:rPr lang="en-US" sz="2200" b="0" i="1" smtClean="0">
+                        <a:latin typeface="Cambria Math" panose="02040503050406030204" pitchFamily="18" charset="0"/>
+                      </a:rPr>
+                      <m:t>=50</m:t>
+                    </m:r>
+                  </m:oMath>
+                </a14:m>
+                <a:endParaRPr lang="en-US" sz="2200" b="0" i="1" dirty="0">
+                  <a:latin typeface="Cambria Math" panose="02040503050406030204" pitchFamily="18" charset="0"/>
+                </a:endParaRPr>
+              </a:p>
+              <a:p>
+                <a14:m>
+                  <m:oMath xmlns:m="http://schemas.openxmlformats.org/officeDocument/2006/math">
+                    <m:r>
+                      <a:rPr lang="en-US" sz="2200" b="0" i="1" smtClean="0">
+                        <a:latin typeface="Cambria Math" panose="02040503050406030204" pitchFamily="18" charset="0"/>
+                      </a:rPr>
+                      <m:t>𝜃</m:t>
+                    </m:r>
+                    <m:r>
+                      <a:rPr lang="en-US" sz="2200" b="0" i="1" smtClean="0">
+                        <a:latin typeface="Cambria Math" panose="02040503050406030204" pitchFamily="18" charset="0"/>
+                      </a:rPr>
+                      <m:t>=0.25</m:t>
+                    </m:r>
+                  </m:oMath>
+                </a14:m>
+                <a:endParaRPr lang="en-US" sz="2200" b="0" dirty="0"/>
+              </a:p>
+              <a:p>
+                <a:pPr marL="109728" indent="0">
+                  <a:buNone/>
+                </a:pPr>
+                <a:endParaRPr lang="it-IT" sz="2400" dirty="0"/>
+              </a:p>
+              <a:p>
+                <a:endParaRPr lang="it-IT" sz="2400" dirty="0"/>
+              </a:p>
+            </p:txBody>
+          </p:sp>
+        </mc:Choice>
+        <mc:Fallback>
+          <p:sp>
+            <p:nvSpPr>
+              <p:cNvPr id="2" name="Segnaposto contenuto 1">
+                <a:extLst>
+                  <a:ext uri="{FF2B5EF4-FFF2-40B4-BE49-F238E27FC236}">
+                    <a16:creationId xmlns:a16="http://schemas.microsoft.com/office/drawing/2014/main" id="{105B47A1-F943-45D7-B32D-409F404B886E}"/>
+                  </a:ext>
+                </a:extLst>
+              </p:cNvPr>
+              <p:cNvSpPr>
+                <a:spLocks noGrp="1" noRot="1" noChangeAspect="1" noMove="1" noResize="1" noEditPoints="1" noAdjustHandles="1" noChangeArrowheads="1" noChangeShapeType="1" noTextEdit="1"/>
+              </p:cNvSpPr>
+              <p:nvPr>
+                <p:ph idx="1"/>
+              </p:nvPr>
+            </p:nvSpPr>
+            <p:spPr>
+              <a:xfrm>
+                <a:off x="997950" y="1124744"/>
+                <a:ext cx="3538736" cy="1296144"/>
+              </a:xfrm>
+              <a:blipFill>
+                <a:blip r:embed="rId2"/>
+                <a:stretch>
+                  <a:fillRect t="-3302" r="-862"/>
+                </a:stretch>
+              </a:blipFill>
+            </p:spPr>
+            <p:txBody>
+              <a:bodyPr/>
+              <a:lstStyle/>
+              <a:p>
+                <a:r>
+                  <a:rPr lang="it-IT">
+                    <a:noFill/>
+                  </a:rPr>
+                  <a:t> </a:t>
+                </a:r>
+              </a:p>
+            </p:txBody>
+          </p:sp>
+        </mc:Fallback>
+      </mc:AlternateContent>
+      <p:sp>
+        <p:nvSpPr>
+          <p:cNvPr id="3" name="Titolo 2">
+            <a:extLst>
+              <a:ext uri="{FF2B5EF4-FFF2-40B4-BE49-F238E27FC236}">
+                <a16:creationId xmlns:a16="http://schemas.microsoft.com/office/drawing/2014/main" id="{4F329FE0-8729-4433-8D73-129E66E35FEA}"/>
+              </a:ext>
+            </a:extLst>
+          </p:cNvPr>
+          <p:cNvSpPr>
+            <a:spLocks noGrp="1"/>
+          </p:cNvSpPr>
+          <p:nvPr>
+            <p:ph type="title"/>
+          </p:nvPr>
+        </p:nvSpPr>
+        <p:spPr>
+          <a:xfrm>
+            <a:off x="457200" y="188640"/>
+            <a:ext cx="8229600" cy="1143000"/>
+          </a:xfrm>
+        </p:spPr>
+        <p:txBody>
+          <a:bodyPr/>
+          <a:lstStyle/>
+          <a:p>
+            <a:pPr algn="ctr"/>
+            <a:r>
+              <a:rPr lang="en-US" dirty="0" err="1"/>
+              <a:t>Analisi</a:t>
+            </a:r>
+            <a:r>
+              <a:rPr lang="en-US" dirty="0"/>
+              <a:t> </a:t>
+            </a:r>
+            <a:r>
+              <a:rPr lang="en-US" dirty="0" err="1"/>
+              <a:t>dei</a:t>
+            </a:r>
+            <a:r>
+              <a:rPr lang="en-US" dirty="0"/>
+              <a:t> </a:t>
+            </a:r>
+            <a:r>
+              <a:rPr lang="en-US" dirty="0" err="1"/>
+              <a:t>risultati</a:t>
+            </a:r>
+            <a:endParaRPr lang="it-IT" dirty="0"/>
+          </a:p>
+        </p:txBody>
+      </p:sp>
+      <p:pic>
+        <p:nvPicPr>
+          <p:cNvPr id="4" name="Immagine 3">
+            <a:extLst>
+              <a:ext uri="{FF2B5EF4-FFF2-40B4-BE49-F238E27FC236}">
+                <a16:creationId xmlns:a16="http://schemas.microsoft.com/office/drawing/2014/main" id="{D7CDC932-B351-411D-ACA2-A5C3A8348368}"/>
+              </a:ext>
+            </a:extLst>
+          </p:cNvPr>
+          <p:cNvPicPr>
+            <a:picLocks noChangeAspect="1"/>
+          </p:cNvPicPr>
+          <p:nvPr/>
+        </p:nvPicPr>
+        <p:blipFill>
+          <a:blip r:embed="rId3"/>
+          <a:stretch>
+            <a:fillRect/>
+          </a:stretch>
+        </p:blipFill>
+        <p:spPr>
+          <a:xfrm>
+            <a:off x="209310" y="2564904"/>
+            <a:ext cx="8654753" cy="3982929"/>
+          </a:xfrm>
+          <a:prstGeom prst="rect">
+            <a:avLst/>
+          </a:prstGeom>
+        </p:spPr>
+      </p:pic>
+      <mc:AlternateContent xmlns:mc="http://schemas.openxmlformats.org/markup-compatibility/2006">
+        <mc:Choice xmlns:a14="http://schemas.microsoft.com/office/drawing/2010/main" Requires="a14">
+          <p:sp>
+            <p:nvSpPr>
+              <p:cNvPr id="5" name="Segnaposto contenuto 1">
+                <a:extLst>
+                  <a:ext uri="{FF2B5EF4-FFF2-40B4-BE49-F238E27FC236}">
+                    <a16:creationId xmlns:a16="http://schemas.microsoft.com/office/drawing/2014/main" id="{8CFEC1C9-40AE-4CD5-B4C2-8D888C12CD8E}"/>
+                  </a:ext>
+                </a:extLst>
+              </p:cNvPr>
+              <p:cNvSpPr txBox="1">
+                <a:spLocks/>
+              </p:cNvSpPr>
+              <p:nvPr/>
+            </p:nvSpPr>
+            <p:spPr>
+              <a:xfrm>
+                <a:off x="3073007" y="1544307"/>
+                <a:ext cx="3538736" cy="1008112"/>
+              </a:xfrm>
+              <a:prstGeom prst="rect">
+                <a:avLst/>
+              </a:prstGeom>
+            </p:spPr>
+            <p:txBody>
+              <a:bodyPr vert="horz">
+                <a:normAutofit/>
+              </a:bodyPr>
+              <a:lstStyle>
+                <a:lvl1pPr marL="365760" indent="-256032" algn="l" rtl="0" eaLnBrk="1" latinLnBrk="0" hangingPunct="1">
+                  <a:spcBef>
+                    <a:spcPts val="400"/>
+                  </a:spcBef>
+                  <a:spcAft>
+                    <a:spcPts val="0"/>
+                  </a:spcAft>
+                  <a:buClr>
+                    <a:schemeClr val="accent1"/>
+                  </a:buClr>
+                  <a:buSzPct val="68000"/>
+                  <a:buFont typeface="Wingdings 3"/>
+                  <a:buChar char=""/>
+                  <a:defRPr kumimoji="0" sz="2700" kern="1200">
+                    <a:solidFill>
+                      <a:schemeClr val="tx1"/>
+                    </a:solidFill>
+                    <a:latin typeface="+mn-lt"/>
+                    <a:ea typeface="+mn-ea"/>
+                    <a:cs typeface="+mn-cs"/>
+                  </a:defRPr>
+                </a:lvl1pPr>
+                <a:lvl2pPr marL="621792" indent="-228600" algn="l" rtl="0" eaLnBrk="1" latinLnBrk="0" hangingPunct="1">
+                  <a:spcBef>
+                    <a:spcPts val="324"/>
+                  </a:spcBef>
+                  <a:buClr>
+                    <a:schemeClr val="accent1"/>
+                  </a:buClr>
+                  <a:buFont typeface="Verdana"/>
+                  <a:buChar char="◦"/>
+                  <a:defRPr kumimoji="0" sz="2300" kern="1200">
+                    <a:solidFill>
+                      <a:schemeClr val="tx1"/>
+                    </a:solidFill>
+                    <a:latin typeface="+mn-lt"/>
+                    <a:ea typeface="+mn-ea"/>
+                    <a:cs typeface="+mn-cs"/>
+                  </a:defRPr>
+                </a:lvl2pPr>
+                <a:lvl3pPr marL="859536" indent="-228600" algn="l" rtl="0" eaLnBrk="1" latinLnBrk="0" hangingPunct="1">
+                  <a:spcBef>
+                    <a:spcPts val="350"/>
+                  </a:spcBef>
+                  <a:buClr>
+                    <a:schemeClr val="accent2"/>
+                  </a:buClr>
+                  <a:buSzPct val="100000"/>
+                  <a:buFont typeface="Wingdings 2"/>
+                  <a:buChar char=""/>
+                  <a:defRPr kumimoji="0" sz="2100" kern="1200">
+                    <a:solidFill>
+                      <a:schemeClr val="tx1"/>
+                    </a:solidFill>
+                    <a:latin typeface="+mn-lt"/>
+                    <a:ea typeface="+mn-ea"/>
+                    <a:cs typeface="+mn-cs"/>
+                  </a:defRPr>
+                </a:lvl3pPr>
+                <a:lvl4pPr marL="1143000" indent="-228600" algn="l" rtl="0" eaLnBrk="1" latinLnBrk="0" hangingPunct="1">
+                  <a:spcBef>
+                    <a:spcPts val="350"/>
+                  </a:spcBef>
+                  <a:buClr>
+                    <a:schemeClr val="accent2"/>
+                  </a:buClr>
+                  <a:buFont typeface="Wingdings 2"/>
+                  <a:buChar char=""/>
+                  <a:defRPr kumimoji="0" sz="1900" kern="1200">
+                    <a:solidFill>
+                      <a:schemeClr val="tx1"/>
+                    </a:solidFill>
+                    <a:latin typeface="+mn-lt"/>
+                    <a:ea typeface="+mn-ea"/>
+                    <a:cs typeface="+mn-cs"/>
+                  </a:defRPr>
+                </a:lvl4pPr>
+                <a:lvl5pPr marL="1371600" indent="-228600" algn="l" rtl="0" eaLnBrk="1" latinLnBrk="0" hangingPunct="1">
+                  <a:spcBef>
+                    <a:spcPts val="350"/>
+                  </a:spcBef>
+                  <a:buClr>
+                    <a:schemeClr val="accent2"/>
+                  </a:buClr>
+                  <a:buFont typeface="Wingdings 2"/>
+                  <a:buChar char=""/>
+                  <a:defRPr kumimoji="0" sz="1800" kern="1200">
+                    <a:solidFill>
+                      <a:schemeClr val="tx1"/>
+                    </a:solidFill>
+                    <a:latin typeface="+mn-lt"/>
+                    <a:ea typeface="+mn-ea"/>
+                    <a:cs typeface="+mn-cs"/>
+                  </a:defRPr>
+                </a:lvl5pPr>
+                <a:lvl6pPr marL="1600200" indent="-228600" algn="l" rtl="0" eaLnBrk="1" latinLnBrk="0" hangingPunct="1">
+                  <a:spcBef>
+                    <a:spcPts val="350"/>
+                  </a:spcBef>
+                  <a:buClr>
+                    <a:schemeClr val="accent3"/>
+                  </a:buClr>
+                  <a:buFont typeface="Wingdings 2"/>
+                  <a:buChar char=""/>
+                  <a:defRPr kumimoji="0" sz="1800" kern="1200">
+                    <a:solidFill>
+                      <a:schemeClr val="tx1"/>
+                    </a:solidFill>
+                    <a:latin typeface="+mn-lt"/>
+                    <a:ea typeface="+mn-ea"/>
+                    <a:cs typeface="+mn-cs"/>
+                  </a:defRPr>
+                </a:lvl6pPr>
+                <a:lvl7pPr marL="1828800" indent="-228600" algn="l" rtl="0" eaLnBrk="1" latinLnBrk="0" hangingPunct="1">
+                  <a:spcBef>
+                    <a:spcPts val="350"/>
+                  </a:spcBef>
+                  <a:buClr>
+                    <a:schemeClr val="accent3"/>
+                  </a:buClr>
+                  <a:buFont typeface="Wingdings 2"/>
+                  <a:buChar char=""/>
+                  <a:defRPr kumimoji="0" sz="1600" kern="1200">
+                    <a:solidFill>
+                      <a:schemeClr val="tx1"/>
+                    </a:solidFill>
+                    <a:latin typeface="+mn-lt"/>
+                    <a:ea typeface="+mn-ea"/>
+                    <a:cs typeface="+mn-cs"/>
+                  </a:defRPr>
+                </a:lvl7pPr>
+                <a:lvl8pPr marL="2057400" indent="-228600" algn="l" rtl="0" eaLnBrk="1" latinLnBrk="0" hangingPunct="1">
+                  <a:spcBef>
+                    <a:spcPts val="350"/>
+                  </a:spcBef>
+                  <a:buClr>
+                    <a:schemeClr val="accent3"/>
+                  </a:buClr>
+                  <a:buFont typeface="Wingdings 2"/>
+                  <a:buChar char=""/>
+                  <a:defRPr kumimoji="0" sz="1600" kern="1200">
+                    <a:solidFill>
+                      <a:schemeClr val="tx1"/>
+                    </a:solidFill>
+                    <a:latin typeface="+mn-lt"/>
+                    <a:ea typeface="+mn-ea"/>
+                    <a:cs typeface="+mn-cs"/>
+                  </a:defRPr>
+                </a:lvl8pPr>
+                <a:lvl9pPr marL="2286000" indent="-228600" algn="l" rtl="0" eaLnBrk="1" latinLnBrk="0" hangingPunct="1">
+                  <a:spcBef>
+                    <a:spcPts val="350"/>
+                  </a:spcBef>
+                  <a:buClr>
+                    <a:schemeClr val="accent3"/>
+                  </a:buClr>
+                  <a:buFont typeface="Wingdings 2"/>
+                  <a:buChar char=""/>
+                  <a:defRPr kumimoji="0" sz="1600" kern="1200" baseline="0">
+                    <a:solidFill>
+                      <a:schemeClr val="tx1"/>
+                    </a:solidFill>
+                    <a:latin typeface="+mn-lt"/>
+                    <a:ea typeface="+mn-ea"/>
+                    <a:cs typeface="+mn-cs"/>
+                  </a:defRPr>
+                </a:lvl9pPr>
+                <a:extLst/>
+              </a:lstStyle>
+              <a:p>
+                <a14:m>
+                  <m:oMath xmlns:m="http://schemas.openxmlformats.org/officeDocument/2006/math">
+                    <m:r>
+                      <a:rPr lang="en-US" sz="2200" i="1" smtClean="0">
+                        <a:latin typeface="Cambria Math" panose="02040503050406030204" pitchFamily="18" charset="0"/>
+                      </a:rPr>
+                      <m:t>𝑅</m:t>
+                    </m:r>
+                    <m:r>
+                      <a:rPr lang="en-US" sz="2200" i="1" smtClean="0">
+                        <a:latin typeface="Cambria Math" panose="02040503050406030204" pitchFamily="18" charset="0"/>
+                      </a:rPr>
+                      <m:t>=2 </m:t>
+                    </m:r>
+                    <m:r>
+                      <a:rPr lang="en-US" sz="2200" i="1" smtClean="0">
+                        <a:latin typeface="Cambria Math" panose="02040503050406030204" pitchFamily="18" charset="0"/>
+                      </a:rPr>
+                      <m:t>𝑘𝑚</m:t>
+                    </m:r>
+                  </m:oMath>
+                </a14:m>
+                <a:endParaRPr lang="en-US" sz="2200" i="1" dirty="0">
+                  <a:latin typeface="Cambria Math" panose="02040503050406030204" pitchFamily="18" charset="0"/>
+                </a:endParaRPr>
+              </a:p>
+              <a:p>
+                <a14:m>
+                  <m:oMath xmlns:m="http://schemas.openxmlformats.org/officeDocument/2006/math">
+                    <m:r>
+                      <a:rPr lang="en-US" sz="2200" i="1" smtClean="0">
+                        <a:latin typeface="Cambria Math" panose="02040503050406030204" pitchFamily="18" charset="0"/>
+                      </a:rPr>
+                      <m:t>𝑇</m:t>
+                    </m:r>
+                    <m:r>
+                      <a:rPr lang="en-US" sz="2200" i="1" smtClean="0">
+                        <a:latin typeface="Cambria Math" panose="02040503050406030204" pitchFamily="18" charset="0"/>
+                      </a:rPr>
+                      <m:t>=168 </m:t>
+                    </m:r>
+                    <m:r>
+                      <a:rPr lang="en-US" sz="2200" i="1" smtClean="0">
+                        <a:latin typeface="Cambria Math" panose="02040503050406030204" pitchFamily="18" charset="0"/>
+                      </a:rPr>
+                      <m:t>𝑜𝑟𝑒</m:t>
+                    </m:r>
+                    <m:r>
+                      <m:rPr>
+                        <m:nor/>
+                      </m:rPr>
+                      <a:rPr lang="en-US" sz="2200" smtClean="0">
+                        <a:latin typeface="Cambria Math" panose="02040503050406030204" pitchFamily="18" charset="0"/>
+                      </a:rPr>
+                      <m:t> (7 </m:t>
+                    </m:r>
+                    <m:r>
+                      <m:rPr>
+                        <m:nor/>
+                      </m:rPr>
+                      <a:rPr lang="en-US" sz="2200" smtClean="0">
+                        <a:latin typeface="Cambria Math" panose="02040503050406030204" pitchFamily="18" charset="0"/>
+                      </a:rPr>
+                      <m:t>giorni</m:t>
+                    </m:r>
+                    <m:r>
+                      <m:rPr>
+                        <m:nor/>
+                      </m:rPr>
+                      <a:rPr lang="en-US" sz="2200" smtClean="0">
+                        <a:latin typeface="Cambria Math" panose="02040503050406030204" pitchFamily="18" charset="0"/>
+                      </a:rPr>
+                      <m:t>)</m:t>
+                    </m:r>
+                  </m:oMath>
+                </a14:m>
+                <a:endParaRPr lang="en-US" sz="2200" dirty="0"/>
+              </a:p>
+              <a:p>
+                <a:pPr marL="109728" indent="0">
+                  <a:buFont typeface="Wingdings 3"/>
+                  <a:buNone/>
+                </a:pPr>
+                <a:endParaRPr lang="it-IT" sz="2400" dirty="0"/>
+              </a:p>
+              <a:p>
+                <a:endParaRPr lang="it-IT" sz="2400" dirty="0"/>
+              </a:p>
+            </p:txBody>
+          </p:sp>
+        </mc:Choice>
+        <mc:Fallback>
+          <p:sp>
+            <p:nvSpPr>
+              <p:cNvPr id="5" name="Segnaposto contenuto 1">
+                <a:extLst>
+                  <a:ext uri="{FF2B5EF4-FFF2-40B4-BE49-F238E27FC236}">
+                    <a16:creationId xmlns:a16="http://schemas.microsoft.com/office/drawing/2014/main" id="{8CFEC1C9-40AE-4CD5-B4C2-8D888C12CD8E}"/>
+                  </a:ext>
+                </a:extLst>
+              </p:cNvPr>
+              <p:cNvSpPr txBox="1">
+                <a:spLocks noRot="1" noChangeAspect="1" noMove="1" noResize="1" noEditPoints="1" noAdjustHandles="1" noChangeArrowheads="1" noChangeShapeType="1" noTextEdit="1"/>
+              </p:cNvSpPr>
+              <p:nvPr/>
+            </p:nvSpPr>
+            <p:spPr>
+              <a:xfrm>
+                <a:off x="3073007" y="1544307"/>
+                <a:ext cx="3538736" cy="1008112"/>
+              </a:xfrm>
+              <a:prstGeom prst="rect">
+                <a:avLst/>
+              </a:prstGeom>
+              <a:blipFill>
+                <a:blip r:embed="rId4"/>
+                <a:stretch>
+                  <a:fillRect/>
+                </a:stretch>
+              </a:blipFill>
+            </p:spPr>
+            <p:txBody>
+              <a:bodyPr/>
+              <a:lstStyle/>
+              <a:p>
+                <a:r>
+                  <a:rPr lang="it-IT">
+                    <a:noFill/>
+                  </a:rPr>
+                  <a:t> </a:t>
+                </a:r>
+              </a:p>
+            </p:txBody>
+          </p:sp>
+        </mc:Fallback>
+      </mc:AlternateContent>
+    </p:spTree>
+    <p:extLst>
+      <p:ext uri="{BB962C8B-B14F-4D97-AF65-F5344CB8AC3E}">
+        <p14:creationId xmlns:p14="http://schemas.microsoft.com/office/powerpoint/2010/main" val="3542975194"/>
+      </p:ext>
+    </p:extLst>
+  </p:cSld>
+  <p:clrMapOvr>
+    <a:masterClrMapping/>
+  </p:clrMapOvr>
+  <p:timing>
+    <p:tnLst>
+      <p:par>
+        <p:cTn id="1" dur="indefinite" restart="never" nodeType="tmRoot">
+          <p:childTnLst>
+            <p:seq concurrent="1" nextAc="seek">
+              <p:cTn id="2" dur="indefinite" nodeType="mainSeq">
+                <p:childTnLst>
+                  <p:par>
+                    <p:cTn id="3" fill="hold">
+                      <p:stCondLst>
+                        <p:cond delay="indefinite"/>
+                      </p:stCondLst>
+                      <p:childTnLst>
+                        <p:par>
+                          <p:cTn id="4" fill="hold">
+                            <p:stCondLst>
+                              <p:cond delay="0"/>
+                            </p:stCondLst>
+                            <p:childTnLst>
+                              <p:par>
+                                <p:cTn id="5" presetID="10" presetClass="entr" presetSubtype="0" fill="hold" grpId="0" nodeType="clickEffect">
+                                  <p:stCondLst>
+                                    <p:cond delay="0"/>
+                                  </p:stCondLst>
+                                  <p:childTnLst>
+                                    <p:set>
+                                      <p:cBhvr>
+                                        <p:cTn id="6" dur="1" fill="hold">
+                                          <p:stCondLst>
+                                            <p:cond delay="0"/>
+                                          </p:stCondLst>
+                                        </p:cTn>
+                                        <p:tgtEl>
+                                          <p:spTgt spid="2"/>
+                                        </p:tgtEl>
+                                        <p:attrNameLst>
+                                          <p:attrName>style.visibility</p:attrName>
+                                        </p:attrNameLst>
+                                      </p:cBhvr>
+                                      <p:to>
+                                        <p:strVal val="visible"/>
+                                      </p:to>
+                                    </p:set>
+                                    <p:animEffect transition="in" filter="fade">
+                                      <p:cBhvr>
+                                        <p:cTn id="7" dur="500"/>
+                                        <p:tgtEl>
+                                          <p:spTgt spid="2"/>
+                                        </p:tgtEl>
+                                      </p:cBhvr>
+                                    </p:animEffect>
+                                  </p:childTnLst>
+                                </p:cTn>
+                              </p:par>
+                              <p:par>
+                                <p:cTn id="8" presetID="10" presetClass="entr" presetSubtype="0" fill="hold" grpId="0" nodeType="withEffect">
+                                  <p:stCondLst>
+                                    <p:cond delay="0"/>
+                                  </p:stCondLst>
+                                  <p:childTnLst>
+                                    <p:set>
+                                      <p:cBhvr>
+                                        <p:cTn id="9" dur="1" fill="hold">
+                                          <p:stCondLst>
+                                            <p:cond delay="0"/>
+                                          </p:stCondLst>
+                                        </p:cTn>
+                                        <p:tgtEl>
+                                          <p:spTgt spid="5"/>
+                                        </p:tgtEl>
+                                        <p:attrNameLst>
+                                          <p:attrName>style.visibility</p:attrName>
+                                        </p:attrNameLst>
+                                      </p:cBhvr>
+                                      <p:to>
+                                        <p:strVal val="visible"/>
+                                      </p:to>
+                                    </p:set>
+                                    <p:animEffect transition="in" filter="fade">
+                                      <p:cBhvr>
+                                        <p:cTn id="10" dur="500"/>
+                                        <p:tgtEl>
+                                          <p:spTgt spid="5"/>
+                                        </p:tgtEl>
+                                      </p:cBhvr>
+                                    </p:animEffect>
+                                  </p:childTnLst>
+                                </p:cTn>
+                              </p:par>
+                            </p:childTnLst>
+                          </p:cTn>
+                        </p:par>
+                      </p:childTnLst>
+                    </p:cTn>
+                  </p:par>
+                  <p:par>
+                    <p:cTn id="11" fill="hold">
+                      <p:stCondLst>
+                        <p:cond delay="indefinite"/>
+                      </p:stCondLst>
+                      <p:childTnLst>
+                        <p:par>
+                          <p:cTn id="12" fill="hold">
+                            <p:stCondLst>
+                              <p:cond delay="0"/>
+                            </p:stCondLst>
+                            <p:childTnLst>
+                              <p:par>
+                                <p:cTn id="13" presetID="22" presetClass="entr" presetSubtype="1" fill="hold" nodeType="clickEffect">
+                                  <p:stCondLst>
+                                    <p:cond delay="0"/>
+                                  </p:stCondLst>
+                                  <p:childTnLst>
+                                    <p:set>
+                                      <p:cBhvr>
+                                        <p:cTn id="14" dur="1" fill="hold">
+                                          <p:stCondLst>
+                                            <p:cond delay="0"/>
+                                          </p:stCondLst>
+                                        </p:cTn>
+                                        <p:tgtEl>
+                                          <p:spTgt spid="4"/>
+                                        </p:tgtEl>
+                                        <p:attrNameLst>
+                                          <p:attrName>style.visibility</p:attrName>
+                                        </p:attrNameLst>
+                                      </p:cBhvr>
+                                      <p:to>
+                                        <p:strVal val="visible"/>
+                                      </p:to>
+                                    </p:set>
+                                    <p:animEffect transition="in" filter="wipe(up)">
+                                      <p:cBhvr>
+                                        <p:cTn id="15" dur="500"/>
+                                        <p:tgtEl>
+                                          <p:spTgt spid="4"/>
+                                        </p:tgtEl>
+                                      </p:cBhvr>
+                                    </p:animEffect>
+                                  </p:childTnLst>
+                                </p:cTn>
+                              </p:par>
+                            </p:childTnLst>
+                          </p:cTn>
+                        </p:par>
+                      </p:childTnLst>
+                    </p:cTn>
+                  </p:par>
+                </p:childTnLst>
+              </p:cTn>
+              <p:prevCondLst>
+                <p:cond evt="onPrev" delay="0">
+                  <p:tgtEl>
+                    <p:sldTgt/>
+                  </p:tgtEl>
+                </p:cond>
+              </p:prevCondLst>
+              <p:nextCondLst>
+                <p:cond evt="onNext" delay="0">
+                  <p:tgtEl>
+                    <p:sldTgt/>
+                  </p:tgtEl>
+                </p:cond>
+              </p:nextCondLst>
+            </p:seq>
+          </p:childTnLst>
+        </p:cTn>
+      </p:par>
+    </p:tnLst>
+    <p:bldLst>
+      <p:bldP spid="2" grpId="0"/>
+      <p:bldP spid="5" grpId="0"/>
+    </p:bldLst>
+  </p:timing>
+</p:sld>
+</file>
+
+<file path=ppt/slides/slide12.xml><?xml version="1.0" encoding="utf-8"?>
+<p:sld xmlns:a="http://schemas.openxmlformats.org/drawingml/2006/main" xmlns:r="http://schemas.openxmlformats.org/officeDocument/2006/relationships" xmlns:p="http://schemas.openxmlformats.org/presentationml/2006/main">
+  <p:cSld>
+    <p:spTree>
+      <p:nvGrpSpPr>
+        <p:cNvPr id="1" name=""/>
+        <p:cNvGrpSpPr/>
+        <p:nvPr/>
+      </p:nvGrpSpPr>
+      <p:grpSpPr>
+        <a:xfrm>
+          <a:off x="0" y="0"/>
+          <a:ext cx="0" cy="0"/>
+          <a:chOff x="0" y="0"/>
+          <a:chExt cx="0" cy="0"/>
+        </a:xfrm>
+      </p:grpSpPr>
       <p:sp>
         <p:nvSpPr>
           <p:cNvPr id="2" name="Segnaposto contenuto 1">
             <a:extLst>
               <a:ext uri="{FF2B5EF4-FFF2-40B4-BE49-F238E27FC236}">
-                <a16:creationId xmlns:a16="http://schemas.microsoft.com/office/drawing/2014/main" id="{C0767E69-B884-49AC-B713-33B8D09CB3EC}"/>
+                <a16:creationId xmlns:a16="http://schemas.microsoft.com/office/drawing/2014/main" id="{19C9B489-6EB7-4BE5-B82E-EF01E8C4266A}"/>
               </a:ext>
             </a:extLst>
           </p:cNvPr>
@@ -5018,12 +7675,271 @@
             <p:ph idx="1"/>
           </p:nvPr>
         </p:nvSpPr>
-        <p:spPr/>
+        <p:spPr>
+          <a:xfrm>
+            <a:off x="318356" y="1556792"/>
+            <a:ext cx="8316416" cy="4525963"/>
+          </a:xfrm>
+        </p:spPr>
         <p:txBody>
-          <a:bodyPr/>
+          <a:bodyPr>
+            <a:normAutofit lnSpcReduction="10000"/>
+          </a:bodyPr>
           <a:lstStyle/>
           <a:p>
-            <a:endParaRPr lang="it-IT"/>
+            <a:r>
+              <a:rPr lang="en-US" sz="2400" dirty="0" err="1"/>
+              <a:t>Interfaccia</a:t>
+            </a:r>
+            <a:r>
+              <a:rPr lang="en-US" sz="2400" dirty="0"/>
+              <a:t> </a:t>
+            </a:r>
+            <a:r>
+              <a:rPr lang="en-US" sz="2400" dirty="0" err="1"/>
+              <a:t>grafica</a:t>
+            </a:r>
+            <a:r>
+              <a:rPr lang="en-US" sz="2400" dirty="0"/>
+              <a:t> che </a:t>
+            </a:r>
+            <a:r>
+              <a:rPr lang="en-US" sz="2400" dirty="0" err="1"/>
+              <a:t>permetta</a:t>
+            </a:r>
+            <a:r>
+              <a:rPr lang="en-US" sz="2400" dirty="0"/>
+              <a:t> di </a:t>
+            </a:r>
+            <a:r>
+              <a:rPr lang="en-US" sz="2400" dirty="0" err="1"/>
+              <a:t>effettuare</a:t>
+            </a:r>
+            <a:r>
+              <a:rPr lang="en-US" sz="2400" dirty="0"/>
+              <a:t> test </a:t>
+            </a:r>
+            <a:r>
+              <a:rPr lang="en-US" sz="2400" dirty="0" err="1"/>
+              <a:t>anche</a:t>
+            </a:r>
+            <a:r>
+              <a:rPr lang="en-US" sz="2400" dirty="0"/>
+              <a:t> </a:t>
+            </a:r>
+            <a:r>
+              <a:rPr lang="en-US" sz="2400" dirty="0" err="1"/>
+              <a:t>variando</a:t>
+            </a:r>
+            <a:r>
+              <a:rPr lang="en-US" sz="2400" dirty="0"/>
+              <a:t> dataset</a:t>
+            </a:r>
+          </a:p>
+          <a:p>
+            <a:endParaRPr lang="en-US" sz="2400" dirty="0"/>
+          </a:p>
+          <a:p>
+            <a:r>
+              <a:rPr lang="en-US" sz="2400" dirty="0" err="1"/>
+              <a:t>Mappa</a:t>
+            </a:r>
+            <a:r>
+              <a:rPr lang="en-US" sz="2400" dirty="0"/>
+              <a:t> </a:t>
+            </a:r>
+            <a:r>
+              <a:rPr lang="en-US" sz="2400" dirty="0" err="1"/>
+              <a:t>geografica</a:t>
+            </a:r>
+            <a:r>
+              <a:rPr lang="en-US" sz="2400" dirty="0"/>
+              <a:t> in cui </a:t>
+            </a:r>
+            <a:r>
+              <a:rPr lang="en-US" sz="2400" dirty="0" err="1"/>
+              <a:t>si</a:t>
+            </a:r>
+            <a:r>
+              <a:rPr lang="en-US" sz="2400" dirty="0"/>
+              <a:t> </a:t>
+            </a:r>
+            <a:r>
+              <a:rPr lang="en-US" sz="2400" dirty="0" err="1"/>
+              <a:t>mostrtano</a:t>
+            </a:r>
+            <a:r>
+              <a:rPr lang="en-US" sz="2400" dirty="0"/>
+              <a:t> </a:t>
+            </a:r>
+            <a:r>
+              <a:rPr lang="en-US" sz="2400" dirty="0" err="1"/>
+              <a:t>gli</a:t>
+            </a:r>
+            <a:r>
+              <a:rPr lang="en-US" sz="2400" dirty="0"/>
+              <a:t> </a:t>
+            </a:r>
+            <a:r>
+              <a:rPr lang="en-US" sz="2400" dirty="0" err="1"/>
+              <a:t>eventi</a:t>
+            </a:r>
+            <a:r>
+              <a:rPr lang="en-US" sz="2400" dirty="0"/>
+              <a:t> </a:t>
+            </a:r>
+            <a:r>
+              <a:rPr lang="en-US" sz="2400" dirty="0" err="1"/>
+              <a:t>connessi</a:t>
+            </a:r>
+            <a:r>
+              <a:rPr lang="en-US" sz="2400" dirty="0"/>
+              <a:t> in base ad una </a:t>
+            </a:r>
+            <a:r>
+              <a:rPr lang="en-US" sz="2400" dirty="0" err="1"/>
+              <a:t>determinata</a:t>
+            </a:r>
+            <a:r>
+              <a:rPr lang="en-US" sz="2400" dirty="0"/>
+              <a:t> </a:t>
+            </a:r>
+            <a:r>
+              <a:rPr lang="en-US" sz="2400" dirty="0" err="1"/>
+              <a:t>sequenza</a:t>
+            </a:r>
+            <a:r>
+              <a:rPr lang="en-US" sz="2400" dirty="0"/>
+              <a:t> di tipi</a:t>
+            </a:r>
+          </a:p>
+          <a:p>
+            <a:endParaRPr lang="en-US" sz="2400" dirty="0"/>
+          </a:p>
+          <a:p>
+            <a:r>
+              <a:rPr lang="en-US" sz="2400" dirty="0" err="1"/>
+              <a:t>Adattare</a:t>
+            </a:r>
+            <a:r>
+              <a:rPr lang="en-US" sz="2400" dirty="0"/>
+              <a:t> </a:t>
+            </a:r>
+            <a:r>
+              <a:rPr lang="en-US" sz="2400" dirty="0" err="1"/>
+              <a:t>il</a:t>
+            </a:r>
+            <a:r>
+              <a:rPr lang="en-US" sz="2400" dirty="0"/>
+              <a:t> software per </a:t>
+            </a:r>
+            <a:r>
+              <a:rPr lang="en-US" sz="2400" dirty="0" err="1"/>
+              <a:t>concetrarsi</a:t>
+            </a:r>
+            <a:r>
+              <a:rPr lang="en-US" sz="2400" dirty="0"/>
+              <a:t> </a:t>
+            </a:r>
+            <a:r>
+              <a:rPr lang="en-US" sz="2400" dirty="0" err="1"/>
+              <a:t>su</a:t>
+            </a:r>
+            <a:r>
+              <a:rPr lang="en-US" sz="2400" dirty="0"/>
+              <a:t> determinate zone </a:t>
+            </a:r>
+            <a:r>
+              <a:rPr lang="en-US" sz="2400" dirty="0" err="1"/>
+              <a:t>della</a:t>
+            </a:r>
+            <a:r>
+              <a:rPr lang="en-US" sz="2400" dirty="0"/>
+              <a:t> </a:t>
+            </a:r>
+            <a:r>
+              <a:rPr lang="en-US" sz="2400" dirty="0" err="1"/>
+              <a:t>città</a:t>
+            </a:r>
+            <a:r>
+              <a:rPr lang="en-US" sz="2400" dirty="0"/>
+              <a:t> (</a:t>
+            </a:r>
+            <a:r>
+              <a:rPr lang="en-US" sz="2400" dirty="0" err="1"/>
+              <a:t>criminalità</a:t>
+            </a:r>
+            <a:r>
+              <a:rPr lang="en-US" sz="2400" dirty="0"/>
+              <a:t> locale)</a:t>
+            </a:r>
+          </a:p>
+          <a:p>
+            <a:pPr marL="109728" indent="0">
+              <a:buNone/>
+            </a:pPr>
+            <a:endParaRPr lang="en-US" sz="2400" dirty="0"/>
+          </a:p>
+          <a:p>
+            <a:r>
+              <a:rPr lang="en-US" sz="2400" dirty="0" err="1"/>
+              <a:t>Provare</a:t>
+            </a:r>
+            <a:r>
+              <a:rPr lang="en-US" sz="2400" dirty="0"/>
+              <a:t> la </a:t>
+            </a:r>
+            <a:r>
+              <a:rPr lang="en-US" sz="2400" dirty="0" err="1"/>
+              <a:t>applicazione</a:t>
+            </a:r>
+            <a:r>
+              <a:rPr lang="en-US" sz="2400" dirty="0"/>
+              <a:t> ad un </a:t>
+            </a:r>
+            <a:r>
+              <a:rPr lang="en-US" sz="2400" dirty="0" err="1"/>
+              <a:t>diverso</a:t>
+            </a:r>
+            <a:r>
+              <a:rPr lang="en-US" sz="2400" dirty="0"/>
+              <a:t> </a:t>
+            </a:r>
+            <a:r>
+              <a:rPr lang="en-US" sz="2400" dirty="0" err="1"/>
+              <a:t>tipo</a:t>
+            </a:r>
+            <a:r>
+              <a:rPr lang="en-US" sz="2400" dirty="0"/>
+              <a:t> di </a:t>
+            </a:r>
+            <a:r>
+              <a:rPr lang="en-US" sz="2400" dirty="0" err="1"/>
+              <a:t>contesto</a:t>
+            </a:r>
+            <a:r>
+              <a:rPr lang="en-US" sz="2400" dirty="0"/>
+              <a:t> (es. </a:t>
+            </a:r>
+            <a:r>
+              <a:rPr lang="en-US" sz="2400" dirty="0" err="1"/>
+              <a:t>eventi</a:t>
+            </a:r>
+            <a:r>
+              <a:rPr lang="en-US" sz="2400" dirty="0"/>
+              <a:t> </a:t>
+            </a:r>
+            <a:r>
+              <a:rPr lang="en-US" sz="2400" dirty="0" err="1"/>
+              <a:t>epidemiologici</a:t>
+            </a:r>
+            <a:r>
+              <a:rPr lang="en-US" sz="2400" dirty="0"/>
+              <a:t>)</a:t>
+            </a:r>
+          </a:p>
+          <a:p>
+            <a:endParaRPr lang="it-IT" dirty="0"/>
           </a:p>
         </p:txBody>
       </p:sp>
@@ -5032,7 +7948,7 @@
           <p:cNvPr id="3" name="Titolo 2">
             <a:extLst>
               <a:ext uri="{FF2B5EF4-FFF2-40B4-BE49-F238E27FC236}">
-                <a16:creationId xmlns:a16="http://schemas.microsoft.com/office/drawing/2014/main" id="{28FCDC69-D672-4647-9F26-CD9D3EAE1D79}"/>
+                <a16:creationId xmlns:a16="http://schemas.microsoft.com/office/drawing/2014/main" id="{7198D2DE-8328-4831-AEBE-F36223151BD0}"/>
               </a:ext>
             </a:extLst>
           </p:cNvPr>
@@ -5043,19 +7959,197 @@
             <p:ph type="title"/>
           </p:nvPr>
         </p:nvSpPr>
-        <p:spPr/>
+        <p:spPr>
+          <a:xfrm>
+            <a:off x="318356" y="203745"/>
+            <a:ext cx="8507288" cy="1143000"/>
+          </a:xfrm>
+        </p:spPr>
         <p:txBody>
-          <a:bodyPr/>
+          <a:bodyPr>
+            <a:normAutofit/>
+          </a:bodyPr>
           <a:lstStyle/>
           <a:p>
-            <a:endParaRPr lang="it-IT"/>
+            <a:r>
+              <a:rPr lang="en-US"/>
+              <a:t>Conclusioni e prospettive future</a:t>
+            </a:r>
+            <a:endParaRPr lang="it-IT" dirty="0"/>
           </a:p>
         </p:txBody>
       </p:sp>
     </p:spTree>
     <p:extLst>
       <p:ext uri="{BB962C8B-B14F-4D97-AF65-F5344CB8AC3E}">
-        <p14:creationId xmlns:p14="http://schemas.microsoft.com/office/powerpoint/2010/main" val="3846920731"/>
+        <p14:creationId xmlns:p14="http://schemas.microsoft.com/office/powerpoint/2010/main" val="3837183947"/>
+      </p:ext>
+    </p:extLst>
+  </p:cSld>
+  <p:clrMapOvr>
+    <a:masterClrMapping/>
+  </p:clrMapOvr>
+</p:sld>
+</file>
+
+<file path=ppt/slides/slide13.xml><?xml version="1.0" encoding="utf-8"?>
+<p:sld xmlns:a="http://schemas.openxmlformats.org/drawingml/2006/main" xmlns:r="http://schemas.openxmlformats.org/officeDocument/2006/relationships" xmlns:p="http://schemas.openxmlformats.org/presentationml/2006/main">
+  <p:cSld>
+    <p:spTree>
+      <p:nvGrpSpPr>
+        <p:cNvPr id="1" name=""/>
+        <p:cNvGrpSpPr/>
+        <p:nvPr/>
+      </p:nvGrpSpPr>
+      <p:grpSpPr>
+        <a:xfrm>
+          <a:off x="0" y="0"/>
+          <a:ext cx="0" cy="0"/>
+          <a:chOff x="0" y="0"/>
+          <a:chExt cx="0" cy="0"/>
+        </a:xfrm>
+      </p:grpSpPr>
+      <p:sp>
+        <p:nvSpPr>
+          <p:cNvPr id="2" name="Titolo 1">
+            <a:extLst>
+              <a:ext uri="{FF2B5EF4-FFF2-40B4-BE49-F238E27FC236}">
+                <a16:creationId xmlns:a16="http://schemas.microsoft.com/office/drawing/2014/main" id="{D16A9D9B-FD8B-4812-87B3-EABBE647D7A6}"/>
+              </a:ext>
+            </a:extLst>
+          </p:cNvPr>
+          <p:cNvSpPr>
+            <a:spLocks noGrp="1"/>
+          </p:cNvSpPr>
+          <p:nvPr>
+            <p:ph type="ctrTitle"/>
+          </p:nvPr>
+        </p:nvSpPr>
+        <p:spPr>
+          <a:xfrm>
+            <a:off x="685800" y="1484784"/>
+            <a:ext cx="7772400" cy="1017458"/>
+          </a:xfrm>
+        </p:spPr>
+        <p:txBody>
+          <a:bodyPr/>
+          <a:lstStyle/>
+          <a:p>
+            <a:pPr algn="ctr"/>
+            <a:r>
+              <a:rPr lang="en-US" dirty="0" err="1"/>
+              <a:t>Grazie</a:t>
+            </a:r>
+            <a:r>
+              <a:rPr lang="en-US" dirty="0"/>
+              <a:t> per </a:t>
+            </a:r>
+            <a:r>
+              <a:rPr lang="en-US" dirty="0" err="1"/>
+              <a:t>l’attenzione</a:t>
+            </a:r>
+            <a:endParaRPr lang="it-IT" dirty="0"/>
+          </a:p>
+        </p:txBody>
+      </p:sp>
+      <p:sp>
+        <p:nvSpPr>
+          <p:cNvPr id="3" name="Sottotitolo 2">
+            <a:extLst>
+              <a:ext uri="{FF2B5EF4-FFF2-40B4-BE49-F238E27FC236}">
+                <a16:creationId xmlns:a16="http://schemas.microsoft.com/office/drawing/2014/main" id="{7D920CF5-D5DC-41E3-A5C9-27F71A332519}"/>
+              </a:ext>
+            </a:extLst>
+          </p:cNvPr>
+          <p:cNvSpPr>
+            <a:spLocks noGrp="1"/>
+          </p:cNvSpPr>
+          <p:nvPr>
+            <p:ph type="subTitle" idx="1"/>
+          </p:nvPr>
+        </p:nvSpPr>
+        <p:spPr>
+          <a:xfrm>
+            <a:off x="755576" y="3429000"/>
+            <a:ext cx="4817894" cy="1192469"/>
+          </a:xfrm>
+        </p:spPr>
+        <p:txBody>
+          <a:bodyPr>
+            <a:normAutofit fontScale="92500" lnSpcReduction="20000"/>
+          </a:bodyPr>
+          <a:lstStyle/>
+          <a:p>
+            <a:pPr algn="l"/>
+            <a:r>
+              <a:rPr lang="en-US" sz="3000" dirty="0" err="1"/>
+              <a:t>Codice</a:t>
+            </a:r>
+            <a:r>
+              <a:rPr lang="en-US" sz="3000" dirty="0"/>
+              <a:t> </a:t>
+            </a:r>
+            <a:r>
+              <a:rPr lang="en-US" sz="3000" dirty="0" err="1"/>
+              <a:t>sorgente</a:t>
+            </a:r>
+            <a:r>
+              <a:rPr lang="en-US" dirty="0"/>
+              <a:t>:</a:t>
+            </a:r>
+          </a:p>
+          <a:p>
+            <a:pPr algn="l"/>
+            <a:r>
+              <a:rPr lang="it-IT" dirty="0">
+                <a:hlinkClick r:id="rId2"/>
+              </a:rPr>
+              <a:t>https://github.com/fedelux3/BostonCrime</a:t>
+            </a:r>
+            <a:endParaRPr lang="it-IT" dirty="0"/>
+          </a:p>
+        </p:txBody>
+      </p:sp>
+      <p:pic>
+        <p:nvPicPr>
+          <p:cNvPr id="5" name="Immagine 4" descr="Immagine che contiene disegnando&#10;&#10;Descrizione generata automaticamente">
+            <a:extLst>
+              <a:ext uri="{FF2B5EF4-FFF2-40B4-BE49-F238E27FC236}">
+                <a16:creationId xmlns:a16="http://schemas.microsoft.com/office/drawing/2014/main" id="{B36E5402-D35A-41E3-A9AD-614C327F60CA}"/>
+              </a:ext>
+            </a:extLst>
+          </p:cNvPr>
+          <p:cNvPicPr>
+            <a:picLocks noChangeAspect="1"/>
+          </p:cNvPicPr>
+          <p:nvPr/>
+        </p:nvPicPr>
+        <p:blipFill>
+          <a:blip r:embed="rId3" cstate="print">
+            <a:extLst>
+              <a:ext uri="{28A0092B-C50C-407E-A947-70E740481C1C}">
+                <a14:useLocalDpi xmlns:a14="http://schemas.microsoft.com/office/drawing/2010/main" val="0"/>
+              </a:ext>
+            </a:extLst>
+          </a:blip>
+          <a:stretch>
+            <a:fillRect/>
+          </a:stretch>
+        </p:blipFill>
+        <p:spPr>
+          <a:xfrm>
+            <a:off x="6156176" y="3212976"/>
+            <a:ext cx="1656457" cy="1656457"/>
+          </a:xfrm>
+          <a:prstGeom prst="rect">
+            <a:avLst/>
+          </a:prstGeom>
+        </p:spPr>
+      </p:pic>
+    </p:spTree>
+    <p:extLst>
+      <p:ext uri="{BB962C8B-B14F-4D97-AF65-F5344CB8AC3E}">
+        <p14:creationId xmlns:p14="http://schemas.microsoft.com/office/powerpoint/2010/main" val="23226999"/>
       </p:ext>
     </p:extLst>
   </p:cSld>
@@ -15666,8 +18760,8 @@
           <a:chExt cx="0" cy="0"/>
         </a:xfrm>
       </p:grpSpPr>
-      <mc:AlternateContent xmlns:mc="http://schemas.openxmlformats.org/markup-compatibility/2006">
-        <mc:Choice xmlns:a14="http://schemas.microsoft.com/office/drawing/2010/main" Requires="a14">
+      <mc:AlternateContent xmlns:mc="http://schemas.openxmlformats.org/markup-compatibility/2006" xmlns:a14="http://schemas.microsoft.com/office/drawing/2010/main">
+        <mc:Choice Requires="a14">
           <p:sp>
             <p:nvSpPr>
               <p:cNvPr id="3" name="Segnaposto testo 2">
@@ -15738,7 +18832,7 @@
             </p:txBody>
           </p:sp>
         </mc:Choice>
-        <mc:Fallback>
+        <mc:Fallback xmlns="">
           <p:sp>
             <p:nvSpPr>
               <p:cNvPr id="3" name="Segnaposto testo 2">
@@ -15782,8 +18876,8 @@
           </p:sp>
         </mc:Fallback>
       </mc:AlternateContent>
-      <mc:AlternateContent xmlns:mc="http://schemas.openxmlformats.org/markup-compatibility/2006">
-        <mc:Choice xmlns:a14="http://schemas.microsoft.com/office/drawing/2010/main" Requires="a14">
+      <mc:AlternateContent xmlns:mc="http://schemas.openxmlformats.org/markup-compatibility/2006" xmlns:a14="http://schemas.microsoft.com/office/drawing/2010/main">
+        <mc:Choice Requires="a14">
           <p:sp>
             <p:nvSpPr>
               <p:cNvPr id="4" name="Segnaposto testo 3">
@@ -15854,7 +18948,7 @@
             </p:txBody>
           </p:sp>
         </mc:Choice>
-        <mc:Fallback>
+        <mc:Fallback xmlns="">
           <p:sp>
             <p:nvSpPr>
               <p:cNvPr id="4" name="Segnaposto testo 3">
@@ -15988,12 +19082,31 @@
                           </m:ctrlPr>
                         </m:accPr>
                         <m:e>
-                          <m:r>
-                            <a:rPr lang="en-US" sz="1600" b="0" i="1" smtClean="0">
-                              <a:latin typeface="Cambria Math" panose="02040503050406030204" pitchFamily="18" charset="0"/>
-                            </a:rPr>
-                            <m:t>𝑠</m:t>
-                          </m:r>
+                          <m:sSub>
+                            <m:sSubPr>
+                              <m:ctrlPr>
+                                <a:rPr lang="en-US" sz="1600" b="0" i="1" smtClean="0">
+                                  <a:latin typeface="Cambria Math" panose="02040503050406030204" pitchFamily="18" charset="0"/>
+                                </a:rPr>
+                              </m:ctrlPr>
+                            </m:sSubPr>
+                            <m:e>
+                              <m:r>
+                                <a:rPr lang="en-US" sz="1600" b="0" i="1" smtClean="0">
+                                  <a:latin typeface="Cambria Math" panose="02040503050406030204" pitchFamily="18" charset="0"/>
+                                </a:rPr>
+                                <m:t>𝑠</m:t>
+                              </m:r>
+                            </m:e>
+                            <m:sub>
+                              <m:r>
+                                <a:rPr lang="en-US" sz="1600" b="0" i="1" smtClean="0">
+                                  <a:latin typeface="Cambria Math" panose="02040503050406030204" pitchFamily="18" charset="0"/>
+                                </a:rPr>
+                                <m:t>𝑖</m:t>
+                              </m:r>
+                            </m:sub>
+                          </m:sSub>
                         </m:e>
                       </m:acc>
                       <m:r>
@@ -16080,8 +19193,8 @@
           </p:sp>
         </mc:Fallback>
       </mc:AlternateContent>
-      <mc:AlternateContent xmlns:mc="http://schemas.openxmlformats.org/markup-compatibility/2006">
-        <mc:Choice xmlns:a14="http://schemas.microsoft.com/office/drawing/2010/main" Requires="a14">
+      <mc:AlternateContent xmlns:mc="http://schemas.openxmlformats.org/markup-compatibility/2006" xmlns:a14="http://schemas.microsoft.com/office/drawing/2010/main">
+        <mc:Choice Requires="a14">
           <p:sp>
             <p:nvSpPr>
               <p:cNvPr id="8" name="Elaborazione alternativa 7">
@@ -16217,7 +19330,7 @@
             </p:txBody>
           </p:sp>
         </mc:Choice>
-        <mc:Fallback>
+        <mc:Fallback xmlns="">
           <p:sp>
             <p:nvSpPr>
               <p:cNvPr id="8" name="Elaborazione alternativa 7">
@@ -16278,7 +19391,7 @@
             </p:nvSpPr>
             <p:spPr>
               <a:xfrm>
-                <a:off x="1346752" y="2759061"/>
+                <a:off x="1535953" y="2760072"/>
                 <a:ext cx="1944216" cy="375810"/>
               </a:xfrm>
               <a:prstGeom prst="flowChartProcess">
@@ -16346,12 +19459,31 @@
                           </m:ctrlPr>
                         </m:accPr>
                         <m:e>
-                          <m:r>
-                            <a:rPr lang="en-US" sz="1600" b="0" i="1" smtClean="0">
-                              <a:latin typeface="Cambria Math" panose="02040503050406030204" pitchFamily="18" charset="0"/>
-                            </a:rPr>
-                            <m:t>𝑠</m:t>
-                          </m:r>
+                          <m:sSub>
+                            <m:sSubPr>
+                              <m:ctrlPr>
+                                <a:rPr lang="en-US" sz="1600" b="0" i="1" smtClean="0">
+                                  <a:latin typeface="Cambria Math" panose="02040503050406030204" pitchFamily="18" charset="0"/>
+                                </a:rPr>
+                              </m:ctrlPr>
+                            </m:sSubPr>
+                            <m:e>
+                              <m:r>
+                                <a:rPr lang="en-US" sz="1600" b="0" i="1" smtClean="0">
+                                  <a:latin typeface="Cambria Math" panose="02040503050406030204" pitchFamily="18" charset="0"/>
+                                </a:rPr>
+                                <m:t>𝑠</m:t>
+                              </m:r>
+                            </m:e>
+                            <m:sub>
+                              <m:r>
+                                <a:rPr lang="en-US" sz="1600" b="0" i="1" smtClean="0">
+                                  <a:latin typeface="Cambria Math" panose="02040503050406030204" pitchFamily="18" charset="0"/>
+                                </a:rPr>
+                                <m:t>𝑖</m:t>
+                              </m:r>
+                            </m:sub>
+                          </m:sSub>
                         </m:e>
                       </m:acc>
                       <m:r>
@@ -16440,7 +19572,7 @@
             </p:nvSpPr>
             <p:spPr>
               <a:xfrm>
-                <a:off x="1346752" y="2759061"/>
+                <a:off x="1535953" y="2760072"/>
                 <a:ext cx="1944216" cy="375810"/>
               </a:xfrm>
               <a:prstGeom prst="flowChartProcess">
@@ -16484,7 +19616,7 @@
             </p:nvSpPr>
             <p:spPr>
               <a:xfrm>
-                <a:off x="1346752" y="3332752"/>
+                <a:off x="1535953" y="3333763"/>
                 <a:ext cx="1944216" cy="375810"/>
               </a:xfrm>
               <a:prstGeom prst="flowChartProcess">
@@ -16579,7 +19711,7 @@
             </p:nvSpPr>
             <p:spPr>
               <a:xfrm>
-                <a:off x="1346752" y="3332752"/>
+                <a:off x="1535953" y="3333763"/>
                 <a:ext cx="1944216" cy="375810"/>
               </a:xfrm>
               <a:prstGeom prst="flowChartProcess">
@@ -16588,7 +19720,7 @@
               <a:blipFill>
                 <a:blip r:embed="rId7"/>
                 <a:stretch>
-                  <a:fillRect t="-4286"/>
+                  <a:fillRect t="-4225"/>
                 </a:stretch>
               </a:blipFill>
             </p:spPr>
@@ -16623,7 +19755,7 @@
             </p:nvSpPr>
             <p:spPr>
               <a:xfrm>
-                <a:off x="1128086" y="3906443"/>
+                <a:off x="1317287" y="3907454"/>
                 <a:ext cx="2448272" cy="907984"/>
               </a:xfrm>
               <a:prstGeom prst="flowChartProcess">
@@ -16960,7 +20092,7 @@
             </p:nvSpPr>
             <p:spPr>
               <a:xfrm>
-                <a:off x="1128086" y="3906443"/>
+                <a:off x="1317287" y="3907454"/>
                 <a:ext cx="2448272" cy="907984"/>
               </a:xfrm>
               <a:prstGeom prst="flowChartProcess">
@@ -17004,7 +20136,7 @@
             </p:nvSpPr>
             <p:spPr>
               <a:xfrm>
-                <a:off x="1384223" y="5085184"/>
+                <a:off x="1573424" y="5086195"/>
                 <a:ext cx="1944216" cy="360040"/>
               </a:xfrm>
               <a:prstGeom prst="flowChartProcess">
@@ -17130,7 +20262,7 @@
             </p:nvSpPr>
             <p:spPr>
               <a:xfrm>
-                <a:off x="1384223" y="5085184"/>
+                <a:off x="1573424" y="5086195"/>
                 <a:ext cx="1944216" cy="360040"/>
               </a:xfrm>
               <a:prstGeom prst="flowChartProcess">
@@ -17158,8 +20290,8 @@
           </p:sp>
         </mc:Fallback>
       </mc:AlternateContent>
-      <mc:AlternateContent xmlns:mc="http://schemas.openxmlformats.org/markup-compatibility/2006">
-        <mc:Choice xmlns:a14="http://schemas.microsoft.com/office/drawing/2010/main" Requires="a14">
+      <mc:AlternateContent xmlns:mc="http://schemas.openxmlformats.org/markup-compatibility/2006" xmlns:a14="http://schemas.microsoft.com/office/drawing/2010/main">
+        <mc:Choice Requires="a14">
           <p:sp>
             <p:nvSpPr>
               <p:cNvPr id="13" name="Terminatore 12">
@@ -17253,7 +20385,7 @@
             </p:txBody>
           </p:sp>
         </mc:Choice>
-        <mc:Fallback>
+        <mc:Fallback xmlns="">
           <p:sp>
             <p:nvSpPr>
               <p:cNvPr id="13" name="Terminatore 12">
@@ -17298,8 +20430,8 @@
           </p:sp>
         </mc:Fallback>
       </mc:AlternateContent>
-      <mc:AlternateContent xmlns:mc="http://schemas.openxmlformats.org/markup-compatibility/2006">
-        <mc:Choice xmlns:a14="http://schemas.microsoft.com/office/drawing/2010/main" Requires="a14">
+      <mc:AlternateContent xmlns:mc="http://schemas.openxmlformats.org/markup-compatibility/2006" xmlns:a14="http://schemas.microsoft.com/office/drawing/2010/main">
+        <mc:Choice Requires="a14">
           <p:sp>
             <p:nvSpPr>
               <p:cNvPr id="14" name="Elaborazione alternativa 13">
@@ -17429,7 +20561,7 @@
             </p:txBody>
           </p:sp>
         </mc:Choice>
-        <mc:Fallback>
+        <mc:Fallback xmlns="">
           <p:sp>
             <p:nvSpPr>
               <p:cNvPr id="14" name="Elaborazione alternativa 13">
@@ -17474,8 +20606,8 @@
           </p:sp>
         </mc:Fallback>
       </mc:AlternateContent>
-      <mc:AlternateContent xmlns:mc="http://schemas.openxmlformats.org/markup-compatibility/2006">
-        <mc:Choice xmlns:a14="http://schemas.microsoft.com/office/drawing/2010/main" Requires="a14">
+      <mc:AlternateContent xmlns:mc="http://schemas.openxmlformats.org/markup-compatibility/2006" xmlns:a14="http://schemas.microsoft.com/office/drawing/2010/main">
+        <mc:Choice Requires="a14">
           <p:sp>
             <p:nvSpPr>
               <p:cNvPr id="15" name="Elaborazione 14">
@@ -17578,7 +20710,7 @@
             </p:txBody>
           </p:sp>
         </mc:Choice>
-        <mc:Fallback>
+        <mc:Fallback xmlns="">
           <p:sp>
             <p:nvSpPr>
               <p:cNvPr id="15" name="Elaborazione 14">
@@ -17623,8 +20755,8 @@
           </p:sp>
         </mc:Fallback>
       </mc:AlternateContent>
-      <mc:AlternateContent xmlns:mc="http://schemas.openxmlformats.org/markup-compatibility/2006">
-        <mc:Choice xmlns:a14="http://schemas.microsoft.com/office/drawing/2010/main" Requires="a14">
+      <mc:AlternateContent xmlns:mc="http://schemas.openxmlformats.org/markup-compatibility/2006" xmlns:a14="http://schemas.microsoft.com/office/drawing/2010/main">
+        <mc:Choice Requires="a14">
           <p:sp>
             <p:nvSpPr>
               <p:cNvPr id="16" name="Decisione 15">
@@ -17699,7 +20831,7 @@
             </p:txBody>
           </p:sp>
         </mc:Choice>
-        <mc:Fallback>
+        <mc:Fallback xmlns="">
           <p:sp>
             <p:nvSpPr>
               <p:cNvPr id="16" name="Decisione 15">
@@ -17744,8 +20876,8 @@
           </p:sp>
         </mc:Fallback>
       </mc:AlternateContent>
-      <mc:AlternateContent xmlns:mc="http://schemas.openxmlformats.org/markup-compatibility/2006">
-        <mc:Choice xmlns:a14="http://schemas.microsoft.com/office/drawing/2010/main" Requires="a14">
+      <mc:AlternateContent xmlns:mc="http://schemas.openxmlformats.org/markup-compatibility/2006" xmlns:a14="http://schemas.microsoft.com/office/drawing/2010/main">
+        <mc:Choice Requires="a14">
           <p:sp>
             <p:nvSpPr>
               <p:cNvPr id="17" name="Dati 16">
@@ -17871,7 +21003,7 @@
             </p:txBody>
           </p:sp>
         </mc:Choice>
-        <mc:Fallback>
+        <mc:Fallback xmlns="">
           <p:sp>
             <p:nvSpPr>
               <p:cNvPr id="17" name="Dati 16">
@@ -17916,8 +21048,8 @@
           </p:sp>
         </mc:Fallback>
       </mc:AlternateContent>
-      <mc:AlternateContent xmlns:mc="http://schemas.openxmlformats.org/markup-compatibility/2006">
-        <mc:Choice xmlns:a14="http://schemas.microsoft.com/office/drawing/2010/main" Requires="a14">
+      <mc:AlternateContent xmlns:mc="http://schemas.openxmlformats.org/markup-compatibility/2006" xmlns:a14="http://schemas.microsoft.com/office/drawing/2010/main">
+        <mc:Choice Requires="a14">
           <p:sp>
             <p:nvSpPr>
               <p:cNvPr id="18" name="Preparazione 17">
@@ -18071,7 +21203,7 @@
             </p:txBody>
           </p:sp>
         </mc:Choice>
-        <mc:Fallback>
+        <mc:Fallback xmlns="">
           <p:sp>
             <p:nvSpPr>
               <p:cNvPr id="18" name="Preparazione 17">
@@ -18116,8 +21248,8 @@
           </p:sp>
         </mc:Fallback>
       </mc:AlternateContent>
-      <mc:AlternateContent xmlns:mc="http://schemas.openxmlformats.org/markup-compatibility/2006">
-        <mc:Choice xmlns:a14="http://schemas.microsoft.com/office/drawing/2010/main" Requires="a14">
+      <mc:AlternateContent xmlns:mc="http://schemas.openxmlformats.org/markup-compatibility/2006" xmlns:a14="http://schemas.microsoft.com/office/drawing/2010/main">
+        <mc:Choice Requires="a14">
           <p:sp>
             <p:nvSpPr>
               <p:cNvPr id="19" name="Decisione 18">
@@ -18217,7 +21349,7 @@
             </p:txBody>
           </p:sp>
         </mc:Choice>
-        <mc:Fallback>
+        <mc:Fallback xmlns="">
           <p:sp>
             <p:nvSpPr>
               <p:cNvPr id="19" name="Decisione 18">
@@ -18262,8 +21394,8 @@
           </p:sp>
         </mc:Fallback>
       </mc:AlternateContent>
-      <mc:AlternateContent xmlns:mc="http://schemas.openxmlformats.org/markup-compatibility/2006">
-        <mc:Choice xmlns:a14="http://schemas.microsoft.com/office/drawing/2010/main" Requires="a14">
+      <mc:AlternateContent xmlns:mc="http://schemas.openxmlformats.org/markup-compatibility/2006" xmlns:a14="http://schemas.microsoft.com/office/drawing/2010/main">
+        <mc:Choice Requires="a14">
           <p:sp>
             <p:nvSpPr>
               <p:cNvPr id="20" name="Elaborazione 19">
@@ -18376,7 +21508,7 @@
             </p:txBody>
           </p:sp>
         </mc:Choice>
-        <mc:Fallback>
+        <mc:Fallback xmlns="">
           <p:sp>
             <p:nvSpPr>
               <p:cNvPr id="20" name="Elaborazione 19">
@@ -18421,8 +21553,8 @@
           </p:sp>
         </mc:Fallback>
       </mc:AlternateContent>
-      <mc:AlternateContent xmlns:mc="http://schemas.openxmlformats.org/markup-compatibility/2006">
-        <mc:Choice xmlns:a14="http://schemas.microsoft.com/office/drawing/2010/main" Requires="a14">
+      <mc:AlternateContent xmlns:mc="http://schemas.openxmlformats.org/markup-compatibility/2006" xmlns:a14="http://schemas.microsoft.com/office/drawing/2010/main">
+        <mc:Choice Requires="a14">
           <p:sp>
             <p:nvSpPr>
               <p:cNvPr id="21" name="Dati 20">
@@ -18691,7 +21823,7 @@
             </p:txBody>
           </p:sp>
         </mc:Choice>
-        <mc:Fallback>
+        <mc:Fallback xmlns="">
           <p:sp>
             <p:nvSpPr>
               <p:cNvPr id="21" name="Dati 20">
@@ -18736,8 +21868,8 @@
           </p:sp>
         </mc:Fallback>
       </mc:AlternateContent>
-      <mc:AlternateContent xmlns:mc="http://schemas.openxmlformats.org/markup-compatibility/2006">
-        <mc:Choice xmlns:a14="http://schemas.microsoft.com/office/drawing/2010/main" Requires="a14">
+      <mc:AlternateContent xmlns:mc="http://schemas.openxmlformats.org/markup-compatibility/2006" xmlns:a14="http://schemas.microsoft.com/office/drawing/2010/main">
+        <mc:Choice Requires="a14">
           <p:sp>
             <p:nvSpPr>
               <p:cNvPr id="22" name="Decisione 21">
@@ -18812,7 +21944,7 @@
             </p:txBody>
           </p:sp>
         </mc:Choice>
-        <mc:Fallback>
+        <mc:Fallback xmlns="">
           <p:sp>
             <p:nvSpPr>
               <p:cNvPr id="22" name="Decisione 21">
@@ -18857,8 +21989,8 @@
           </p:sp>
         </mc:Fallback>
       </mc:AlternateContent>
-      <mc:AlternateContent xmlns:mc="http://schemas.openxmlformats.org/markup-compatibility/2006">
-        <mc:Choice xmlns:a14="http://schemas.microsoft.com/office/drawing/2010/main" Requires="a14">
+      <mc:AlternateContent xmlns:mc="http://schemas.openxmlformats.org/markup-compatibility/2006" xmlns:a14="http://schemas.microsoft.com/office/drawing/2010/main">
+        <mc:Choice Requires="a14">
           <p:sp>
             <p:nvSpPr>
               <p:cNvPr id="23" name="Elaborazione 22">
@@ -18971,7 +22103,7 @@
             </p:txBody>
           </p:sp>
         </mc:Choice>
-        <mc:Fallback>
+        <mc:Fallback xmlns="">
           <p:sp>
             <p:nvSpPr>
               <p:cNvPr id="23" name="Elaborazione 22">
@@ -19016,8 +22148,8 @@
           </p:sp>
         </mc:Fallback>
       </mc:AlternateContent>
-      <mc:AlternateContent xmlns:mc="http://schemas.openxmlformats.org/markup-compatibility/2006">
-        <mc:Choice xmlns:a14="http://schemas.microsoft.com/office/drawing/2010/main" Requires="a14">
+      <mc:AlternateContent xmlns:mc="http://schemas.openxmlformats.org/markup-compatibility/2006" xmlns:a14="http://schemas.microsoft.com/office/drawing/2010/main">
+        <mc:Choice Requires="a14">
           <p:sp>
             <p:nvSpPr>
               <p:cNvPr id="24" name="Terminatore 23">
@@ -19111,7 +22243,7 @@
             </p:txBody>
           </p:sp>
         </mc:Choice>
-        <mc:Fallback>
+        <mc:Fallback xmlns="">
           <p:sp>
             <p:nvSpPr>
               <p:cNvPr id="24" name="Terminatore 23">
@@ -19173,8 +22305,8 @@
         </p:nvCxnSpPr>
         <p:spPr>
           <a:xfrm rot="16200000" flipH="1">
-            <a:off x="785713" y="1941060"/>
-            <a:ext cx="404464" cy="216024"/>
+            <a:off x="819376" y="1974722"/>
+            <a:ext cx="374799" cy="178363"/>
           </a:xfrm>
           <a:prstGeom prst="bentConnector2">
             <a:avLst/>
@@ -19216,7 +22348,7 @@
         </p:nvCxnSpPr>
         <p:spPr>
           <a:xfrm>
-            <a:off x="2318860" y="3134871"/>
+            <a:off x="2508061" y="3135882"/>
             <a:ext cx="0" cy="197881"/>
           </a:xfrm>
           <a:prstGeom prst="straightConnector1">
@@ -19258,7 +22390,7 @@
         </p:nvCxnSpPr>
         <p:spPr>
           <a:xfrm>
-            <a:off x="2318860" y="3708562"/>
+            <a:off x="2508061" y="3709573"/>
             <a:ext cx="0" cy="178622"/>
           </a:xfrm>
           <a:prstGeom prst="straightConnector1">
@@ -19301,7 +22433,7 @@
         </p:nvCxnSpPr>
         <p:spPr>
           <a:xfrm>
-            <a:off x="2352222" y="4814427"/>
+            <a:off x="2541423" y="4815438"/>
             <a:ext cx="4109" cy="270757"/>
           </a:xfrm>
           <a:prstGeom prst="straightConnector1">
@@ -19343,7 +22475,7 @@
         </p:nvCxnSpPr>
         <p:spPr>
           <a:xfrm rot="16200000" flipH="1">
-            <a:off x="1027135" y="2627349"/>
+            <a:off x="1216336" y="2628360"/>
             <a:ext cx="420570" cy="218664"/>
           </a:xfrm>
           <a:prstGeom prst="bentConnector2">
@@ -19887,17 +23019,19 @@
           </p:cNvPr>
           <p:cNvCxnSpPr>
             <a:cxnSpLocks/>
-            <a:stCxn id="21" idx="2"/>
+            <a:stCxn id="21" idx="5"/>
           </p:cNvCxnSpPr>
           <p:nvPr/>
         </p:nvCxnSpPr>
         <p:spPr>
-          <a:xfrm rot="10800000">
-            <a:off x="4302058" y="1657171"/>
-            <a:ext cx="447041" cy="4124757"/>
+          <a:xfrm flipV="1">
+            <a:off x="7135173" y="4429543"/>
+            <a:ext cx="1570507" cy="1352384"/>
           </a:xfrm>
-          <a:prstGeom prst="bentConnector2">
-            <a:avLst/>
+          <a:prstGeom prst="bentConnector3">
+            <a:avLst>
+              <a:gd name="adj1" fmla="val 100232"/>
+            </a:avLst>
           </a:prstGeom>
           <a:ln w="19050">
             <a:tailEnd type="triangle"/>
@@ -19935,49 +23069,10 @@
         </p:nvCxnSpPr>
         <p:spPr>
           <a:xfrm rot="10800000">
-            <a:off x="765921" y="1876506"/>
-            <a:ext cx="618302" cy="3388699"/>
+            <a:off x="1197124" y="2544375"/>
+            <a:ext cx="376300" cy="2721840"/>
           </a:xfrm>
           <a:prstGeom prst="bentConnector2">
-            <a:avLst/>
-          </a:prstGeom>
-          <a:ln w="19050">
-            <a:tailEnd type="triangle"/>
-          </a:ln>
-        </p:spPr>
-        <p:style>
-          <a:lnRef idx="1">
-            <a:schemeClr val="accent1"/>
-          </a:lnRef>
-          <a:fillRef idx="0">
-            <a:schemeClr val="accent1"/>
-          </a:fillRef>
-          <a:effectRef idx="0">
-            <a:schemeClr val="accent1"/>
-          </a:effectRef>
-          <a:fontRef idx="minor">
-            <a:schemeClr val="tx1"/>
-          </a:fontRef>
-        </p:style>
-      </p:cxnSp>
-      <p:cxnSp>
-        <p:nvCxnSpPr>
-          <p:cNvPr id="153" name="Connettore 2 152">
-            <a:extLst>
-              <a:ext uri="{FF2B5EF4-FFF2-40B4-BE49-F238E27FC236}">
-                <a16:creationId xmlns:a16="http://schemas.microsoft.com/office/drawing/2014/main" id="{C8F920B9-F46B-4A7F-B7C6-2D4CBA7D61C0}"/>
-              </a:ext>
-            </a:extLst>
-          </p:cNvPr>
-          <p:cNvCxnSpPr/>
-          <p:nvPr/>
-        </p:nvCxnSpPr>
-        <p:spPr>
-          <a:xfrm>
-            <a:off x="611560" y="1844824"/>
-            <a:ext cx="0" cy="3905422"/>
-          </a:xfrm>
-          <a:prstGeom prst="straightConnector1">
             <a:avLst/>
           </a:prstGeom>
           <a:ln w="19050">
@@ -20015,7 +23110,7 @@
         </p:nvCxnSpPr>
         <p:spPr>
           <a:xfrm>
-            <a:off x="4129749" y="1625484"/>
+            <a:off x="4202296" y="1635761"/>
             <a:ext cx="4295" cy="4700819"/>
           </a:xfrm>
           <a:prstGeom prst="straightConnector1">
@@ -20318,7 +23413,7 @@
         </p:nvSpPr>
         <p:spPr>
           <a:xfrm>
-            <a:off x="3843822" y="3116986"/>
+            <a:off x="3880006" y="3109360"/>
             <a:ext cx="400110" cy="722314"/>
           </a:xfrm>
           <a:prstGeom prst="rect">
@@ -20362,7 +23457,7 @@
         </p:nvSpPr>
         <p:spPr>
           <a:xfrm>
-            <a:off x="326642" y="3207801"/>
+            <a:off x="183065" y="3831674"/>
             <a:ext cx="400110" cy="722314"/>
           </a:xfrm>
           <a:prstGeom prst="rect">
@@ -20392,6 +23487,138 @@
           </a:p>
         </p:txBody>
       </p:sp>
+      <p:cxnSp>
+        <p:nvCxnSpPr>
+          <p:cNvPr id="6" name="Connettore a gomito 5">
+            <a:extLst>
+              <a:ext uri="{FF2B5EF4-FFF2-40B4-BE49-F238E27FC236}">
+                <a16:creationId xmlns:a16="http://schemas.microsoft.com/office/drawing/2014/main" id="{41ABB7EC-CE5D-4BBF-995C-83CD1168EE0F}"/>
+              </a:ext>
+            </a:extLst>
+          </p:cNvPr>
+          <p:cNvCxnSpPr>
+            <a:cxnSpLocks/>
+          </p:cNvCxnSpPr>
+          <p:nvPr/>
+        </p:nvCxnSpPr>
+        <p:spPr>
+          <a:xfrm rot="10800000">
+            <a:off x="586252" y="1888427"/>
+            <a:ext cx="521822" cy="518977"/>
+          </a:xfrm>
+          <a:prstGeom prst="bentConnector3">
+            <a:avLst>
+              <a:gd name="adj1" fmla="val 98103"/>
+            </a:avLst>
+          </a:prstGeom>
+          <a:ln w="19050">
+            <a:tailEnd type="triangle"/>
+          </a:ln>
+        </p:spPr>
+        <p:style>
+          <a:lnRef idx="1">
+            <a:schemeClr val="accent1"/>
+          </a:lnRef>
+          <a:fillRef idx="0">
+            <a:schemeClr val="accent1"/>
+          </a:fillRef>
+          <a:effectRef idx="0">
+            <a:schemeClr val="accent1"/>
+          </a:effectRef>
+          <a:fontRef idx="minor">
+            <a:schemeClr val="tx1"/>
+          </a:fontRef>
+        </p:style>
+      </p:cxnSp>
+      <p:sp>
+        <p:nvSpPr>
+          <p:cNvPr id="58" name="CasellaDiTesto 57">
+            <a:extLst>
+              <a:ext uri="{FF2B5EF4-FFF2-40B4-BE49-F238E27FC236}">
+                <a16:creationId xmlns:a16="http://schemas.microsoft.com/office/drawing/2014/main" id="{0FC546FC-A565-4CCF-9C26-682B302F597D}"/>
+              </a:ext>
+            </a:extLst>
+          </p:cNvPr>
+          <p:cNvSpPr txBox="1"/>
+          <p:nvPr/>
+        </p:nvSpPr>
+        <p:spPr>
+          <a:xfrm rot="5400000">
+            <a:off x="533870" y="2202564"/>
+            <a:ext cx="400110" cy="722314"/>
+          </a:xfrm>
+          <a:prstGeom prst="rect">
+            <a:avLst/>
+          </a:prstGeom>
+          <a:noFill/>
+        </p:spPr>
+        <p:txBody>
+          <a:bodyPr vert="vert270" wrap="none" rtlCol="0">
+            <a:spAutoFit/>
+          </a:bodyPr>
+          <a:lstStyle/>
+          <a:p>
+            <a:r>
+              <a:rPr lang="en-US" sz="1400" dirty="0">
+                <a:solidFill>
+                  <a:schemeClr val="accent1"/>
+                </a:solidFill>
+              </a:rPr>
+              <a:t>end for</a:t>
+            </a:r>
+            <a:endParaRPr lang="it-IT" sz="1400" dirty="0">
+              <a:solidFill>
+                <a:schemeClr val="accent1"/>
+              </a:solidFill>
+            </a:endParaRPr>
+          </a:p>
+        </p:txBody>
+      </p:sp>
+      <p:cxnSp>
+        <p:nvCxnSpPr>
+          <p:cNvPr id="32" name="Connettore a gomito 31">
+            <a:extLst>
+              <a:ext uri="{FF2B5EF4-FFF2-40B4-BE49-F238E27FC236}">
+                <a16:creationId xmlns:a16="http://schemas.microsoft.com/office/drawing/2014/main" id="{7B510DE2-799A-4FE9-9A42-7C057033E8C6}"/>
+              </a:ext>
+            </a:extLst>
+          </p:cNvPr>
+          <p:cNvCxnSpPr>
+            <a:cxnSpLocks/>
+            <a:stCxn id="7" idx="1"/>
+          </p:cNvCxnSpPr>
+          <p:nvPr/>
+        </p:nvCxnSpPr>
+        <p:spPr>
+          <a:xfrm rot="10800000" flipH="1" flipV="1">
+            <a:off x="457199" y="1628799"/>
+            <a:ext cx="38765" cy="4153127"/>
+          </a:xfrm>
+          <a:prstGeom prst="bentConnector4">
+            <a:avLst>
+              <a:gd name="adj1" fmla="val -589707"/>
+              <a:gd name="adj2" fmla="val 52601"/>
+            </a:avLst>
+          </a:prstGeom>
+          <a:ln w="19050">
+            <a:tailEnd type="triangle"/>
+          </a:ln>
+        </p:spPr>
+        <p:style>
+          <a:lnRef idx="1">
+            <a:schemeClr val="accent1"/>
+          </a:lnRef>
+          <a:fillRef idx="0">
+            <a:schemeClr val="accent1"/>
+          </a:fillRef>
+          <a:effectRef idx="0">
+            <a:schemeClr val="accent1"/>
+          </a:effectRef>
+          <a:fontRef idx="minor">
+            <a:schemeClr val="tx1"/>
+          </a:fontRef>
+        </p:style>
+      </p:cxnSp>
     </p:spTree>
     <p:extLst>
       <p:ext uri="{BB962C8B-B14F-4D97-AF65-F5344CB8AC3E}">
@@ -20969,7 +24196,7 @@
                             </p:stCondLst>
                             <p:childTnLst>
                               <p:par>
-                                <p:cTn id="55" presetID="22" presetClass="entr" presetSubtype="1" fill="hold" nodeType="clickEffect">
+                                <p:cTn id="55" presetID="22" presetClass="entr" presetSubtype="4" fill="hold" grpId="0" nodeType="clickEffect">
                                   <p:stCondLst>
                                     <p:cond delay="0"/>
                                   </p:stCondLst>
@@ -20982,7 +24209,7 @@
                                           </p:stCondLst>
                                         </p:cTn>
                                         <p:tgtEl>
-                                          <p:spTgt spid="153"/>
+                                          <p:spTgt spid="58"/>
                                         </p:tgtEl>
                                         <p:attrNameLst>
                                           <p:attrName>style.visibility</p:attrName>
@@ -20992,11 +24219,11 @@
                                         <p:strVal val="visible"/>
                                       </p:to>
                                     </p:set>
-                                    <p:animEffect transition="in" filter="wipe(up)">
+                                    <p:animEffect transition="in" filter="wipe(down)">
                                       <p:cBhvr>
                                         <p:cTn id="57" dur="500"/>
                                         <p:tgtEl>
-                                          <p:spTgt spid="153"/>
+                                          <p:spTgt spid="58"/>
                                         </p:tgtEl>
                                       </p:cBhvr>
                                     </p:animEffect>
@@ -21004,7 +24231,7 @@
                                 </p:cTn>
                               </p:par>
                               <p:par>
-                                <p:cTn id="58" presetID="22" presetClass="entr" presetSubtype="1" fill="hold" grpId="0" nodeType="withEffect">
+                                <p:cTn id="58" presetID="22" presetClass="entr" presetSubtype="4" fill="hold" nodeType="withEffect">
                                   <p:stCondLst>
                                     <p:cond delay="0"/>
                                   </p:stCondLst>
@@ -21017,7 +24244,7 @@
                                           </p:stCondLst>
                                         </p:cTn>
                                         <p:tgtEl>
-                                          <p:spTgt spid="180"/>
+                                          <p:spTgt spid="6"/>
                                         </p:tgtEl>
                                         <p:attrNameLst>
                                           <p:attrName>style.visibility</p:attrName>
@@ -21027,46 +24254,11 @@
                                         <p:strVal val="visible"/>
                                       </p:to>
                                     </p:set>
-                                    <p:animEffect transition="in" filter="wipe(up)">
+                                    <p:animEffect transition="in" filter="wipe(down)">
                                       <p:cBhvr>
                                         <p:cTn id="60" dur="500"/>
                                         <p:tgtEl>
-                                          <p:spTgt spid="180"/>
-                                        </p:tgtEl>
-                                      </p:cBhvr>
-                                    </p:animEffect>
-                                  </p:childTnLst>
-                                </p:cTn>
-                              </p:par>
-                              <p:par>
-                                <p:cTn id="61" presetID="22" presetClass="entr" presetSubtype="1" fill="hold" grpId="0" nodeType="withEffect">
-                                  <p:stCondLst>
-                                    <p:cond delay="0"/>
-                                  </p:stCondLst>
-                                  <p:childTnLst>
-                                    <p:set>
-                                      <p:cBhvr>
-                                        <p:cTn id="62" dur="1" fill="hold">
-                                          <p:stCondLst>
-                                            <p:cond delay="0"/>
-                                          </p:stCondLst>
-                                        </p:cTn>
-                                        <p:tgtEl>
-                                          <p:spTgt spid="13"/>
-                                        </p:tgtEl>
-                                        <p:attrNameLst>
-                                          <p:attrName>style.visibility</p:attrName>
-                                        </p:attrNameLst>
-                                      </p:cBhvr>
-                                      <p:to>
-                                        <p:strVal val="visible"/>
-                                      </p:to>
-                                    </p:set>
-                                    <p:animEffect transition="in" filter="wipe(up)">
-                                      <p:cBhvr>
-                                        <p:cTn id="63" dur="500"/>
-                                        <p:tgtEl>
-                                          <p:spTgt spid="13"/>
+                                          <p:spTgt spid="6"/>
                                         </p:tgtEl>
                                       </p:cBhvr>
                                     </p:animEffect>
@@ -21080,32 +24272,67 @@
                     </p:cTn>
                   </p:par>
                   <p:par>
-                    <p:cTn id="64" fill="hold">
+                    <p:cTn id="61" fill="hold">
                       <p:stCondLst>
                         <p:cond delay="indefinite"/>
                       </p:stCondLst>
                       <p:childTnLst>
                         <p:par>
-                          <p:cTn id="65" fill="hold">
+                          <p:cTn id="62" fill="hold">
                             <p:stCondLst>
                               <p:cond delay="0"/>
                             </p:stCondLst>
                             <p:childTnLst>
                               <p:par>
-                                <p:cTn id="66" presetID="10" presetClass="entr" presetSubtype="0" fill="hold" grpId="0" nodeType="clickEffect">
+                                <p:cTn id="63" presetID="22" presetClass="entr" presetSubtype="1" fill="hold" grpId="0" nodeType="clickEffect">
                                   <p:stCondLst>
                                     <p:cond delay="0"/>
                                   </p:stCondLst>
                                   <p:childTnLst>
                                     <p:set>
                                       <p:cBhvr>
+                                        <p:cTn id="64" dur="1" fill="hold">
+                                          <p:stCondLst>
+                                            <p:cond delay="0"/>
+                                          </p:stCondLst>
+                                        </p:cTn>
+                                        <p:tgtEl>
+                                          <p:spTgt spid="180"/>
+                                        </p:tgtEl>
+                                        <p:attrNameLst>
+                                          <p:attrName>style.visibility</p:attrName>
+                                        </p:attrNameLst>
+                                      </p:cBhvr>
+                                      <p:to>
+                                        <p:strVal val="visible"/>
+                                      </p:to>
+                                    </p:set>
+                                    <p:animEffect transition="in" filter="wipe(up)">
+                                      <p:cBhvr>
+                                        <p:cTn id="65" dur="500"/>
+                                        <p:tgtEl>
+                                          <p:spTgt spid="180"/>
+                                        </p:tgtEl>
+                                      </p:cBhvr>
+                                    </p:animEffect>
+                                  </p:childTnLst>
+                                </p:cTn>
+                              </p:par>
+                              <p:par>
+                                <p:cTn id="66" presetID="22" presetClass="entr" presetSubtype="1" fill="hold" nodeType="withEffect">
+                                  <p:stCondLst>
+                                    <p:cond delay="0"/>
+                                  </p:stCondLst>
+                                  <p:childTnLst>
+                                    <p:set>
+                                      <p:cBhvr>
                                         <p:cTn id="67" dur="1" fill="hold">
                                           <p:stCondLst>
                                             <p:cond delay="0"/>
                                           </p:stCondLst>
                                         </p:cTn>
                                         <p:tgtEl>
-                                          <p:spTgt spid="14"/>
+                                          <p:spTgt spid="32"/>
                                         </p:tgtEl>
                                         <p:attrNameLst>
                                           <p:attrName>style.visibility</p:attrName>
@@ -21115,11 +24342,46 @@
                                         <p:strVal val="visible"/>
                                       </p:to>
                                     </p:set>
-                                    <p:animEffect transition="in" filter="fade">
+                                    <p:animEffect transition="in" filter="wipe(up)">
                                       <p:cBhvr>
                                         <p:cTn id="68" dur="500"/>
                                         <p:tgtEl>
-                                          <p:spTgt spid="14"/>
+                                          <p:spTgt spid="32"/>
+                                        </p:tgtEl>
+                                      </p:cBhvr>
+                                    </p:animEffect>
+                                  </p:childTnLst>
+                                </p:cTn>
+                              </p:par>
+                              <p:par>
+                                <p:cTn id="69" presetID="22" presetClass="entr" presetSubtype="1" fill="hold" grpId="0" nodeType="withEffect">
+                                  <p:stCondLst>
+                                    <p:cond delay="0"/>
+                                  </p:stCondLst>
+                                  <p:childTnLst>
+                                    <p:set>
+                                      <p:cBhvr>
+                                        <p:cTn id="70" dur="1" fill="hold">
+                                          <p:stCondLst>
+                                            <p:cond delay="0"/>
+                                          </p:stCondLst>
+                                        </p:cTn>
+                                        <p:tgtEl>
+                                          <p:spTgt spid="13"/>
+                                        </p:tgtEl>
+                                        <p:attrNameLst>
+                                          <p:attrName>style.visibility</p:attrName>
+                                        </p:attrNameLst>
+                                      </p:cBhvr>
+                                      <p:to>
+                                        <p:strVal val="visible"/>
+                                      </p:to>
+                                    </p:set>
+                                    <p:animEffect transition="in" filter="wipe(up)">
+                                      <p:cBhvr>
+                                        <p:cTn id="71" dur="500"/>
+                                        <p:tgtEl>
+                                          <p:spTgt spid="13"/>
                                         </p:tgtEl>
                                       </p:cBhvr>
                                     </p:animEffect>
@@ -21133,32 +24395,32 @@
                     </p:cTn>
                   </p:par>
                   <p:par>
-                    <p:cTn id="69" fill="hold">
+                    <p:cTn id="72" fill="hold">
                       <p:stCondLst>
                         <p:cond delay="indefinite"/>
                       </p:stCondLst>
                       <p:childTnLst>
                         <p:par>
-                          <p:cTn id="70" fill="hold">
+                          <p:cTn id="73" fill="hold">
                             <p:stCondLst>
                               <p:cond delay="0"/>
                             </p:stCondLst>
                             <p:childTnLst>
                               <p:par>
-                                <p:cTn id="71" presetID="10" presetClass="entr" presetSubtype="0" fill="hold" nodeType="clickEffect">
+                                <p:cTn id="74" presetID="10" presetClass="entr" presetSubtype="0" fill="hold" grpId="0" nodeType="clickEffect">
                                   <p:stCondLst>
                                     <p:cond delay="0"/>
                                   </p:stCondLst>
                                   <p:childTnLst>
                                     <p:set>
                                       <p:cBhvr>
-                                        <p:cTn id="72" dur="1" fill="hold">
+                                        <p:cTn id="75" dur="1" fill="hold">
                                           <p:stCondLst>
                                             <p:cond delay="0"/>
                                           </p:stCondLst>
                                         </p:cTn>
                                         <p:tgtEl>
-                                          <p:spTgt spid="50"/>
+                                          <p:spTgt spid="14"/>
                                         </p:tgtEl>
                                         <p:attrNameLst>
                                           <p:attrName>style.visibility</p:attrName>
@@ -21170,44 +24432,9 @@
                                     </p:set>
                                     <p:animEffect transition="in" filter="fade">
                                       <p:cBhvr>
-                                        <p:cTn id="73" dur="500"/>
-                                        <p:tgtEl>
-                                          <p:spTgt spid="50"/>
-                                        </p:tgtEl>
-                                      </p:cBhvr>
-                                    </p:animEffect>
-                                  </p:childTnLst>
-                                </p:cTn>
-                              </p:par>
-                              <p:par>
-                                <p:cTn id="74" presetID="10" presetClass="entr" presetSubtype="0" fill="hold" grpId="0" nodeType="withEffect">
-                                  <p:stCondLst>
-                                    <p:cond delay="0"/>
-                                  </p:stCondLst>
-                                  <p:childTnLst>
-                                    <p:set>
-                                      <p:cBhvr>
-                                        <p:cTn id="75" dur="1" fill="hold">
-                                          <p:stCondLst>
-                                            <p:cond delay="0"/>
-                                          </p:stCondLst>
-                                        </p:cTn>
-                                        <p:tgtEl>
-                                          <p:spTgt spid="15"/>
-                                        </p:tgtEl>
-                                        <p:attrNameLst>
-                                          <p:attrName>style.visibility</p:attrName>
-                                        </p:attrNameLst>
-                                      </p:cBhvr>
-                                      <p:to>
-                                        <p:strVal val="visible"/>
-                                      </p:to>
-                                    </p:set>
-                                    <p:animEffect transition="in" filter="fade">
-                                      <p:cBhvr>
                                         <p:cTn id="76" dur="500"/>
                                         <p:tgtEl>
-                                          <p:spTgt spid="15"/>
+                                          <p:spTgt spid="14"/>
                                         </p:tgtEl>
                                       </p:cBhvr>
                                     </p:animEffect>
@@ -21246,7 +24473,7 @@
                                           </p:stCondLst>
                                         </p:cTn>
                                         <p:tgtEl>
-                                          <p:spTgt spid="54"/>
+                                          <p:spTgt spid="50"/>
                                         </p:tgtEl>
                                         <p:attrNameLst>
                                           <p:attrName>style.visibility</p:attrName>
@@ -21260,7 +24487,7 @@
                                       <p:cBhvr>
                                         <p:cTn id="81" dur="500"/>
                                         <p:tgtEl>
-                                          <p:spTgt spid="54"/>
+                                          <p:spTgt spid="50"/>
                                         </p:tgtEl>
                                       </p:cBhvr>
                                     </p:animEffect>
@@ -21281,7 +24508,7 @@
                                           </p:stCondLst>
                                         </p:cTn>
                                         <p:tgtEl>
-                                          <p:spTgt spid="16"/>
+                                          <p:spTgt spid="15"/>
                                         </p:tgtEl>
                                         <p:attrNameLst>
                                           <p:attrName>style.visibility</p:attrName>
@@ -21295,7 +24522,7 @@
                                       <p:cBhvr>
                                         <p:cTn id="84" dur="500"/>
                                         <p:tgtEl>
-                                          <p:spTgt spid="16"/>
+                                          <p:spTgt spid="15"/>
                                         </p:tgtEl>
                                       </p:cBhvr>
                                     </p:animEffect>
@@ -21321,7 +24548,7 @@
                             </p:stCondLst>
                             <p:childTnLst>
                               <p:par>
-                                <p:cTn id="87" presetID="10" presetClass="entr" presetSubtype="0" fill="hold" grpId="0" nodeType="clickEffect">
+                                <p:cTn id="87" presetID="10" presetClass="entr" presetSubtype="0" fill="hold" nodeType="clickEffect">
                                   <p:stCondLst>
                                     <p:cond delay="0"/>
                                   </p:stCondLst>
@@ -21334,7 +24561,7 @@
                                           </p:stCondLst>
                                         </p:cTn>
                                         <p:tgtEl>
-                                          <p:spTgt spid="172"/>
+                                          <p:spTgt spid="54"/>
                                         </p:tgtEl>
                                         <p:attrNameLst>
                                           <p:attrName>style.visibility</p:attrName>
@@ -21348,7 +24575,7 @@
                                       <p:cBhvr>
                                         <p:cTn id="89" dur="500"/>
                                         <p:tgtEl>
-                                          <p:spTgt spid="172"/>
+                                          <p:spTgt spid="54"/>
                                         </p:tgtEl>
                                       </p:cBhvr>
                                     </p:animEffect>
@@ -21356,7 +24583,7 @@
                                 </p:cTn>
                               </p:par>
                               <p:par>
-                                <p:cTn id="90" presetID="10" presetClass="entr" presetSubtype="0" fill="hold" nodeType="withEffect">
+                                <p:cTn id="90" presetID="10" presetClass="entr" presetSubtype="0" fill="hold" grpId="0" nodeType="withEffect">
                                   <p:stCondLst>
                                     <p:cond delay="0"/>
                                   </p:stCondLst>
@@ -21369,7 +24596,7 @@
                                           </p:stCondLst>
                                         </p:cTn>
                                         <p:tgtEl>
-                                          <p:spTgt spid="56"/>
+                                          <p:spTgt spid="16"/>
                                         </p:tgtEl>
                                         <p:attrNameLst>
                                           <p:attrName>style.visibility</p:attrName>
@@ -21383,42 +24610,7 @@
                                       <p:cBhvr>
                                         <p:cTn id="92" dur="500"/>
                                         <p:tgtEl>
-                                          <p:spTgt spid="56"/>
-                                        </p:tgtEl>
-                                      </p:cBhvr>
-                                    </p:animEffect>
-                                  </p:childTnLst>
-                                </p:cTn>
-                              </p:par>
-                              <p:par>
-                                <p:cTn id="93" presetID="10" presetClass="entr" presetSubtype="0" fill="hold" grpId="0" nodeType="withEffect">
-                                  <p:stCondLst>
-                                    <p:cond delay="0"/>
-                                  </p:stCondLst>
-                                  <p:childTnLst>
-                                    <p:set>
-                                      <p:cBhvr>
-                                        <p:cTn id="94" dur="1" fill="hold">
-                                          <p:stCondLst>
-                                            <p:cond delay="0"/>
-                                          </p:stCondLst>
-                                        </p:cTn>
-                                        <p:tgtEl>
-                                          <p:spTgt spid="17"/>
-                                        </p:tgtEl>
-                                        <p:attrNameLst>
-                                          <p:attrName>style.visibility</p:attrName>
-                                        </p:attrNameLst>
-                                      </p:cBhvr>
-                                      <p:to>
-                                        <p:strVal val="visible"/>
-                                      </p:to>
-                                    </p:set>
-                                    <p:animEffect transition="in" filter="fade">
-                                      <p:cBhvr>
-                                        <p:cTn id="95" dur="500"/>
-                                        <p:tgtEl>
-                                          <p:spTgt spid="17"/>
+                                          <p:spTgt spid="16"/>
                                         </p:tgtEl>
                                       </p:cBhvr>
                                     </p:animEffect>
@@ -21432,32 +24624,67 @@
                     </p:cTn>
                   </p:par>
                   <p:par>
-                    <p:cTn id="96" fill="hold">
+                    <p:cTn id="93" fill="hold">
                       <p:stCondLst>
                         <p:cond delay="indefinite"/>
                       </p:stCondLst>
                       <p:childTnLst>
                         <p:par>
-                          <p:cTn id="97" fill="hold">
+                          <p:cTn id="94" fill="hold">
                             <p:stCondLst>
                               <p:cond delay="0"/>
                             </p:stCondLst>
                             <p:childTnLst>
                               <p:par>
-                                <p:cTn id="98" presetID="22" presetClass="entr" presetSubtype="4" fill="hold" nodeType="clickEffect">
+                                <p:cTn id="95" presetID="10" presetClass="entr" presetSubtype="0" fill="hold" grpId="0" nodeType="clickEffect">
                                   <p:stCondLst>
                                     <p:cond delay="0"/>
                                   </p:stCondLst>
                                   <p:childTnLst>
                                     <p:set>
                                       <p:cBhvr>
+                                        <p:cTn id="96" dur="1" fill="hold">
+                                          <p:stCondLst>
+                                            <p:cond delay="0"/>
+                                          </p:stCondLst>
+                                        </p:cTn>
+                                        <p:tgtEl>
+                                          <p:spTgt spid="172"/>
+                                        </p:tgtEl>
+                                        <p:attrNameLst>
+                                          <p:attrName>style.visibility</p:attrName>
+                                        </p:attrNameLst>
+                                      </p:cBhvr>
+                                      <p:to>
+                                        <p:strVal val="visible"/>
+                                      </p:to>
+                                    </p:set>
+                                    <p:animEffect transition="in" filter="fade">
+                                      <p:cBhvr>
+                                        <p:cTn id="97" dur="500"/>
+                                        <p:tgtEl>
+                                          <p:spTgt spid="172"/>
+                                        </p:tgtEl>
+                                      </p:cBhvr>
+                                    </p:animEffect>
+                                  </p:childTnLst>
+                                </p:cTn>
+                              </p:par>
+                              <p:par>
+                                <p:cTn id="98" presetID="10" presetClass="entr" presetSubtype="0" fill="hold" nodeType="withEffect">
+                                  <p:stCondLst>
+                                    <p:cond delay="0"/>
+                                  </p:stCondLst>
+                                  <p:childTnLst>
+                                    <p:set>
+                                      <p:cBhvr>
                                         <p:cTn id="99" dur="1" fill="hold">
                                           <p:stCondLst>
                                             <p:cond delay="0"/>
                                           </p:stCondLst>
                                         </p:cTn>
                                         <p:tgtEl>
-                                          <p:spTgt spid="61"/>
+                                          <p:spTgt spid="56"/>
                                         </p:tgtEl>
                                         <p:attrNameLst>
                                           <p:attrName>style.visibility</p:attrName>
@@ -21467,11 +24694,46 @@
                                         <p:strVal val="visible"/>
                                       </p:to>
                                     </p:set>
-                                    <p:animEffect transition="in" filter="wipe(down)">
+                                    <p:animEffect transition="in" filter="fade">
                                       <p:cBhvr>
                                         <p:cTn id="100" dur="500"/>
                                         <p:tgtEl>
-                                          <p:spTgt spid="61"/>
+                                          <p:spTgt spid="56"/>
+                                        </p:tgtEl>
+                                      </p:cBhvr>
+                                    </p:animEffect>
+                                  </p:childTnLst>
+                                </p:cTn>
+                              </p:par>
+                              <p:par>
+                                <p:cTn id="101" presetID="10" presetClass="entr" presetSubtype="0" fill="hold" grpId="0" nodeType="withEffect">
+                                  <p:stCondLst>
+                                    <p:cond delay="0"/>
+                                  </p:stCondLst>
+                                  <p:childTnLst>
+                                    <p:set>
+                                      <p:cBhvr>
+                                        <p:cTn id="102" dur="1" fill="hold">
+                                          <p:stCondLst>
+                                            <p:cond delay="0"/>
+                                          </p:stCondLst>
+                                        </p:cTn>
+                                        <p:tgtEl>
+                                          <p:spTgt spid="17"/>
+                                        </p:tgtEl>
+                                        <p:attrNameLst>
+                                          <p:attrName>style.visibility</p:attrName>
+                                        </p:attrNameLst>
+                                      </p:cBhvr>
+                                      <p:to>
+                                        <p:strVal val="visible"/>
+                                      </p:to>
+                                    </p:set>
+                                    <p:animEffect transition="in" filter="fade">
+                                      <p:cBhvr>
+                                        <p:cTn id="103" dur="500"/>
+                                        <p:tgtEl>
+                                          <p:spTgt spid="17"/>
                                         </p:tgtEl>
                                       </p:cBhvr>
                                     </p:animEffect>
@@ -21485,67 +24747,32 @@
                     </p:cTn>
                   </p:par>
                   <p:par>
-                    <p:cTn id="101" fill="hold">
+                    <p:cTn id="104" fill="hold">
                       <p:stCondLst>
                         <p:cond delay="indefinite"/>
                       </p:stCondLst>
                       <p:childTnLst>
                         <p:par>
-                          <p:cTn id="102" fill="hold">
+                          <p:cTn id="105" fill="hold">
                             <p:stCondLst>
                               <p:cond delay="0"/>
                             </p:stCondLst>
                             <p:childTnLst>
                               <p:par>
-                                <p:cTn id="103" presetID="10" presetClass="entr" presetSubtype="0" fill="hold" nodeType="clickEffect">
+                                <p:cTn id="106" presetID="22" presetClass="entr" presetSubtype="4" fill="hold" nodeType="clickEffect">
                                   <p:stCondLst>
                                     <p:cond delay="0"/>
                                   </p:stCondLst>
                                   <p:childTnLst>
                                     <p:set>
                                       <p:cBhvr>
-                                        <p:cTn id="104" dur="1" fill="hold">
-                                          <p:stCondLst>
-                                            <p:cond delay="0"/>
-                                          </p:stCondLst>
-                                        </p:cTn>
-                                        <p:tgtEl>
-                                          <p:spTgt spid="65"/>
-                                        </p:tgtEl>
-                                        <p:attrNameLst>
-                                          <p:attrName>style.visibility</p:attrName>
-                                        </p:attrNameLst>
-                                      </p:cBhvr>
-                                      <p:to>
-                                        <p:strVal val="visible"/>
-                                      </p:to>
-                                    </p:set>
-                                    <p:animEffect transition="in" filter="fade">
-                                      <p:cBhvr>
-                                        <p:cTn id="105" dur="500"/>
-                                        <p:tgtEl>
-                                          <p:spTgt spid="65"/>
-                                        </p:tgtEl>
-                                      </p:cBhvr>
-                                    </p:animEffect>
-                                  </p:childTnLst>
-                                </p:cTn>
-                              </p:par>
-                              <p:par>
-                                <p:cTn id="106" presetID="10" presetClass="entr" presetSubtype="0" fill="hold" grpId="0" nodeType="withEffect">
-                                  <p:stCondLst>
-                                    <p:cond delay="0"/>
-                                  </p:stCondLst>
-                                  <p:childTnLst>
-                                    <p:set>
-                                      <p:cBhvr>
                                         <p:cTn id="107" dur="1" fill="hold">
                                           <p:stCondLst>
                                             <p:cond delay="0"/>
                                           </p:stCondLst>
                                         </p:cTn>
                                         <p:tgtEl>
-                                          <p:spTgt spid="173"/>
+                                          <p:spTgt spid="61"/>
                                         </p:tgtEl>
                                         <p:attrNameLst>
                                           <p:attrName>style.visibility</p:attrName>
@@ -21555,46 +24782,11 @@
                                         <p:strVal val="visible"/>
                                       </p:to>
                                     </p:set>
-                                    <p:animEffect transition="in" filter="fade">
+                                    <p:animEffect transition="in" filter="wipe(down)">
                                       <p:cBhvr>
                                         <p:cTn id="108" dur="500"/>
                                         <p:tgtEl>
-                                          <p:spTgt spid="173"/>
-                                        </p:tgtEl>
-                                      </p:cBhvr>
-                                    </p:animEffect>
-                                  </p:childTnLst>
-                                </p:cTn>
-                              </p:par>
-                              <p:par>
-                                <p:cTn id="109" presetID="10" presetClass="entr" presetSubtype="0" fill="hold" grpId="0" nodeType="withEffect">
-                                  <p:stCondLst>
-                                    <p:cond delay="0"/>
-                                  </p:stCondLst>
-                                  <p:childTnLst>
-                                    <p:set>
-                                      <p:cBhvr>
-                                        <p:cTn id="110" dur="1" fill="hold">
-                                          <p:stCondLst>
-                                            <p:cond delay="0"/>
-                                          </p:stCondLst>
-                                        </p:cTn>
-                                        <p:tgtEl>
-                                          <p:spTgt spid="18"/>
-                                        </p:tgtEl>
-                                        <p:attrNameLst>
-                                          <p:attrName>style.visibility</p:attrName>
-                                        </p:attrNameLst>
-                                      </p:cBhvr>
-                                      <p:to>
-                                        <p:strVal val="visible"/>
-                                      </p:to>
-                                    </p:set>
-                                    <p:animEffect transition="in" filter="fade">
-                                      <p:cBhvr>
-                                        <p:cTn id="111" dur="500"/>
-                                        <p:tgtEl>
-                                          <p:spTgt spid="18"/>
+                                          <p:spTgt spid="61"/>
                                         </p:tgtEl>
                                       </p:cBhvr>
                                     </p:animEffect>
@@ -21608,32 +24800,67 @@
                     </p:cTn>
                   </p:par>
                   <p:par>
-                    <p:cTn id="112" fill="hold">
+                    <p:cTn id="109" fill="hold">
                       <p:stCondLst>
                         <p:cond delay="indefinite"/>
                       </p:stCondLst>
                       <p:childTnLst>
                         <p:par>
-                          <p:cTn id="113" fill="hold">
+                          <p:cTn id="110" fill="hold">
                             <p:stCondLst>
                               <p:cond delay="0"/>
                             </p:stCondLst>
                             <p:childTnLst>
                               <p:par>
-                                <p:cTn id="114" presetID="10" presetClass="entr" presetSubtype="0" fill="hold" nodeType="clickEffect">
+                                <p:cTn id="111" presetID="10" presetClass="entr" presetSubtype="0" fill="hold" nodeType="clickEffect">
                                   <p:stCondLst>
                                     <p:cond delay="0"/>
                                   </p:stCondLst>
                                   <p:childTnLst>
                                     <p:set>
                                       <p:cBhvr>
+                                        <p:cTn id="112" dur="1" fill="hold">
+                                          <p:stCondLst>
+                                            <p:cond delay="0"/>
+                                          </p:stCondLst>
+                                        </p:cTn>
+                                        <p:tgtEl>
+                                          <p:spTgt spid="65"/>
+                                        </p:tgtEl>
+                                        <p:attrNameLst>
+                                          <p:attrName>style.visibility</p:attrName>
+                                        </p:attrNameLst>
+                                      </p:cBhvr>
+                                      <p:to>
+                                        <p:strVal val="visible"/>
+                                      </p:to>
+                                    </p:set>
+                                    <p:animEffect transition="in" filter="fade">
+                                      <p:cBhvr>
+                                        <p:cTn id="113" dur="500"/>
+                                        <p:tgtEl>
+                                          <p:spTgt spid="65"/>
+                                        </p:tgtEl>
+                                      </p:cBhvr>
+                                    </p:animEffect>
+                                  </p:childTnLst>
+                                </p:cTn>
+                              </p:par>
+                              <p:par>
+                                <p:cTn id="114" presetID="10" presetClass="entr" presetSubtype="0" fill="hold" grpId="0" nodeType="withEffect">
+                                  <p:stCondLst>
+                                    <p:cond delay="0"/>
+                                  </p:stCondLst>
+                                  <p:childTnLst>
+                                    <p:set>
+                                      <p:cBhvr>
                                         <p:cTn id="115" dur="1" fill="hold">
                                           <p:stCondLst>
                                             <p:cond delay="0"/>
                                           </p:stCondLst>
                                         </p:cTn>
                                         <p:tgtEl>
-                                          <p:spTgt spid="67"/>
+                                          <p:spTgt spid="173"/>
                                         </p:tgtEl>
                                         <p:attrNameLst>
                                           <p:attrName>style.visibility</p:attrName>
@@ -21647,7 +24874,7 @@
                                       <p:cBhvr>
                                         <p:cTn id="116" dur="500"/>
                                         <p:tgtEl>
-                                          <p:spTgt spid="67"/>
+                                          <p:spTgt spid="173"/>
                                         </p:tgtEl>
                                       </p:cBhvr>
                                     </p:animEffect>
@@ -21668,7 +24895,7 @@
                                           </p:stCondLst>
                                         </p:cTn>
                                         <p:tgtEl>
-                                          <p:spTgt spid="19"/>
+                                          <p:spTgt spid="18"/>
                                         </p:tgtEl>
                                         <p:attrNameLst>
                                           <p:attrName>style.visibility</p:attrName>
@@ -21682,7 +24909,7 @@
                                       <p:cBhvr>
                                         <p:cTn id="119" dur="500"/>
                                         <p:tgtEl>
-                                          <p:spTgt spid="19"/>
+                                          <p:spTgt spid="18"/>
                                         </p:tgtEl>
                                       </p:cBhvr>
                                     </p:animEffect>
@@ -21721,7 +24948,7 @@
                                           </p:stCondLst>
                                         </p:cTn>
                                         <p:tgtEl>
-                                          <p:spTgt spid="69"/>
+                                          <p:spTgt spid="67"/>
                                         </p:tgtEl>
                                         <p:attrNameLst>
                                           <p:attrName>style.visibility</p:attrName>
@@ -21735,7 +24962,7 @@
                                       <p:cBhvr>
                                         <p:cTn id="124" dur="500"/>
                                         <p:tgtEl>
-                                          <p:spTgt spid="69"/>
+                                          <p:spTgt spid="67"/>
                                         </p:tgtEl>
                                       </p:cBhvr>
                                     </p:animEffect>
@@ -21756,7 +24983,7 @@
                                           </p:stCondLst>
                                         </p:cTn>
                                         <p:tgtEl>
-                                          <p:spTgt spid="174"/>
+                                          <p:spTgt spid="19"/>
                                         </p:tgtEl>
                                         <p:attrNameLst>
                                           <p:attrName>style.visibility</p:attrName>
@@ -21770,42 +24997,7 @@
                                       <p:cBhvr>
                                         <p:cTn id="127" dur="500"/>
                                         <p:tgtEl>
-                                          <p:spTgt spid="174"/>
-                                        </p:tgtEl>
-                                      </p:cBhvr>
-                                    </p:animEffect>
-                                  </p:childTnLst>
-                                </p:cTn>
-                              </p:par>
-                              <p:par>
-                                <p:cTn id="128" presetID="10" presetClass="entr" presetSubtype="0" fill="hold" grpId="0" nodeType="withEffect">
-                                  <p:stCondLst>
-                                    <p:cond delay="0"/>
-                                  </p:stCondLst>
-                                  <p:childTnLst>
-                                    <p:set>
-                                      <p:cBhvr>
-                                        <p:cTn id="129" dur="1" fill="hold">
-                                          <p:stCondLst>
-                                            <p:cond delay="0"/>
-                                          </p:stCondLst>
-                                        </p:cTn>
-                                        <p:tgtEl>
-                                          <p:spTgt spid="20"/>
-                                        </p:tgtEl>
-                                        <p:attrNameLst>
-                                          <p:attrName>style.visibility</p:attrName>
-                                        </p:attrNameLst>
-                                      </p:cBhvr>
-                                      <p:to>
-                                        <p:strVal val="visible"/>
-                                      </p:to>
-                                    </p:set>
-                                    <p:animEffect transition="in" filter="fade">
-                                      <p:cBhvr>
-                                        <p:cTn id="130" dur="500"/>
-                                        <p:tgtEl>
-                                          <p:spTgt spid="20"/>
+                                          <p:spTgt spid="19"/>
                                         </p:tgtEl>
                                       </p:cBhvr>
                                     </p:animEffect>
@@ -21819,32 +25011,67 @@
                     </p:cTn>
                   </p:par>
                   <p:par>
-                    <p:cTn id="131" fill="hold">
+                    <p:cTn id="128" fill="hold">
                       <p:stCondLst>
                         <p:cond delay="indefinite"/>
                       </p:stCondLst>
                       <p:childTnLst>
                         <p:par>
-                          <p:cTn id="132" fill="hold">
+                          <p:cTn id="129" fill="hold">
                             <p:stCondLst>
                               <p:cond delay="0"/>
                             </p:stCondLst>
                             <p:childTnLst>
                               <p:par>
-                                <p:cTn id="133" presetID="22" presetClass="entr" presetSubtype="4" fill="hold" nodeType="clickEffect">
+                                <p:cTn id="130" presetID="10" presetClass="entr" presetSubtype="0" fill="hold" nodeType="clickEffect">
                                   <p:stCondLst>
                                     <p:cond delay="0"/>
                                   </p:stCondLst>
                                   <p:childTnLst>
                                     <p:set>
                                       <p:cBhvr>
+                                        <p:cTn id="131" dur="1" fill="hold">
+                                          <p:stCondLst>
+                                            <p:cond delay="0"/>
+                                          </p:stCondLst>
+                                        </p:cTn>
+                                        <p:tgtEl>
+                                          <p:spTgt spid="69"/>
+                                        </p:tgtEl>
+                                        <p:attrNameLst>
+                                          <p:attrName>style.visibility</p:attrName>
+                                        </p:attrNameLst>
+                                      </p:cBhvr>
+                                      <p:to>
+                                        <p:strVal val="visible"/>
+                                      </p:to>
+                                    </p:set>
+                                    <p:animEffect transition="in" filter="fade">
+                                      <p:cBhvr>
+                                        <p:cTn id="132" dur="500"/>
+                                        <p:tgtEl>
+                                          <p:spTgt spid="69"/>
+                                        </p:tgtEl>
+                                      </p:cBhvr>
+                                    </p:animEffect>
+                                  </p:childTnLst>
+                                </p:cTn>
+                              </p:par>
+                              <p:par>
+                                <p:cTn id="133" presetID="10" presetClass="entr" presetSubtype="0" fill="hold" grpId="0" nodeType="withEffect">
+                                  <p:stCondLst>
+                                    <p:cond delay="0"/>
+                                  </p:stCondLst>
+                                  <p:childTnLst>
+                                    <p:set>
+                                      <p:cBhvr>
                                         <p:cTn id="134" dur="1" fill="hold">
                                           <p:stCondLst>
                                             <p:cond delay="0"/>
                                           </p:stCondLst>
                                         </p:cTn>
                                         <p:tgtEl>
-                                          <p:spTgt spid="72"/>
+                                          <p:spTgt spid="174"/>
                                         </p:tgtEl>
                                         <p:attrNameLst>
                                           <p:attrName>style.visibility</p:attrName>
@@ -21854,11 +25081,46 @@
                                         <p:strVal val="visible"/>
                                       </p:to>
                                     </p:set>
-                                    <p:animEffect transition="in" filter="wipe(down)">
+                                    <p:animEffect transition="in" filter="fade">
                                       <p:cBhvr>
                                         <p:cTn id="135" dur="500"/>
                                         <p:tgtEl>
-                                          <p:spTgt spid="72"/>
+                                          <p:spTgt spid="174"/>
+                                        </p:tgtEl>
+                                      </p:cBhvr>
+                                    </p:animEffect>
+                                  </p:childTnLst>
+                                </p:cTn>
+                              </p:par>
+                              <p:par>
+                                <p:cTn id="136" presetID="10" presetClass="entr" presetSubtype="0" fill="hold" grpId="0" nodeType="withEffect">
+                                  <p:stCondLst>
+                                    <p:cond delay="0"/>
+                                  </p:stCondLst>
+                                  <p:childTnLst>
+                                    <p:set>
+                                      <p:cBhvr>
+                                        <p:cTn id="137" dur="1" fill="hold">
+                                          <p:stCondLst>
+                                            <p:cond delay="0"/>
+                                          </p:stCondLst>
+                                        </p:cTn>
+                                        <p:tgtEl>
+                                          <p:spTgt spid="20"/>
+                                        </p:tgtEl>
+                                        <p:attrNameLst>
+                                          <p:attrName>style.visibility</p:attrName>
+                                        </p:attrNameLst>
+                                      </p:cBhvr>
+                                      <p:to>
+                                        <p:strVal val="visible"/>
+                                      </p:to>
+                                    </p:set>
+                                    <p:animEffect transition="in" filter="fade">
+                                      <p:cBhvr>
+                                        <p:cTn id="138" dur="500"/>
+                                        <p:tgtEl>
+                                          <p:spTgt spid="20"/>
                                         </p:tgtEl>
                                       </p:cBhvr>
                                     </p:animEffect>
@@ -21872,67 +25134,32 @@
                     </p:cTn>
                   </p:par>
                   <p:par>
-                    <p:cTn id="136" fill="hold">
+                    <p:cTn id="139" fill="hold">
                       <p:stCondLst>
                         <p:cond delay="indefinite"/>
                       </p:stCondLst>
                       <p:childTnLst>
                         <p:par>
-                          <p:cTn id="137" fill="hold">
+                          <p:cTn id="140" fill="hold">
                             <p:stCondLst>
                               <p:cond delay="0"/>
                             </p:stCondLst>
                             <p:childTnLst>
                               <p:par>
-                                <p:cTn id="138" presetID="10" presetClass="entr" presetSubtype="0" fill="hold" nodeType="clickEffect">
+                                <p:cTn id="141" presetID="22" presetClass="entr" presetSubtype="4" fill="hold" nodeType="clickEffect">
                                   <p:stCondLst>
                                     <p:cond delay="0"/>
                                   </p:stCondLst>
                                   <p:childTnLst>
                                     <p:set>
                                       <p:cBhvr>
-                                        <p:cTn id="139" dur="1" fill="hold">
-                                          <p:stCondLst>
-                                            <p:cond delay="0"/>
-                                          </p:stCondLst>
-                                        </p:cTn>
-                                        <p:tgtEl>
-                                          <p:spTgt spid="82"/>
-                                        </p:tgtEl>
-                                        <p:attrNameLst>
-                                          <p:attrName>style.visibility</p:attrName>
-                                        </p:attrNameLst>
-                                      </p:cBhvr>
-                                      <p:to>
-                                        <p:strVal val="visible"/>
-                                      </p:to>
-                                    </p:set>
-                                    <p:animEffect transition="in" filter="fade">
-                                      <p:cBhvr>
-                                        <p:cTn id="140" dur="500"/>
-                                        <p:tgtEl>
-                                          <p:spTgt spid="82"/>
-                                        </p:tgtEl>
-                                      </p:cBhvr>
-                                    </p:animEffect>
-                                  </p:childTnLst>
-                                </p:cTn>
-                              </p:par>
-                              <p:par>
-                                <p:cTn id="141" presetID="10" presetClass="entr" presetSubtype="0" fill="hold" grpId="0" nodeType="withEffect">
-                                  <p:stCondLst>
-                                    <p:cond delay="0"/>
-                                  </p:stCondLst>
-                                  <p:childTnLst>
-                                    <p:set>
-                                      <p:cBhvr>
                                         <p:cTn id="142" dur="1" fill="hold">
                                           <p:stCondLst>
                                             <p:cond delay="0"/>
                                           </p:stCondLst>
                                         </p:cTn>
                                         <p:tgtEl>
-                                          <p:spTgt spid="175"/>
+                                          <p:spTgt spid="72"/>
                                         </p:tgtEl>
                                         <p:attrNameLst>
                                           <p:attrName>style.visibility</p:attrName>
@@ -21942,46 +25169,11 @@
                                         <p:strVal val="visible"/>
                                       </p:to>
                                     </p:set>
-                                    <p:animEffect transition="in" filter="fade">
+                                    <p:animEffect transition="in" filter="wipe(down)">
                                       <p:cBhvr>
                                         <p:cTn id="143" dur="500"/>
                                         <p:tgtEl>
-                                          <p:spTgt spid="175"/>
-                                        </p:tgtEl>
-                                      </p:cBhvr>
-                                    </p:animEffect>
-                                  </p:childTnLst>
-                                </p:cTn>
-                              </p:par>
-                              <p:par>
-                                <p:cTn id="144" presetID="10" presetClass="entr" presetSubtype="0" fill="hold" grpId="0" nodeType="withEffect">
-                                  <p:stCondLst>
-                                    <p:cond delay="0"/>
-                                  </p:stCondLst>
-                                  <p:childTnLst>
-                                    <p:set>
-                                      <p:cBhvr>
-                                        <p:cTn id="145" dur="1" fill="hold">
-                                          <p:stCondLst>
-                                            <p:cond delay="0"/>
-                                          </p:stCondLst>
-                                        </p:cTn>
-                                        <p:tgtEl>
-                                          <p:spTgt spid="22"/>
-                                        </p:tgtEl>
-                                        <p:attrNameLst>
-                                          <p:attrName>style.visibility</p:attrName>
-                                        </p:attrNameLst>
-                                      </p:cBhvr>
-                                      <p:to>
-                                        <p:strVal val="visible"/>
-                                      </p:to>
-                                    </p:set>
-                                    <p:animEffect transition="in" filter="fade">
-                                      <p:cBhvr>
-                                        <p:cTn id="146" dur="500"/>
-                                        <p:tgtEl>
-                                          <p:spTgt spid="22"/>
+                                          <p:spTgt spid="72"/>
                                         </p:tgtEl>
                                       </p:cBhvr>
                                     </p:animEffect>
@@ -21995,32 +25187,67 @@
                     </p:cTn>
                   </p:par>
                   <p:par>
-                    <p:cTn id="147" fill="hold">
+                    <p:cTn id="144" fill="hold">
                       <p:stCondLst>
                         <p:cond delay="indefinite"/>
                       </p:stCondLst>
                       <p:childTnLst>
                         <p:par>
-                          <p:cTn id="148" fill="hold">
+                          <p:cTn id="145" fill="hold">
                             <p:stCondLst>
                               <p:cond delay="0"/>
                             </p:stCondLst>
                             <p:childTnLst>
                               <p:par>
-                                <p:cTn id="149" presetID="22" presetClass="entr" presetSubtype="4" fill="hold" nodeType="clickEffect">
+                                <p:cTn id="146" presetID="10" presetClass="entr" presetSubtype="0" fill="hold" nodeType="clickEffect">
                                   <p:stCondLst>
                                     <p:cond delay="0"/>
                                   </p:stCondLst>
                                   <p:childTnLst>
                                     <p:set>
                                       <p:cBhvr>
+                                        <p:cTn id="147" dur="1" fill="hold">
+                                          <p:stCondLst>
+                                            <p:cond delay="0"/>
+                                          </p:stCondLst>
+                                        </p:cTn>
+                                        <p:tgtEl>
+                                          <p:spTgt spid="82"/>
+                                        </p:tgtEl>
+                                        <p:attrNameLst>
+                                          <p:attrName>style.visibility</p:attrName>
+                                        </p:attrNameLst>
+                                      </p:cBhvr>
+                                      <p:to>
+                                        <p:strVal val="visible"/>
+                                      </p:to>
+                                    </p:set>
+                                    <p:animEffect transition="in" filter="fade">
+                                      <p:cBhvr>
+                                        <p:cTn id="148" dur="500"/>
+                                        <p:tgtEl>
+                                          <p:spTgt spid="82"/>
+                                        </p:tgtEl>
+                                      </p:cBhvr>
+                                    </p:animEffect>
+                                  </p:childTnLst>
+                                </p:cTn>
+                              </p:par>
+                              <p:par>
+                                <p:cTn id="149" presetID="10" presetClass="entr" presetSubtype="0" fill="hold" grpId="0" nodeType="withEffect">
+                                  <p:stCondLst>
+                                    <p:cond delay="0"/>
+                                  </p:stCondLst>
+                                  <p:childTnLst>
+                                    <p:set>
+                                      <p:cBhvr>
                                         <p:cTn id="150" dur="1" fill="hold">
                                           <p:stCondLst>
                                             <p:cond delay="0"/>
                                           </p:stCondLst>
                                         </p:cTn>
                                         <p:tgtEl>
-                                          <p:spTgt spid="104"/>
+                                          <p:spTgt spid="175"/>
                                         </p:tgtEl>
                                         <p:attrNameLst>
                                           <p:attrName>style.visibility</p:attrName>
@@ -22030,11 +25257,11 @@
                                         <p:strVal val="visible"/>
                                       </p:to>
                                     </p:set>
-                                    <p:animEffect transition="in" filter="wipe(down)">
+                                    <p:animEffect transition="in" filter="fade">
                                       <p:cBhvr>
                                         <p:cTn id="151" dur="500"/>
                                         <p:tgtEl>
-                                          <p:spTgt spid="104"/>
+                                          <p:spTgt spid="175"/>
                                         </p:tgtEl>
                                       </p:cBhvr>
                                     </p:animEffect>
@@ -22042,7 +25269,7 @@
                                 </p:cTn>
                               </p:par>
                               <p:par>
-                                <p:cTn id="152" presetID="22" presetClass="entr" presetSubtype="4" fill="hold" grpId="0" nodeType="withEffect">
+                                <p:cTn id="152" presetID="10" presetClass="entr" presetSubtype="0" fill="hold" grpId="0" nodeType="withEffect">
                                   <p:stCondLst>
                                     <p:cond delay="0"/>
                                   </p:stCondLst>
@@ -22055,7 +25282,7 @@
                                           </p:stCondLst>
                                         </p:cTn>
                                         <p:tgtEl>
-                                          <p:spTgt spid="176"/>
+                                          <p:spTgt spid="22"/>
                                         </p:tgtEl>
                                         <p:attrNameLst>
                                           <p:attrName>style.visibility</p:attrName>
@@ -22065,11 +25292,11 @@
                                         <p:strVal val="visible"/>
                                       </p:to>
                                     </p:set>
-                                    <p:animEffect transition="in" filter="wipe(down)">
+                                    <p:animEffect transition="in" filter="fade">
                                       <p:cBhvr>
                                         <p:cTn id="154" dur="500"/>
                                         <p:tgtEl>
-                                          <p:spTgt spid="176"/>
+                                          <p:spTgt spid="22"/>
                                         </p:tgtEl>
                                       </p:cBhvr>
                                     </p:animEffect>
@@ -22095,7 +25322,7 @@
                             </p:stCondLst>
                             <p:childTnLst>
                               <p:par>
-                                <p:cTn id="157" presetID="10" presetClass="entr" presetSubtype="0" fill="hold" nodeType="clickEffect">
+                                <p:cTn id="157" presetID="22" presetClass="entr" presetSubtype="4" fill="hold" nodeType="clickEffect">
                                   <p:stCondLst>
                                     <p:cond delay="0"/>
                                   </p:stCondLst>
@@ -22108,7 +25335,7 @@
                                           </p:stCondLst>
                                         </p:cTn>
                                         <p:tgtEl>
-                                          <p:spTgt spid="84"/>
+                                          <p:spTgt spid="104"/>
                                         </p:tgtEl>
                                         <p:attrNameLst>
                                           <p:attrName>style.visibility</p:attrName>
@@ -22118,11 +25345,11 @@
                                         <p:strVal val="visible"/>
                                       </p:to>
                                     </p:set>
-                                    <p:animEffect transition="in" filter="fade">
+                                    <p:animEffect transition="in" filter="wipe(down)">
                                       <p:cBhvr>
                                         <p:cTn id="159" dur="500"/>
                                         <p:tgtEl>
-                                          <p:spTgt spid="84"/>
+                                          <p:spTgt spid="104"/>
                                         </p:tgtEl>
                                       </p:cBhvr>
                                     </p:animEffect>
@@ -22130,7 +25357,7 @@
                                 </p:cTn>
                               </p:par>
                               <p:par>
-                                <p:cTn id="160" presetID="10" presetClass="entr" presetSubtype="0" fill="hold" grpId="0" nodeType="withEffect">
+                                <p:cTn id="160" presetID="22" presetClass="entr" presetSubtype="4" fill="hold" grpId="0" nodeType="withEffect">
                                   <p:stCondLst>
                                     <p:cond delay="0"/>
                                   </p:stCondLst>
@@ -22143,7 +25370,7 @@
                                           </p:stCondLst>
                                         </p:cTn>
                                         <p:tgtEl>
-                                          <p:spTgt spid="177"/>
+                                          <p:spTgt spid="176"/>
                                         </p:tgtEl>
                                         <p:attrNameLst>
                                           <p:attrName>style.visibility</p:attrName>
@@ -22153,46 +25380,11 @@
                                         <p:strVal val="visible"/>
                                       </p:to>
                                     </p:set>
-                                    <p:animEffect transition="in" filter="fade">
+                                    <p:animEffect transition="in" filter="wipe(down)">
                                       <p:cBhvr>
                                         <p:cTn id="162" dur="500"/>
                                         <p:tgtEl>
-                                          <p:spTgt spid="177"/>
-                                        </p:tgtEl>
-                                      </p:cBhvr>
-                                    </p:animEffect>
-                                  </p:childTnLst>
-                                </p:cTn>
-                              </p:par>
-                              <p:par>
-                                <p:cTn id="163" presetID="10" presetClass="entr" presetSubtype="0" fill="hold" grpId="0" nodeType="withEffect">
-                                  <p:stCondLst>
-                                    <p:cond delay="0"/>
-                                  </p:stCondLst>
-                                  <p:childTnLst>
-                                    <p:set>
-                                      <p:cBhvr>
-                                        <p:cTn id="164" dur="1" fill="hold">
-                                          <p:stCondLst>
-                                            <p:cond delay="0"/>
-                                          </p:stCondLst>
-                                        </p:cTn>
-                                        <p:tgtEl>
-                                          <p:spTgt spid="23"/>
-                                        </p:tgtEl>
-                                        <p:attrNameLst>
-                                          <p:attrName>style.visibility</p:attrName>
-                                        </p:attrNameLst>
-                                      </p:cBhvr>
-                                      <p:to>
-                                        <p:strVal val="visible"/>
-                                      </p:to>
-                                    </p:set>
-                                    <p:animEffect transition="in" filter="fade">
-                                      <p:cBhvr>
-                                        <p:cTn id="165" dur="500"/>
-                                        <p:tgtEl>
-                                          <p:spTgt spid="23"/>
+                                          <p:spTgt spid="176"/>
                                         </p:tgtEl>
                                       </p:cBhvr>
                                     </p:animEffect>
@@ -22206,32 +25398,67 @@
                     </p:cTn>
                   </p:par>
                   <p:par>
-                    <p:cTn id="166" fill="hold">
+                    <p:cTn id="163" fill="hold">
                       <p:stCondLst>
                         <p:cond delay="indefinite"/>
                       </p:stCondLst>
                       <p:childTnLst>
                         <p:par>
-                          <p:cTn id="167" fill="hold">
+                          <p:cTn id="164" fill="hold">
                             <p:stCondLst>
                               <p:cond delay="0"/>
                             </p:stCondLst>
                             <p:childTnLst>
                               <p:par>
-                                <p:cTn id="168" presetID="10" presetClass="entr" presetSubtype="0" fill="hold" nodeType="clickEffect">
+                                <p:cTn id="165" presetID="10" presetClass="entr" presetSubtype="0" fill="hold" nodeType="clickEffect">
                                   <p:stCondLst>
                                     <p:cond delay="0"/>
                                   </p:stCondLst>
                                   <p:childTnLst>
                                     <p:set>
                                       <p:cBhvr>
+                                        <p:cTn id="166" dur="1" fill="hold">
+                                          <p:stCondLst>
+                                            <p:cond delay="0"/>
+                                          </p:stCondLst>
+                                        </p:cTn>
+                                        <p:tgtEl>
+                                          <p:spTgt spid="84"/>
+                                        </p:tgtEl>
+                                        <p:attrNameLst>
+                                          <p:attrName>style.visibility</p:attrName>
+                                        </p:attrNameLst>
+                                      </p:cBhvr>
+                                      <p:to>
+                                        <p:strVal val="visible"/>
+                                      </p:to>
+                                    </p:set>
+                                    <p:animEffect transition="in" filter="fade">
+                                      <p:cBhvr>
+                                        <p:cTn id="167" dur="500"/>
+                                        <p:tgtEl>
+                                          <p:spTgt spid="84"/>
+                                        </p:tgtEl>
+                                      </p:cBhvr>
+                                    </p:animEffect>
+                                  </p:childTnLst>
+                                </p:cTn>
+                              </p:par>
+                              <p:par>
+                                <p:cTn id="168" presetID="10" presetClass="entr" presetSubtype="0" fill="hold" grpId="0" nodeType="withEffect">
+                                  <p:stCondLst>
+                                    <p:cond delay="0"/>
+                                  </p:stCondLst>
+                                  <p:childTnLst>
+                                    <p:set>
+                                      <p:cBhvr>
                                         <p:cTn id="169" dur="1" fill="hold">
                                           <p:stCondLst>
                                             <p:cond delay="0"/>
                                           </p:stCondLst>
                                         </p:cTn>
                                         <p:tgtEl>
-                                          <p:spTgt spid="115"/>
+                                          <p:spTgt spid="177"/>
                                         </p:tgtEl>
                                         <p:attrNameLst>
                                           <p:attrName>style.visibility</p:attrName>
@@ -22245,7 +25472,7 @@
                                       <p:cBhvr>
                                         <p:cTn id="170" dur="500"/>
                                         <p:tgtEl>
-                                          <p:spTgt spid="115"/>
+                                          <p:spTgt spid="177"/>
                                         </p:tgtEl>
                                       </p:cBhvr>
                                     </p:animEffect>
@@ -22266,7 +25493,7 @@
                                           </p:stCondLst>
                                         </p:cTn>
                                         <p:tgtEl>
-                                          <p:spTgt spid="21"/>
+                                          <p:spTgt spid="23"/>
                                         </p:tgtEl>
                                         <p:attrNameLst>
                                           <p:attrName>style.visibility</p:attrName>
@@ -22280,7 +25507,7 @@
                                       <p:cBhvr>
                                         <p:cTn id="173" dur="500"/>
                                         <p:tgtEl>
-                                          <p:spTgt spid="21"/>
+                                          <p:spTgt spid="23"/>
                                         </p:tgtEl>
                                       </p:cBhvr>
                                     </p:animEffect>
@@ -22306,7 +25533,7 @@
                             </p:stCondLst>
                             <p:childTnLst>
                               <p:par>
-                                <p:cTn id="176" presetID="22" presetClass="entr" presetSubtype="4" fill="hold" nodeType="clickEffect">
+                                <p:cTn id="176" presetID="10" presetClass="entr" presetSubtype="0" fill="hold" nodeType="clickEffect">
                                   <p:stCondLst>
                                     <p:cond delay="0"/>
                                   </p:stCondLst>
@@ -22319,7 +25546,7 @@
                                           </p:stCondLst>
                                         </p:cTn>
                                         <p:tgtEl>
-                                          <p:spTgt spid="121"/>
+                                          <p:spTgt spid="115"/>
                                         </p:tgtEl>
                                         <p:attrNameLst>
                                           <p:attrName>style.visibility</p:attrName>
@@ -22329,11 +25556,46 @@
                                         <p:strVal val="visible"/>
                                       </p:to>
                                     </p:set>
-                                    <p:animEffect transition="in" filter="wipe(down)">
+                                    <p:animEffect transition="in" filter="fade">
                                       <p:cBhvr>
                                         <p:cTn id="178" dur="500"/>
                                         <p:tgtEl>
-                                          <p:spTgt spid="121"/>
+                                          <p:spTgt spid="115"/>
+                                        </p:tgtEl>
+                                      </p:cBhvr>
+                                    </p:animEffect>
+                                  </p:childTnLst>
+                                </p:cTn>
+                              </p:par>
+                              <p:par>
+                                <p:cTn id="179" presetID="10" presetClass="entr" presetSubtype="0" fill="hold" grpId="0" nodeType="withEffect">
+                                  <p:stCondLst>
+                                    <p:cond delay="0"/>
+                                  </p:stCondLst>
+                                  <p:childTnLst>
+                                    <p:set>
+                                      <p:cBhvr>
+                                        <p:cTn id="180" dur="1" fill="hold">
+                                          <p:stCondLst>
+                                            <p:cond delay="0"/>
+                                          </p:stCondLst>
+                                        </p:cTn>
+                                        <p:tgtEl>
+                                          <p:spTgt spid="21"/>
+                                        </p:tgtEl>
+                                        <p:attrNameLst>
+                                          <p:attrName>style.visibility</p:attrName>
+                                        </p:attrNameLst>
+                                      </p:cBhvr>
+                                      <p:to>
+                                        <p:strVal val="visible"/>
+                                      </p:to>
+                                    </p:set>
+                                    <p:animEffect transition="in" filter="fade">
+                                      <p:cBhvr>
+                                        <p:cTn id="181" dur="500"/>
+                                        <p:tgtEl>
+                                          <p:spTgt spid="21"/>
                                         </p:tgtEl>
                                       </p:cBhvr>
                                     </p:animEffect>
@@ -22347,26 +25609,79 @@
                     </p:cTn>
                   </p:par>
                   <p:par>
-                    <p:cTn id="179" fill="hold">
+                    <p:cTn id="182" fill="hold">
                       <p:stCondLst>
                         <p:cond delay="indefinite"/>
                       </p:stCondLst>
                       <p:childTnLst>
                         <p:par>
-                          <p:cTn id="180" fill="hold">
+                          <p:cTn id="183" fill="hold">
                             <p:stCondLst>
                               <p:cond delay="0"/>
                             </p:stCondLst>
                             <p:childTnLst>
                               <p:par>
-                                <p:cTn id="181" presetID="22" presetClass="entr" presetSubtype="1" fill="hold" nodeType="clickEffect">
+                                <p:cTn id="184" presetID="22" presetClass="entr" presetSubtype="4" fill="hold" nodeType="clickEffect">
                                   <p:stCondLst>
                                     <p:cond delay="0"/>
                                   </p:stCondLst>
                                   <p:childTnLst>
                                     <p:set>
                                       <p:cBhvr>
-                                        <p:cTn id="182" dur="1" fill="hold">
+                                        <p:cTn id="185" dur="1" fill="hold">
+                                          <p:stCondLst>
+                                            <p:cond delay="0"/>
+                                          </p:stCondLst>
+                                        </p:cTn>
+                                        <p:tgtEl>
+                                          <p:spTgt spid="121"/>
+                                        </p:tgtEl>
+                                        <p:attrNameLst>
+                                          <p:attrName>style.visibility</p:attrName>
+                                        </p:attrNameLst>
+                                      </p:cBhvr>
+                                      <p:to>
+                                        <p:strVal val="visible"/>
+                                      </p:to>
+                                    </p:set>
+                                    <p:animEffect transition="in" filter="wipe(down)">
+                                      <p:cBhvr>
+                                        <p:cTn id="186" dur="500"/>
+                                        <p:tgtEl>
+                                          <p:spTgt spid="121"/>
+                                        </p:tgtEl>
+                                      </p:cBhvr>
+                                    </p:animEffect>
+                                  </p:childTnLst>
+                                </p:cTn>
+                              </p:par>
+                            </p:childTnLst>
+                          </p:cTn>
+                        </p:par>
+                      </p:childTnLst>
+                    </p:cTn>
+                  </p:par>
+                  <p:par>
+                    <p:cTn id="187" fill="hold">
+                      <p:stCondLst>
+                        <p:cond delay="indefinite"/>
+                      </p:stCondLst>
+                      <p:childTnLst>
+                        <p:par>
+                          <p:cTn id="188" fill="hold">
+                            <p:stCondLst>
+                              <p:cond delay="0"/>
+                            </p:stCondLst>
+                            <p:childTnLst>
+                              <p:par>
+                                <p:cTn id="189" presetID="22" presetClass="entr" presetSubtype="1" fill="hold" nodeType="clickEffect">
+                                  <p:stCondLst>
+                                    <p:cond delay="0"/>
+                                  </p:stCondLst>
+                                  <p:childTnLst>
+                                    <p:set>
+                                      <p:cBhvr>
+                                        <p:cTn id="190" dur="1" fill="hold">
                                           <p:stCondLst>
                                             <p:cond delay="0"/>
                                           </p:stCondLst>
@@ -22384,7 +25699,7 @@
                                     </p:set>
                                     <p:animEffect transition="in" filter="wipe(up)">
                                       <p:cBhvr>
-                                        <p:cTn id="183" dur="500"/>
+                                        <p:cTn id="191" dur="500"/>
                                         <p:tgtEl>
                                           <p:spTgt spid="156"/>
                                         </p:tgtEl>
@@ -22394,14 +25709,14 @@
                                 </p:cTn>
                               </p:par>
                               <p:par>
-                                <p:cTn id="184" presetID="22" presetClass="entr" presetSubtype="1" fill="hold" grpId="0" nodeType="withEffect">
+                                <p:cTn id="192" presetID="22" presetClass="entr" presetSubtype="1" fill="hold" grpId="0" nodeType="withEffect">
                                   <p:stCondLst>
                                     <p:cond delay="0"/>
                                   </p:stCondLst>
                                   <p:childTnLst>
                                     <p:set>
                                       <p:cBhvr>
-                                        <p:cTn id="185" dur="1" fill="hold">
+                                        <p:cTn id="193" dur="1" fill="hold">
                                           <p:stCondLst>
                                             <p:cond delay="0"/>
                                           </p:stCondLst>
@@ -22419,7 +25734,7 @@
                                     </p:set>
                                     <p:animEffect transition="in" filter="wipe(up)">
                                       <p:cBhvr>
-                                        <p:cTn id="186" dur="500"/>
+                                        <p:cTn id="194" dur="500"/>
                                         <p:tgtEl>
                                           <p:spTgt spid="179"/>
                                         </p:tgtEl>
@@ -22429,14 +25744,14 @@
                                 </p:cTn>
                               </p:par>
                               <p:par>
-                                <p:cTn id="187" presetID="22" presetClass="entr" presetSubtype="1" fill="hold" grpId="0" nodeType="withEffect">
+                                <p:cTn id="195" presetID="22" presetClass="entr" presetSubtype="1" fill="hold" grpId="0" nodeType="withEffect">
                                   <p:stCondLst>
                                     <p:cond delay="0"/>
                                   </p:stCondLst>
                                   <p:childTnLst>
                                     <p:set>
                                       <p:cBhvr>
-                                        <p:cTn id="188" dur="1" fill="hold">
+                                        <p:cTn id="196" dur="1" fill="hold">
                                           <p:stCondLst>
                                             <p:cond delay="0"/>
                                           </p:stCondLst>
@@ -22454,7 +25769,7 @@
                                     </p:set>
                                     <p:animEffect transition="in" filter="wipe(up)">
                                       <p:cBhvr>
-                                        <p:cTn id="189" dur="500"/>
+                                        <p:cTn id="197" dur="500"/>
                                         <p:tgtEl>
                                           <p:spTgt spid="24"/>
                                         </p:tgtEl>
@@ -22517,6 +25832,7 @@
       <p:bldP spid="177" grpId="0"/>
       <p:bldP spid="179" grpId="0"/>
       <p:bldP spid="180" grpId="0"/>
+      <p:bldP spid="58" grpId="0"/>
     </p:bldLst>
   </p:timing>
 </p:sld>
@@ -24848,22 +28164,38 @@
             <p:ph type="title"/>
           </p:nvPr>
         </p:nvSpPr>
-        <p:spPr/>
+        <p:spPr>
+          <a:xfrm>
+            <a:off x="457200" y="-3712"/>
+            <a:ext cx="8229600" cy="1143000"/>
+          </a:xfrm>
+        </p:spPr>
         <p:txBody>
-          <a:bodyPr/>
+          <a:bodyPr>
+            <a:normAutofit/>
+          </a:bodyPr>
           <a:lstStyle/>
           <a:p>
+            <a:pPr algn="ctr"/>
             <a:r>
               <a:rPr lang="en-US" dirty="0" err="1"/>
               <a:t>Analisi</a:t>
             </a:r>
             <a:r>
               <a:rPr lang="en-US" dirty="0"/>
-              <a:t> tempi di </a:t>
+              <a:t> </a:t>
             </a:r>
             <a:r>
               <a:rPr lang="en-US" dirty="0" err="1"/>
-              <a:t>computazione</a:t>
+              <a:t>dei</a:t>
+            </a:r>
+            <a:r>
+              <a:rPr lang="en-US" dirty="0"/>
+              <a:t> </a:t>
+            </a:r>
+            <a:r>
+              <a:rPr lang="en-US" dirty="0" err="1"/>
+              <a:t>risultati</a:t>
             </a:r>
             <a:endParaRPr lang="it-IT" dirty="0"/>
           </a:p>
@@ -25125,7 +28457,7 @@
         </p:nvSpPr>
         <p:spPr>
           <a:xfrm>
-            <a:off x="982484" y="4190504"/>
+            <a:off x="1035314" y="4250063"/>
             <a:ext cx="3131840" cy="1709488"/>
           </a:xfrm>
           <a:prstGeom prst="rect">
@@ -25362,6 +28694,102 @@
           </a:p>
         </p:txBody>
       </p:sp>
+      <p:sp>
+        <p:nvSpPr>
+          <p:cNvPr id="10" name="Titolo 2">
+            <a:extLst>
+              <a:ext uri="{FF2B5EF4-FFF2-40B4-BE49-F238E27FC236}">
+                <a16:creationId xmlns:a16="http://schemas.microsoft.com/office/drawing/2014/main" id="{BD9F83F0-A2C0-4D08-BCFD-02FFAA209421}"/>
+              </a:ext>
+            </a:extLst>
+          </p:cNvPr>
+          <p:cNvSpPr txBox="1">
+            <a:spLocks/>
+          </p:cNvSpPr>
+          <p:nvPr/>
+        </p:nvSpPr>
+        <p:spPr>
+          <a:xfrm>
+            <a:off x="2548404" y="552338"/>
+            <a:ext cx="3960440" cy="715992"/>
+          </a:xfrm>
+          <a:prstGeom prst="rect">
+            <a:avLst/>
+          </a:prstGeom>
+        </p:spPr>
+        <p:txBody>
+          <a:bodyPr vert="horz" rtlCol="0" anchor="ctr">
+            <a:normAutofit/>
+            <a:scene3d>
+              <a:camera prst="orthographicFront"/>
+              <a:lightRig rig="soft" dir="t"/>
+            </a:scene3d>
+            <a:sp3d prstMaterial="softEdge">
+              <a:bevelT w="25400" h="25400"/>
+            </a:sp3d>
+          </a:bodyPr>
+          <a:lstStyle>
+            <a:lvl1pPr algn="l" rtl="0" eaLnBrk="1" latinLnBrk="0" hangingPunct="1">
+              <a:spcBef>
+                <a:spcPct val="0"/>
+              </a:spcBef>
+              <a:buNone/>
+              <a:defRPr kumimoji="0" sz="4100" b="1" kern="1200">
+                <a:solidFill>
+                  <a:schemeClr val="tx2"/>
+                </a:solidFill>
+                <a:effectLst>
+                  <a:outerShdw blurRad="31750" dist="25400" dir="5400000" algn="tl" rotWithShape="0">
+                    <a:srgbClr val="000000">
+                      <a:alpha val="25000"/>
+                    </a:srgbClr>
+                  </a:outerShdw>
+                </a:effectLst>
+                <a:latin typeface="+mj-lt"/>
+                <a:ea typeface="+mj-ea"/>
+                <a:cs typeface="+mj-cs"/>
+              </a:defRPr>
+            </a:lvl1pPr>
+            <a:extLst/>
+          </a:lstStyle>
+          <a:p>
+            <a:pPr algn="ctr"/>
+            <a:r>
+              <a:rPr lang="en-US" sz="2400" dirty="0">
+                <a:effectLst>
+                  <a:outerShdw blurRad="38100" dist="38100" dir="2700000" algn="tl">
+                    <a:srgbClr val="000000">
+                      <a:alpha val="43137"/>
+                    </a:srgbClr>
+                  </a:outerShdw>
+                </a:effectLst>
+              </a:rPr>
+              <a:t>Tempi di </a:t>
+            </a:r>
+            <a:r>
+              <a:rPr lang="en-US" sz="2400" dirty="0" err="1">
+                <a:effectLst>
+                  <a:outerShdw blurRad="38100" dist="38100" dir="2700000" algn="tl">
+                    <a:srgbClr val="000000">
+                      <a:alpha val="43137"/>
+                    </a:srgbClr>
+                  </a:outerShdw>
+                </a:effectLst>
+              </a:rPr>
+              <a:t>computazione</a:t>
+            </a:r>
+            <a:endParaRPr lang="it-IT" sz="2400" dirty="0">
+              <a:effectLst>
+                <a:outerShdw blurRad="38100" dist="38100" dir="2700000" algn="tl">
+                  <a:srgbClr val="000000">
+                    <a:alpha val="43137"/>
+                  </a:srgbClr>
+                </a:outerShdw>
+              </a:effectLst>
+            </a:endParaRPr>
+          </a:p>
+        </p:txBody>
+      </p:sp>
     </p:spTree>
     <p:extLst>
       <p:ext uri="{BB962C8B-B14F-4D97-AF65-F5344CB8AC3E}">
@@ -25406,11 +28834,7 @@
                                           </p:stCondLst>
                                         </p:cTn>
                                         <p:tgtEl>
-                                          <p:spTgt spid="15">
-                                            <p:txEl>
-                                              <p:pRg st="0" end="0"/>
-                                            </p:txEl>
-                                          </p:spTgt>
+                                          <p:spTgt spid="12"/>
                                         </p:tgtEl>
                                         <p:attrNameLst>
                                           <p:attrName>style.visibility</p:attrName>
@@ -25424,11 +28848,42 @@
                                       <p:cBhvr>
                                         <p:cTn id="7" dur="500"/>
                                         <p:tgtEl>
-                                          <p:spTgt spid="15">
-                                            <p:txEl>
-                                              <p:pRg st="0" end="0"/>
-                                            </p:txEl>
-                                          </p:spTgt>
+                                          <p:spTgt spid="12"/>
+                                        </p:tgtEl>
+                                      </p:cBhvr>
+                                    </p:animEffect>
+                                  </p:childTnLst>
+                                </p:cTn>
+                              </p:par>
+                              <p:par>
+                                <p:cTn id="8" presetID="10" presetClass="entr" presetSubtype="0" fill="hold" nodeType="withEffect">
+                                  <p:stCondLst>
+                                    <p:cond delay="0"/>
+                                  </p:stCondLst>
+                                  <p:childTnLst>
+                                    <p:set>
+                                      <p:cBhvr>
+                                        <p:cTn id="9" dur="1" fill="hold">
+                                          <p:stCondLst>
+                                            <p:cond delay="0"/>
+                                          </p:stCondLst>
+                                        </p:cTn>
+                                        <p:tgtEl>
+                                          <p:spTgt spid="5"/>
+                                        </p:tgtEl>
+                                        <p:attrNameLst>
+                                          <p:attrName>style.visibility</p:attrName>
+                                        </p:attrNameLst>
+                                      </p:cBhvr>
+                                      <p:to>
+                                        <p:strVal val="visible"/>
+                                      </p:to>
+                                    </p:set>
+                                    <p:animEffect transition="in" filter="fade">
+                                      <p:cBhvr>
+                                        <p:cTn id="10" dur="500"/>
+                                        <p:tgtEl>
+                                          <p:spTgt spid="5"/>
                                         </p:tgtEl>
                                       </p:cBhvr>
                                     </p:animEffect>
@@ -25442,36 +28897,32 @@
                     </p:cTn>
                   </p:par>
                   <p:par>
-                    <p:cTn id="8" fill="hold">
+                    <p:cTn id="11" fill="hold">
                       <p:stCondLst>
                         <p:cond delay="indefinite"/>
                       </p:stCondLst>
                       <p:childTnLst>
                         <p:par>
-                          <p:cTn id="9" fill="hold">
+                          <p:cTn id="12" fill="hold">
                             <p:stCondLst>
                               <p:cond delay="0"/>
                             </p:stCondLst>
                             <p:childTnLst>
                               <p:par>
-                                <p:cTn id="10" presetID="10" presetClass="entr" presetSubtype="0" fill="hold" grpId="0" nodeType="clickEffect">
+                                <p:cTn id="13" presetID="10" presetClass="entr" presetSubtype="0" fill="hold" grpId="0" nodeType="clickEffect">
                                   <p:stCondLst>
                                     <p:cond delay="0"/>
                                   </p:stCondLst>
                                   <p:childTnLst>
                                     <p:set>
                                       <p:cBhvr>
-                                        <p:cTn id="11" dur="1" fill="hold">
+                                        <p:cTn id="14" dur="1" fill="hold">
                                           <p:stCondLst>
                                             <p:cond delay="0"/>
                                           </p:stCondLst>
                                         </p:cTn>
                                         <p:tgtEl>
-                                          <p:spTgt spid="15">
-                                            <p:txEl>
-                                              <p:pRg st="1" end="1"/>
-                                            </p:txEl>
-                                          </p:spTgt>
+                                          <p:spTgt spid="14"/>
                                         </p:tgtEl>
                                         <p:attrNameLst>
                                           <p:attrName>style.visibility</p:attrName>
@@ -25483,13 +28934,44 @@
                                     </p:set>
                                     <p:animEffect transition="in" filter="fade">
                                       <p:cBhvr>
-                                        <p:cTn id="12" dur="500"/>
-                                        <p:tgtEl>
-                                          <p:spTgt spid="15">
-                                            <p:txEl>
-                                              <p:pRg st="1" end="1"/>
-                                            </p:txEl>
-                                          </p:spTgt>
+                                        <p:cTn id="15" dur="500"/>
+                                        <p:tgtEl>
+                                          <p:spTgt spid="14"/>
+                                        </p:tgtEl>
+                                      </p:cBhvr>
+                                    </p:animEffect>
+                                  </p:childTnLst>
+                                </p:cTn>
+                              </p:par>
+                              <p:par>
+                                <p:cTn id="16" presetID="10" presetClass="entr" presetSubtype="0" fill="hold" nodeType="withEffect">
+                                  <p:stCondLst>
+                                    <p:cond delay="0"/>
+                                  </p:stCondLst>
+                                  <p:childTnLst>
+                                    <p:set>
+                                      <p:cBhvr>
+                                        <p:cTn id="17" dur="1" fill="hold">
+                                          <p:stCondLst>
+                                            <p:cond delay="0"/>
+                                          </p:stCondLst>
+                                        </p:cTn>
+                                        <p:tgtEl>
+                                          <p:spTgt spid="11"/>
+                                        </p:tgtEl>
+                                        <p:attrNameLst>
+                                          <p:attrName>style.visibility</p:attrName>
+                                        </p:attrNameLst>
+                                      </p:cBhvr>
+                                      <p:to>
+                                        <p:strVal val="visible"/>
+                                      </p:to>
+                                    </p:set>
+                                    <p:animEffect transition="in" filter="fade">
+                                      <p:cBhvr>
+                                        <p:cTn id="18" dur="500"/>
+                                        <p:tgtEl>
+                                          <p:spTgt spid="11"/>
                                         </p:tgtEl>
                                       </p:cBhvr>
                                     </p:animEffect>
@@ -25503,36 +28985,32 @@
                     </p:cTn>
                   </p:par>
                   <p:par>
-                    <p:cTn id="13" fill="hold">
+                    <p:cTn id="19" fill="hold">
                       <p:stCondLst>
                         <p:cond delay="indefinite"/>
                       </p:stCondLst>
                       <p:childTnLst>
                         <p:par>
-                          <p:cTn id="14" fill="hold">
+                          <p:cTn id="20" fill="hold">
                             <p:stCondLst>
                               <p:cond delay="0"/>
                             </p:stCondLst>
                             <p:childTnLst>
                               <p:par>
-                                <p:cTn id="15" presetID="10" presetClass="entr" presetSubtype="0" fill="hold" grpId="0" nodeType="clickEffect">
+                                <p:cTn id="21" presetID="10" presetClass="entr" presetSubtype="0" fill="hold" grpId="0" nodeType="clickEffect">
                                   <p:stCondLst>
                                     <p:cond delay="0"/>
                                   </p:stCondLst>
                                   <p:childTnLst>
                                     <p:set>
                                       <p:cBhvr>
-                                        <p:cTn id="16" dur="1" fill="hold">
+                                        <p:cTn id="22" dur="1" fill="hold">
                                           <p:stCondLst>
                                             <p:cond delay="0"/>
                                           </p:stCondLst>
                                         </p:cTn>
                                         <p:tgtEl>
-                                          <p:spTgt spid="15">
-                                            <p:txEl>
-                                              <p:pRg st="2" end="2"/>
-                                            </p:txEl>
-                                          </p:spTgt>
+                                          <p:spTgt spid="13"/>
                                         </p:tgtEl>
                                         <p:attrNameLst>
                                           <p:attrName>style.visibility</p:attrName>
@@ -25544,13 +29022,97 @@
                                     </p:set>
                                     <p:animEffect transition="in" filter="fade">
                                       <p:cBhvr>
-                                        <p:cTn id="17" dur="500"/>
-                                        <p:tgtEl>
-                                          <p:spTgt spid="15">
-                                            <p:txEl>
-                                              <p:pRg st="2" end="2"/>
-                                            </p:txEl>
-                                          </p:spTgt>
+                                        <p:cTn id="23" dur="500"/>
+                                        <p:tgtEl>
+                                          <p:spTgt spid="13"/>
+                                        </p:tgtEl>
+                                      </p:cBhvr>
+                                    </p:animEffect>
+                                  </p:childTnLst>
+                                </p:cTn>
+                              </p:par>
+                              <p:par>
+                                <p:cTn id="24" presetID="10" presetClass="entr" presetSubtype="0" fill="hold" nodeType="withEffect">
+                                  <p:stCondLst>
+                                    <p:cond delay="0"/>
+                                  </p:stCondLst>
+                                  <p:childTnLst>
+                                    <p:set>
+                                      <p:cBhvr>
+                                        <p:cTn id="25" dur="1" fill="hold">
+                                          <p:stCondLst>
+                                            <p:cond delay="0"/>
+                                          </p:stCondLst>
+                                        </p:cTn>
+                                        <p:tgtEl>
+                                          <p:spTgt spid="7"/>
+                                        </p:tgtEl>
+                                        <p:attrNameLst>
+                                          <p:attrName>style.visibility</p:attrName>
+                                        </p:attrNameLst>
+                                      </p:cBhvr>
+                                      <p:to>
+                                        <p:strVal val="visible"/>
+                                      </p:to>
+                                    </p:set>
+                                    <p:animEffect transition="in" filter="fade">
+                                      <p:cBhvr>
+                                        <p:cTn id="26" dur="500"/>
+                                        <p:tgtEl>
+                                          <p:spTgt spid="7"/>
+                                        </p:tgtEl>
+                                      </p:cBhvr>
+                                    </p:animEffect>
+                                  </p:childTnLst>
+                                </p:cTn>
+                              </p:par>
+                            </p:childTnLst>
+                          </p:cTn>
+                        </p:par>
+                      </p:childTnLst>
+                    </p:cTn>
+                  </p:par>
+                  <p:par>
+                    <p:cTn id="27" fill="hold">
+                      <p:stCondLst>
+                        <p:cond delay="indefinite"/>
+                      </p:stCondLst>
+                      <p:childTnLst>
+                        <p:par>
+                          <p:cTn id="28" fill="hold">
+                            <p:stCondLst>
+                              <p:cond delay="0"/>
+                            </p:stCondLst>
+                            <p:childTnLst>
+                              <p:par>
+                                <p:cTn id="29" presetID="10" presetClass="entr" presetSubtype="0" fill="hold" grpId="0" nodeType="clickEffect">
+                                  <p:stCondLst>
+                                    <p:cond delay="0"/>
+                                  </p:stCondLst>
+                                  <p:childTnLst>
+                                    <p:set>
+                                      <p:cBhvr>
+                                        <p:cTn id="30" dur="1" fill="hold">
+                                          <p:stCondLst>
+                                            <p:cond delay="0"/>
+                                          </p:stCondLst>
+                                        </p:cTn>
+                                        <p:tgtEl>
+                                          <p:spTgt spid="15"/>
+                                        </p:tgtEl>
+                                        <p:attrNameLst>
+                                          <p:attrName>style.visibility</p:attrName>
+                                        </p:attrNameLst>
+                                      </p:cBhvr>
+                                      <p:to>
+                                        <p:strVal val="visible"/>
+                                      </p:to>
+                                    </p:set>
+                                    <p:animEffect transition="in" filter="fade">
+                                      <p:cBhvr>
+                                        <p:cTn id="31" dur="500"/>
+                                        <p:tgtEl>
+                                          <p:spTgt spid="15"/>
                                         </p:tgtEl>
                                       </p:cBhvr>
                                     </p:animEffect>
@@ -25585,7 +29147,10 @@
       </p:par>
     </p:tnLst>
     <p:bldLst>
-      <p:bldP spid="15" grpId="0" build="p"/>
+      <p:bldP spid="12" grpId="0"/>
+      <p:bldP spid="13" grpId="0"/>
+      <p:bldP spid="14" grpId="0"/>
+      <p:bldP spid="15" grpId="0" uiExpand="1"/>
     </p:bldLst>
   </p:timing>
 </p:sld>

--- a/presentazione.pptx
+++ b/presentazione.pptx
@@ -752,7 +752,7 @@
           <a:p>
             <a:fld id="{ED7D3210-A7A2-4A8A-A724-706A26CF2866}" type="datetimeFigureOut">
               <a:rPr lang="it-IT" smtClean="0"/>
-              <a:t>10/10/2019</a:t>
+              <a:t>12/10/2019</a:t>
             </a:fld>
             <a:endParaRPr lang="it-IT"/>
           </a:p>
@@ -942,7 +942,7 @@
           <a:p>
             <a:fld id="{ED7D3210-A7A2-4A8A-A724-706A26CF2866}" type="datetimeFigureOut">
               <a:rPr lang="it-IT" smtClean="0"/>
-              <a:t>10/10/2019</a:t>
+              <a:t>12/10/2019</a:t>
             </a:fld>
             <a:endParaRPr lang="it-IT"/>
           </a:p>
@@ -1117,7 +1117,7 @@
           <a:p>
             <a:fld id="{ED7D3210-A7A2-4A8A-A724-706A26CF2866}" type="datetimeFigureOut">
               <a:rPr lang="it-IT" smtClean="0"/>
-              <a:t>10/10/2019</a:t>
+              <a:t>12/10/2019</a:t>
             </a:fld>
             <a:endParaRPr lang="it-IT"/>
           </a:p>
@@ -1259,7 +1259,7 @@
           <a:p>
             <a:fld id="{ED7D3210-A7A2-4A8A-A724-706A26CF2866}" type="datetimeFigureOut">
               <a:rPr lang="it-IT" smtClean="0"/>
-              <a:t>10/10/2019</a:t>
+              <a:t>12/10/2019</a:t>
             </a:fld>
             <a:endParaRPr lang="it-IT"/>
           </a:p>
@@ -1506,7 +1506,7 @@
           <a:p>
             <a:fld id="{ED7D3210-A7A2-4A8A-A724-706A26CF2866}" type="datetimeFigureOut">
               <a:rPr lang="it-IT" smtClean="0"/>
-              <a:t>10/10/2019</a:t>
+              <a:t>12/10/2019</a:t>
             </a:fld>
             <a:endParaRPr lang="it-IT"/>
           </a:p>
@@ -1905,7 +1905,7 @@
           <a:p>
             <a:fld id="{ED7D3210-A7A2-4A8A-A724-706A26CF2866}" type="datetimeFigureOut">
               <a:rPr lang="it-IT" smtClean="0"/>
-              <a:t>10/10/2019</a:t>
+              <a:t>12/10/2019</a:t>
             </a:fld>
             <a:endParaRPr lang="it-IT"/>
           </a:p>
@@ -2343,7 +2343,7 @@
           <a:p>
             <a:fld id="{ED7D3210-A7A2-4A8A-A724-706A26CF2866}" type="datetimeFigureOut">
               <a:rPr lang="it-IT" smtClean="0"/>
-              <a:t>10/10/2019</a:t>
+              <a:t>12/10/2019</a:t>
             </a:fld>
             <a:endParaRPr lang="it-IT"/>
           </a:p>
@@ -2438,7 +2438,7 @@
           <a:p>
             <a:fld id="{ED7D3210-A7A2-4A8A-A724-706A26CF2866}" type="datetimeFigureOut">
               <a:rPr lang="it-IT" smtClean="0"/>
-              <a:t>10/10/2019</a:t>
+              <a:t>12/10/2019</a:t>
             </a:fld>
             <a:endParaRPr lang="it-IT"/>
           </a:p>
@@ -2551,7 +2551,7 @@
           <a:p>
             <a:fld id="{ED7D3210-A7A2-4A8A-A724-706A26CF2866}" type="datetimeFigureOut">
               <a:rPr lang="it-IT" smtClean="0"/>
-              <a:t>10/10/2019</a:t>
+              <a:t>12/10/2019</a:t>
             </a:fld>
             <a:endParaRPr lang="it-IT"/>
           </a:p>
@@ -2819,7 +2819,7 @@
           <a:p>
             <a:fld id="{ED7D3210-A7A2-4A8A-A724-706A26CF2866}" type="datetimeFigureOut">
               <a:rPr lang="it-IT" smtClean="0"/>
-              <a:t>10/10/2019</a:t>
+              <a:t>12/10/2019</a:t>
             </a:fld>
             <a:endParaRPr lang="it-IT"/>
           </a:p>
@@ -3020,7 +3020,7 @@
           <a:p>
             <a:fld id="{ED7D3210-A7A2-4A8A-A724-706A26CF2866}" type="datetimeFigureOut">
               <a:rPr lang="it-IT" smtClean="0"/>
-              <a:t>10/10/2019</a:t>
+              <a:t>12/10/2019</a:t>
             </a:fld>
             <a:endParaRPr lang="it-IT"/>
           </a:p>
@@ -4109,7 +4109,7 @@
           <a:p>
             <a:fld id="{ED7D3210-A7A2-4A8A-A724-706A26CF2866}" type="datetimeFigureOut">
               <a:rPr lang="it-IT" smtClean="0"/>
-              <a:t>10/10/2019</a:t>
+              <a:t>12/10/2019</a:t>
             </a:fld>
             <a:endParaRPr lang="it-IT"/>
           </a:p>
@@ -5005,8 +5005,8 @@
           <a:chExt cx="0" cy="0"/>
         </a:xfrm>
       </p:grpSpPr>
-      <mc:AlternateContent xmlns:mc="http://schemas.openxmlformats.org/markup-compatibility/2006">
-        <mc:Choice xmlns:a14="http://schemas.microsoft.com/office/drawing/2010/main" Requires="a14">
+      <mc:AlternateContent xmlns:mc="http://schemas.openxmlformats.org/markup-compatibility/2006" xmlns:a14="http://schemas.microsoft.com/office/drawing/2010/main">
+        <mc:Choice Requires="a14">
           <p:sp>
             <p:nvSpPr>
               <p:cNvPr id="2" name="Segnaposto contenuto 1">
@@ -5167,7 +5167,7 @@
             </p:txBody>
           </p:sp>
         </mc:Choice>
-        <mc:Fallback>
+        <mc:Fallback xmlns="">
           <p:sp>
             <p:nvSpPr>
               <p:cNvPr id="2" name="Segnaposto contenuto 1">
@@ -5348,8 +5348,8 @@
           </a:p>
         </p:txBody>
       </p:sp>
-      <mc:AlternateContent xmlns:mc="http://schemas.openxmlformats.org/markup-compatibility/2006">
-        <mc:Choice xmlns:a14="http://schemas.microsoft.com/office/drawing/2010/main" Requires="a14">
+      <mc:AlternateContent xmlns:mc="http://schemas.openxmlformats.org/markup-compatibility/2006" xmlns:a14="http://schemas.microsoft.com/office/drawing/2010/main">
+        <mc:Choice Requires="a14">
           <p:sp>
             <p:nvSpPr>
               <p:cNvPr id="6" name="Segnaposto contenuto 1">
@@ -5795,7 +5795,7 @@
             </p:txBody>
           </p:sp>
         </mc:Choice>
-        <mc:Fallback>
+        <mc:Fallback xmlns="">
           <p:sp>
             <p:nvSpPr>
               <p:cNvPr id="6" name="Segnaposto contenuto 1">
@@ -5840,8 +5840,8 @@
           </p:sp>
         </mc:Fallback>
       </mc:AlternateContent>
-      <mc:AlternateContent xmlns:mc="http://schemas.openxmlformats.org/markup-compatibility/2006">
-        <mc:Choice xmlns:a14="http://schemas.microsoft.com/office/drawing/2010/main" Requires="a14">
+      <mc:AlternateContent xmlns:mc="http://schemas.openxmlformats.org/markup-compatibility/2006" xmlns:a14="http://schemas.microsoft.com/office/drawing/2010/main">
+        <mc:Choice Requires="a14">
           <p:sp>
             <p:nvSpPr>
               <p:cNvPr id="7" name="Segnaposto contenuto 1">
@@ -6257,7 +6257,7 @@
             </p:txBody>
           </p:sp>
         </mc:Choice>
-        <mc:Fallback>
+        <mc:Fallback xmlns="">
           <p:sp>
             <p:nvSpPr>
               <p:cNvPr id="7" name="Segnaposto contenuto 1">
@@ -6302,8 +6302,8 @@
           </p:sp>
         </mc:Fallback>
       </mc:AlternateContent>
-      <mc:AlternateContent xmlns:mc="http://schemas.openxmlformats.org/markup-compatibility/2006">
-        <mc:Choice xmlns:a14="http://schemas.microsoft.com/office/drawing/2010/main" Requires="a14">
+      <mc:AlternateContent xmlns:mc="http://schemas.openxmlformats.org/markup-compatibility/2006" xmlns:a14="http://schemas.microsoft.com/office/drawing/2010/main">
+        <mc:Choice Requires="a14">
           <p:sp>
             <p:nvSpPr>
               <p:cNvPr id="8" name="CasellaDiTesto 7">
@@ -6409,7 +6409,7 @@
             </p:txBody>
           </p:sp>
         </mc:Choice>
-        <mc:Fallback>
+        <mc:Fallback xmlns="">
           <p:sp>
             <p:nvSpPr>
               <p:cNvPr id="8" name="CasellaDiTesto 7">
@@ -6454,8 +6454,8 @@
           </p:sp>
         </mc:Fallback>
       </mc:AlternateContent>
-      <mc:AlternateContent xmlns:mc="http://schemas.openxmlformats.org/markup-compatibility/2006">
-        <mc:Choice xmlns:a14="http://schemas.microsoft.com/office/drawing/2010/main" Requires="a14">
+      <mc:AlternateContent xmlns:mc="http://schemas.openxmlformats.org/markup-compatibility/2006" xmlns:a14="http://schemas.microsoft.com/office/drawing/2010/main">
+        <mc:Choice Requires="a14">
           <p:sp>
             <p:nvSpPr>
               <p:cNvPr id="9" name="CasellaDiTesto 8">
@@ -6602,7 +6602,7 @@
             </p:txBody>
           </p:sp>
         </mc:Choice>
-        <mc:Fallback>
+        <mc:Fallback xmlns="">
           <p:sp>
             <p:nvSpPr>
               <p:cNvPr id="9" name="CasellaDiTesto 8">
@@ -6903,8 +6903,8 @@
           <a:chExt cx="0" cy="0"/>
         </a:xfrm>
       </p:grpSpPr>
-      <mc:AlternateContent xmlns:mc="http://schemas.openxmlformats.org/markup-compatibility/2006">
-        <mc:Choice xmlns:a14="http://schemas.microsoft.com/office/drawing/2010/main" Requires="a14">
+      <mc:AlternateContent xmlns:mc="http://schemas.openxmlformats.org/markup-compatibility/2006" xmlns:a14="http://schemas.microsoft.com/office/drawing/2010/main">
+        <mc:Choice Requires="a14">
           <p:sp>
             <p:nvSpPr>
               <p:cNvPr id="2" name="Segnaposto contenuto 1">
@@ -6993,7 +6993,7 @@
             </p:txBody>
           </p:sp>
         </mc:Choice>
-        <mc:Fallback>
+        <mc:Fallback xmlns="">
           <p:sp>
             <p:nvSpPr>
               <p:cNvPr id="2" name="Segnaposto contenuto 1">
@@ -7118,8 +7118,8 @@
           </a:prstGeom>
         </p:spPr>
       </p:pic>
-      <mc:AlternateContent xmlns:mc="http://schemas.openxmlformats.org/markup-compatibility/2006">
-        <mc:Choice xmlns:a14="http://schemas.microsoft.com/office/drawing/2010/main" Requires="a14">
+      <mc:AlternateContent xmlns:mc="http://schemas.openxmlformats.org/markup-compatibility/2006" xmlns:a14="http://schemas.microsoft.com/office/drawing/2010/main">
+        <mc:Choice Requires="a14">
           <p:sp>
             <p:nvSpPr>
               <p:cNvPr id="5" name="Segnaposto contenuto 1">
@@ -7409,7 +7409,7 @@
             </p:txBody>
           </p:sp>
         </mc:Choice>
-        <mc:Fallback>
+        <mc:Fallback xmlns="">
           <p:sp>
             <p:nvSpPr>
               <p:cNvPr id="5" name="Segnaposto contenuto 1">
@@ -8027,7 +8027,7 @@
         </p:nvSpPr>
         <p:spPr>
           <a:xfrm>
-            <a:off x="685800" y="1484784"/>
+            <a:off x="685800" y="1268760"/>
             <a:ext cx="7772400" cy="1017458"/>
           </a:xfrm>
         </p:spPr>
@@ -8138,8 +8138,8 @@
         </p:blipFill>
         <p:spPr>
           <a:xfrm>
-            <a:off x="6156176" y="3212976"/>
-            <a:ext cx="1656457" cy="1656457"/>
+            <a:off x="5724128" y="2987606"/>
+            <a:ext cx="2016224" cy="2016224"/>
           </a:xfrm>
           <a:prstGeom prst="rect">
             <a:avLst/>
@@ -9739,11 +9739,7 @@
                                           </p:stCondLst>
                                         </p:cTn>
                                         <p:tgtEl>
-                                          <p:spTgt spid="4">
-                                            <p:txEl>
-                                              <p:pRg st="0" end="0"/>
-                                            </p:txEl>
-                                          </p:spTgt>
+                                          <p:spTgt spid="4"/>
                                         </p:tgtEl>
                                         <p:attrNameLst>
                                           <p:attrName>style.visibility</p:attrName>
@@ -9757,255 +9753,7 @@
                                       <p:cBhvr>
                                         <p:cTn id="33" dur="500"/>
                                         <p:tgtEl>
-                                          <p:spTgt spid="4">
-                                            <p:txEl>
-                                              <p:pRg st="0" end="0"/>
-                                            </p:txEl>
-                                          </p:spTgt>
-                                        </p:tgtEl>
-                                      </p:cBhvr>
-                                    </p:animEffect>
-                                  </p:childTnLst>
-                                </p:cTn>
-                              </p:par>
-                            </p:childTnLst>
-                          </p:cTn>
-                        </p:par>
-                      </p:childTnLst>
-                    </p:cTn>
-                  </p:par>
-                  <p:par>
-                    <p:cTn id="34" fill="hold">
-                      <p:stCondLst>
-                        <p:cond delay="indefinite"/>
-                      </p:stCondLst>
-                      <p:childTnLst>
-                        <p:par>
-                          <p:cTn id="35" fill="hold">
-                            <p:stCondLst>
-                              <p:cond delay="0"/>
-                            </p:stCondLst>
-                            <p:childTnLst>
-                              <p:par>
-                                <p:cTn id="36" presetID="10" presetClass="entr" presetSubtype="0" fill="hold" grpId="0" nodeType="clickEffect">
-                                  <p:stCondLst>
-                                    <p:cond delay="0"/>
-                                  </p:stCondLst>
-                                  <p:childTnLst>
-                                    <p:set>
-                                      <p:cBhvr>
-                                        <p:cTn id="37" dur="1" fill="hold">
-                                          <p:stCondLst>
-                                            <p:cond delay="0"/>
-                                          </p:stCondLst>
-                                        </p:cTn>
-                                        <p:tgtEl>
-                                          <p:spTgt spid="4">
-                                            <p:txEl>
-                                              <p:pRg st="1" end="1"/>
-                                            </p:txEl>
-                                          </p:spTgt>
-                                        </p:tgtEl>
-                                        <p:attrNameLst>
-                                          <p:attrName>style.visibility</p:attrName>
-                                        </p:attrNameLst>
-                                      </p:cBhvr>
-                                      <p:to>
-                                        <p:strVal val="visible"/>
-                                      </p:to>
-                                    </p:set>
-                                    <p:animEffect transition="in" filter="fade">
-                                      <p:cBhvr>
-                                        <p:cTn id="38" dur="500"/>
-                                        <p:tgtEl>
-                                          <p:spTgt spid="4">
-                                            <p:txEl>
-                                              <p:pRg st="1" end="1"/>
-                                            </p:txEl>
-                                          </p:spTgt>
-                                        </p:tgtEl>
-                                      </p:cBhvr>
-                                    </p:animEffect>
-                                  </p:childTnLst>
-                                </p:cTn>
-                              </p:par>
-                            </p:childTnLst>
-                          </p:cTn>
-                        </p:par>
-                      </p:childTnLst>
-                    </p:cTn>
-                  </p:par>
-                  <p:par>
-                    <p:cTn id="39" fill="hold">
-                      <p:stCondLst>
-                        <p:cond delay="indefinite"/>
-                      </p:stCondLst>
-                      <p:childTnLst>
-                        <p:par>
-                          <p:cTn id="40" fill="hold">
-                            <p:stCondLst>
-                              <p:cond delay="0"/>
-                            </p:stCondLst>
-                            <p:childTnLst>
-                              <p:par>
-                                <p:cTn id="41" presetID="10" presetClass="entr" presetSubtype="0" fill="hold" grpId="0" nodeType="clickEffect">
-                                  <p:stCondLst>
-                                    <p:cond delay="0"/>
-                                  </p:stCondLst>
-                                  <p:childTnLst>
-                                    <p:set>
-                                      <p:cBhvr>
-                                        <p:cTn id="42" dur="1" fill="hold">
-                                          <p:stCondLst>
-                                            <p:cond delay="0"/>
-                                          </p:stCondLst>
-                                        </p:cTn>
-                                        <p:tgtEl>
-                                          <p:spTgt spid="4">
-                                            <p:txEl>
-                                              <p:pRg st="2" end="2"/>
-                                            </p:txEl>
-                                          </p:spTgt>
-                                        </p:tgtEl>
-                                        <p:attrNameLst>
-                                          <p:attrName>style.visibility</p:attrName>
-                                        </p:attrNameLst>
-                                      </p:cBhvr>
-                                      <p:to>
-                                        <p:strVal val="visible"/>
-                                      </p:to>
-                                    </p:set>
-                                    <p:animEffect transition="in" filter="fade">
-                                      <p:cBhvr>
-                                        <p:cTn id="43" dur="500"/>
-                                        <p:tgtEl>
-                                          <p:spTgt spid="4">
-                                            <p:txEl>
-                                              <p:pRg st="2" end="2"/>
-                                            </p:txEl>
-                                          </p:spTgt>
-                                        </p:tgtEl>
-                                      </p:cBhvr>
-                                    </p:animEffect>
-                                  </p:childTnLst>
-                                </p:cTn>
-                              </p:par>
-                            </p:childTnLst>
-                          </p:cTn>
-                        </p:par>
-                      </p:childTnLst>
-                    </p:cTn>
-                  </p:par>
-                  <p:par>
-                    <p:cTn id="44" fill="hold">
-                      <p:stCondLst>
-                        <p:cond delay="indefinite"/>
-                      </p:stCondLst>
-                      <p:childTnLst>
-                        <p:par>
-                          <p:cTn id="45" fill="hold">
-                            <p:stCondLst>
-                              <p:cond delay="0"/>
-                            </p:stCondLst>
-                            <p:childTnLst>
-                              <p:par>
-                                <p:cTn id="46" presetID="10" presetClass="entr" presetSubtype="0" fill="hold" grpId="0" nodeType="clickEffect">
-                                  <p:stCondLst>
-                                    <p:cond delay="0"/>
-                                  </p:stCondLst>
-                                  <p:childTnLst>
-                                    <p:set>
-                                      <p:cBhvr>
-                                        <p:cTn id="47" dur="1" fill="hold">
-                                          <p:stCondLst>
-                                            <p:cond delay="0"/>
-                                          </p:stCondLst>
-                                        </p:cTn>
-                                        <p:tgtEl>
-                                          <p:spTgt spid="4">
-                                            <p:txEl>
-                                              <p:pRg st="3" end="3"/>
-                                            </p:txEl>
-                                          </p:spTgt>
-                                        </p:tgtEl>
-                                        <p:attrNameLst>
-                                          <p:attrName>style.visibility</p:attrName>
-                                        </p:attrNameLst>
-                                      </p:cBhvr>
-                                      <p:to>
-                                        <p:strVal val="visible"/>
-                                      </p:to>
-                                    </p:set>
-                                    <p:animEffect transition="in" filter="fade">
-                                      <p:cBhvr>
-                                        <p:cTn id="48" dur="500"/>
-                                        <p:tgtEl>
-                                          <p:spTgt spid="4">
-                                            <p:txEl>
-                                              <p:pRg st="3" end="3"/>
-                                            </p:txEl>
-                                          </p:spTgt>
-                                        </p:tgtEl>
-                                      </p:cBhvr>
-                                    </p:animEffect>
-                                  </p:childTnLst>
-                                </p:cTn>
-                              </p:par>
-                            </p:childTnLst>
-                          </p:cTn>
-                        </p:par>
-                      </p:childTnLst>
-                    </p:cTn>
-                  </p:par>
-                  <p:par>
-                    <p:cTn id="49" fill="hold">
-                      <p:stCondLst>
-                        <p:cond delay="indefinite"/>
-                      </p:stCondLst>
-                      <p:childTnLst>
-                        <p:par>
-                          <p:cTn id="50" fill="hold">
-                            <p:stCondLst>
-                              <p:cond delay="0"/>
-                            </p:stCondLst>
-                            <p:childTnLst>
-                              <p:par>
-                                <p:cTn id="51" presetID="10" presetClass="entr" presetSubtype="0" fill="hold" grpId="0" nodeType="clickEffect">
-                                  <p:stCondLst>
-                                    <p:cond delay="0"/>
-                                  </p:stCondLst>
-                                  <p:childTnLst>
-                                    <p:set>
-                                      <p:cBhvr>
-                                        <p:cTn id="52" dur="1" fill="hold">
-                                          <p:stCondLst>
-                                            <p:cond delay="0"/>
-                                          </p:stCondLst>
-                                        </p:cTn>
-                                        <p:tgtEl>
-                                          <p:spTgt spid="4">
-                                            <p:txEl>
-                                              <p:pRg st="4" end="4"/>
-                                            </p:txEl>
-                                          </p:spTgt>
-                                        </p:tgtEl>
-                                        <p:attrNameLst>
-                                          <p:attrName>style.visibility</p:attrName>
-                                        </p:attrNameLst>
-                                      </p:cBhvr>
-                                      <p:to>
-                                        <p:strVal val="visible"/>
-                                      </p:to>
-                                    </p:set>
-                                    <p:animEffect transition="in" filter="fade">
-                                      <p:cBhvr>
-                                        <p:cTn id="53" dur="500"/>
-                                        <p:tgtEl>
-                                          <p:spTgt spid="4">
-                                            <p:txEl>
-                                              <p:pRg st="4" end="4"/>
-                                            </p:txEl>
-                                          </p:spTgt>
+                                          <p:spTgt spid="4"/>
                                         </p:tgtEl>
                                       </p:cBhvr>
                                     </p:animEffect>
@@ -10041,7 +9789,7 @@
     </p:tnLst>
     <p:bldLst>
       <p:bldP spid="2" grpId="0" build="p"/>
-      <p:bldP spid="4" grpId="0" build="p"/>
+      <p:bldP spid="4" grpId="0"/>
       <p:bldP spid="5" grpId="0"/>
       <p:bldP spid="6" grpId="0"/>
     </p:bldLst>
@@ -10397,7 +10145,7 @@
         </p:nvSpPr>
         <p:spPr>
           <a:xfrm>
-            <a:off x="4448672" y="3720037"/>
+            <a:off x="4459379" y="3760611"/>
             <a:ext cx="4392488" cy="1368149"/>
           </a:xfrm>
           <a:prstGeom prst="rect">
@@ -11208,7 +10956,7 @@
                                 </p:cTn>
                               </p:par>
                               <p:par>
-                                <p:cTn id="21" presetID="10" presetClass="entr" presetSubtype="0" fill="hold" grpId="0" nodeType="withEffect">
+                                <p:cTn id="21" presetID="10" presetClass="entr" presetSubtype="0" fill="hold" nodeType="withEffect">
                                   <p:stCondLst>
                                     <p:cond delay="0"/>
                                   </p:stCondLst>
@@ -11216,6 +10964,181 @@
                                     <p:set>
                                       <p:cBhvr>
                                         <p:cTn id="22" dur="1" fill="hold">
+                                          <p:stCondLst>
+                                            <p:cond delay="0"/>
+                                          </p:stCondLst>
+                                        </p:cTn>
+                                        <p:tgtEl>
+                                          <p:spTgt spid="17"/>
+                                        </p:tgtEl>
+                                        <p:attrNameLst>
+                                          <p:attrName>style.visibility</p:attrName>
+                                        </p:attrNameLst>
+                                      </p:cBhvr>
+                                      <p:to>
+                                        <p:strVal val="visible"/>
+                                      </p:to>
+                                    </p:set>
+                                    <p:animEffect transition="in" filter="fade">
+                                      <p:cBhvr>
+                                        <p:cTn id="23" dur="500"/>
+                                        <p:tgtEl>
+                                          <p:spTgt spid="17"/>
+                                        </p:tgtEl>
+                                      </p:cBhvr>
+                                    </p:animEffect>
+                                  </p:childTnLst>
+                                </p:cTn>
+                              </p:par>
+                              <p:par>
+                                <p:cTn id="24" presetID="10" presetClass="entr" presetSubtype="0" fill="hold" nodeType="withEffect">
+                                  <p:stCondLst>
+                                    <p:cond delay="0"/>
+                                  </p:stCondLst>
+                                  <p:childTnLst>
+                                    <p:set>
+                                      <p:cBhvr>
+                                        <p:cTn id="25" dur="1" fill="hold">
+                                          <p:stCondLst>
+                                            <p:cond delay="0"/>
+                                          </p:stCondLst>
+                                        </p:cTn>
+                                        <p:tgtEl>
+                                          <p:spTgt spid="15"/>
+                                        </p:tgtEl>
+                                        <p:attrNameLst>
+                                          <p:attrName>style.visibility</p:attrName>
+                                        </p:attrNameLst>
+                                      </p:cBhvr>
+                                      <p:to>
+                                        <p:strVal val="visible"/>
+                                      </p:to>
+                                    </p:set>
+                                    <p:animEffect transition="in" filter="fade">
+                                      <p:cBhvr>
+                                        <p:cTn id="26" dur="500"/>
+                                        <p:tgtEl>
+                                          <p:spTgt spid="15"/>
+                                        </p:tgtEl>
+                                      </p:cBhvr>
+                                    </p:animEffect>
+                                  </p:childTnLst>
+                                </p:cTn>
+                              </p:par>
+                              <p:par>
+                                <p:cTn id="27" presetID="10" presetClass="entr" presetSubtype="0" fill="hold" nodeType="withEffect">
+                                  <p:stCondLst>
+                                    <p:cond delay="0"/>
+                                  </p:stCondLst>
+                                  <p:childTnLst>
+                                    <p:set>
+                                      <p:cBhvr>
+                                        <p:cTn id="28" dur="1" fill="hold">
+                                          <p:stCondLst>
+                                            <p:cond delay="0"/>
+                                          </p:stCondLst>
+                                        </p:cTn>
+                                        <p:tgtEl>
+                                          <p:spTgt spid="14"/>
+                                        </p:tgtEl>
+                                        <p:attrNameLst>
+                                          <p:attrName>style.visibility</p:attrName>
+                                        </p:attrNameLst>
+                                      </p:cBhvr>
+                                      <p:to>
+                                        <p:strVal val="visible"/>
+                                      </p:to>
+                                    </p:set>
+                                    <p:animEffect transition="in" filter="fade">
+                                      <p:cBhvr>
+                                        <p:cTn id="29" dur="500"/>
+                                        <p:tgtEl>
+                                          <p:spTgt spid="14"/>
+                                        </p:tgtEl>
+                                      </p:cBhvr>
+                                    </p:animEffect>
+                                  </p:childTnLst>
+                                </p:cTn>
+                              </p:par>
+                              <p:par>
+                                <p:cTn id="30" presetID="10" presetClass="entr" presetSubtype="0" fill="hold" nodeType="withEffect">
+                                  <p:stCondLst>
+                                    <p:cond delay="0"/>
+                                  </p:stCondLst>
+                                  <p:childTnLst>
+                                    <p:set>
+                                      <p:cBhvr>
+                                        <p:cTn id="31" dur="1" fill="hold">
+                                          <p:stCondLst>
+                                            <p:cond delay="0"/>
+                                          </p:stCondLst>
+                                        </p:cTn>
+                                        <p:tgtEl>
+                                          <p:spTgt spid="16"/>
+                                        </p:tgtEl>
+                                        <p:attrNameLst>
+                                          <p:attrName>style.visibility</p:attrName>
+                                        </p:attrNameLst>
+                                      </p:cBhvr>
+                                      <p:to>
+                                        <p:strVal val="visible"/>
+                                      </p:to>
+                                    </p:set>
+                                    <p:animEffect transition="in" filter="fade">
+                                      <p:cBhvr>
+                                        <p:cTn id="32" dur="500"/>
+                                        <p:tgtEl>
+                                          <p:spTgt spid="16"/>
+                                        </p:tgtEl>
+                                      </p:cBhvr>
+                                    </p:animEffect>
+                                  </p:childTnLst>
+                                </p:cTn>
+                              </p:par>
+                              <p:par>
+                                <p:cTn id="33" presetID="10" presetClass="entr" presetSubtype="0" fill="hold" grpId="0" nodeType="withEffect">
+                                  <p:stCondLst>
+                                    <p:cond delay="0"/>
+                                  </p:stCondLst>
+                                  <p:childTnLst>
+                                    <p:set>
+                                      <p:cBhvr>
+                                        <p:cTn id="34" dur="1" fill="hold">
+                                          <p:stCondLst>
+                                            <p:cond delay="0"/>
+                                          </p:stCondLst>
+                                        </p:cTn>
+                                        <p:tgtEl>
+                                          <p:spTgt spid="11"/>
+                                        </p:tgtEl>
+                                        <p:attrNameLst>
+                                          <p:attrName>style.visibility</p:attrName>
+                                        </p:attrNameLst>
+                                      </p:cBhvr>
+                                      <p:to>
+                                        <p:strVal val="visible"/>
+                                      </p:to>
+                                    </p:set>
+                                    <p:animEffect transition="in" filter="fade">
+                                      <p:cBhvr>
+                                        <p:cTn id="35" dur="500"/>
+                                        <p:tgtEl>
+                                          <p:spTgt spid="11"/>
+                                        </p:tgtEl>
+                                      </p:cBhvr>
+                                    </p:animEffect>
+                                  </p:childTnLst>
+                                </p:cTn>
+                              </p:par>
+                              <p:par>
+                                <p:cTn id="36" presetID="10" presetClass="entr" presetSubtype="0" fill="hold" grpId="0" nodeType="withEffect">
+                                  <p:stCondLst>
+                                    <p:cond delay="0"/>
+                                  </p:stCondLst>
+                                  <p:childTnLst>
+                                    <p:set>
+                                      <p:cBhvr>
+                                        <p:cTn id="37" dur="1" fill="hold">
                                           <p:stCondLst>
                                             <p:cond delay="0"/>
                                           </p:stCondLst>
@@ -11233,253 +11156,9 @@
                                     </p:set>
                                     <p:animEffect transition="in" filter="fade">
                                       <p:cBhvr>
-                                        <p:cTn id="23" dur="500"/>
+                                        <p:cTn id="38" dur="500"/>
                                         <p:tgtEl>
                                           <p:spTgt spid="10"/>
-                                        </p:tgtEl>
-                                      </p:cBhvr>
-                                    </p:animEffect>
-                                  </p:childTnLst>
-                                </p:cTn>
-                              </p:par>
-                            </p:childTnLst>
-                          </p:cTn>
-                        </p:par>
-                      </p:childTnLst>
-                    </p:cTn>
-                  </p:par>
-                  <p:par>
-                    <p:cTn id="24" fill="hold">
-                      <p:stCondLst>
-                        <p:cond delay="indefinite"/>
-                      </p:stCondLst>
-                      <p:childTnLst>
-                        <p:par>
-                          <p:cTn id="25" fill="hold">
-                            <p:stCondLst>
-                              <p:cond delay="0"/>
-                            </p:stCondLst>
-                            <p:childTnLst>
-                              <p:par>
-                                <p:cTn id="26" presetID="10" presetClass="entr" presetSubtype="0" fill="hold" grpId="0" nodeType="clickEffect">
-                                  <p:stCondLst>
-                                    <p:cond delay="0"/>
-                                  </p:stCondLst>
-                                  <p:childTnLst>
-                                    <p:set>
-                                      <p:cBhvr>
-                                        <p:cTn id="27" dur="1" fill="hold">
-                                          <p:stCondLst>
-                                            <p:cond delay="0"/>
-                                          </p:stCondLst>
-                                        </p:cTn>
-                                        <p:tgtEl>
-                                          <p:spTgt spid="11">
-                                            <p:txEl>
-                                              <p:pRg st="0" end="0"/>
-                                            </p:txEl>
-                                          </p:spTgt>
-                                        </p:tgtEl>
-                                        <p:attrNameLst>
-                                          <p:attrName>style.visibility</p:attrName>
-                                        </p:attrNameLst>
-                                      </p:cBhvr>
-                                      <p:to>
-                                        <p:strVal val="visible"/>
-                                      </p:to>
-                                    </p:set>
-                                    <p:animEffect transition="in" filter="fade">
-                                      <p:cBhvr>
-                                        <p:cTn id="28" dur="500"/>
-                                        <p:tgtEl>
-                                          <p:spTgt spid="11">
-                                            <p:txEl>
-                                              <p:pRg st="0" end="0"/>
-                                            </p:txEl>
-                                          </p:spTgt>
-                                        </p:tgtEl>
-                                      </p:cBhvr>
-                                    </p:animEffect>
-                                  </p:childTnLst>
-                                </p:cTn>
-                              </p:par>
-                              <p:par>
-                                <p:cTn id="29" presetID="10" presetClass="entr" presetSubtype="0" fill="hold" grpId="0" nodeType="withEffect">
-                                  <p:stCondLst>
-                                    <p:cond delay="0"/>
-                                  </p:stCondLst>
-                                  <p:childTnLst>
-                                    <p:set>
-                                      <p:cBhvr>
-                                        <p:cTn id="30" dur="1" fill="hold">
-                                          <p:stCondLst>
-                                            <p:cond delay="0"/>
-                                          </p:stCondLst>
-                                        </p:cTn>
-                                        <p:tgtEl>
-                                          <p:spTgt spid="11">
-                                            <p:txEl>
-                                              <p:pRg st="1" end="1"/>
-                                            </p:txEl>
-                                          </p:spTgt>
-                                        </p:tgtEl>
-                                        <p:attrNameLst>
-                                          <p:attrName>style.visibility</p:attrName>
-                                        </p:attrNameLst>
-                                      </p:cBhvr>
-                                      <p:to>
-                                        <p:strVal val="visible"/>
-                                      </p:to>
-                                    </p:set>
-                                    <p:animEffect transition="in" filter="fade">
-                                      <p:cBhvr>
-                                        <p:cTn id="31" dur="500"/>
-                                        <p:tgtEl>
-                                          <p:spTgt spid="11">
-                                            <p:txEl>
-                                              <p:pRg st="1" end="1"/>
-                                            </p:txEl>
-                                          </p:spTgt>
-                                        </p:tgtEl>
-                                      </p:cBhvr>
-                                    </p:animEffect>
-                                  </p:childTnLst>
-                                </p:cTn>
-                              </p:par>
-                              <p:par>
-                                <p:cTn id="32" presetID="10" presetClass="entr" presetSubtype="0" fill="hold" nodeType="withEffect">
-                                  <p:stCondLst>
-                                    <p:cond delay="0"/>
-                                  </p:stCondLst>
-                                  <p:childTnLst>
-                                    <p:set>
-                                      <p:cBhvr>
-                                        <p:cTn id="33" dur="1" fill="hold">
-                                          <p:stCondLst>
-                                            <p:cond delay="0"/>
-                                          </p:stCondLst>
-                                        </p:cTn>
-                                        <p:tgtEl>
-                                          <p:spTgt spid="15"/>
-                                        </p:tgtEl>
-                                        <p:attrNameLst>
-                                          <p:attrName>style.visibility</p:attrName>
-                                        </p:attrNameLst>
-                                      </p:cBhvr>
-                                      <p:to>
-                                        <p:strVal val="visible"/>
-                                      </p:to>
-                                    </p:set>
-                                    <p:animEffect transition="in" filter="fade">
-                                      <p:cBhvr>
-                                        <p:cTn id="34" dur="500"/>
-                                        <p:tgtEl>
-                                          <p:spTgt spid="15"/>
-                                        </p:tgtEl>
-                                      </p:cBhvr>
-                                    </p:animEffect>
-                                  </p:childTnLst>
-                                </p:cTn>
-                              </p:par>
-                              <p:par>
-                                <p:cTn id="35" presetID="10" presetClass="entr" presetSubtype="0" fill="hold" nodeType="withEffect">
-                                  <p:stCondLst>
-                                    <p:cond delay="0"/>
-                                  </p:stCondLst>
-                                  <p:childTnLst>
-                                    <p:set>
-                                      <p:cBhvr>
-                                        <p:cTn id="36" dur="1" fill="hold">
-                                          <p:stCondLst>
-                                            <p:cond delay="0"/>
-                                          </p:stCondLst>
-                                        </p:cTn>
-                                        <p:tgtEl>
-                                          <p:spTgt spid="16"/>
-                                        </p:tgtEl>
-                                        <p:attrNameLst>
-                                          <p:attrName>style.visibility</p:attrName>
-                                        </p:attrNameLst>
-                                      </p:cBhvr>
-                                      <p:to>
-                                        <p:strVal val="visible"/>
-                                      </p:to>
-                                    </p:set>
-                                    <p:animEffect transition="in" filter="fade">
-                                      <p:cBhvr>
-                                        <p:cTn id="37" dur="500"/>
-                                        <p:tgtEl>
-                                          <p:spTgt spid="16"/>
-                                        </p:tgtEl>
-                                      </p:cBhvr>
-                                    </p:animEffect>
-                                  </p:childTnLst>
-                                </p:cTn>
-                              </p:par>
-                              <p:par>
-                                <p:cTn id="38" presetID="10" presetClass="entr" presetSubtype="0" fill="hold" nodeType="withEffect">
-                                  <p:stCondLst>
-                                    <p:cond delay="0"/>
-                                  </p:stCondLst>
-                                  <p:childTnLst>
-                                    <p:set>
-                                      <p:cBhvr>
-                                        <p:cTn id="39" dur="1" fill="hold">
-                                          <p:stCondLst>
-                                            <p:cond delay="0"/>
-                                          </p:stCondLst>
-                                        </p:cTn>
-                                        <p:tgtEl>
-                                          <p:spTgt spid="17"/>
-                                        </p:tgtEl>
-                                        <p:attrNameLst>
-                                          <p:attrName>style.visibility</p:attrName>
-                                        </p:attrNameLst>
-                                      </p:cBhvr>
-                                      <p:to>
-                                        <p:strVal val="visible"/>
-                                      </p:to>
-                                    </p:set>
-                                    <p:animEffect transition="in" filter="fade">
-                                      <p:cBhvr>
-                                        <p:cTn id="40" dur="500"/>
-                                        <p:tgtEl>
-                                          <p:spTgt spid="17"/>
-                                        </p:tgtEl>
-                                      </p:cBhvr>
-                                    </p:animEffect>
-                                  </p:childTnLst>
-                                </p:cTn>
-                              </p:par>
-                              <p:par>
-                                <p:cTn id="41" presetID="10" presetClass="entr" presetSubtype="0" fill="hold" nodeType="withEffect">
-                                  <p:stCondLst>
-                                    <p:cond delay="0"/>
-                                  </p:stCondLst>
-                                  <p:childTnLst>
-                                    <p:set>
-                                      <p:cBhvr>
-                                        <p:cTn id="42" dur="1" fill="hold">
-                                          <p:stCondLst>
-                                            <p:cond delay="0"/>
-                                          </p:stCondLst>
-                                        </p:cTn>
-                                        <p:tgtEl>
-                                          <p:spTgt spid="14"/>
-                                        </p:tgtEl>
-                                        <p:attrNameLst>
-                                          <p:attrName>style.visibility</p:attrName>
-                                        </p:attrNameLst>
-                                      </p:cBhvr>
-                                      <p:to>
-                                        <p:strVal val="visible"/>
-                                      </p:to>
-                                    </p:set>
-                                    <p:animEffect transition="in" filter="fade">
-                                      <p:cBhvr>
-                                        <p:cTn id="43" dur="500"/>
-                                        <p:tgtEl>
-                                          <p:spTgt spid="14"/>
                                         </p:tgtEl>
                                       </p:cBhvr>
                                     </p:animEffect>
@@ -11516,7 +11195,7 @@
     <p:bldLst>
       <p:bldP spid="2" grpId="0" build="p"/>
       <p:bldP spid="10" grpId="0"/>
-      <p:bldP spid="11" grpId="0" build="allAtOnce"/>
+      <p:bldP spid="11" grpId="0"/>
     </p:bldLst>
   </p:timing>
 </p:sld>
@@ -12602,7 +12281,7 @@
                             </p:stCondLst>
                             <p:childTnLst>
                               <p:par>
-                                <p:cTn id="5" presetID="14" presetClass="entr" presetSubtype="10" fill="hold" grpId="0" nodeType="clickEffect">
+                                <p:cTn id="5" presetID="10" presetClass="entr" presetSubtype="0" fill="hold" grpId="0" nodeType="clickEffect">
                                   <p:stCondLst>
                                     <p:cond delay="0"/>
                                   </p:stCondLst>
@@ -12625,7 +12304,7 @@
                                         <p:strVal val="visible"/>
                                       </p:to>
                                     </p:set>
-                                    <p:animEffect transition="in" filter="randombar(horizontal)">
+                                    <p:animEffect transition="in" filter="fade">
                                       <p:cBhvr>
                                         <p:cTn id="7" dur="500"/>
                                         <p:tgtEl>
@@ -12637,7 +12316,7 @@
                                 </p:cTn>
                               </p:par>
                               <p:par>
-                                <p:cTn id="8" presetID="14" presetClass="entr" presetSubtype="10" fill="hold" nodeType="withEffect">
+                                <p:cTn id="8" presetID="10" presetClass="entr" presetSubtype="0" fill="hold" nodeType="withEffect">
                                   <p:stCondLst>
                                     <p:cond delay="0"/>
                                   </p:stCondLst>
@@ -12660,7 +12339,7 @@
                                         <p:strVal val="visible"/>
                                       </p:to>
                                     </p:set>
-                                    <p:animEffect transition="in" filter="randombar(horizontal)">
+                                    <p:animEffect transition="in" filter="fade">
                                       <p:cBhvr>
                                         <p:cTn id="10" dur="500"/>
                                         <p:tgtEl>
@@ -12690,7 +12369,7 @@
                             </p:stCondLst>
                             <p:childTnLst>
                               <p:par>
-                                <p:cTn id="13" presetID="42" presetClass="entr" presetSubtype="0" fill="hold" grpId="0" nodeType="clickEffect">
+                                <p:cTn id="13" presetID="10" presetClass="entr" presetSubtype="0" fill="hold" grpId="0" nodeType="clickEffect">
                                   <p:stCondLst>
                                     <p:cond delay="0"/>
                                   </p:stCondLst>
@@ -12719,7 +12398,7 @@
                                     </p:set>
                                     <p:animEffect transition="in" filter="fade">
                                       <p:cBhvr>
-                                        <p:cTn id="15" dur="1000"/>
+                                        <p:cTn id="15" dur="500"/>
                                         <p:tgtEl>
                                           <p:spTgt spid="2">
                                             <p:txEl>
@@ -12729,72 +12408,18 @@
                                         </p:tgtEl>
                                       </p:cBhvr>
                                     </p:animEffect>
-                                    <p:anim calcmode="lin" valueType="num">
-                                      <p:cBhvr>
-                                        <p:cTn id="16" dur="1000" fill="hold"/>
-                                        <p:tgtEl>
-                                          <p:spTgt spid="2">
-                                            <p:txEl>
-                                              <p:pRg st="0" end="0"/>
-                                            </p:txEl>
-                                          </p:spTgt>
-                                        </p:tgtEl>
-                                        <p:attrNameLst>
-                                          <p:attrName>ppt_x</p:attrName>
-                                        </p:attrNameLst>
-                                      </p:cBhvr>
-                                      <p:tavLst>
-                                        <p:tav tm="0">
-                                          <p:val>
-                                            <p:strVal val="#ppt_x"/>
-                                          </p:val>
-                                        </p:tav>
-                                        <p:tav tm="100000">
-                                          <p:val>
-                                            <p:strVal val="#ppt_x"/>
-                                          </p:val>
-                                        </p:tav>
-                                      </p:tavLst>
-                                    </p:anim>
-                                    <p:anim calcmode="lin" valueType="num">
-                                      <p:cBhvr>
-                                        <p:cTn id="17" dur="1000" fill="hold"/>
-                                        <p:tgtEl>
-                                          <p:spTgt spid="2">
-                                            <p:txEl>
-                                              <p:pRg st="0" end="0"/>
-                                            </p:txEl>
-                                          </p:spTgt>
-                                        </p:tgtEl>
-                                        <p:attrNameLst>
-                                          <p:attrName>ppt_y</p:attrName>
-                                        </p:attrNameLst>
-                                      </p:cBhvr>
-                                      <p:tavLst>
-                                        <p:tav tm="0">
-                                          <p:val>
-                                            <p:strVal val="#ppt_y+.1"/>
-                                          </p:val>
-                                        </p:tav>
-                                        <p:tav tm="100000">
-                                          <p:val>
-                                            <p:strVal val="#ppt_y"/>
-                                          </p:val>
-                                        </p:tav>
-                                      </p:tavLst>
-                                    </p:anim>
                                   </p:childTnLst>
                                 </p:cTn>
                               </p:par>
                               <p:par>
-                                <p:cTn id="18" presetID="42" presetClass="entr" presetSubtype="0" fill="hold" nodeType="withEffect">
+                                <p:cTn id="16" presetID="10" presetClass="entr" presetSubtype="0" fill="hold" nodeType="withEffect">
                                   <p:stCondLst>
                                     <p:cond delay="0"/>
                                   </p:stCondLst>
                                   <p:childTnLst>
                                     <p:set>
                                       <p:cBhvr>
-                                        <p:cTn id="19" dur="1" fill="hold">
+                                        <p:cTn id="17" dur="1" fill="hold">
                                           <p:stCondLst>
                                             <p:cond delay="0"/>
                                           </p:stCondLst>
@@ -12812,58 +12437,12 @@
                                     </p:set>
                                     <p:animEffect transition="in" filter="fade">
                                       <p:cBhvr>
-                                        <p:cTn id="20" dur="1000"/>
+                                        <p:cTn id="18" dur="500"/>
                                         <p:tgtEl>
                                           <p:spTgt spid="7"/>
                                         </p:tgtEl>
                                       </p:cBhvr>
                                     </p:animEffect>
-                                    <p:anim calcmode="lin" valueType="num">
-                                      <p:cBhvr>
-                                        <p:cTn id="21" dur="1000" fill="hold"/>
-                                        <p:tgtEl>
-                                          <p:spTgt spid="7"/>
-                                        </p:tgtEl>
-                                        <p:attrNameLst>
-                                          <p:attrName>ppt_x</p:attrName>
-                                        </p:attrNameLst>
-                                      </p:cBhvr>
-                                      <p:tavLst>
-                                        <p:tav tm="0">
-                                          <p:val>
-                                            <p:strVal val="#ppt_x"/>
-                                          </p:val>
-                                        </p:tav>
-                                        <p:tav tm="100000">
-                                          <p:val>
-                                            <p:strVal val="#ppt_x"/>
-                                          </p:val>
-                                        </p:tav>
-                                      </p:tavLst>
-                                    </p:anim>
-                                    <p:anim calcmode="lin" valueType="num">
-                                      <p:cBhvr>
-                                        <p:cTn id="22" dur="1000" fill="hold"/>
-                                        <p:tgtEl>
-                                          <p:spTgt spid="7"/>
-                                        </p:tgtEl>
-                                        <p:attrNameLst>
-                                          <p:attrName>ppt_y</p:attrName>
-                                        </p:attrNameLst>
-                                      </p:cBhvr>
-                                      <p:tavLst>
-                                        <p:tav tm="0">
-                                          <p:val>
-                                            <p:strVal val="#ppt_y+.1"/>
-                                          </p:val>
-                                        </p:tav>
-                                        <p:tav tm="100000">
-                                          <p:val>
-                                            <p:strVal val="#ppt_y"/>
-                                          </p:val>
-                                        </p:tav>
-                                      </p:tavLst>
-                                    </p:anim>
                                   </p:childTnLst>
                                 </p:cTn>
                               </p:par>
@@ -12874,26 +12453,26 @@
                     </p:cTn>
                   </p:par>
                   <p:par>
-                    <p:cTn id="23" fill="hold">
+                    <p:cTn id="19" fill="hold">
                       <p:stCondLst>
                         <p:cond delay="indefinite"/>
                       </p:stCondLst>
                       <p:childTnLst>
                         <p:par>
-                          <p:cTn id="24" fill="hold">
+                          <p:cTn id="20" fill="hold">
                             <p:stCondLst>
                               <p:cond delay="0"/>
                             </p:stCondLst>
                             <p:childTnLst>
                               <p:par>
-                                <p:cTn id="25" presetID="42" presetClass="entr" presetSubtype="0" fill="hold" grpId="0" nodeType="clickEffect">
+                                <p:cTn id="21" presetID="10" presetClass="entr" presetSubtype="0" fill="hold" grpId="0" nodeType="clickEffect">
                                   <p:stCondLst>
                                     <p:cond delay="0"/>
                                   </p:stCondLst>
                                   <p:childTnLst>
                                     <p:set>
                                       <p:cBhvr>
-                                        <p:cTn id="26" dur="1" fill="hold">
+                                        <p:cTn id="22" dur="1" fill="hold">
                                           <p:stCondLst>
                                             <p:cond delay="0"/>
                                           </p:stCondLst>
@@ -12911,70 +12490,24 @@
                                     </p:set>
                                     <p:animEffect transition="in" filter="fade">
                                       <p:cBhvr>
-                                        <p:cTn id="27" dur="1000"/>
+                                        <p:cTn id="23" dur="500"/>
                                         <p:tgtEl>
                                           <p:spTgt spid="8"/>
                                         </p:tgtEl>
                                       </p:cBhvr>
                                     </p:animEffect>
-                                    <p:anim calcmode="lin" valueType="num">
-                                      <p:cBhvr>
-                                        <p:cTn id="28" dur="1000" fill="hold"/>
-                                        <p:tgtEl>
-                                          <p:spTgt spid="8"/>
-                                        </p:tgtEl>
-                                        <p:attrNameLst>
-                                          <p:attrName>ppt_x</p:attrName>
-                                        </p:attrNameLst>
-                                      </p:cBhvr>
-                                      <p:tavLst>
-                                        <p:tav tm="0">
-                                          <p:val>
-                                            <p:strVal val="#ppt_x"/>
-                                          </p:val>
-                                        </p:tav>
-                                        <p:tav tm="100000">
-                                          <p:val>
-                                            <p:strVal val="#ppt_x"/>
-                                          </p:val>
-                                        </p:tav>
-                                      </p:tavLst>
-                                    </p:anim>
-                                    <p:anim calcmode="lin" valueType="num">
-                                      <p:cBhvr>
-                                        <p:cTn id="29" dur="1000" fill="hold"/>
-                                        <p:tgtEl>
-                                          <p:spTgt spid="8"/>
-                                        </p:tgtEl>
-                                        <p:attrNameLst>
-                                          <p:attrName>ppt_y</p:attrName>
-                                        </p:attrNameLst>
-                                      </p:cBhvr>
-                                      <p:tavLst>
-                                        <p:tav tm="0">
-                                          <p:val>
-                                            <p:strVal val="#ppt_y+.1"/>
-                                          </p:val>
-                                        </p:tav>
-                                        <p:tav tm="100000">
-                                          <p:val>
-                                            <p:strVal val="#ppt_y"/>
-                                          </p:val>
-                                        </p:tav>
-                                      </p:tavLst>
-                                    </p:anim>
                                   </p:childTnLst>
                                 </p:cTn>
                               </p:par>
                               <p:par>
-                                <p:cTn id="30" presetID="42" presetClass="entr" presetSubtype="0" fill="hold" nodeType="withEffect">
+                                <p:cTn id="24" presetID="10" presetClass="entr" presetSubtype="0" fill="hold" nodeType="withEffect">
                                   <p:stCondLst>
                                     <p:cond delay="0"/>
                                   </p:stCondLst>
                                   <p:childTnLst>
                                     <p:set>
                                       <p:cBhvr>
-                                        <p:cTn id="31" dur="1" fill="hold">
+                                        <p:cTn id="25" dur="1" fill="hold">
                                           <p:stCondLst>
                                             <p:cond delay="0"/>
                                           </p:stCondLst>
@@ -12992,70 +12525,24 @@
                                     </p:set>
                                     <p:animEffect transition="in" filter="fade">
                                       <p:cBhvr>
-                                        <p:cTn id="32" dur="1000"/>
+                                        <p:cTn id="26" dur="500"/>
                                         <p:tgtEl>
                                           <p:spTgt spid="10"/>
                                         </p:tgtEl>
                                       </p:cBhvr>
                                     </p:animEffect>
-                                    <p:anim calcmode="lin" valueType="num">
-                                      <p:cBhvr>
-                                        <p:cTn id="33" dur="1000" fill="hold"/>
-                                        <p:tgtEl>
-                                          <p:spTgt spid="10"/>
-                                        </p:tgtEl>
-                                        <p:attrNameLst>
-                                          <p:attrName>ppt_x</p:attrName>
-                                        </p:attrNameLst>
-                                      </p:cBhvr>
-                                      <p:tavLst>
-                                        <p:tav tm="0">
-                                          <p:val>
-                                            <p:strVal val="#ppt_x"/>
-                                          </p:val>
-                                        </p:tav>
-                                        <p:tav tm="100000">
-                                          <p:val>
-                                            <p:strVal val="#ppt_x"/>
-                                          </p:val>
-                                        </p:tav>
-                                      </p:tavLst>
-                                    </p:anim>
-                                    <p:anim calcmode="lin" valueType="num">
-                                      <p:cBhvr>
-                                        <p:cTn id="34" dur="1000" fill="hold"/>
-                                        <p:tgtEl>
-                                          <p:spTgt spid="10"/>
-                                        </p:tgtEl>
-                                        <p:attrNameLst>
-                                          <p:attrName>ppt_y</p:attrName>
-                                        </p:attrNameLst>
-                                      </p:cBhvr>
-                                      <p:tavLst>
-                                        <p:tav tm="0">
-                                          <p:val>
-                                            <p:strVal val="#ppt_y+.1"/>
-                                          </p:val>
-                                        </p:tav>
-                                        <p:tav tm="100000">
-                                          <p:val>
-                                            <p:strVal val="#ppt_y"/>
-                                          </p:val>
-                                        </p:tav>
-                                      </p:tavLst>
-                                    </p:anim>
                                   </p:childTnLst>
                                 </p:cTn>
                               </p:par>
                               <p:par>
-                                <p:cTn id="35" presetID="42" presetClass="entr" presetSubtype="0" fill="hold" grpId="0" nodeType="withEffect">
+                                <p:cTn id="27" presetID="10" presetClass="entr" presetSubtype="0" fill="hold" grpId="0" nodeType="withEffect">
                                   <p:stCondLst>
                                     <p:cond delay="0"/>
                                   </p:stCondLst>
                                   <p:childTnLst>
                                     <p:set>
                                       <p:cBhvr>
-                                        <p:cTn id="36" dur="1" fill="hold">
+                                        <p:cTn id="28" dur="1" fill="hold">
                                           <p:stCondLst>
                                             <p:cond delay="0"/>
                                           </p:stCondLst>
@@ -13073,70 +12560,24 @@
                                     </p:set>
                                     <p:animEffect transition="in" filter="fade">
                                       <p:cBhvr>
-                                        <p:cTn id="37" dur="1000"/>
+                                        <p:cTn id="29" dur="500"/>
                                         <p:tgtEl>
                                           <p:spTgt spid="9"/>
                                         </p:tgtEl>
                                       </p:cBhvr>
                                     </p:animEffect>
-                                    <p:anim calcmode="lin" valueType="num">
-                                      <p:cBhvr>
-                                        <p:cTn id="38" dur="1000" fill="hold"/>
-                                        <p:tgtEl>
-                                          <p:spTgt spid="9"/>
-                                        </p:tgtEl>
-                                        <p:attrNameLst>
-                                          <p:attrName>ppt_x</p:attrName>
-                                        </p:attrNameLst>
-                                      </p:cBhvr>
-                                      <p:tavLst>
-                                        <p:tav tm="0">
-                                          <p:val>
-                                            <p:strVal val="#ppt_x"/>
-                                          </p:val>
-                                        </p:tav>
-                                        <p:tav tm="100000">
-                                          <p:val>
-                                            <p:strVal val="#ppt_x"/>
-                                          </p:val>
-                                        </p:tav>
-                                      </p:tavLst>
-                                    </p:anim>
-                                    <p:anim calcmode="lin" valueType="num">
-                                      <p:cBhvr>
-                                        <p:cTn id="39" dur="1000" fill="hold"/>
-                                        <p:tgtEl>
-                                          <p:spTgt spid="9"/>
-                                        </p:tgtEl>
-                                        <p:attrNameLst>
-                                          <p:attrName>ppt_y</p:attrName>
-                                        </p:attrNameLst>
-                                      </p:cBhvr>
-                                      <p:tavLst>
-                                        <p:tav tm="0">
-                                          <p:val>
-                                            <p:strVal val="#ppt_y+.1"/>
-                                          </p:val>
-                                        </p:tav>
-                                        <p:tav tm="100000">
-                                          <p:val>
-                                            <p:strVal val="#ppt_y"/>
-                                          </p:val>
-                                        </p:tav>
-                                      </p:tavLst>
-                                    </p:anim>
                                   </p:childTnLst>
                                 </p:cTn>
                               </p:par>
                               <p:par>
-                                <p:cTn id="40" presetID="42" presetClass="entr" presetSubtype="0" fill="hold" nodeType="withEffect">
+                                <p:cTn id="30" presetID="10" presetClass="entr" presetSubtype="0" fill="hold" nodeType="withEffect">
                                   <p:stCondLst>
                                     <p:cond delay="0"/>
                                   </p:stCondLst>
                                   <p:childTnLst>
                                     <p:set>
                                       <p:cBhvr>
-                                        <p:cTn id="41" dur="1" fill="hold">
+                                        <p:cTn id="31" dur="1" fill="hold">
                                           <p:stCondLst>
                                             <p:cond delay="0"/>
                                           </p:stCondLst>
@@ -13154,70 +12595,24 @@
                                     </p:set>
                                     <p:animEffect transition="in" filter="fade">
                                       <p:cBhvr>
-                                        <p:cTn id="42" dur="1000"/>
+                                        <p:cTn id="32" dur="500"/>
                                         <p:tgtEl>
                                           <p:spTgt spid="12"/>
                                         </p:tgtEl>
                                       </p:cBhvr>
                                     </p:animEffect>
-                                    <p:anim calcmode="lin" valueType="num">
-                                      <p:cBhvr>
-                                        <p:cTn id="43" dur="1000" fill="hold"/>
-                                        <p:tgtEl>
-                                          <p:spTgt spid="12"/>
-                                        </p:tgtEl>
-                                        <p:attrNameLst>
-                                          <p:attrName>ppt_x</p:attrName>
-                                        </p:attrNameLst>
-                                      </p:cBhvr>
-                                      <p:tavLst>
-                                        <p:tav tm="0">
-                                          <p:val>
-                                            <p:strVal val="#ppt_x"/>
-                                          </p:val>
-                                        </p:tav>
-                                        <p:tav tm="100000">
-                                          <p:val>
-                                            <p:strVal val="#ppt_x"/>
-                                          </p:val>
-                                        </p:tav>
-                                      </p:tavLst>
-                                    </p:anim>
-                                    <p:anim calcmode="lin" valueType="num">
-                                      <p:cBhvr>
-                                        <p:cTn id="44" dur="1000" fill="hold"/>
-                                        <p:tgtEl>
-                                          <p:spTgt spid="12"/>
-                                        </p:tgtEl>
-                                        <p:attrNameLst>
-                                          <p:attrName>ppt_y</p:attrName>
-                                        </p:attrNameLst>
-                                      </p:cBhvr>
-                                      <p:tavLst>
-                                        <p:tav tm="0">
-                                          <p:val>
-                                            <p:strVal val="#ppt_y+.1"/>
-                                          </p:val>
-                                        </p:tav>
-                                        <p:tav tm="100000">
-                                          <p:val>
-                                            <p:strVal val="#ppt_y"/>
-                                          </p:val>
-                                        </p:tav>
-                                      </p:tavLst>
-                                    </p:anim>
                                   </p:childTnLst>
                                 </p:cTn>
                               </p:par>
                               <p:par>
-                                <p:cTn id="45" presetID="42" presetClass="entr" presetSubtype="0" fill="hold" nodeType="withEffect">
+                                <p:cTn id="33" presetID="10" presetClass="entr" presetSubtype="0" fill="hold" nodeType="withEffect">
                                   <p:stCondLst>
                                     <p:cond delay="0"/>
                                   </p:stCondLst>
                                   <p:childTnLst>
                                     <p:set>
                                       <p:cBhvr>
-                                        <p:cTn id="46" dur="1" fill="hold">
+                                        <p:cTn id="34" dur="1" fill="hold">
                                           <p:stCondLst>
                                             <p:cond delay="0"/>
                                           </p:stCondLst>
@@ -13235,70 +12630,24 @@
                                     </p:set>
                                     <p:animEffect transition="in" filter="fade">
                                       <p:cBhvr>
-                                        <p:cTn id="47" dur="1000"/>
+                                        <p:cTn id="35" dur="500"/>
                                         <p:tgtEl>
                                           <p:spTgt spid="14"/>
                                         </p:tgtEl>
                                       </p:cBhvr>
                                     </p:animEffect>
-                                    <p:anim calcmode="lin" valueType="num">
-                                      <p:cBhvr>
-                                        <p:cTn id="48" dur="1000" fill="hold"/>
-                                        <p:tgtEl>
-                                          <p:spTgt spid="14"/>
-                                        </p:tgtEl>
-                                        <p:attrNameLst>
-                                          <p:attrName>ppt_x</p:attrName>
-                                        </p:attrNameLst>
-                                      </p:cBhvr>
-                                      <p:tavLst>
-                                        <p:tav tm="0">
-                                          <p:val>
-                                            <p:strVal val="#ppt_x"/>
-                                          </p:val>
-                                        </p:tav>
-                                        <p:tav tm="100000">
-                                          <p:val>
-                                            <p:strVal val="#ppt_x"/>
-                                          </p:val>
-                                        </p:tav>
-                                      </p:tavLst>
-                                    </p:anim>
-                                    <p:anim calcmode="lin" valueType="num">
-                                      <p:cBhvr>
-                                        <p:cTn id="49" dur="1000" fill="hold"/>
-                                        <p:tgtEl>
-                                          <p:spTgt spid="14"/>
-                                        </p:tgtEl>
-                                        <p:attrNameLst>
-                                          <p:attrName>ppt_y</p:attrName>
-                                        </p:attrNameLst>
-                                      </p:cBhvr>
-                                      <p:tavLst>
-                                        <p:tav tm="0">
-                                          <p:val>
-                                            <p:strVal val="#ppt_y+.1"/>
-                                          </p:val>
-                                        </p:tav>
-                                        <p:tav tm="100000">
-                                          <p:val>
-                                            <p:strVal val="#ppt_y"/>
-                                          </p:val>
-                                        </p:tav>
-                                      </p:tavLst>
-                                    </p:anim>
                                   </p:childTnLst>
                                 </p:cTn>
                               </p:par>
                               <p:par>
-                                <p:cTn id="50" presetID="42" presetClass="entr" presetSubtype="0" fill="hold" grpId="0" nodeType="withEffect">
+                                <p:cTn id="36" presetID="10" presetClass="entr" presetSubtype="0" fill="hold" grpId="0" nodeType="withEffect">
                                   <p:stCondLst>
                                     <p:cond delay="0"/>
                                   </p:stCondLst>
                                   <p:childTnLst>
                                     <p:set>
                                       <p:cBhvr>
-                                        <p:cTn id="51" dur="1" fill="hold">
+                                        <p:cTn id="37" dur="1" fill="hold">
                                           <p:stCondLst>
                                             <p:cond delay="0"/>
                                           </p:stCondLst>
@@ -13316,58 +12665,12 @@
                                     </p:set>
                                     <p:animEffect transition="in" filter="fade">
                                       <p:cBhvr>
-                                        <p:cTn id="52" dur="1000"/>
+                                        <p:cTn id="38" dur="500"/>
                                         <p:tgtEl>
                                           <p:spTgt spid="13"/>
                                         </p:tgtEl>
                                       </p:cBhvr>
                                     </p:animEffect>
-                                    <p:anim calcmode="lin" valueType="num">
-                                      <p:cBhvr>
-                                        <p:cTn id="53" dur="1000" fill="hold"/>
-                                        <p:tgtEl>
-                                          <p:spTgt spid="13"/>
-                                        </p:tgtEl>
-                                        <p:attrNameLst>
-                                          <p:attrName>ppt_x</p:attrName>
-                                        </p:attrNameLst>
-                                      </p:cBhvr>
-                                      <p:tavLst>
-                                        <p:tav tm="0">
-                                          <p:val>
-                                            <p:strVal val="#ppt_x"/>
-                                          </p:val>
-                                        </p:tav>
-                                        <p:tav tm="100000">
-                                          <p:val>
-                                            <p:strVal val="#ppt_x"/>
-                                          </p:val>
-                                        </p:tav>
-                                      </p:tavLst>
-                                    </p:anim>
-                                    <p:anim calcmode="lin" valueType="num">
-                                      <p:cBhvr>
-                                        <p:cTn id="54" dur="1000" fill="hold"/>
-                                        <p:tgtEl>
-                                          <p:spTgt spid="13"/>
-                                        </p:tgtEl>
-                                        <p:attrNameLst>
-                                          <p:attrName>ppt_y</p:attrName>
-                                        </p:attrNameLst>
-                                      </p:cBhvr>
-                                      <p:tavLst>
-                                        <p:tav tm="0">
-                                          <p:val>
-                                            <p:strVal val="#ppt_y+.1"/>
-                                          </p:val>
-                                        </p:tav>
-                                        <p:tav tm="100000">
-                                          <p:val>
-                                            <p:strVal val="#ppt_y"/>
-                                          </p:val>
-                                        </p:tav>
-                                      </p:tavLst>
-                                    </p:anim>
                                   </p:childTnLst>
                                 </p:cTn>
                               </p:par>
@@ -15627,7 +14930,7 @@
                             </p:stCondLst>
                             <p:childTnLst>
                               <p:par>
-                                <p:cTn id="5" presetID="10" presetClass="entr" presetSubtype="0" fill="hold" grpId="0" nodeType="clickEffect">
+                                <p:cTn id="5" presetID="1" presetClass="entr" presetSubtype="0" fill="hold" grpId="0" nodeType="clickEffect">
                                   <p:stCondLst>
                                     <p:cond delay="0"/>
                                   </p:stCondLst>
@@ -15635,189 +14938,6 @@
                                     <p:set>
                                       <p:cBhvr>
                                         <p:cTn id="6" dur="1" fill="hold">
-                                          <p:stCondLst>
-                                            <p:cond delay="0"/>
-                                          </p:stCondLst>
-                                        </p:cTn>
-                                        <p:tgtEl>
-                                          <p:spTgt spid="48">
-                                            <p:txEl>
-                                              <p:pRg st="0" end="0"/>
-                                            </p:txEl>
-                                          </p:spTgt>
-                                        </p:tgtEl>
-                                        <p:attrNameLst>
-                                          <p:attrName>style.visibility</p:attrName>
-                                        </p:attrNameLst>
-                                      </p:cBhvr>
-                                      <p:to>
-                                        <p:strVal val="visible"/>
-                                      </p:to>
-                                    </p:set>
-                                    <p:animEffect transition="in" filter="fade">
-                                      <p:cBhvr>
-                                        <p:cTn id="7" dur="500"/>
-                                        <p:tgtEl>
-                                          <p:spTgt spid="48">
-                                            <p:txEl>
-                                              <p:pRg st="0" end="0"/>
-                                            </p:txEl>
-                                          </p:spTgt>
-                                        </p:tgtEl>
-                                      </p:cBhvr>
-                                    </p:animEffect>
-                                  </p:childTnLst>
-                                </p:cTn>
-                              </p:par>
-                            </p:childTnLst>
-                          </p:cTn>
-                        </p:par>
-                      </p:childTnLst>
-                    </p:cTn>
-                  </p:par>
-                  <p:par>
-                    <p:cTn id="8" fill="hold">
-                      <p:stCondLst>
-                        <p:cond delay="indefinite"/>
-                      </p:stCondLst>
-                      <p:childTnLst>
-                        <p:par>
-                          <p:cTn id="9" fill="hold">
-                            <p:stCondLst>
-                              <p:cond delay="0"/>
-                            </p:stCondLst>
-                            <p:childTnLst>
-                              <p:par>
-                                <p:cTn id="10" presetID="10" presetClass="entr" presetSubtype="0" fill="hold" grpId="0" nodeType="clickEffect">
-                                  <p:stCondLst>
-                                    <p:cond delay="0"/>
-                                  </p:stCondLst>
-                                  <p:childTnLst>
-                                    <p:set>
-                                      <p:cBhvr>
-                                        <p:cTn id="11" dur="1" fill="hold">
-                                          <p:stCondLst>
-                                            <p:cond delay="0"/>
-                                          </p:stCondLst>
-                                        </p:cTn>
-                                        <p:tgtEl>
-                                          <p:spTgt spid="49">
-                                            <p:txEl>
-                                              <p:pRg st="0" end="0"/>
-                                            </p:txEl>
-                                          </p:spTgt>
-                                        </p:tgtEl>
-                                        <p:attrNameLst>
-                                          <p:attrName>style.visibility</p:attrName>
-                                        </p:attrNameLst>
-                                      </p:cBhvr>
-                                      <p:to>
-                                        <p:strVal val="visible"/>
-                                      </p:to>
-                                    </p:set>
-                                    <p:animEffect transition="in" filter="fade">
-                                      <p:cBhvr>
-                                        <p:cTn id="12" dur="500"/>
-                                        <p:tgtEl>
-                                          <p:spTgt spid="49">
-                                            <p:txEl>
-                                              <p:pRg st="0" end="0"/>
-                                            </p:txEl>
-                                          </p:spTgt>
-                                        </p:tgtEl>
-                                      </p:cBhvr>
-                                    </p:animEffect>
-                                  </p:childTnLst>
-                                </p:cTn>
-                              </p:par>
-                            </p:childTnLst>
-                          </p:cTn>
-                        </p:par>
-                      </p:childTnLst>
-                    </p:cTn>
-                  </p:par>
-                  <p:par>
-                    <p:cTn id="13" fill="hold">
-                      <p:stCondLst>
-                        <p:cond delay="indefinite"/>
-                      </p:stCondLst>
-                      <p:childTnLst>
-                        <p:par>
-                          <p:cTn id="14" fill="hold">
-                            <p:stCondLst>
-                              <p:cond delay="0"/>
-                            </p:stCondLst>
-                            <p:childTnLst>
-                              <p:par>
-                                <p:cTn id="15" presetID="10" presetClass="entr" presetSubtype="0" fill="hold" grpId="0" nodeType="clickEffect">
-                                  <p:stCondLst>
-                                    <p:cond delay="0"/>
-                                  </p:stCondLst>
-                                  <p:childTnLst>
-                                    <p:set>
-                                      <p:cBhvr>
-                                        <p:cTn id="16" dur="1" fill="hold">
-                                          <p:stCondLst>
-                                            <p:cond delay="0"/>
-                                          </p:stCondLst>
-                                        </p:cTn>
-                                        <p:tgtEl>
-                                          <p:spTgt spid="47">
-                                            <p:txEl>
-                                              <p:pRg st="0" end="0"/>
-                                            </p:txEl>
-                                          </p:spTgt>
-                                        </p:tgtEl>
-                                        <p:attrNameLst>
-                                          <p:attrName>style.visibility</p:attrName>
-                                        </p:attrNameLst>
-                                      </p:cBhvr>
-                                      <p:to>
-                                        <p:strVal val="visible"/>
-                                      </p:to>
-                                    </p:set>
-                                    <p:animEffect transition="in" filter="fade">
-                                      <p:cBhvr>
-                                        <p:cTn id="17" dur="500"/>
-                                        <p:tgtEl>
-                                          <p:spTgt spid="47">
-                                            <p:txEl>
-                                              <p:pRg st="0" end="0"/>
-                                            </p:txEl>
-                                          </p:spTgt>
-                                        </p:tgtEl>
-                                      </p:cBhvr>
-                                    </p:animEffect>
-                                  </p:childTnLst>
-                                </p:cTn>
-                              </p:par>
-                            </p:childTnLst>
-                          </p:cTn>
-                        </p:par>
-                      </p:childTnLst>
-                    </p:cTn>
-                  </p:par>
-                  <p:par>
-                    <p:cTn id="18" fill="hold">
-                      <p:stCondLst>
-                        <p:cond delay="indefinite"/>
-                      </p:stCondLst>
-                      <p:childTnLst>
-                        <p:par>
-                          <p:cTn id="19" fill="hold">
-                            <p:stCondLst>
-                              <p:cond delay="0"/>
-                            </p:stCondLst>
-                            <p:childTnLst>
-                              <p:par>
-                                <p:cTn id="20" presetID="1" presetClass="entr" presetSubtype="0" fill="hold" grpId="0" nodeType="clickEffect">
-                                  <p:stCondLst>
-                                    <p:cond delay="0"/>
-                                  </p:stCondLst>
-                                  <p:childTnLst>
-                                    <p:set>
-                                      <p:cBhvr>
-                                        <p:cTn id="21" dur="1" fill="hold">
                                           <p:stCondLst>
                                             <p:cond delay="0"/>
                                           </p:stCondLst>
@@ -15843,26 +14963,26 @@
                     </p:cTn>
                   </p:par>
                   <p:par>
-                    <p:cTn id="22" fill="hold">
+                    <p:cTn id="7" fill="hold">
                       <p:stCondLst>
                         <p:cond delay="indefinite"/>
                       </p:stCondLst>
                       <p:childTnLst>
                         <p:par>
-                          <p:cTn id="23" fill="hold">
+                          <p:cTn id="8" fill="hold">
                             <p:stCondLst>
                               <p:cond delay="0"/>
                             </p:stCondLst>
                             <p:childTnLst>
                               <p:par>
-                                <p:cTn id="24" presetID="22" presetClass="entr" presetSubtype="8" fill="hold" nodeType="clickEffect">
+                                <p:cTn id="9" presetID="22" presetClass="entr" presetSubtype="8" fill="hold" nodeType="clickEffect">
                                   <p:stCondLst>
                                     <p:cond delay="0"/>
                                   </p:stCondLst>
                                   <p:childTnLst>
                                     <p:set>
                                       <p:cBhvr>
-                                        <p:cTn id="25" dur="1" fill="hold">
+                                        <p:cTn id="10" dur="1" fill="hold">
                                           <p:stCondLst>
                                             <p:cond delay="0"/>
                                           </p:stCondLst>
@@ -15880,7 +15000,7 @@
                                     </p:set>
                                     <p:animEffect transition="in" filter="wipe(left)">
                                       <p:cBhvr>
-                                        <p:cTn id="26" dur="500"/>
+                                        <p:cTn id="11" dur="500"/>
                                         <p:tgtEl>
                                           <p:spTgt spid="7"/>
                                         </p:tgtEl>
@@ -15890,14 +15010,14 @@
                                 </p:cTn>
                               </p:par>
                               <p:par>
-                                <p:cTn id="27" presetID="22" presetClass="entr" presetSubtype="8" fill="hold" grpId="0" nodeType="withEffect">
+                                <p:cTn id="12" presetID="22" presetClass="entr" presetSubtype="8" fill="hold" grpId="0" nodeType="withEffect">
                                   <p:stCondLst>
                                     <p:cond delay="0"/>
                                   </p:stCondLst>
                                   <p:childTnLst>
                                     <p:set>
                                       <p:cBhvr>
-                                        <p:cTn id="28" dur="1" fill="hold">
+                                        <p:cTn id="13" dur="1" fill="hold">
                                           <p:stCondLst>
                                             <p:cond delay="0"/>
                                           </p:stCondLst>
@@ -15915,7 +15035,7 @@
                                     </p:set>
                                     <p:animEffect transition="in" filter="wipe(left)">
                                       <p:cBhvr>
-                                        <p:cTn id="29" dur="500"/>
+                                        <p:cTn id="14" dur="500"/>
                                         <p:tgtEl>
                                           <p:spTgt spid="37"/>
                                         </p:tgtEl>
@@ -15931,26 +15051,26 @@
                     </p:cTn>
                   </p:par>
                   <p:par>
-                    <p:cTn id="30" fill="hold">
+                    <p:cTn id="15" fill="hold">
                       <p:stCondLst>
                         <p:cond delay="indefinite"/>
                       </p:stCondLst>
                       <p:childTnLst>
                         <p:par>
-                          <p:cTn id="31" fill="hold">
+                          <p:cTn id="16" fill="hold">
                             <p:stCondLst>
                               <p:cond delay="0"/>
                             </p:stCondLst>
                             <p:childTnLst>
                               <p:par>
-                                <p:cTn id="32" presetID="22" presetClass="entr" presetSubtype="8" fill="hold" nodeType="clickEffect">
+                                <p:cTn id="17" presetID="22" presetClass="entr" presetSubtype="8" fill="hold" nodeType="clickEffect">
                                   <p:stCondLst>
                                     <p:cond delay="0"/>
                                   </p:stCondLst>
                                   <p:childTnLst>
                                     <p:set>
                                       <p:cBhvr>
-                                        <p:cTn id="33" dur="1" fill="hold">
+                                        <p:cTn id="18" dur="1" fill="hold">
                                           <p:stCondLst>
                                             <p:cond delay="0"/>
                                           </p:stCondLst>
@@ -15968,7 +15088,7 @@
                                     </p:set>
                                     <p:animEffect transition="in" filter="wipe(left)">
                                       <p:cBhvr>
-                                        <p:cTn id="34" dur="500"/>
+                                        <p:cTn id="19" dur="500"/>
                                         <p:tgtEl>
                                           <p:spTgt spid="10"/>
                                         </p:tgtEl>
@@ -15978,14 +15098,14 @@
                                 </p:cTn>
                               </p:par>
                               <p:par>
-                                <p:cTn id="35" presetID="22" presetClass="entr" presetSubtype="8" fill="hold" grpId="0" nodeType="withEffect">
+                                <p:cTn id="20" presetID="22" presetClass="entr" presetSubtype="8" fill="hold" grpId="0" nodeType="withEffect">
                                   <p:stCondLst>
                                     <p:cond delay="0"/>
                                   </p:stCondLst>
                                   <p:childTnLst>
                                     <p:set>
                                       <p:cBhvr>
-                                        <p:cTn id="36" dur="1" fill="hold">
+                                        <p:cTn id="21" dur="1" fill="hold">
                                           <p:stCondLst>
                                             <p:cond delay="0"/>
                                           </p:stCondLst>
@@ -16003,7 +15123,7 @@
                                     </p:set>
                                     <p:animEffect transition="in" filter="wipe(left)">
                                       <p:cBhvr>
-                                        <p:cTn id="37" dur="500"/>
+                                        <p:cTn id="22" dur="500"/>
                                         <p:tgtEl>
                                           <p:spTgt spid="38"/>
                                         </p:tgtEl>
@@ -16019,26 +15139,26 @@
                     </p:cTn>
                   </p:par>
                   <p:par>
-                    <p:cTn id="38" fill="hold">
+                    <p:cTn id="23" fill="hold">
                       <p:stCondLst>
                         <p:cond delay="indefinite"/>
                       </p:stCondLst>
                       <p:childTnLst>
                         <p:par>
-                          <p:cTn id="39" fill="hold">
+                          <p:cTn id="24" fill="hold">
                             <p:stCondLst>
                               <p:cond delay="0"/>
                             </p:stCondLst>
                             <p:childTnLst>
                               <p:par>
-                                <p:cTn id="40" presetID="22" presetClass="entr" presetSubtype="1" fill="hold" nodeType="clickEffect">
+                                <p:cTn id="25" presetID="22" presetClass="entr" presetSubtype="1" fill="hold" nodeType="clickEffect">
                                   <p:stCondLst>
                                     <p:cond delay="0"/>
                                   </p:stCondLst>
                                   <p:childTnLst>
                                     <p:set>
                                       <p:cBhvr>
-                                        <p:cTn id="41" dur="1" fill="hold">
+                                        <p:cTn id="26" dur="1" fill="hold">
                                           <p:stCondLst>
                                             <p:cond delay="0"/>
                                           </p:stCondLst>
@@ -16056,7 +15176,7 @@
                                     </p:set>
                                     <p:animEffect transition="in" filter="wipe(up)">
                                       <p:cBhvr>
-                                        <p:cTn id="42" dur="500"/>
+                                        <p:cTn id="27" dur="500"/>
                                         <p:tgtEl>
                                           <p:spTgt spid="12"/>
                                         </p:tgtEl>
@@ -16066,14 +15186,14 @@
                                 </p:cTn>
                               </p:par>
                               <p:par>
-                                <p:cTn id="43" presetID="22" presetClass="entr" presetSubtype="1" fill="hold" grpId="0" nodeType="withEffect">
+                                <p:cTn id="28" presetID="22" presetClass="entr" presetSubtype="1" fill="hold" grpId="0" nodeType="withEffect">
                                   <p:stCondLst>
                                     <p:cond delay="0"/>
                                   </p:stCondLst>
                                   <p:childTnLst>
                                     <p:set>
                                       <p:cBhvr>
-                                        <p:cTn id="44" dur="1" fill="hold">
+                                        <p:cTn id="29" dur="1" fill="hold">
                                           <p:stCondLst>
                                             <p:cond delay="0"/>
                                           </p:stCondLst>
@@ -16091,7 +15211,7 @@
                                     </p:set>
                                     <p:animEffect transition="in" filter="wipe(up)">
                                       <p:cBhvr>
-                                        <p:cTn id="45" dur="500"/>
+                                        <p:cTn id="30" dur="500"/>
                                         <p:tgtEl>
                                           <p:spTgt spid="14"/>
                                         </p:tgtEl>
@@ -16107,26 +15227,26 @@
                     </p:cTn>
                   </p:par>
                   <p:par>
-                    <p:cTn id="46" fill="hold">
+                    <p:cTn id="31" fill="hold">
                       <p:stCondLst>
                         <p:cond delay="indefinite"/>
                       </p:stCondLst>
                       <p:childTnLst>
                         <p:par>
-                          <p:cTn id="47" fill="hold">
+                          <p:cTn id="32" fill="hold">
                             <p:stCondLst>
                               <p:cond delay="0"/>
                             </p:stCondLst>
                             <p:childTnLst>
                               <p:par>
-                                <p:cTn id="48" presetID="22" presetClass="entr" presetSubtype="1" fill="hold" nodeType="clickEffect">
+                                <p:cTn id="33" presetID="22" presetClass="entr" presetSubtype="1" fill="hold" nodeType="clickEffect">
                                   <p:stCondLst>
                                     <p:cond delay="0"/>
                                   </p:stCondLst>
                                   <p:childTnLst>
                                     <p:set>
                                       <p:cBhvr>
-                                        <p:cTn id="49" dur="1" fill="hold">
+                                        <p:cTn id="34" dur="1" fill="hold">
                                           <p:stCondLst>
                                             <p:cond delay="0"/>
                                           </p:stCondLst>
@@ -16144,7 +15264,7 @@
                                     </p:set>
                                     <p:animEffect transition="in" filter="wipe(up)">
                                       <p:cBhvr>
-                                        <p:cTn id="50" dur="500"/>
+                                        <p:cTn id="35" dur="500"/>
                                         <p:tgtEl>
                                           <p:spTgt spid="17"/>
                                         </p:tgtEl>
@@ -16154,14 +15274,14 @@
                                 </p:cTn>
                               </p:par>
                               <p:par>
-                                <p:cTn id="51" presetID="22" presetClass="entr" presetSubtype="1" fill="hold" grpId="0" nodeType="withEffect">
+                                <p:cTn id="36" presetID="22" presetClass="entr" presetSubtype="1" fill="hold" grpId="0" nodeType="withEffect">
                                   <p:stCondLst>
                                     <p:cond delay="0"/>
                                   </p:stCondLst>
                                   <p:childTnLst>
                                     <p:set>
                                       <p:cBhvr>
-                                        <p:cTn id="52" dur="1" fill="hold">
+                                        <p:cTn id="37" dur="1" fill="hold">
                                           <p:stCondLst>
                                             <p:cond delay="0"/>
                                           </p:stCondLst>
@@ -16179,7 +15299,7 @@
                                     </p:set>
                                     <p:animEffect transition="in" filter="wipe(up)">
                                       <p:cBhvr>
-                                        <p:cTn id="53" dur="500"/>
+                                        <p:cTn id="38" dur="500"/>
                                         <p:tgtEl>
                                           <p:spTgt spid="19"/>
                                         </p:tgtEl>
@@ -16195,26 +15315,26 @@
                     </p:cTn>
                   </p:par>
                   <p:par>
-                    <p:cTn id="54" fill="hold">
+                    <p:cTn id="39" fill="hold">
                       <p:stCondLst>
                         <p:cond delay="indefinite"/>
                       </p:stCondLst>
                       <p:childTnLst>
                         <p:par>
-                          <p:cTn id="55" fill="hold">
+                          <p:cTn id="40" fill="hold">
                             <p:stCondLst>
                               <p:cond delay="0"/>
                             </p:stCondLst>
                             <p:childTnLst>
                               <p:par>
-                                <p:cTn id="56" presetID="22" presetClass="entr" presetSubtype="2" fill="hold" nodeType="clickEffect">
+                                <p:cTn id="41" presetID="22" presetClass="entr" presetSubtype="2" fill="hold" nodeType="clickEffect">
                                   <p:stCondLst>
                                     <p:cond delay="0"/>
                                   </p:stCondLst>
                                   <p:childTnLst>
                                     <p:set>
                                       <p:cBhvr>
-                                        <p:cTn id="57" dur="1" fill="hold">
+                                        <p:cTn id="42" dur="1" fill="hold">
                                           <p:stCondLst>
                                             <p:cond delay="0"/>
                                           </p:stCondLst>
@@ -16232,7 +15352,7 @@
                                     </p:set>
                                     <p:animEffect transition="in" filter="wipe(right)">
                                       <p:cBhvr>
-                                        <p:cTn id="58" dur="500"/>
+                                        <p:cTn id="43" dur="500"/>
                                         <p:tgtEl>
                                           <p:spTgt spid="23"/>
                                         </p:tgtEl>
@@ -16242,14 +15362,14 @@
                                 </p:cTn>
                               </p:par>
                               <p:par>
-                                <p:cTn id="59" presetID="22" presetClass="entr" presetSubtype="2" fill="hold" grpId="0" nodeType="withEffect">
+                                <p:cTn id="44" presetID="22" presetClass="entr" presetSubtype="2" fill="hold" grpId="0" nodeType="withEffect">
                                   <p:stCondLst>
                                     <p:cond delay="0"/>
                                   </p:stCondLst>
                                   <p:childTnLst>
                                     <p:set>
                                       <p:cBhvr>
-                                        <p:cTn id="60" dur="1" fill="hold">
+                                        <p:cTn id="45" dur="1" fill="hold">
                                           <p:stCondLst>
                                             <p:cond delay="0"/>
                                           </p:stCondLst>
@@ -16267,7 +15387,7 @@
                                     </p:set>
                                     <p:animEffect transition="in" filter="wipe(right)">
                                       <p:cBhvr>
-                                        <p:cTn id="61" dur="500"/>
+                                        <p:cTn id="46" dur="500"/>
                                         <p:tgtEl>
                                           <p:spTgt spid="22"/>
                                         </p:tgtEl>
@@ -16283,26 +15403,26 @@
                     </p:cTn>
                   </p:par>
                   <p:par>
-                    <p:cTn id="62" fill="hold">
+                    <p:cTn id="47" fill="hold">
                       <p:stCondLst>
                         <p:cond delay="indefinite"/>
                       </p:stCondLst>
                       <p:childTnLst>
                         <p:par>
-                          <p:cTn id="63" fill="hold">
+                          <p:cTn id="48" fill="hold">
                             <p:stCondLst>
                               <p:cond delay="0"/>
                             </p:stCondLst>
                             <p:childTnLst>
                               <p:par>
-                                <p:cTn id="64" presetID="22" presetClass="entr" presetSubtype="4" fill="hold" nodeType="clickEffect">
+                                <p:cTn id="49" presetID="22" presetClass="entr" presetSubtype="4" fill="hold" nodeType="clickEffect">
                                   <p:stCondLst>
                                     <p:cond delay="0"/>
                                   </p:stCondLst>
                                   <p:childTnLst>
                                     <p:set>
                                       <p:cBhvr>
-                                        <p:cTn id="65" dur="1" fill="hold">
+                                        <p:cTn id="50" dur="1" fill="hold">
                                           <p:stCondLst>
                                             <p:cond delay="0"/>
                                           </p:stCondLst>
@@ -16320,7 +15440,7 @@
                                     </p:set>
                                     <p:animEffect transition="in" filter="wipe(down)">
                                       <p:cBhvr>
-                                        <p:cTn id="66" dur="500"/>
+                                        <p:cTn id="51" dur="500"/>
                                         <p:tgtEl>
                                           <p:spTgt spid="25"/>
                                         </p:tgtEl>
@@ -16330,14 +15450,14 @@
                                 </p:cTn>
                               </p:par>
                               <p:par>
-                                <p:cTn id="67" presetID="22" presetClass="entr" presetSubtype="4" fill="hold" grpId="0" nodeType="withEffect">
+                                <p:cTn id="52" presetID="22" presetClass="entr" presetSubtype="4" fill="hold" grpId="0" nodeType="withEffect">
                                   <p:stCondLst>
                                     <p:cond delay="0"/>
                                   </p:stCondLst>
                                   <p:childTnLst>
                                     <p:set>
                                       <p:cBhvr>
-                                        <p:cTn id="68" dur="1" fill="hold">
+                                        <p:cTn id="53" dur="1" fill="hold">
                                           <p:stCondLst>
                                             <p:cond delay="0"/>
                                           </p:stCondLst>
@@ -16355,7 +15475,7 @@
                                     </p:set>
                                     <p:animEffect transition="in" filter="wipe(down)">
                                       <p:cBhvr>
-                                        <p:cTn id="69" dur="500"/>
+                                        <p:cTn id="54" dur="500"/>
                                         <p:tgtEl>
                                           <p:spTgt spid="28"/>
                                         </p:tgtEl>
@@ -16371,26 +15491,26 @@
                     </p:cTn>
                   </p:par>
                   <p:par>
-                    <p:cTn id="70" fill="hold">
+                    <p:cTn id="55" fill="hold">
                       <p:stCondLst>
                         <p:cond delay="indefinite"/>
                       </p:stCondLst>
                       <p:childTnLst>
                         <p:par>
-                          <p:cTn id="71" fill="hold">
+                          <p:cTn id="56" fill="hold">
                             <p:stCondLst>
                               <p:cond delay="0"/>
                             </p:stCondLst>
                             <p:childTnLst>
                               <p:par>
-                                <p:cTn id="72" presetID="22" presetClass="entr" presetSubtype="4" fill="hold" grpId="0" nodeType="clickEffect">
+                                <p:cTn id="57" presetID="22" presetClass="entr" presetSubtype="4" fill="hold" grpId="0" nodeType="clickEffect">
                                   <p:stCondLst>
                                     <p:cond delay="0"/>
                                   </p:stCondLst>
                                   <p:childTnLst>
                                     <p:set>
                                       <p:cBhvr>
-                                        <p:cTn id="73" dur="1" fill="hold">
+                                        <p:cTn id="58" dur="1" fill="hold">
                                           <p:stCondLst>
                                             <p:cond delay="0"/>
                                           </p:stCondLst>
@@ -16408,7 +15528,7 @@
                                     </p:set>
                                     <p:animEffect transition="in" filter="wipe(down)">
                                       <p:cBhvr>
-                                        <p:cTn id="74" dur="500"/>
+                                        <p:cTn id="59" dur="500"/>
                                         <p:tgtEl>
                                           <p:spTgt spid="41"/>
                                         </p:tgtEl>
@@ -16418,14 +15538,14 @@
                                 </p:cTn>
                               </p:par>
                               <p:par>
-                                <p:cTn id="75" presetID="22" presetClass="entr" presetSubtype="4" fill="hold" nodeType="withEffect">
+                                <p:cTn id="60" presetID="22" presetClass="entr" presetSubtype="4" fill="hold" nodeType="withEffect">
                                   <p:stCondLst>
                                     <p:cond delay="0"/>
                                   </p:stCondLst>
                                   <p:childTnLst>
                                     <p:set>
                                       <p:cBhvr>
-                                        <p:cTn id="76" dur="1" fill="hold">
+                                        <p:cTn id="61" dur="1" fill="hold">
                                           <p:stCondLst>
                                             <p:cond delay="0"/>
                                           </p:stCondLst>
@@ -16443,7 +15563,7 @@
                                     </p:set>
                                     <p:animEffect transition="in" filter="wipe(down)">
                                       <p:cBhvr>
-                                        <p:cTn id="77" dur="500"/>
+                                        <p:cTn id="62" dur="500"/>
                                         <p:tgtEl>
                                           <p:spTgt spid="30"/>
                                         </p:tgtEl>
@@ -16459,26 +15579,26 @@
                     </p:cTn>
                   </p:par>
                   <p:par>
-                    <p:cTn id="78" fill="hold">
+                    <p:cTn id="63" fill="hold">
                       <p:stCondLst>
                         <p:cond delay="indefinite"/>
                       </p:stCondLst>
                       <p:childTnLst>
                         <p:par>
-                          <p:cTn id="79" fill="hold">
+                          <p:cTn id="64" fill="hold">
                             <p:stCondLst>
                               <p:cond delay="0"/>
                             </p:stCondLst>
                             <p:childTnLst>
                               <p:par>
-                                <p:cTn id="80" presetID="22" presetClass="entr" presetSubtype="1" fill="hold" nodeType="clickEffect">
+                                <p:cTn id="65" presetID="22" presetClass="entr" presetSubtype="1" fill="hold" nodeType="clickEffect">
                                   <p:stCondLst>
                                     <p:cond delay="0"/>
                                   </p:stCondLst>
                                   <p:childTnLst>
                                     <p:set>
                                       <p:cBhvr>
-                                        <p:cTn id="81" dur="1" fill="hold">
+                                        <p:cTn id="66" dur="1" fill="hold">
                                           <p:stCondLst>
                                             <p:cond delay="0"/>
                                           </p:stCondLst>
@@ -16496,7 +15616,7 @@
                                     </p:set>
                                     <p:animEffect transition="in" filter="wipe(up)">
                                       <p:cBhvr>
-                                        <p:cTn id="82" dur="500"/>
+                                        <p:cTn id="67" dur="500"/>
                                         <p:tgtEl>
                                           <p:spTgt spid="33"/>
                                         </p:tgtEl>
@@ -16506,14 +15626,14 @@
                                 </p:cTn>
                               </p:par>
                               <p:par>
-                                <p:cTn id="83" presetID="22" presetClass="entr" presetSubtype="1" fill="hold" grpId="0" nodeType="withEffect">
+                                <p:cTn id="68" presetID="22" presetClass="entr" presetSubtype="1" fill="hold" grpId="0" nodeType="withEffect">
                                   <p:stCondLst>
                                     <p:cond delay="0"/>
                                   </p:stCondLst>
                                   <p:childTnLst>
                                     <p:set>
                                       <p:cBhvr>
-                                        <p:cTn id="84" dur="1" fill="hold">
+                                        <p:cTn id="69" dur="1" fill="hold">
                                           <p:stCondLst>
                                             <p:cond delay="0"/>
                                           </p:stCondLst>
@@ -16531,7 +15651,7 @@
                                     </p:set>
                                     <p:animEffect transition="in" filter="wipe(up)">
                                       <p:cBhvr>
-                                        <p:cTn id="85" dur="500"/>
+                                        <p:cTn id="70" dur="500"/>
                                         <p:tgtEl>
                                           <p:spTgt spid="42"/>
                                         </p:tgtEl>
@@ -16541,14 +15661,14 @@
                                 </p:cTn>
                               </p:par>
                               <p:par>
-                                <p:cTn id="86" presetID="22" presetClass="entr" presetSubtype="1" fill="hold" grpId="0" nodeType="withEffect">
+                                <p:cTn id="71" presetID="22" presetClass="entr" presetSubtype="1" fill="hold" grpId="0" nodeType="withEffect">
                                   <p:stCondLst>
                                     <p:cond delay="0"/>
                                   </p:stCondLst>
                                   <p:childTnLst>
                                     <p:set>
                                       <p:cBhvr>
-                                        <p:cTn id="87" dur="1" fill="hold">
+                                        <p:cTn id="72" dur="1" fill="hold">
                                           <p:stCondLst>
                                             <p:cond delay="0"/>
                                           </p:stCondLst>
@@ -16566,7 +15686,7 @@
                                     </p:set>
                                     <p:animEffect transition="in" filter="wipe(up)">
                                       <p:cBhvr>
-                                        <p:cTn id="88" dur="500"/>
+                                        <p:cTn id="73" dur="500"/>
                                         <p:tgtEl>
                                           <p:spTgt spid="36"/>
                                         </p:tgtEl>
@@ -16613,9 +15733,6 @@
       <p:bldP spid="38" grpId="0" animBg="1"/>
       <p:bldP spid="41" grpId="0"/>
       <p:bldP spid="42" grpId="0"/>
-      <p:bldP spid="47" grpId="0" build="p"/>
-      <p:bldP spid="48" grpId="0" build="p"/>
-      <p:bldP spid="49" grpId="0" build="p"/>
     </p:bldLst>
   </p:timing>
 </p:sld>
@@ -17590,7 +16707,7 @@
                             </p:stCondLst>
                             <p:childTnLst>
                               <p:par>
-                                <p:cTn id="5" presetID="6" presetClass="entr" presetSubtype="16" fill="hold" nodeType="clickEffect">
+                                <p:cTn id="5" presetID="10" presetClass="entr" presetSubtype="0" fill="hold" nodeType="clickEffect">
                                   <p:stCondLst>
                                     <p:cond delay="0"/>
                                   </p:stCondLst>
@@ -17613,9 +16730,9 @@
                                         <p:strVal val="visible"/>
                                       </p:to>
                                     </p:set>
-                                    <p:animEffect transition="in" filter="circle(in)">
+                                    <p:animEffect transition="in" filter="fade">
                                       <p:cBhvr>
-                                        <p:cTn id="7" dur="2000"/>
+                                        <p:cTn id="7" dur="500"/>
                                         <p:tgtEl>
                                           <p:spTgt spid="13"/>
                                         </p:tgtEl>
@@ -17643,7 +16760,7 @@
                             </p:stCondLst>
                             <p:childTnLst>
                               <p:par>
-                                <p:cTn id="10" presetID="42" presetClass="entr" presetSubtype="0" fill="hold" nodeType="clickEffect">
+                                <p:cTn id="10" presetID="10" presetClass="entr" presetSubtype="0" fill="hold" nodeType="clickEffect">
                                   <p:stCondLst>
                                     <p:cond delay="0"/>
                                   </p:stCondLst>
@@ -17668,116 +16785,9 @@
                                     </p:set>
                                     <p:animEffect transition="in" filter="fade">
                                       <p:cBhvr>
-                                        <p:cTn id="12" dur="1000"/>
+                                        <p:cTn id="12" dur="500"/>
                                         <p:tgtEl>
                                           <p:spTgt spid="12"/>
-                                        </p:tgtEl>
-                                      </p:cBhvr>
-                                    </p:animEffect>
-                                    <p:anim calcmode="lin" valueType="num">
-                                      <p:cBhvr>
-                                        <p:cTn id="13" dur="1000" fill="hold"/>
-                                        <p:tgtEl>
-                                          <p:spTgt spid="12"/>
-                                        </p:tgtEl>
-                                        <p:attrNameLst>
-                                          <p:attrName>ppt_x</p:attrName>
-                                        </p:attrNameLst>
-                                      </p:cBhvr>
-                                      <p:tavLst>
-                                        <p:tav tm="0">
-                                          <p:val>
-                                            <p:strVal val="#ppt_x"/>
-                                          </p:val>
-                                        </p:tav>
-                                        <p:tav tm="100000">
-                                          <p:val>
-                                            <p:strVal val="#ppt_x"/>
-                                          </p:val>
-                                        </p:tav>
-                                      </p:tavLst>
-                                    </p:anim>
-                                    <p:anim calcmode="lin" valueType="num">
-                                      <p:cBhvr>
-                                        <p:cTn id="14" dur="1000" fill="hold"/>
-                                        <p:tgtEl>
-                                          <p:spTgt spid="12"/>
-                                        </p:tgtEl>
-                                        <p:attrNameLst>
-                                          <p:attrName>ppt_y</p:attrName>
-                                        </p:attrNameLst>
-                                      </p:cBhvr>
-                                      <p:tavLst>
-                                        <p:tav tm="0">
-                                          <p:val>
-                                            <p:strVal val="#ppt_y+.1"/>
-                                          </p:val>
-                                        </p:tav>
-                                        <p:tav tm="100000">
-                                          <p:val>
-                                            <p:strVal val="#ppt_y"/>
-                                          </p:val>
-                                        </p:tav>
-                                      </p:tavLst>
-                                    </p:anim>
-                                  </p:childTnLst>
-                                </p:cTn>
-                              </p:par>
-                            </p:childTnLst>
-                          </p:cTn>
-                        </p:par>
-                      </p:childTnLst>
-                    </p:cTn>
-                  </p:par>
-                  <p:par>
-                    <p:cTn id="15" fill="hold">
-                      <p:stCondLst>
-                        <p:cond delay="indefinite"/>
-                      </p:stCondLst>
-                      <p:childTnLst>
-                        <p:par>
-                          <p:cTn id="16" fill="hold">
-                            <p:stCondLst>
-                              <p:cond delay="0"/>
-                            </p:stCondLst>
-                            <p:childTnLst>
-                              <p:par>
-                                <p:cTn id="17" presetID="10" presetClass="entr" presetSubtype="0" fill="hold" grpId="0" nodeType="clickEffect">
-                                  <p:stCondLst>
-                                    <p:cond delay="0"/>
-                                  </p:stCondLst>
-                                  <p:childTnLst>
-                                    <p:set>
-                                      <p:cBhvr>
-                                        <p:cTn id="18" dur="1" fill="hold">
-                                          <p:stCondLst>
-                                            <p:cond delay="0"/>
-                                          </p:stCondLst>
-                                        </p:cTn>
-                                        <p:tgtEl>
-                                          <p:spTgt spid="2">
-                                            <p:txEl>
-                                              <p:pRg st="0" end="0"/>
-                                            </p:txEl>
-                                          </p:spTgt>
-                                        </p:tgtEl>
-                                        <p:attrNameLst>
-                                          <p:attrName>style.visibility</p:attrName>
-                                        </p:attrNameLst>
-                                      </p:cBhvr>
-                                      <p:to>
-                                        <p:strVal val="visible"/>
-                                      </p:to>
-                                    </p:set>
-                                    <p:animEffect transition="in" filter="fade">
-                                      <p:cBhvr>
-                                        <p:cTn id="19" dur="500"/>
-                                        <p:tgtEl>
-                                          <p:spTgt spid="2">
-                                            <p:txEl>
-                                              <p:pRg st="0" end="0"/>
-                                            </p:txEl>
-                                          </p:spTgt>
                                         </p:tgtEl>
                                       </p:cBhvr>
                                     </p:animEffect>
@@ -17791,36 +16801,32 @@
                     </p:cTn>
                   </p:par>
                   <p:par>
-                    <p:cTn id="20" fill="hold">
+                    <p:cTn id="13" fill="hold">
                       <p:stCondLst>
                         <p:cond delay="indefinite"/>
                       </p:stCondLst>
                       <p:childTnLst>
                         <p:par>
-                          <p:cTn id="21" fill="hold">
+                          <p:cTn id="14" fill="hold">
                             <p:stCondLst>
                               <p:cond delay="0"/>
                             </p:stCondLst>
                             <p:childTnLst>
                               <p:par>
-                                <p:cTn id="22" presetID="10" presetClass="entr" presetSubtype="0" fill="hold" grpId="0" nodeType="clickEffect">
+                                <p:cTn id="15" presetID="10" presetClass="entr" presetSubtype="0" fill="hold" grpId="0" nodeType="clickEffect">
                                   <p:stCondLst>
                                     <p:cond delay="0"/>
                                   </p:stCondLst>
                                   <p:childTnLst>
                                     <p:set>
                                       <p:cBhvr>
-                                        <p:cTn id="23" dur="1" fill="hold">
+                                        <p:cTn id="16" dur="1" fill="hold">
                                           <p:stCondLst>
                                             <p:cond delay="0"/>
                                           </p:stCondLst>
                                         </p:cTn>
                                         <p:tgtEl>
-                                          <p:spTgt spid="2">
-                                            <p:txEl>
-                                              <p:pRg st="1" end="1"/>
-                                            </p:txEl>
-                                          </p:spTgt>
+                                          <p:spTgt spid="2"/>
                                         </p:tgtEl>
                                         <p:attrNameLst>
                                           <p:attrName>style.visibility</p:attrName>
@@ -17832,13 +16838,9 @@
                                     </p:set>
                                     <p:animEffect transition="in" filter="fade">
                                       <p:cBhvr>
-                                        <p:cTn id="24" dur="500"/>
+                                        <p:cTn id="17" dur="500"/>
                                         <p:tgtEl>
-                                          <p:spTgt spid="2">
-                                            <p:txEl>
-                                              <p:pRg st="1" end="1"/>
-                                            </p:txEl>
-                                          </p:spTgt>
+                                          <p:spTgt spid="2"/>
                                         </p:tgtEl>
                                       </p:cBhvr>
                                     </p:animEffect>
@@ -17852,209 +16854,26 @@
                     </p:cTn>
                   </p:par>
                   <p:par>
-                    <p:cTn id="25" fill="hold">
+                    <p:cTn id="18" fill="hold">
                       <p:stCondLst>
                         <p:cond delay="indefinite"/>
                       </p:stCondLst>
                       <p:childTnLst>
                         <p:par>
-                          <p:cTn id="26" fill="hold">
+                          <p:cTn id="19" fill="hold">
                             <p:stCondLst>
                               <p:cond delay="0"/>
                             </p:stCondLst>
                             <p:childTnLst>
                               <p:par>
-                                <p:cTn id="27" presetID="10" presetClass="entr" presetSubtype="0" fill="hold" grpId="0" nodeType="clickEffect">
+                                <p:cTn id="20" presetID="22" presetClass="entr" presetSubtype="8" fill="hold" nodeType="clickEffect">
                                   <p:stCondLst>
                                     <p:cond delay="0"/>
                                   </p:stCondLst>
                                   <p:childTnLst>
                                     <p:set>
                                       <p:cBhvr>
-                                        <p:cTn id="28" dur="1" fill="hold">
-                                          <p:stCondLst>
-                                            <p:cond delay="0"/>
-                                          </p:stCondLst>
-                                        </p:cTn>
-                                        <p:tgtEl>
-                                          <p:spTgt spid="2">
-                                            <p:txEl>
-                                              <p:pRg st="2" end="2"/>
-                                            </p:txEl>
-                                          </p:spTgt>
-                                        </p:tgtEl>
-                                        <p:attrNameLst>
-                                          <p:attrName>style.visibility</p:attrName>
-                                        </p:attrNameLst>
-                                      </p:cBhvr>
-                                      <p:to>
-                                        <p:strVal val="visible"/>
-                                      </p:to>
-                                    </p:set>
-                                    <p:animEffect transition="in" filter="fade">
-                                      <p:cBhvr>
-                                        <p:cTn id="29" dur="500"/>
-                                        <p:tgtEl>
-                                          <p:spTgt spid="2">
-                                            <p:txEl>
-                                              <p:pRg st="2" end="2"/>
-                                            </p:txEl>
-                                          </p:spTgt>
-                                        </p:tgtEl>
-                                      </p:cBhvr>
-                                    </p:animEffect>
-                                  </p:childTnLst>
-                                </p:cTn>
-                              </p:par>
-                            </p:childTnLst>
-                          </p:cTn>
-                        </p:par>
-                      </p:childTnLst>
-                    </p:cTn>
-                  </p:par>
-                  <p:par>
-                    <p:cTn id="30" fill="hold">
-                      <p:stCondLst>
-                        <p:cond delay="indefinite"/>
-                      </p:stCondLst>
-                      <p:childTnLst>
-                        <p:par>
-                          <p:cTn id="31" fill="hold">
-                            <p:stCondLst>
-                              <p:cond delay="0"/>
-                            </p:stCondLst>
-                            <p:childTnLst>
-                              <p:par>
-                                <p:cTn id="32" presetID="10" presetClass="entr" presetSubtype="0" fill="hold" grpId="0" nodeType="clickEffect">
-                                  <p:stCondLst>
-                                    <p:cond delay="0"/>
-                                  </p:stCondLst>
-                                  <p:childTnLst>
-                                    <p:set>
-                                      <p:cBhvr>
-                                        <p:cTn id="33" dur="1" fill="hold">
-                                          <p:stCondLst>
-                                            <p:cond delay="0"/>
-                                          </p:stCondLst>
-                                        </p:cTn>
-                                        <p:tgtEl>
-                                          <p:spTgt spid="2">
-                                            <p:txEl>
-                                              <p:pRg st="3" end="3"/>
-                                            </p:txEl>
-                                          </p:spTgt>
-                                        </p:tgtEl>
-                                        <p:attrNameLst>
-                                          <p:attrName>style.visibility</p:attrName>
-                                        </p:attrNameLst>
-                                      </p:cBhvr>
-                                      <p:to>
-                                        <p:strVal val="visible"/>
-                                      </p:to>
-                                    </p:set>
-                                    <p:animEffect transition="in" filter="fade">
-                                      <p:cBhvr>
-                                        <p:cTn id="34" dur="500"/>
-                                        <p:tgtEl>
-                                          <p:spTgt spid="2">
-                                            <p:txEl>
-                                              <p:pRg st="3" end="3"/>
-                                            </p:txEl>
-                                          </p:spTgt>
-                                        </p:tgtEl>
-                                      </p:cBhvr>
-                                    </p:animEffect>
-                                  </p:childTnLst>
-                                </p:cTn>
-                              </p:par>
-                            </p:childTnLst>
-                          </p:cTn>
-                        </p:par>
-                      </p:childTnLst>
-                    </p:cTn>
-                  </p:par>
-                  <p:par>
-                    <p:cTn id="35" fill="hold">
-                      <p:stCondLst>
-                        <p:cond delay="indefinite"/>
-                      </p:stCondLst>
-                      <p:childTnLst>
-                        <p:par>
-                          <p:cTn id="36" fill="hold">
-                            <p:stCondLst>
-                              <p:cond delay="0"/>
-                            </p:stCondLst>
-                            <p:childTnLst>
-                              <p:par>
-                                <p:cTn id="37" presetID="10" presetClass="entr" presetSubtype="0" fill="hold" grpId="0" nodeType="clickEffect">
-                                  <p:stCondLst>
-                                    <p:cond delay="0"/>
-                                  </p:stCondLst>
-                                  <p:childTnLst>
-                                    <p:set>
-                                      <p:cBhvr>
-                                        <p:cTn id="38" dur="1" fill="hold">
-                                          <p:stCondLst>
-                                            <p:cond delay="0"/>
-                                          </p:stCondLst>
-                                        </p:cTn>
-                                        <p:tgtEl>
-                                          <p:spTgt spid="2">
-                                            <p:txEl>
-                                              <p:pRg st="4" end="4"/>
-                                            </p:txEl>
-                                          </p:spTgt>
-                                        </p:tgtEl>
-                                        <p:attrNameLst>
-                                          <p:attrName>style.visibility</p:attrName>
-                                        </p:attrNameLst>
-                                      </p:cBhvr>
-                                      <p:to>
-                                        <p:strVal val="visible"/>
-                                      </p:to>
-                                    </p:set>
-                                    <p:animEffect transition="in" filter="fade">
-                                      <p:cBhvr>
-                                        <p:cTn id="39" dur="500"/>
-                                        <p:tgtEl>
-                                          <p:spTgt spid="2">
-                                            <p:txEl>
-                                              <p:pRg st="4" end="4"/>
-                                            </p:txEl>
-                                          </p:spTgt>
-                                        </p:tgtEl>
-                                      </p:cBhvr>
-                                    </p:animEffect>
-                                  </p:childTnLst>
-                                </p:cTn>
-                              </p:par>
-                            </p:childTnLst>
-                          </p:cTn>
-                        </p:par>
-                      </p:childTnLst>
-                    </p:cTn>
-                  </p:par>
-                  <p:par>
-                    <p:cTn id="40" fill="hold">
-                      <p:stCondLst>
-                        <p:cond delay="indefinite"/>
-                      </p:stCondLst>
-                      <p:childTnLst>
-                        <p:par>
-                          <p:cTn id="41" fill="hold">
-                            <p:stCondLst>
-                              <p:cond delay="0"/>
-                            </p:stCondLst>
-                            <p:childTnLst>
-                              <p:par>
-                                <p:cTn id="42" presetID="22" presetClass="entr" presetSubtype="8" fill="hold" nodeType="clickEffect">
-                                  <p:stCondLst>
-                                    <p:cond delay="0"/>
-                                  </p:stCondLst>
-                                  <p:childTnLst>
-                                    <p:set>
-                                      <p:cBhvr>
-                                        <p:cTn id="43" dur="1" fill="hold">
+                                        <p:cTn id="21" dur="1" fill="hold">
                                           <p:stCondLst>
                                             <p:cond delay="0"/>
                                           </p:stCondLst>
@@ -18072,7 +16891,7 @@
                                     </p:set>
                                     <p:animEffect transition="in" filter="wipe(left)">
                                       <p:cBhvr>
-                                        <p:cTn id="44" dur="500"/>
+                                        <p:cTn id="22" dur="500"/>
                                         <p:tgtEl>
                                           <p:spTgt spid="30"/>
                                         </p:tgtEl>
@@ -18088,26 +16907,26 @@
                     </p:cTn>
                   </p:par>
                   <p:par>
-                    <p:cTn id="45" fill="hold">
+                    <p:cTn id="23" fill="hold">
                       <p:stCondLst>
                         <p:cond delay="indefinite"/>
                       </p:stCondLst>
                       <p:childTnLst>
                         <p:par>
-                          <p:cTn id="46" fill="hold">
+                          <p:cTn id="24" fill="hold">
                             <p:stCondLst>
                               <p:cond delay="0"/>
                             </p:stCondLst>
                             <p:childTnLst>
                               <p:par>
-                                <p:cTn id="47" presetID="16" presetClass="entr" presetSubtype="21" fill="hold" grpId="0" nodeType="clickEffect">
+                                <p:cTn id="25" presetID="16" presetClass="entr" presetSubtype="21" fill="hold" grpId="0" nodeType="clickEffect">
                                   <p:stCondLst>
                                     <p:cond delay="0"/>
                                   </p:stCondLst>
                                   <p:childTnLst>
                                     <p:set>
                                       <p:cBhvr>
-                                        <p:cTn id="48" dur="1" fill="hold">
+                                        <p:cTn id="26" dur="1" fill="hold">
                                           <p:stCondLst>
                                             <p:cond delay="0"/>
                                           </p:stCondLst>
@@ -18125,7 +16944,7 @@
                                     </p:set>
                                     <p:animEffect transition="in" filter="barn(inVertical)">
                                       <p:cBhvr>
-                                        <p:cTn id="49" dur="500"/>
+                                        <p:cTn id="27" dur="500"/>
                                         <p:tgtEl>
                                           <p:spTgt spid="15"/>
                                         </p:tgtEl>
@@ -18141,26 +16960,26 @@
                     </p:cTn>
                   </p:par>
                   <p:par>
-                    <p:cTn id="50" fill="hold">
+                    <p:cTn id="28" fill="hold">
                       <p:stCondLst>
                         <p:cond delay="indefinite"/>
                       </p:stCondLst>
                       <p:childTnLst>
                         <p:par>
-                          <p:cTn id="51" fill="hold">
+                          <p:cTn id="29" fill="hold">
                             <p:stCondLst>
                               <p:cond delay="0"/>
                             </p:stCondLst>
                             <p:childTnLst>
                               <p:par>
-                                <p:cTn id="52" presetID="10" presetClass="entr" presetSubtype="0" fill="hold" grpId="0" nodeType="clickEffect">
+                                <p:cTn id="30" presetID="10" presetClass="entr" presetSubtype="0" fill="hold" grpId="0" nodeType="clickEffect">
                                   <p:stCondLst>
                                     <p:cond delay="0"/>
                                   </p:stCondLst>
                                   <p:childTnLst>
                                     <p:set>
                                       <p:cBhvr>
-                                        <p:cTn id="53" dur="1" fill="hold">
+                                        <p:cTn id="31" dur="1" fill="hold">
                                           <p:stCondLst>
                                             <p:cond delay="0"/>
                                           </p:stCondLst>
@@ -18178,7 +16997,7 @@
                                     </p:set>
                                     <p:animEffect transition="in" filter="fade">
                                       <p:cBhvr>
-                                        <p:cTn id="54" dur="500"/>
+                                        <p:cTn id="32" dur="500"/>
                                         <p:tgtEl>
                                           <p:spTgt spid="16"/>
                                         </p:tgtEl>
@@ -18194,26 +17013,26 @@
                     </p:cTn>
                   </p:par>
                   <p:par>
-                    <p:cTn id="55" fill="hold">
+                    <p:cTn id="33" fill="hold">
                       <p:stCondLst>
                         <p:cond delay="indefinite"/>
                       </p:stCondLst>
                       <p:childTnLst>
                         <p:par>
-                          <p:cTn id="56" fill="hold">
+                          <p:cTn id="34" fill="hold">
                             <p:stCondLst>
                               <p:cond delay="0"/>
                             </p:stCondLst>
                             <p:childTnLst>
                               <p:par>
-                                <p:cTn id="57" presetID="1" presetClass="entr" presetSubtype="0" fill="hold" grpId="0" nodeType="clickEffect">
+                                <p:cTn id="35" presetID="1" presetClass="entr" presetSubtype="0" fill="hold" grpId="0" nodeType="clickEffect">
                                   <p:stCondLst>
                                     <p:cond delay="0"/>
                                   </p:stCondLst>
                                   <p:childTnLst>
                                     <p:set>
                                       <p:cBhvr>
-                                        <p:cTn id="58" dur="1" fill="hold">
+                                        <p:cTn id="36" dur="1" fill="hold">
                                           <p:stCondLst>
                                             <p:cond delay="0"/>
                                           </p:stCondLst>
@@ -18239,26 +17058,26 @@
                     </p:cTn>
                   </p:par>
                   <p:par>
-                    <p:cTn id="59" fill="hold">
+                    <p:cTn id="37" fill="hold">
                       <p:stCondLst>
                         <p:cond delay="indefinite"/>
                       </p:stCondLst>
                       <p:childTnLst>
                         <p:par>
-                          <p:cTn id="60" fill="hold">
+                          <p:cTn id="38" fill="hold">
                             <p:stCondLst>
                               <p:cond delay="0"/>
                             </p:stCondLst>
                             <p:childTnLst>
                               <p:par>
-                                <p:cTn id="61" presetID="1" presetClass="entr" presetSubtype="0" fill="hold" grpId="0" nodeType="clickEffect">
+                                <p:cTn id="39" presetID="1" presetClass="entr" presetSubtype="0" fill="hold" grpId="0" nodeType="clickEffect">
                                   <p:stCondLst>
                                     <p:cond delay="0"/>
                                   </p:stCondLst>
                                   <p:childTnLst>
                                     <p:set>
                                       <p:cBhvr>
-                                        <p:cTn id="62" dur="1" fill="hold">
+                                        <p:cTn id="40" dur="1" fill="hold">
                                           <p:stCondLst>
                                             <p:cond delay="0"/>
                                           </p:stCondLst>
@@ -18284,26 +17103,26 @@
                     </p:cTn>
                   </p:par>
                   <p:par>
-                    <p:cTn id="63" fill="hold">
+                    <p:cTn id="41" fill="hold">
                       <p:stCondLst>
                         <p:cond delay="indefinite"/>
                       </p:stCondLst>
                       <p:childTnLst>
                         <p:par>
-                          <p:cTn id="64" fill="hold">
+                          <p:cTn id="42" fill="hold">
                             <p:stCondLst>
                               <p:cond delay="0"/>
                             </p:stCondLst>
                             <p:childTnLst>
                               <p:par>
-                                <p:cTn id="65" presetID="22" presetClass="entr" presetSubtype="4" fill="hold" nodeType="clickEffect">
+                                <p:cTn id="43" presetID="22" presetClass="entr" presetSubtype="4" fill="hold" nodeType="clickEffect">
                                   <p:stCondLst>
                                     <p:cond delay="0"/>
                                   </p:stCondLst>
                                   <p:childTnLst>
                                     <p:set>
                                       <p:cBhvr>
-                                        <p:cTn id="66" dur="1" fill="hold">
+                                        <p:cTn id="44" dur="1" fill="hold">
                                           <p:stCondLst>
                                             <p:cond delay="0"/>
                                           </p:stCondLst>
@@ -18321,7 +17140,7 @@
                                     </p:set>
                                     <p:animEffect transition="in" filter="wipe(down)">
                                       <p:cBhvr>
-                                        <p:cTn id="67" dur="500"/>
+                                        <p:cTn id="45" dur="500"/>
                                         <p:tgtEl>
                                           <p:spTgt spid="18"/>
                                         </p:tgtEl>
@@ -18337,26 +17156,26 @@
                     </p:cTn>
                   </p:par>
                   <p:par>
-                    <p:cTn id="68" fill="hold">
+                    <p:cTn id="46" fill="hold">
                       <p:stCondLst>
                         <p:cond delay="indefinite"/>
                       </p:stCondLst>
                       <p:childTnLst>
                         <p:par>
-                          <p:cTn id="69" fill="hold">
+                          <p:cTn id="47" fill="hold">
                             <p:stCondLst>
                               <p:cond delay="0"/>
                             </p:stCondLst>
                             <p:childTnLst>
                               <p:par>
-                                <p:cTn id="70" presetID="10" presetClass="entr" presetSubtype="0" fill="hold" grpId="0" nodeType="clickEffect">
+                                <p:cTn id="48" presetID="10" presetClass="entr" presetSubtype="0" fill="hold" grpId="0" nodeType="clickEffect">
                                   <p:stCondLst>
                                     <p:cond delay="0"/>
                                   </p:stCondLst>
                                   <p:childTnLst>
                                     <p:set>
                                       <p:cBhvr>
-                                        <p:cTn id="71" dur="1" fill="hold">
+                                        <p:cTn id="49" dur="1" fill="hold">
                                           <p:stCondLst>
                                             <p:cond delay="0"/>
                                           </p:stCondLst>
@@ -18374,7 +17193,7 @@
                                     </p:set>
                                     <p:animEffect transition="in" filter="fade">
                                       <p:cBhvr>
-                                        <p:cTn id="72" dur="500"/>
+                                        <p:cTn id="50" dur="500"/>
                                         <p:tgtEl>
                                           <p:spTgt spid="19"/>
                                         </p:tgtEl>
@@ -18390,26 +17209,26 @@
                     </p:cTn>
                   </p:par>
                   <p:par>
-                    <p:cTn id="73" fill="hold">
+                    <p:cTn id="51" fill="hold">
                       <p:stCondLst>
                         <p:cond delay="indefinite"/>
                       </p:stCondLst>
                       <p:childTnLst>
                         <p:par>
-                          <p:cTn id="74" fill="hold">
+                          <p:cTn id="52" fill="hold">
                             <p:stCondLst>
                               <p:cond delay="0"/>
                             </p:stCondLst>
                             <p:childTnLst>
                               <p:par>
-                                <p:cTn id="75" presetID="10" presetClass="entr" presetSubtype="0" fill="hold" grpId="0" nodeType="clickEffect">
+                                <p:cTn id="53" presetID="10" presetClass="entr" presetSubtype="0" fill="hold" grpId="0" nodeType="clickEffect">
                                   <p:stCondLst>
                                     <p:cond delay="0"/>
                                   </p:stCondLst>
                                   <p:childTnLst>
                                     <p:set>
                                       <p:cBhvr>
-                                        <p:cTn id="76" dur="1" fill="hold">
+                                        <p:cTn id="54" dur="1" fill="hold">
                                           <p:stCondLst>
                                             <p:cond delay="0"/>
                                           </p:stCondLst>
@@ -18427,7 +17246,7 @@
                                     </p:set>
                                     <p:animEffect transition="in" filter="fade">
                                       <p:cBhvr>
-                                        <p:cTn id="77" dur="500"/>
+                                        <p:cTn id="55" dur="500"/>
                                         <p:tgtEl>
                                           <p:spTgt spid="20"/>
                                         </p:tgtEl>
@@ -18443,26 +17262,26 @@
                     </p:cTn>
                   </p:par>
                   <p:par>
-                    <p:cTn id="78" fill="hold">
+                    <p:cTn id="56" fill="hold">
                       <p:stCondLst>
                         <p:cond delay="indefinite"/>
                       </p:stCondLst>
                       <p:childTnLst>
                         <p:par>
-                          <p:cTn id="79" fill="hold">
+                          <p:cTn id="57" fill="hold">
                             <p:stCondLst>
                               <p:cond delay="0"/>
                             </p:stCondLst>
                             <p:childTnLst>
                               <p:par>
-                                <p:cTn id="80" presetID="22" presetClass="entr" presetSubtype="1" fill="hold" nodeType="clickEffect">
+                                <p:cTn id="58" presetID="22" presetClass="entr" presetSubtype="1" fill="hold" nodeType="clickEffect">
                                   <p:stCondLst>
                                     <p:cond delay="0"/>
                                   </p:stCondLst>
                                   <p:childTnLst>
                                     <p:set>
                                       <p:cBhvr>
-                                        <p:cTn id="81" dur="1" fill="hold">
+                                        <p:cTn id="59" dur="1" fill="hold">
                                           <p:stCondLst>
                                             <p:cond delay="0"/>
                                           </p:stCondLst>
@@ -18480,7 +17299,7 @@
                                     </p:set>
                                     <p:animEffect transition="in" filter="wipe(up)">
                                       <p:cBhvr>
-                                        <p:cTn id="82" dur="500"/>
+                                        <p:cTn id="60" dur="500"/>
                                         <p:tgtEl>
                                           <p:spTgt spid="22"/>
                                         </p:tgtEl>
@@ -18496,26 +17315,26 @@
                     </p:cTn>
                   </p:par>
                   <p:par>
-                    <p:cTn id="83" fill="hold">
+                    <p:cTn id="61" fill="hold">
                       <p:stCondLst>
                         <p:cond delay="indefinite"/>
                       </p:stCondLst>
                       <p:childTnLst>
                         <p:par>
-                          <p:cTn id="84" fill="hold">
+                          <p:cTn id="62" fill="hold">
                             <p:stCondLst>
                               <p:cond delay="0"/>
                             </p:stCondLst>
                             <p:childTnLst>
                               <p:par>
-                                <p:cTn id="85" presetID="22" presetClass="entr" presetSubtype="1" fill="hold" nodeType="clickEffect">
+                                <p:cTn id="63" presetID="22" presetClass="entr" presetSubtype="1" fill="hold" nodeType="clickEffect">
                                   <p:stCondLst>
                                     <p:cond delay="0"/>
                                   </p:stCondLst>
                                   <p:childTnLst>
                                     <p:set>
                                       <p:cBhvr>
-                                        <p:cTn id="86" dur="1" fill="hold">
+                                        <p:cTn id="64" dur="1" fill="hold">
                                           <p:stCondLst>
                                             <p:cond delay="0"/>
                                           </p:stCondLst>
@@ -18533,7 +17352,7 @@
                                     </p:set>
                                     <p:animEffect transition="in" filter="wipe(up)">
                                       <p:cBhvr>
-                                        <p:cTn id="87" dur="500"/>
+                                        <p:cTn id="65" dur="500"/>
                                         <p:tgtEl>
                                           <p:spTgt spid="21"/>
                                         </p:tgtEl>
@@ -18549,26 +17368,26 @@
                     </p:cTn>
                   </p:par>
                   <p:par>
-                    <p:cTn id="88" fill="hold">
+                    <p:cTn id="66" fill="hold">
                       <p:stCondLst>
                         <p:cond delay="indefinite"/>
                       </p:stCondLst>
                       <p:childTnLst>
                         <p:par>
-                          <p:cTn id="89" fill="hold">
+                          <p:cTn id="67" fill="hold">
                             <p:stCondLst>
                               <p:cond delay="0"/>
                             </p:stCondLst>
                             <p:childTnLst>
                               <p:par>
-                                <p:cTn id="90" presetID="22" presetClass="entr" presetSubtype="8" fill="hold" nodeType="clickEffect">
+                                <p:cTn id="68" presetID="22" presetClass="entr" presetSubtype="8" fill="hold" nodeType="clickEffect">
                                   <p:stCondLst>
                                     <p:cond delay="0"/>
                                   </p:stCondLst>
                                   <p:childTnLst>
                                     <p:set>
                                       <p:cBhvr>
-                                        <p:cTn id="91" dur="1" fill="hold">
+                                        <p:cTn id="69" dur="1" fill="hold">
                                           <p:stCondLst>
                                             <p:cond delay="0"/>
                                           </p:stCondLst>
@@ -18586,7 +17405,7 @@
                                     </p:set>
                                     <p:animEffect transition="in" filter="wipe(left)">
                                       <p:cBhvr>
-                                        <p:cTn id="92" dur="500"/>
+                                        <p:cTn id="70" dur="500"/>
                                         <p:tgtEl>
                                           <p:spTgt spid="31"/>
                                         </p:tgtEl>
@@ -18602,26 +17421,26 @@
                     </p:cTn>
                   </p:par>
                   <p:par>
-                    <p:cTn id="93" fill="hold">
+                    <p:cTn id="71" fill="hold">
                       <p:stCondLst>
                         <p:cond delay="indefinite"/>
                       </p:stCondLst>
                       <p:childTnLst>
                         <p:par>
-                          <p:cTn id="94" fill="hold">
+                          <p:cTn id="72" fill="hold">
                             <p:stCondLst>
                               <p:cond delay="0"/>
                             </p:stCondLst>
                             <p:childTnLst>
                               <p:par>
-                                <p:cTn id="95" presetID="16" presetClass="entr" presetSubtype="21" fill="hold" grpId="0" nodeType="clickEffect">
+                                <p:cTn id="73" presetID="16" presetClass="entr" presetSubtype="21" fill="hold" grpId="0" nodeType="clickEffect">
                                   <p:stCondLst>
                                     <p:cond delay="0"/>
                                   </p:stCondLst>
                                   <p:childTnLst>
                                     <p:set>
                                       <p:cBhvr>
-                                        <p:cTn id="96" dur="1" fill="hold">
+                                        <p:cTn id="74" dur="1" fill="hold">
                                           <p:stCondLst>
                                             <p:cond delay="0"/>
                                           </p:stCondLst>
@@ -18639,7 +17458,7 @@
                                     </p:set>
                                     <p:animEffect transition="in" filter="barn(inVertical)">
                                       <p:cBhvr>
-                                        <p:cTn id="97" dur="500"/>
+                                        <p:cTn id="75" dur="500"/>
                                         <p:tgtEl>
                                           <p:spTgt spid="27"/>
                                         </p:tgtEl>
@@ -18655,26 +17474,26 @@
                     </p:cTn>
                   </p:par>
                   <p:par>
-                    <p:cTn id="98" fill="hold">
+                    <p:cTn id="76" fill="hold">
                       <p:stCondLst>
                         <p:cond delay="indefinite"/>
                       </p:stCondLst>
                       <p:childTnLst>
                         <p:par>
-                          <p:cTn id="99" fill="hold">
+                          <p:cTn id="77" fill="hold">
                             <p:stCondLst>
                               <p:cond delay="0"/>
                             </p:stCondLst>
                             <p:childTnLst>
                               <p:par>
-                                <p:cTn id="100" presetID="16" presetClass="entr" presetSubtype="21" fill="hold" grpId="0" nodeType="clickEffect">
+                                <p:cTn id="78" presetID="16" presetClass="entr" presetSubtype="21" fill="hold" grpId="0" nodeType="clickEffect">
                                   <p:stCondLst>
                                     <p:cond delay="0"/>
                                   </p:stCondLst>
                                   <p:childTnLst>
                                     <p:set>
                                       <p:cBhvr>
-                                        <p:cTn id="101" dur="1" fill="hold">
+                                        <p:cTn id="79" dur="1" fill="hold">
                                           <p:stCondLst>
                                             <p:cond delay="0"/>
                                           </p:stCondLst>
@@ -18692,7 +17511,7 @@
                                     </p:set>
                                     <p:animEffect transition="in" filter="barn(inVertical)">
                                       <p:cBhvr>
-                                        <p:cTn id="102" dur="500"/>
+                                        <p:cTn id="80" dur="500"/>
                                         <p:tgtEl>
                                           <p:spTgt spid="28"/>
                                         </p:tgtEl>
@@ -18729,7 +17548,7 @@
       </p:par>
     </p:tnLst>
     <p:bldLst>
-      <p:bldP spid="2" grpId="0" build="p"/>
+      <p:bldP spid="2" grpId="0"/>
       <p:bldP spid="15" grpId="0" animBg="1"/>
       <p:bldP spid="16" grpId="0" animBg="1"/>
       <p:bldP spid="19" grpId="0" animBg="1"/>
@@ -18992,8 +17811,8 @@
           </p:sp>
         </mc:Fallback>
       </mc:AlternateContent>
-      <mc:AlternateContent xmlns:mc="http://schemas.openxmlformats.org/markup-compatibility/2006">
-        <mc:Choice xmlns:a14="http://schemas.microsoft.com/office/drawing/2010/main" Requires="a14">
+      <mc:AlternateContent xmlns:mc="http://schemas.openxmlformats.org/markup-compatibility/2006" xmlns:a14="http://schemas.microsoft.com/office/drawing/2010/main">
+        <mc:Choice Requires="a14">
           <p:sp>
             <p:nvSpPr>
               <p:cNvPr id="7" name="Elaborazione alternativa 6">
@@ -19148,7 +17967,7 @@
             </p:txBody>
           </p:sp>
         </mc:Choice>
-        <mc:Fallback>
+        <mc:Fallback xmlns="">
           <p:sp>
             <p:nvSpPr>
               <p:cNvPr id="7" name="Elaborazione alternativa 6">
@@ -19375,8 +18194,8 @@
           </p:sp>
         </mc:Fallback>
       </mc:AlternateContent>
-      <mc:AlternateContent xmlns:mc="http://schemas.openxmlformats.org/markup-compatibility/2006">
-        <mc:Choice xmlns:a14="http://schemas.microsoft.com/office/drawing/2010/main" Requires="a14">
+      <mc:AlternateContent xmlns:mc="http://schemas.openxmlformats.org/markup-compatibility/2006" xmlns:a14="http://schemas.microsoft.com/office/drawing/2010/main">
+        <mc:Choice Requires="a14">
           <p:sp>
             <p:nvSpPr>
               <p:cNvPr id="9" name="Elaborazione 8">
@@ -19555,7 +18374,7 @@
             </p:txBody>
           </p:sp>
         </mc:Choice>
-        <mc:Fallback>
+        <mc:Fallback xmlns="">
           <p:sp>
             <p:nvSpPr>
               <p:cNvPr id="9" name="Elaborazione 8">
@@ -19600,8 +18419,8 @@
           </p:sp>
         </mc:Fallback>
       </mc:AlternateContent>
-      <mc:AlternateContent xmlns:mc="http://schemas.openxmlformats.org/markup-compatibility/2006">
-        <mc:Choice xmlns:a14="http://schemas.microsoft.com/office/drawing/2010/main" Requires="a14">
+      <mc:AlternateContent xmlns:mc="http://schemas.openxmlformats.org/markup-compatibility/2006" xmlns:a14="http://schemas.microsoft.com/office/drawing/2010/main">
+        <mc:Choice Requires="a14">
           <p:sp>
             <p:nvSpPr>
               <p:cNvPr id="10" name="Elaborazione 9">
@@ -19694,7 +18513,7 @@
             </p:txBody>
           </p:sp>
         </mc:Choice>
-        <mc:Fallback>
+        <mc:Fallback xmlns="">
           <p:sp>
             <p:nvSpPr>
               <p:cNvPr id="10" name="Elaborazione 9">
@@ -19739,8 +18558,8 @@
           </p:sp>
         </mc:Fallback>
       </mc:AlternateContent>
-      <mc:AlternateContent xmlns:mc="http://schemas.openxmlformats.org/markup-compatibility/2006">
-        <mc:Choice xmlns:a14="http://schemas.microsoft.com/office/drawing/2010/main" Requires="a14">
+      <mc:AlternateContent xmlns:mc="http://schemas.openxmlformats.org/markup-compatibility/2006" xmlns:a14="http://schemas.microsoft.com/office/drawing/2010/main">
+        <mc:Choice Requires="a14">
           <p:sp>
             <p:nvSpPr>
               <p:cNvPr id="11" name="Elaborazione 10">
@@ -20075,7 +18894,7 @@
             </p:txBody>
           </p:sp>
         </mc:Choice>
-        <mc:Fallback>
+        <mc:Fallback xmlns="">
           <p:sp>
             <p:nvSpPr>
               <p:cNvPr id="11" name="Elaborazione 10">
@@ -20120,8 +18939,8 @@
           </p:sp>
         </mc:Fallback>
       </mc:AlternateContent>
-      <mc:AlternateContent xmlns:mc="http://schemas.openxmlformats.org/markup-compatibility/2006">
-        <mc:Choice xmlns:a14="http://schemas.microsoft.com/office/drawing/2010/main" Requires="a14">
+      <mc:AlternateContent xmlns:mc="http://schemas.openxmlformats.org/markup-compatibility/2006" xmlns:a14="http://schemas.microsoft.com/office/drawing/2010/main">
+        <mc:Choice Requires="a14">
           <p:sp>
             <p:nvSpPr>
               <p:cNvPr id="12" name="Elaborazione 11">
@@ -20245,7 +19064,7 @@
             </p:txBody>
           </p:sp>
         </mc:Choice>
-        <mc:Fallback>
+        <mc:Fallback xmlns="">
           <p:sp>
             <p:nvSpPr>
               <p:cNvPr id="12" name="Elaborazione 11">
@@ -27074,7 +25893,7 @@
                             </p:stCondLst>
                             <p:childTnLst>
                               <p:par>
-                                <p:cTn id="5" presetID="10" presetClass="entr" presetSubtype="0" fill="hold" grpId="0" nodeType="clickEffect">
+                                <p:cTn id="5" presetID="22" presetClass="entr" presetSubtype="1" fill="hold" grpId="0" nodeType="clickEffect">
                                   <p:stCondLst>
                                     <p:cond delay="0"/>
                                   </p:stCondLst>
@@ -27097,11 +25916,81 @@
                                         <p:strVal val="visible"/>
                                       </p:to>
                                     </p:set>
-                                    <p:animEffect transition="in" filter="fade">
+                                    <p:animEffect transition="in" filter="wipe(up)">
                                       <p:cBhvr>
                                         <p:cTn id="7" dur="500"/>
                                         <p:tgtEl>
                                           <p:spTgt spid="6"/>
+                                        </p:tgtEl>
+                                      </p:cBhvr>
+                                    </p:animEffect>
+                                  </p:childTnLst>
+                                </p:cTn>
+                              </p:par>
+                              <p:par>
+                                <p:cTn id="8" presetID="22" presetClass="entr" presetSubtype="1" fill="hold" grpId="0" nodeType="withEffect">
+                                  <p:stCondLst>
+                                    <p:cond delay="0"/>
+                                  </p:stCondLst>
+                                  <p:childTnLst>
+                                    <p:set>
+                                      <p:cBhvr>
+                                        <p:cTn id="9" dur="1" fill="hold">
+                                          <p:stCondLst>
+                                            <p:cond delay="0"/>
+                                          </p:stCondLst>
+                                        </p:cTn>
+                                        <p:tgtEl>
+                                          <p:spTgt spid="8"/>
+                                        </p:tgtEl>
+                                        <p:attrNameLst>
+                                          <p:attrName>style.visibility</p:attrName>
+                                        </p:attrNameLst>
+                                      </p:cBhvr>
+                                      <p:to>
+                                        <p:strVal val="visible"/>
+                                      </p:to>
+                                    </p:set>
+                                    <p:animEffect transition="in" filter="wipe(up)">
+                                      <p:cBhvr>
+                                        <p:cTn id="10" dur="500"/>
+                                        <p:tgtEl>
+                                          <p:spTgt spid="8"/>
+                                        </p:tgtEl>
+                                      </p:cBhvr>
+                                    </p:animEffect>
+                                  </p:childTnLst>
+                                </p:cTn>
+                              </p:par>
+                              <p:par>
+                                <p:cTn id="11" presetID="22" presetClass="entr" presetSubtype="1" fill="hold" grpId="0" nodeType="withEffect">
+                                  <p:stCondLst>
+                                    <p:cond delay="0"/>
+                                  </p:stCondLst>
+                                  <p:childTnLst>
+                                    <p:set>
+                                      <p:cBhvr>
+                                        <p:cTn id="12" dur="1" fill="hold">
+                                          <p:stCondLst>
+                                            <p:cond delay="0"/>
+                                          </p:stCondLst>
+                                        </p:cTn>
+                                        <p:tgtEl>
+                                          <p:spTgt spid="7"/>
+                                        </p:tgtEl>
+                                        <p:attrNameLst>
+                                          <p:attrName>style.visibility</p:attrName>
+                                        </p:attrNameLst>
+                                      </p:cBhvr>
+                                      <p:to>
+                                        <p:strVal val="visible"/>
+                                      </p:to>
+                                    </p:set>
+                                    <p:animEffect transition="in" filter="wipe(up)">
+                                      <p:cBhvr>
+                                        <p:cTn id="13" dur="500"/>
+                                        <p:tgtEl>
+                                          <p:spTgt spid="7"/>
                                         </p:tgtEl>
                                       </p:cBhvr>
                                     </p:animEffect>
@@ -27115,575 +26004,26 @@
                     </p:cTn>
                   </p:par>
                   <p:par>
-                    <p:cTn id="8" fill="hold">
+                    <p:cTn id="14" fill="hold">
                       <p:stCondLst>
                         <p:cond delay="indefinite"/>
                       </p:stCondLst>
                       <p:childTnLst>
                         <p:par>
-                          <p:cTn id="9" fill="hold">
+                          <p:cTn id="15" fill="hold">
                             <p:stCondLst>
                               <p:cond delay="0"/>
                             </p:stCondLst>
                             <p:childTnLst>
                               <p:par>
-                                <p:cTn id="10" presetID="10" presetClass="entr" presetSubtype="0" fill="hold" grpId="0" nodeType="clickEffect">
+                                <p:cTn id="16" presetID="10" presetClass="entr" presetSubtype="0" fill="hold" nodeType="clickEffect">
                                   <p:stCondLst>
                                     <p:cond delay="0"/>
                                   </p:stCondLst>
                                   <p:childTnLst>
                                     <p:set>
                                       <p:cBhvr>
-                                        <p:cTn id="11" dur="1" fill="hold">
-                                          <p:stCondLst>
-                                            <p:cond delay="0"/>
-                                          </p:stCondLst>
-                                        </p:cTn>
-                                        <p:tgtEl>
-                                          <p:spTgt spid="7">
-                                            <p:txEl>
-                                              <p:pRg st="0" end="0"/>
-                                            </p:txEl>
-                                          </p:spTgt>
-                                        </p:tgtEl>
-                                        <p:attrNameLst>
-                                          <p:attrName>style.visibility</p:attrName>
-                                        </p:attrNameLst>
-                                      </p:cBhvr>
-                                      <p:to>
-                                        <p:strVal val="visible"/>
-                                      </p:to>
-                                    </p:set>
-                                    <p:animEffect transition="in" filter="fade">
-                                      <p:cBhvr>
-                                        <p:cTn id="12" dur="500"/>
-                                        <p:tgtEl>
-                                          <p:spTgt spid="7">
-                                            <p:txEl>
-                                              <p:pRg st="0" end="0"/>
-                                            </p:txEl>
-                                          </p:spTgt>
-                                        </p:tgtEl>
-                                      </p:cBhvr>
-                                    </p:animEffect>
-                                  </p:childTnLst>
-                                </p:cTn>
-                              </p:par>
-                            </p:childTnLst>
-                          </p:cTn>
-                        </p:par>
-                      </p:childTnLst>
-                    </p:cTn>
-                  </p:par>
-                  <p:par>
-                    <p:cTn id="13" fill="hold">
-                      <p:stCondLst>
-                        <p:cond delay="indefinite"/>
-                      </p:stCondLst>
-                      <p:childTnLst>
-                        <p:par>
-                          <p:cTn id="14" fill="hold">
-                            <p:stCondLst>
-                              <p:cond delay="0"/>
-                            </p:stCondLst>
-                            <p:childTnLst>
-                              <p:par>
-                                <p:cTn id="15" presetID="10" presetClass="entr" presetSubtype="0" fill="hold" grpId="0" nodeType="clickEffect">
-                                  <p:stCondLst>
-                                    <p:cond delay="0"/>
-                                  </p:stCondLst>
-                                  <p:childTnLst>
-                                    <p:set>
-                                      <p:cBhvr>
-                                        <p:cTn id="16" dur="1" fill="hold">
-                                          <p:stCondLst>
-                                            <p:cond delay="0"/>
-                                          </p:stCondLst>
-                                        </p:cTn>
-                                        <p:tgtEl>
-                                          <p:spTgt spid="7">
-                                            <p:txEl>
-                                              <p:pRg st="1" end="1"/>
-                                            </p:txEl>
-                                          </p:spTgt>
-                                        </p:tgtEl>
-                                        <p:attrNameLst>
-                                          <p:attrName>style.visibility</p:attrName>
-                                        </p:attrNameLst>
-                                      </p:cBhvr>
-                                      <p:to>
-                                        <p:strVal val="visible"/>
-                                      </p:to>
-                                    </p:set>
-                                    <p:animEffect transition="in" filter="fade">
-                                      <p:cBhvr>
-                                        <p:cTn id="17" dur="500"/>
-                                        <p:tgtEl>
-                                          <p:spTgt spid="7">
-                                            <p:txEl>
-                                              <p:pRg st="1" end="1"/>
-                                            </p:txEl>
-                                          </p:spTgt>
-                                        </p:tgtEl>
-                                      </p:cBhvr>
-                                    </p:animEffect>
-                                  </p:childTnLst>
-                                </p:cTn>
-                              </p:par>
-                            </p:childTnLst>
-                          </p:cTn>
-                        </p:par>
-                      </p:childTnLst>
-                    </p:cTn>
-                  </p:par>
-                  <p:par>
-                    <p:cTn id="18" fill="hold">
-                      <p:stCondLst>
-                        <p:cond delay="indefinite"/>
-                      </p:stCondLst>
-                      <p:childTnLst>
-                        <p:par>
-                          <p:cTn id="19" fill="hold">
-                            <p:stCondLst>
-                              <p:cond delay="0"/>
-                            </p:stCondLst>
-                            <p:childTnLst>
-                              <p:par>
-                                <p:cTn id="20" presetID="10" presetClass="entr" presetSubtype="0" fill="hold" grpId="0" nodeType="clickEffect">
-                                  <p:stCondLst>
-                                    <p:cond delay="0"/>
-                                  </p:stCondLst>
-                                  <p:childTnLst>
-                                    <p:set>
-                                      <p:cBhvr>
-                                        <p:cTn id="21" dur="1" fill="hold">
-                                          <p:stCondLst>
-                                            <p:cond delay="0"/>
-                                          </p:stCondLst>
-                                        </p:cTn>
-                                        <p:tgtEl>
-                                          <p:spTgt spid="7">
-                                            <p:txEl>
-                                              <p:pRg st="2" end="2"/>
-                                            </p:txEl>
-                                          </p:spTgt>
-                                        </p:tgtEl>
-                                        <p:attrNameLst>
-                                          <p:attrName>style.visibility</p:attrName>
-                                        </p:attrNameLst>
-                                      </p:cBhvr>
-                                      <p:to>
-                                        <p:strVal val="visible"/>
-                                      </p:to>
-                                    </p:set>
-                                    <p:animEffect transition="in" filter="fade">
-                                      <p:cBhvr>
-                                        <p:cTn id="22" dur="500"/>
-                                        <p:tgtEl>
-                                          <p:spTgt spid="7">
-                                            <p:txEl>
-                                              <p:pRg st="2" end="2"/>
-                                            </p:txEl>
-                                          </p:spTgt>
-                                        </p:tgtEl>
-                                      </p:cBhvr>
-                                    </p:animEffect>
-                                  </p:childTnLst>
-                                </p:cTn>
-                              </p:par>
-                            </p:childTnLst>
-                          </p:cTn>
-                        </p:par>
-                      </p:childTnLst>
-                    </p:cTn>
-                  </p:par>
-                  <p:par>
-                    <p:cTn id="23" fill="hold">
-                      <p:stCondLst>
-                        <p:cond delay="indefinite"/>
-                      </p:stCondLst>
-                      <p:childTnLst>
-                        <p:par>
-                          <p:cTn id="24" fill="hold">
-                            <p:stCondLst>
-                              <p:cond delay="0"/>
-                            </p:stCondLst>
-                            <p:childTnLst>
-                              <p:par>
-                                <p:cTn id="25" presetID="10" presetClass="entr" presetSubtype="0" fill="hold" grpId="0" nodeType="clickEffect">
-                                  <p:stCondLst>
-                                    <p:cond delay="0"/>
-                                  </p:stCondLst>
-                                  <p:childTnLst>
-                                    <p:set>
-                                      <p:cBhvr>
-                                        <p:cTn id="26" dur="1" fill="hold">
-                                          <p:stCondLst>
-                                            <p:cond delay="0"/>
-                                          </p:stCondLst>
-                                        </p:cTn>
-                                        <p:tgtEl>
-                                          <p:spTgt spid="7">
-                                            <p:txEl>
-                                              <p:pRg st="3" end="3"/>
-                                            </p:txEl>
-                                          </p:spTgt>
-                                        </p:tgtEl>
-                                        <p:attrNameLst>
-                                          <p:attrName>style.visibility</p:attrName>
-                                        </p:attrNameLst>
-                                      </p:cBhvr>
-                                      <p:to>
-                                        <p:strVal val="visible"/>
-                                      </p:to>
-                                    </p:set>
-                                    <p:animEffect transition="in" filter="fade">
-                                      <p:cBhvr>
-                                        <p:cTn id="27" dur="500"/>
-                                        <p:tgtEl>
-                                          <p:spTgt spid="7">
-                                            <p:txEl>
-                                              <p:pRg st="3" end="3"/>
-                                            </p:txEl>
-                                          </p:spTgt>
-                                        </p:tgtEl>
-                                      </p:cBhvr>
-                                    </p:animEffect>
-                                  </p:childTnLst>
-                                </p:cTn>
-                              </p:par>
-                            </p:childTnLst>
-                          </p:cTn>
-                        </p:par>
-                      </p:childTnLst>
-                    </p:cTn>
-                  </p:par>
-                  <p:par>
-                    <p:cTn id="28" fill="hold">
-                      <p:stCondLst>
-                        <p:cond delay="indefinite"/>
-                      </p:stCondLst>
-                      <p:childTnLst>
-                        <p:par>
-                          <p:cTn id="29" fill="hold">
-                            <p:stCondLst>
-                              <p:cond delay="0"/>
-                            </p:stCondLst>
-                            <p:childTnLst>
-                              <p:par>
-                                <p:cTn id="30" presetID="10" presetClass="entr" presetSubtype="0" fill="hold" grpId="0" nodeType="clickEffect">
-                                  <p:stCondLst>
-                                    <p:cond delay="0"/>
-                                  </p:stCondLst>
-                                  <p:childTnLst>
-                                    <p:set>
-                                      <p:cBhvr>
-                                        <p:cTn id="31" dur="1" fill="hold">
-                                          <p:stCondLst>
-                                            <p:cond delay="0"/>
-                                          </p:stCondLst>
-                                        </p:cTn>
-                                        <p:tgtEl>
-                                          <p:spTgt spid="7">
-                                            <p:txEl>
-                                              <p:pRg st="4" end="4"/>
-                                            </p:txEl>
-                                          </p:spTgt>
-                                        </p:tgtEl>
-                                        <p:attrNameLst>
-                                          <p:attrName>style.visibility</p:attrName>
-                                        </p:attrNameLst>
-                                      </p:cBhvr>
-                                      <p:to>
-                                        <p:strVal val="visible"/>
-                                      </p:to>
-                                    </p:set>
-                                    <p:animEffect transition="in" filter="fade">
-                                      <p:cBhvr>
-                                        <p:cTn id="32" dur="500"/>
-                                        <p:tgtEl>
-                                          <p:spTgt spid="7">
-                                            <p:txEl>
-                                              <p:pRg st="4" end="4"/>
-                                            </p:txEl>
-                                          </p:spTgt>
-                                        </p:tgtEl>
-                                      </p:cBhvr>
-                                    </p:animEffect>
-                                  </p:childTnLst>
-                                </p:cTn>
-                              </p:par>
-                            </p:childTnLst>
-                          </p:cTn>
-                        </p:par>
-                      </p:childTnLst>
-                    </p:cTn>
-                  </p:par>
-                  <p:par>
-                    <p:cTn id="33" fill="hold">
-                      <p:stCondLst>
-                        <p:cond delay="indefinite"/>
-                      </p:stCondLst>
-                      <p:childTnLst>
-                        <p:par>
-                          <p:cTn id="34" fill="hold">
-                            <p:stCondLst>
-                              <p:cond delay="0"/>
-                            </p:stCondLst>
-                            <p:childTnLst>
-                              <p:par>
-                                <p:cTn id="35" presetID="10" presetClass="entr" presetSubtype="0" fill="hold" grpId="0" nodeType="clickEffect">
-                                  <p:stCondLst>
-                                    <p:cond delay="0"/>
-                                  </p:stCondLst>
-                                  <p:childTnLst>
-                                    <p:set>
-                                      <p:cBhvr>
-                                        <p:cTn id="36" dur="1" fill="hold">
-                                          <p:stCondLst>
-                                            <p:cond delay="0"/>
-                                          </p:stCondLst>
-                                        </p:cTn>
-                                        <p:tgtEl>
-                                          <p:spTgt spid="8">
-                                            <p:txEl>
-                                              <p:pRg st="0" end="0"/>
-                                            </p:txEl>
-                                          </p:spTgt>
-                                        </p:tgtEl>
-                                        <p:attrNameLst>
-                                          <p:attrName>style.visibility</p:attrName>
-                                        </p:attrNameLst>
-                                      </p:cBhvr>
-                                      <p:to>
-                                        <p:strVal val="visible"/>
-                                      </p:to>
-                                    </p:set>
-                                    <p:animEffect transition="in" filter="fade">
-                                      <p:cBhvr>
-                                        <p:cTn id="37" dur="500"/>
-                                        <p:tgtEl>
-                                          <p:spTgt spid="8">
-                                            <p:txEl>
-                                              <p:pRg st="0" end="0"/>
-                                            </p:txEl>
-                                          </p:spTgt>
-                                        </p:tgtEl>
-                                      </p:cBhvr>
-                                    </p:animEffect>
-                                  </p:childTnLst>
-                                </p:cTn>
-                              </p:par>
-                            </p:childTnLst>
-                          </p:cTn>
-                        </p:par>
-                      </p:childTnLst>
-                    </p:cTn>
-                  </p:par>
-                  <p:par>
-                    <p:cTn id="38" fill="hold">
-                      <p:stCondLst>
-                        <p:cond delay="indefinite"/>
-                      </p:stCondLst>
-                      <p:childTnLst>
-                        <p:par>
-                          <p:cTn id="39" fill="hold">
-                            <p:stCondLst>
-                              <p:cond delay="0"/>
-                            </p:stCondLst>
-                            <p:childTnLst>
-                              <p:par>
-                                <p:cTn id="40" presetID="10" presetClass="entr" presetSubtype="0" fill="hold" grpId="0" nodeType="clickEffect">
-                                  <p:stCondLst>
-                                    <p:cond delay="0"/>
-                                  </p:stCondLst>
-                                  <p:childTnLst>
-                                    <p:set>
-                                      <p:cBhvr>
-                                        <p:cTn id="41" dur="1" fill="hold">
-                                          <p:stCondLst>
-                                            <p:cond delay="0"/>
-                                          </p:stCondLst>
-                                        </p:cTn>
-                                        <p:tgtEl>
-                                          <p:spTgt spid="8">
-                                            <p:txEl>
-                                              <p:pRg st="1" end="1"/>
-                                            </p:txEl>
-                                          </p:spTgt>
-                                        </p:tgtEl>
-                                        <p:attrNameLst>
-                                          <p:attrName>style.visibility</p:attrName>
-                                        </p:attrNameLst>
-                                      </p:cBhvr>
-                                      <p:to>
-                                        <p:strVal val="visible"/>
-                                      </p:to>
-                                    </p:set>
-                                    <p:animEffect transition="in" filter="fade">
-                                      <p:cBhvr>
-                                        <p:cTn id="42" dur="500"/>
-                                        <p:tgtEl>
-                                          <p:spTgt spid="8">
-                                            <p:txEl>
-                                              <p:pRg st="1" end="1"/>
-                                            </p:txEl>
-                                          </p:spTgt>
-                                        </p:tgtEl>
-                                      </p:cBhvr>
-                                    </p:animEffect>
-                                  </p:childTnLst>
-                                </p:cTn>
-                              </p:par>
-                            </p:childTnLst>
-                          </p:cTn>
-                        </p:par>
-                      </p:childTnLst>
-                    </p:cTn>
-                  </p:par>
-                  <p:par>
-                    <p:cTn id="43" fill="hold">
-                      <p:stCondLst>
-                        <p:cond delay="indefinite"/>
-                      </p:stCondLst>
-                      <p:childTnLst>
-                        <p:par>
-                          <p:cTn id="44" fill="hold">
-                            <p:stCondLst>
-                              <p:cond delay="0"/>
-                            </p:stCondLst>
-                            <p:childTnLst>
-                              <p:par>
-                                <p:cTn id="45" presetID="10" presetClass="entr" presetSubtype="0" fill="hold" grpId="0" nodeType="clickEffect">
-                                  <p:stCondLst>
-                                    <p:cond delay="0"/>
-                                  </p:stCondLst>
-                                  <p:childTnLst>
-                                    <p:set>
-                                      <p:cBhvr>
-                                        <p:cTn id="46" dur="1" fill="hold">
-                                          <p:stCondLst>
-                                            <p:cond delay="0"/>
-                                          </p:stCondLst>
-                                        </p:cTn>
-                                        <p:tgtEl>
-                                          <p:spTgt spid="8">
-                                            <p:txEl>
-                                              <p:pRg st="2" end="2"/>
-                                            </p:txEl>
-                                          </p:spTgt>
-                                        </p:tgtEl>
-                                        <p:attrNameLst>
-                                          <p:attrName>style.visibility</p:attrName>
-                                        </p:attrNameLst>
-                                      </p:cBhvr>
-                                      <p:to>
-                                        <p:strVal val="visible"/>
-                                      </p:to>
-                                    </p:set>
-                                    <p:animEffect transition="in" filter="fade">
-                                      <p:cBhvr>
-                                        <p:cTn id="47" dur="500"/>
-                                        <p:tgtEl>
-                                          <p:spTgt spid="8">
-                                            <p:txEl>
-                                              <p:pRg st="2" end="2"/>
-                                            </p:txEl>
-                                          </p:spTgt>
-                                        </p:tgtEl>
-                                      </p:cBhvr>
-                                    </p:animEffect>
-                                  </p:childTnLst>
-                                </p:cTn>
-                              </p:par>
-                            </p:childTnLst>
-                          </p:cTn>
-                        </p:par>
-                      </p:childTnLst>
-                    </p:cTn>
-                  </p:par>
-                  <p:par>
-                    <p:cTn id="48" fill="hold">
-                      <p:stCondLst>
-                        <p:cond delay="indefinite"/>
-                      </p:stCondLst>
-                      <p:childTnLst>
-                        <p:par>
-                          <p:cTn id="49" fill="hold">
-                            <p:stCondLst>
-                              <p:cond delay="0"/>
-                            </p:stCondLst>
-                            <p:childTnLst>
-                              <p:par>
-                                <p:cTn id="50" presetID="10" presetClass="entr" presetSubtype="0" fill="hold" grpId="0" nodeType="clickEffect">
-                                  <p:stCondLst>
-                                    <p:cond delay="0"/>
-                                  </p:stCondLst>
-                                  <p:childTnLst>
-                                    <p:set>
-                                      <p:cBhvr>
-                                        <p:cTn id="51" dur="1" fill="hold">
-                                          <p:stCondLst>
-                                            <p:cond delay="0"/>
-                                          </p:stCondLst>
-                                        </p:cTn>
-                                        <p:tgtEl>
-                                          <p:spTgt spid="8">
-                                            <p:txEl>
-                                              <p:pRg st="3" end="3"/>
-                                            </p:txEl>
-                                          </p:spTgt>
-                                        </p:tgtEl>
-                                        <p:attrNameLst>
-                                          <p:attrName>style.visibility</p:attrName>
-                                        </p:attrNameLst>
-                                      </p:cBhvr>
-                                      <p:to>
-                                        <p:strVal val="visible"/>
-                                      </p:to>
-                                    </p:set>
-                                    <p:animEffect transition="in" filter="fade">
-                                      <p:cBhvr>
-                                        <p:cTn id="52" dur="500"/>
-                                        <p:tgtEl>
-                                          <p:spTgt spid="8">
-                                            <p:txEl>
-                                              <p:pRg st="3" end="3"/>
-                                            </p:txEl>
-                                          </p:spTgt>
-                                        </p:tgtEl>
-                                      </p:cBhvr>
-                                    </p:animEffect>
-                                  </p:childTnLst>
-                                </p:cTn>
-                              </p:par>
-                            </p:childTnLst>
-                          </p:cTn>
-                        </p:par>
-                      </p:childTnLst>
-                    </p:cTn>
-                  </p:par>
-                  <p:par>
-                    <p:cTn id="53" fill="hold">
-                      <p:stCondLst>
-                        <p:cond delay="indefinite"/>
-                      </p:stCondLst>
-                      <p:childTnLst>
-                        <p:par>
-                          <p:cTn id="54" fill="hold">
-                            <p:stCondLst>
-                              <p:cond delay="0"/>
-                            </p:stCondLst>
-                            <p:childTnLst>
-                              <p:par>
-                                <p:cTn id="55" presetID="42" presetClass="entr" presetSubtype="0" fill="hold" nodeType="clickEffect">
-                                  <p:stCondLst>
-                                    <p:cond delay="0"/>
-                                  </p:stCondLst>
-                                  <p:childTnLst>
-                                    <p:set>
-                                      <p:cBhvr>
-                                        <p:cTn id="56" dur="1" fill="hold">
+                                        <p:cTn id="17" dur="1" fill="hold">
                                           <p:stCondLst>
                                             <p:cond delay="0"/>
                                           </p:stCondLst>
@@ -27701,88 +26041,24 @@
                                     </p:set>
                                     <p:animEffect transition="in" filter="fade">
                                       <p:cBhvr>
-                                        <p:cTn id="57" dur="1000"/>
+                                        <p:cTn id="18" dur="500"/>
                                         <p:tgtEl>
                                           <p:spTgt spid="1026"/>
                                         </p:tgtEl>
                                       </p:cBhvr>
                                     </p:animEffect>
-                                    <p:anim calcmode="lin" valueType="num">
-                                      <p:cBhvr>
-                                        <p:cTn id="58" dur="1000" fill="hold"/>
-                                        <p:tgtEl>
-                                          <p:spTgt spid="1026"/>
-                                        </p:tgtEl>
-                                        <p:attrNameLst>
-                                          <p:attrName>ppt_x</p:attrName>
-                                        </p:attrNameLst>
-                                      </p:cBhvr>
-                                      <p:tavLst>
-                                        <p:tav tm="0">
-                                          <p:val>
-                                            <p:strVal val="#ppt_x"/>
-                                          </p:val>
-                                        </p:tav>
-                                        <p:tav tm="100000">
-                                          <p:val>
-                                            <p:strVal val="#ppt_x"/>
-                                          </p:val>
-                                        </p:tav>
-                                      </p:tavLst>
-                                    </p:anim>
-                                    <p:anim calcmode="lin" valueType="num">
-                                      <p:cBhvr>
-                                        <p:cTn id="59" dur="1000" fill="hold"/>
-                                        <p:tgtEl>
-                                          <p:spTgt spid="1026"/>
-                                        </p:tgtEl>
-                                        <p:attrNameLst>
-                                          <p:attrName>ppt_y</p:attrName>
-                                        </p:attrNameLst>
-                                      </p:cBhvr>
-                                      <p:tavLst>
-                                        <p:tav tm="0">
-                                          <p:val>
-                                            <p:strVal val="#ppt_y+.1"/>
-                                          </p:val>
-                                        </p:tav>
-                                        <p:tav tm="100000">
-                                          <p:val>
-                                            <p:strVal val="#ppt_y"/>
-                                          </p:val>
-                                        </p:tav>
-                                      </p:tavLst>
-                                    </p:anim>
                                   </p:childTnLst>
                                 </p:cTn>
                               </p:par>
-                            </p:childTnLst>
-                          </p:cTn>
-                        </p:par>
-                      </p:childTnLst>
-                    </p:cTn>
-                  </p:par>
-                  <p:par>
-                    <p:cTn id="60" fill="hold">
-                      <p:stCondLst>
-                        <p:cond delay="indefinite"/>
-                      </p:stCondLst>
-                      <p:childTnLst>
-                        <p:par>
-                          <p:cTn id="61" fill="hold">
-                            <p:stCondLst>
-                              <p:cond delay="0"/>
-                            </p:stCondLst>
-                            <p:childTnLst>
                               <p:par>
-                                <p:cTn id="62" presetID="10" presetClass="entr" presetSubtype="0" fill="hold" grpId="0" nodeType="clickEffect">
+                                <p:cTn id="19" presetID="10" presetClass="entr" presetSubtype="0" fill="hold" grpId="0" nodeType="withEffect">
                                   <p:stCondLst>
                                     <p:cond delay="0"/>
                                   </p:stCondLst>
                                   <p:childTnLst>
                                     <p:set>
                                       <p:cBhvr>
-                                        <p:cTn id="63" dur="1" fill="hold">
+                                        <p:cTn id="20" dur="1" fill="hold">
                                           <p:stCondLst>
                                             <p:cond delay="0"/>
                                           </p:stCondLst>
@@ -27800,9 +26076,44 @@
                                     </p:set>
                                     <p:animEffect transition="in" filter="fade">
                                       <p:cBhvr>
-                                        <p:cTn id="64" dur="500"/>
+                                        <p:cTn id="21" dur="500"/>
                                         <p:tgtEl>
                                           <p:spTgt spid="5"/>
+                                        </p:tgtEl>
+                                      </p:cBhvr>
+                                    </p:animEffect>
+                                  </p:childTnLst>
+                                </p:cTn>
+                              </p:par>
+                              <p:par>
+                                <p:cTn id="22" presetID="10" presetClass="entr" presetSubtype="0" fill="hold" grpId="0" nodeType="withEffect">
+                                  <p:stCondLst>
+                                    <p:cond delay="0"/>
+                                  </p:stCondLst>
+                                  <p:childTnLst>
+                                    <p:set>
+                                      <p:cBhvr>
+                                        <p:cTn id="23" dur="1" fill="hold">
+                                          <p:stCondLst>
+                                            <p:cond delay="0"/>
+                                          </p:stCondLst>
+                                        </p:cTn>
+                                        <p:tgtEl>
+                                          <p:spTgt spid="2"/>
+                                        </p:tgtEl>
+                                        <p:attrNameLst>
+                                          <p:attrName>style.visibility</p:attrName>
+                                        </p:attrNameLst>
+                                      </p:cBhvr>
+                                      <p:to>
+                                        <p:strVal val="visible"/>
+                                      </p:to>
+                                    </p:set>
+                                    <p:animEffect transition="in" filter="fade">
+                                      <p:cBhvr>
+                                        <p:cTn id="24" dur="500"/>
+                                        <p:tgtEl>
+                                          <p:spTgt spid="2"/>
                                         </p:tgtEl>
                                       </p:cBhvr>
                                     </p:animEffect>
@@ -27816,36 +26127,32 @@
                     </p:cTn>
                   </p:par>
                   <p:par>
-                    <p:cTn id="65" fill="hold">
+                    <p:cTn id="25" fill="hold">
                       <p:stCondLst>
                         <p:cond delay="indefinite"/>
                       </p:stCondLst>
                       <p:childTnLst>
                         <p:par>
-                          <p:cTn id="66" fill="hold">
+                          <p:cTn id="26" fill="hold">
                             <p:stCondLst>
                               <p:cond delay="0"/>
                             </p:stCondLst>
                             <p:childTnLst>
                               <p:par>
-                                <p:cTn id="67" presetID="10" presetClass="entr" presetSubtype="0" fill="hold" grpId="0" nodeType="clickEffect">
+                                <p:cTn id="27" presetID="10" presetClass="entr" presetSubtype="0" fill="hold" grpId="0" nodeType="clickEffect">
                                   <p:stCondLst>
                                     <p:cond delay="0"/>
                                   </p:stCondLst>
                                   <p:childTnLst>
                                     <p:set>
                                       <p:cBhvr>
-                                        <p:cTn id="68" dur="1" fill="hold">
+                                        <p:cTn id="28" dur="1" fill="hold">
                                           <p:stCondLst>
                                             <p:cond delay="0"/>
                                           </p:stCondLst>
                                         </p:cTn>
                                         <p:tgtEl>
-                                          <p:spTgt spid="2">
-                                            <p:txEl>
-                                              <p:pRg st="0" end="0"/>
-                                            </p:txEl>
-                                          </p:spTgt>
+                                          <p:spTgt spid="9"/>
                                         </p:tgtEl>
                                         <p:attrNameLst>
                                           <p:attrName>style.visibility</p:attrName>
@@ -27857,107 +26164,24 @@
                                     </p:set>
                                     <p:animEffect transition="in" filter="fade">
                                       <p:cBhvr>
-                                        <p:cTn id="69" dur="500"/>
+                                        <p:cTn id="29" dur="500"/>
                                         <p:tgtEl>
-                                          <p:spTgt spid="2">
-                                            <p:txEl>
-                                              <p:pRg st="0" end="0"/>
-                                            </p:txEl>
-                                          </p:spTgt>
+                                          <p:spTgt spid="9"/>
                                         </p:tgtEl>
                                       </p:cBhvr>
                                     </p:animEffect>
                                   </p:childTnLst>
                                 </p:cTn>
                               </p:par>
-                            </p:childTnLst>
-                          </p:cTn>
-                        </p:par>
-                      </p:childTnLst>
-                    </p:cTn>
-                  </p:par>
-                  <p:par>
-                    <p:cTn id="70" fill="hold">
-                      <p:stCondLst>
-                        <p:cond delay="indefinite"/>
-                      </p:stCondLst>
-                      <p:childTnLst>
-                        <p:par>
-                          <p:cTn id="71" fill="hold">
-                            <p:stCondLst>
-                              <p:cond delay="0"/>
-                            </p:stCondLst>
-                            <p:childTnLst>
                               <p:par>
-                                <p:cTn id="72" presetID="10" presetClass="entr" presetSubtype="0" fill="hold" grpId="0" nodeType="clickEffect">
+                                <p:cTn id="30" presetID="10" presetClass="entr" presetSubtype="0" fill="hold" grpId="0" nodeType="withEffect">
                                   <p:stCondLst>
                                     <p:cond delay="0"/>
                                   </p:stCondLst>
                                   <p:childTnLst>
                                     <p:set>
                                       <p:cBhvr>
-                                        <p:cTn id="73" dur="1" fill="hold">
-                                          <p:stCondLst>
-                                            <p:cond delay="0"/>
-                                          </p:stCondLst>
-                                        </p:cTn>
-                                        <p:tgtEl>
-                                          <p:spTgt spid="2">
-                                            <p:txEl>
-                                              <p:pRg st="1" end="1"/>
-                                            </p:txEl>
-                                          </p:spTgt>
-                                        </p:tgtEl>
-                                        <p:attrNameLst>
-                                          <p:attrName>style.visibility</p:attrName>
-                                        </p:attrNameLst>
-                                      </p:cBhvr>
-                                      <p:to>
-                                        <p:strVal val="visible"/>
-                                      </p:to>
-                                    </p:set>
-                                    <p:animEffect transition="in" filter="fade">
-                                      <p:cBhvr>
-                                        <p:cTn id="74" dur="500"/>
-                                        <p:tgtEl>
-                                          <p:spTgt spid="2">
-                                            <p:txEl>
-                                              <p:pRg st="1" end="1"/>
-                                            </p:txEl>
-                                          </p:spTgt>
-                                        </p:tgtEl>
-                                      </p:cBhvr>
-                                    </p:animEffect>
-                                  </p:childTnLst>
-                                </p:cTn>
-                              </p:par>
-                            </p:childTnLst>
-                          </p:cTn>
-                        </p:par>
-                      </p:childTnLst>
-                    </p:cTn>
-                  </p:par>
-                  <p:par>
-                    <p:cTn id="75" fill="hold">
-                      <p:stCondLst>
-                        <p:cond delay="indefinite"/>
-                      </p:stCondLst>
-                      <p:childTnLst>
-                        <p:par>
-                          <p:cTn id="76" fill="hold">
-                            <p:stCondLst>
-                              <p:cond delay="0"/>
-                            </p:stCondLst>
-                            <p:childTnLst>
-                              <p:par>
-                                <p:cTn id="77" presetID="10" presetClass="entr" presetSubtype="0" fill="hold" grpId="0" nodeType="clickEffect">
-                                  <p:stCondLst>
-                                    <p:cond delay="0"/>
-                                  </p:stCondLst>
-                                  <p:childTnLst>
-                                    <p:set>
-                                      <p:cBhvr>
-                                        <p:cTn id="78" dur="1" fill="hold">
+                                        <p:cTn id="31" dur="1" fill="hold">
                                           <p:stCondLst>
                                             <p:cond delay="0"/>
                                           </p:stCondLst>
@@ -27975,7 +26199,7 @@
                                     </p:set>
                                     <p:animEffect transition="in" filter="fade">
                                       <p:cBhvr>
-                                        <p:cTn id="79" dur="500"/>
+                                        <p:cTn id="32" dur="500"/>
                                         <p:tgtEl>
                                           <p:spTgt spid="12"/>
                                         </p:tgtEl>
@@ -27984,86 +26208,15 @@
                                   </p:childTnLst>
                                 </p:cTn>
                               </p:par>
-                            </p:childTnLst>
-                          </p:cTn>
-                        </p:par>
-                      </p:childTnLst>
-                    </p:cTn>
-                  </p:par>
-                  <p:par>
-                    <p:cTn id="80" fill="hold">
-                      <p:stCondLst>
-                        <p:cond delay="indefinite"/>
-                      </p:stCondLst>
-                      <p:childTnLst>
-                        <p:par>
-                          <p:cTn id="81" fill="hold">
-                            <p:stCondLst>
-                              <p:cond delay="0"/>
-                            </p:stCondLst>
-                            <p:childTnLst>
                               <p:par>
-                                <p:cTn id="82" presetID="10" presetClass="entr" presetSubtype="0" fill="hold" grpId="0" nodeType="clickEffect">
+                                <p:cTn id="33" presetID="10" presetClass="entr" presetSubtype="0" fill="hold" grpId="0" nodeType="withEffect">
                                   <p:stCondLst>
                                     <p:cond delay="0"/>
                                   </p:stCondLst>
                                   <p:childTnLst>
                                     <p:set>
                                       <p:cBhvr>
-                                        <p:cTn id="83" dur="1" fill="hold">
-                                          <p:stCondLst>
-                                            <p:cond delay="0"/>
-                                          </p:stCondLst>
-                                        </p:cTn>
-                                        <p:tgtEl>
-                                          <p:spTgt spid="9"/>
-                                        </p:tgtEl>
-                                        <p:attrNameLst>
-                                          <p:attrName>style.visibility</p:attrName>
-                                        </p:attrNameLst>
-                                      </p:cBhvr>
-                                      <p:to>
-                                        <p:strVal val="visible"/>
-                                      </p:to>
-                                    </p:set>
-                                    <p:animEffect transition="in" filter="fade">
-                                      <p:cBhvr>
-                                        <p:cTn id="84" dur="500"/>
-                                        <p:tgtEl>
-                                          <p:spTgt spid="9"/>
-                                        </p:tgtEl>
-                                      </p:cBhvr>
-                                    </p:animEffect>
-                                  </p:childTnLst>
-                                </p:cTn>
-                              </p:par>
-                            </p:childTnLst>
-                          </p:cTn>
-                        </p:par>
-                      </p:childTnLst>
-                    </p:cTn>
-                  </p:par>
-                  <p:par>
-                    <p:cTn id="85" fill="hold">
-                      <p:stCondLst>
-                        <p:cond delay="indefinite"/>
-                      </p:stCondLst>
-                      <p:childTnLst>
-                        <p:par>
-                          <p:cTn id="86" fill="hold">
-                            <p:stCondLst>
-                              <p:cond delay="0"/>
-                            </p:stCondLst>
-                            <p:childTnLst>
-                              <p:par>
-                                <p:cTn id="87" presetID="10" presetClass="entr" presetSubtype="0" fill="hold" grpId="0" nodeType="clickEffect">
-                                  <p:stCondLst>
-                                    <p:cond delay="0"/>
-                                  </p:stCondLst>
-                                  <p:childTnLst>
-                                    <p:set>
-                                      <p:cBhvr>
-                                        <p:cTn id="88" dur="1" fill="hold">
+                                        <p:cTn id="34" dur="1" fill="hold">
                                           <p:stCondLst>
                                             <p:cond delay="0"/>
                                           </p:stCondLst>
@@ -28081,7 +26234,7 @@
                                     </p:set>
                                     <p:animEffect transition="in" filter="fade">
                                       <p:cBhvr>
-                                        <p:cTn id="89" dur="500"/>
+                                        <p:cTn id="35" dur="500"/>
                                         <p:tgtEl>
                                           <p:spTgt spid="11"/>
                                         </p:tgtEl>
@@ -28118,11 +26271,11 @@
       </p:par>
     </p:tnLst>
     <p:bldLst>
-      <p:bldP spid="2" grpId="0" build="p"/>
+      <p:bldP spid="2" grpId="0"/>
       <p:bldP spid="5" grpId="0"/>
       <p:bldP spid="6" grpId="0"/>
-      <p:bldP spid="7" grpId="0" build="p"/>
-      <p:bldP spid="8" grpId="0" build="p"/>
+      <p:bldP spid="7" grpId="0"/>
+      <p:bldP spid="8" grpId="0"/>
       <p:bldP spid="9" grpId="0"/>
       <p:bldP spid="11" grpId="0"/>
       <p:bldP spid="12" grpId="0"/>
@@ -28229,8 +26382,8 @@
         </p:blipFill>
         <p:spPr>
           <a:xfrm>
-            <a:off x="367516" y="1437904"/>
-            <a:ext cx="3403306" cy="2469596"/>
+            <a:off x="807823" y="4190503"/>
+            <a:ext cx="3301690" cy="2395859"/>
           </a:xfrm>
           <a:prstGeom prst="rect">
             <a:avLst/>
@@ -28323,7 +26476,7 @@
         </p:nvSpPr>
         <p:spPr>
           <a:xfrm>
-            <a:off x="323528" y="1173087"/>
+            <a:off x="662219" y="3851950"/>
             <a:ext cx="3158237" cy="338554"/>
           </a:xfrm>
           <a:prstGeom prst="rect">
@@ -28457,8 +26610,8 @@
         </p:nvSpPr>
         <p:spPr>
           <a:xfrm>
-            <a:off x="1035314" y="4250063"/>
-            <a:ext cx="3131840" cy="1709488"/>
+            <a:off x="370448" y="2132856"/>
+            <a:ext cx="4201552" cy="1368152"/>
           </a:xfrm>
           <a:prstGeom prst="rect">
             <a:avLst/>
@@ -28664,15 +26817,7 @@
             </a:r>
             <a:r>
               <a:rPr lang="en-US" sz="1800" dirty="0"/>
-              <a:t> </a:t>
-            </a:r>
-            <a:r>
-              <a:rPr lang="en-US" sz="1800" dirty="0" err="1"/>
-              <a:t>i</a:t>
-            </a:r>
-            <a:r>
-              <a:rPr lang="en-US" sz="1800" dirty="0"/>
-              <a:t> tempi sono:</a:t>
+              <a:t> i tempi sono:</a:t>
             </a:r>
           </a:p>
           <a:p>
@@ -28688,7 +26833,23 @@
           <a:p>
             <a:r>
               <a:rPr lang="en-US" sz="1800" dirty="0"/>
-              <a:t>R</a:t>
+              <a:t>R (</a:t>
+            </a:r>
+            <a:r>
+              <a:rPr lang="en-US" sz="1800" dirty="0" err="1"/>
+              <a:t>raggio</a:t>
+            </a:r>
+            <a:r>
+              <a:rPr lang="en-US" sz="1800" dirty="0"/>
+              <a:t> </a:t>
+            </a:r>
+            <a:r>
+              <a:rPr lang="en-US" sz="1800" dirty="0" err="1"/>
+              <a:t>spaziale</a:t>
+            </a:r>
+            <a:r>
+              <a:rPr lang="en-US" sz="1800" dirty="0"/>
+              <a:t>)</a:t>
             </a:r>
             <a:endParaRPr lang="it-IT" sz="1800" dirty="0"/>
           </a:p>
@@ -28790,6 +26951,216 @@
           </a:p>
         </p:txBody>
       </p:sp>
+      <p:sp>
+        <p:nvSpPr>
+          <p:cNvPr id="16" name="Segnaposto contenuto 1">
+            <a:extLst>
+              <a:ext uri="{FF2B5EF4-FFF2-40B4-BE49-F238E27FC236}">
+                <a16:creationId xmlns:a16="http://schemas.microsoft.com/office/drawing/2014/main" id="{FAB9E694-33EE-4063-8BB8-25BE8DE806B4}"/>
+              </a:ext>
+            </a:extLst>
+          </p:cNvPr>
+          <p:cNvSpPr txBox="1">
+            <a:spLocks/>
+          </p:cNvSpPr>
+          <p:nvPr/>
+        </p:nvSpPr>
+        <p:spPr>
+          <a:xfrm>
+            <a:off x="370448" y="1599160"/>
+            <a:ext cx="4201552" cy="358225"/>
+          </a:xfrm>
+          <a:prstGeom prst="rect">
+            <a:avLst/>
+          </a:prstGeom>
+        </p:spPr>
+        <p:txBody>
+          <a:bodyPr vert="horz">
+            <a:normAutofit lnSpcReduction="10000"/>
+          </a:bodyPr>
+          <a:lstStyle>
+            <a:lvl1pPr marL="365760" indent="-256032" algn="l" rtl="0" eaLnBrk="1" latinLnBrk="0" hangingPunct="1">
+              <a:spcBef>
+                <a:spcPts val="400"/>
+              </a:spcBef>
+              <a:spcAft>
+                <a:spcPts val="0"/>
+              </a:spcAft>
+              <a:buClr>
+                <a:schemeClr val="accent1"/>
+              </a:buClr>
+              <a:buSzPct val="68000"/>
+              <a:buFont typeface="Wingdings 3"/>
+              <a:buChar char=""/>
+              <a:defRPr kumimoji="0" sz="2700" kern="1200">
+                <a:solidFill>
+                  <a:schemeClr val="tx1"/>
+                </a:solidFill>
+                <a:latin typeface="+mn-lt"/>
+                <a:ea typeface="+mn-ea"/>
+                <a:cs typeface="+mn-cs"/>
+              </a:defRPr>
+            </a:lvl1pPr>
+            <a:lvl2pPr marL="621792" indent="-228600" algn="l" rtl="0" eaLnBrk="1" latinLnBrk="0" hangingPunct="1">
+              <a:spcBef>
+                <a:spcPts val="324"/>
+              </a:spcBef>
+              <a:buClr>
+                <a:schemeClr val="accent1"/>
+              </a:buClr>
+              <a:buFont typeface="Verdana"/>
+              <a:buChar char="◦"/>
+              <a:defRPr kumimoji="0" sz="2300" kern="1200">
+                <a:solidFill>
+                  <a:schemeClr val="tx1"/>
+                </a:solidFill>
+                <a:latin typeface="+mn-lt"/>
+                <a:ea typeface="+mn-ea"/>
+                <a:cs typeface="+mn-cs"/>
+              </a:defRPr>
+            </a:lvl2pPr>
+            <a:lvl3pPr marL="859536" indent="-228600" algn="l" rtl="0" eaLnBrk="1" latinLnBrk="0" hangingPunct="1">
+              <a:spcBef>
+                <a:spcPts val="350"/>
+              </a:spcBef>
+              <a:buClr>
+                <a:schemeClr val="accent2"/>
+              </a:buClr>
+              <a:buSzPct val="100000"/>
+              <a:buFont typeface="Wingdings 2"/>
+              <a:buChar char=""/>
+              <a:defRPr kumimoji="0" sz="2100" kern="1200">
+                <a:solidFill>
+                  <a:schemeClr val="tx1"/>
+                </a:solidFill>
+                <a:latin typeface="+mn-lt"/>
+                <a:ea typeface="+mn-ea"/>
+                <a:cs typeface="+mn-cs"/>
+              </a:defRPr>
+            </a:lvl3pPr>
+            <a:lvl4pPr marL="1143000" indent="-228600" algn="l" rtl="0" eaLnBrk="1" latinLnBrk="0" hangingPunct="1">
+              <a:spcBef>
+                <a:spcPts val="350"/>
+              </a:spcBef>
+              <a:buClr>
+                <a:schemeClr val="accent2"/>
+              </a:buClr>
+              <a:buFont typeface="Wingdings 2"/>
+              <a:buChar char=""/>
+              <a:defRPr kumimoji="0" sz="1900" kern="1200">
+                <a:solidFill>
+                  <a:schemeClr val="tx1"/>
+                </a:solidFill>
+                <a:latin typeface="+mn-lt"/>
+                <a:ea typeface="+mn-ea"/>
+                <a:cs typeface="+mn-cs"/>
+              </a:defRPr>
+            </a:lvl4pPr>
+            <a:lvl5pPr marL="1371600" indent="-228600" algn="l" rtl="0" eaLnBrk="1" latinLnBrk="0" hangingPunct="1">
+              <a:spcBef>
+                <a:spcPts val="350"/>
+              </a:spcBef>
+              <a:buClr>
+                <a:schemeClr val="accent2"/>
+              </a:buClr>
+              <a:buFont typeface="Wingdings 2"/>
+              <a:buChar char=""/>
+              <a:defRPr kumimoji="0" sz="1800" kern="1200">
+                <a:solidFill>
+                  <a:schemeClr val="tx1"/>
+                </a:solidFill>
+                <a:latin typeface="+mn-lt"/>
+                <a:ea typeface="+mn-ea"/>
+                <a:cs typeface="+mn-cs"/>
+              </a:defRPr>
+            </a:lvl5pPr>
+            <a:lvl6pPr marL="1600200" indent="-228600" algn="l" rtl="0" eaLnBrk="1" latinLnBrk="0" hangingPunct="1">
+              <a:spcBef>
+                <a:spcPts val="350"/>
+              </a:spcBef>
+              <a:buClr>
+                <a:schemeClr val="accent3"/>
+              </a:buClr>
+              <a:buFont typeface="Wingdings 2"/>
+              <a:buChar char=""/>
+              <a:defRPr kumimoji="0" sz="1800" kern="1200">
+                <a:solidFill>
+                  <a:schemeClr val="tx1"/>
+                </a:solidFill>
+                <a:latin typeface="+mn-lt"/>
+                <a:ea typeface="+mn-ea"/>
+                <a:cs typeface="+mn-cs"/>
+              </a:defRPr>
+            </a:lvl6pPr>
+            <a:lvl7pPr marL="1828800" indent="-228600" algn="l" rtl="0" eaLnBrk="1" latinLnBrk="0" hangingPunct="1">
+              <a:spcBef>
+                <a:spcPts val="350"/>
+              </a:spcBef>
+              <a:buClr>
+                <a:schemeClr val="accent3"/>
+              </a:buClr>
+              <a:buFont typeface="Wingdings 2"/>
+              <a:buChar char=""/>
+              <a:defRPr kumimoji="0" sz="1600" kern="1200">
+                <a:solidFill>
+                  <a:schemeClr val="tx1"/>
+                </a:solidFill>
+                <a:latin typeface="+mn-lt"/>
+                <a:ea typeface="+mn-ea"/>
+                <a:cs typeface="+mn-cs"/>
+              </a:defRPr>
+            </a:lvl7pPr>
+            <a:lvl8pPr marL="2057400" indent="-228600" algn="l" rtl="0" eaLnBrk="1" latinLnBrk="0" hangingPunct="1">
+              <a:spcBef>
+                <a:spcPts val="350"/>
+              </a:spcBef>
+              <a:buClr>
+                <a:schemeClr val="accent3"/>
+              </a:buClr>
+              <a:buFont typeface="Wingdings 2"/>
+              <a:buChar char=""/>
+              <a:defRPr kumimoji="0" sz="1600" kern="1200">
+                <a:solidFill>
+                  <a:schemeClr val="tx1"/>
+                </a:solidFill>
+                <a:latin typeface="+mn-lt"/>
+                <a:ea typeface="+mn-ea"/>
+                <a:cs typeface="+mn-cs"/>
+              </a:defRPr>
+            </a:lvl8pPr>
+            <a:lvl9pPr marL="2286000" indent="-228600" algn="l" rtl="0" eaLnBrk="1" latinLnBrk="0" hangingPunct="1">
+              <a:spcBef>
+                <a:spcPts val="350"/>
+              </a:spcBef>
+              <a:buClr>
+                <a:schemeClr val="accent3"/>
+              </a:buClr>
+              <a:buFont typeface="Wingdings 2"/>
+              <a:buChar char=""/>
+              <a:defRPr kumimoji="0" sz="1600" kern="1200" baseline="0">
+                <a:solidFill>
+                  <a:schemeClr val="tx1"/>
+                </a:solidFill>
+                <a:latin typeface="+mn-lt"/>
+                <a:ea typeface="+mn-ea"/>
+                <a:cs typeface="+mn-cs"/>
+              </a:defRPr>
+            </a:lvl9pPr>
+            <a:extLst/>
+          </a:lstStyle>
+          <a:p>
+            <a:r>
+              <a:rPr lang="en-US" sz="1800" dirty="0" err="1"/>
+              <a:t>Effettuati</a:t>
+            </a:r>
+            <a:r>
+              <a:rPr lang="en-US" sz="1800" dirty="0"/>
+              <a:t> 48 test</a:t>
+            </a:r>
+            <a:endParaRPr lang="it-IT" sz="1800" dirty="0"/>
+          </a:p>
+        </p:txBody>
+      </p:sp>
     </p:spTree>
     <p:extLst>
       <p:ext uri="{BB962C8B-B14F-4D97-AF65-F5344CB8AC3E}">
@@ -28834,7 +27205,7 @@
                                           </p:stCondLst>
                                         </p:cTn>
                                         <p:tgtEl>
-                                          <p:spTgt spid="12"/>
+                                          <p:spTgt spid="16"/>
                                         </p:tgtEl>
                                         <p:attrNameLst>
                                           <p:attrName>style.visibility</p:attrName>
@@ -28848,6 +27219,199 @@
                                       <p:cBhvr>
                                         <p:cTn id="7" dur="500"/>
                                         <p:tgtEl>
+                                          <p:spTgt spid="16"/>
+                                        </p:tgtEl>
+                                      </p:cBhvr>
+                                    </p:animEffect>
+                                  </p:childTnLst>
+                                </p:cTn>
+                              </p:par>
+                            </p:childTnLst>
+                          </p:cTn>
+                        </p:par>
+                      </p:childTnLst>
+                    </p:cTn>
+                  </p:par>
+                  <p:par>
+                    <p:cTn id="8" fill="hold">
+                      <p:stCondLst>
+                        <p:cond delay="indefinite"/>
+                      </p:stCondLst>
+                      <p:childTnLst>
+                        <p:par>
+                          <p:cTn id="9" fill="hold">
+                            <p:stCondLst>
+                              <p:cond delay="0"/>
+                            </p:stCondLst>
+                            <p:childTnLst>
+                              <p:par>
+                                <p:cTn id="10" presetID="10" presetClass="entr" presetSubtype="0" fill="hold" grpId="0" nodeType="clickEffect">
+                                  <p:stCondLst>
+                                    <p:cond delay="0"/>
+                                  </p:stCondLst>
+                                  <p:childTnLst>
+                                    <p:set>
+                                      <p:cBhvr>
+                                        <p:cTn id="11" dur="1" fill="hold">
+                                          <p:stCondLst>
+                                            <p:cond delay="0"/>
+                                          </p:stCondLst>
+                                        </p:cTn>
+                                        <p:tgtEl>
+                                          <p:spTgt spid="14"/>
+                                        </p:tgtEl>
+                                        <p:attrNameLst>
+                                          <p:attrName>style.visibility</p:attrName>
+                                        </p:attrNameLst>
+                                      </p:cBhvr>
+                                      <p:to>
+                                        <p:strVal val="visible"/>
+                                      </p:to>
+                                    </p:set>
+                                    <p:animEffect transition="in" filter="fade">
+                                      <p:cBhvr>
+                                        <p:cTn id="12" dur="500"/>
+                                        <p:tgtEl>
+                                          <p:spTgt spid="14"/>
+                                        </p:tgtEl>
+                                      </p:cBhvr>
+                                    </p:animEffect>
+                                  </p:childTnLst>
+                                </p:cTn>
+                              </p:par>
+                              <p:par>
+                                <p:cTn id="13" presetID="10" presetClass="entr" presetSubtype="0" fill="hold" nodeType="withEffect">
+                                  <p:stCondLst>
+                                    <p:cond delay="0"/>
+                                  </p:stCondLst>
+                                  <p:childTnLst>
+                                    <p:set>
+                                      <p:cBhvr>
+                                        <p:cTn id="14" dur="1" fill="hold">
+                                          <p:stCondLst>
+                                            <p:cond delay="0"/>
+                                          </p:stCondLst>
+                                        </p:cTn>
+                                        <p:tgtEl>
+                                          <p:spTgt spid="11"/>
+                                        </p:tgtEl>
+                                        <p:attrNameLst>
+                                          <p:attrName>style.visibility</p:attrName>
+                                        </p:attrNameLst>
+                                      </p:cBhvr>
+                                      <p:to>
+                                        <p:strVal val="visible"/>
+                                      </p:to>
+                                    </p:set>
+                                    <p:animEffect transition="in" filter="fade">
+                                      <p:cBhvr>
+                                        <p:cTn id="15" dur="500"/>
+                                        <p:tgtEl>
+                                          <p:spTgt spid="11"/>
+                                        </p:tgtEl>
+                                      </p:cBhvr>
+                                    </p:animEffect>
+                                  </p:childTnLst>
+                                </p:cTn>
+                              </p:par>
+                              <p:par>
+                                <p:cTn id="16" presetID="10" presetClass="entr" presetSubtype="0" fill="hold" grpId="0" nodeType="withEffect">
+                                  <p:stCondLst>
+                                    <p:cond delay="0"/>
+                                  </p:stCondLst>
+                                  <p:childTnLst>
+                                    <p:set>
+                                      <p:cBhvr>
+                                        <p:cTn id="17" dur="1" fill="hold">
+                                          <p:stCondLst>
+                                            <p:cond delay="0"/>
+                                          </p:stCondLst>
+                                        </p:cTn>
+                                        <p:tgtEl>
+                                          <p:spTgt spid="13"/>
+                                        </p:tgtEl>
+                                        <p:attrNameLst>
+                                          <p:attrName>style.visibility</p:attrName>
+                                        </p:attrNameLst>
+                                      </p:cBhvr>
+                                      <p:to>
+                                        <p:strVal val="visible"/>
+                                      </p:to>
+                                    </p:set>
+                                    <p:animEffect transition="in" filter="fade">
+                                      <p:cBhvr>
+                                        <p:cTn id="18" dur="500"/>
+                                        <p:tgtEl>
+                                          <p:spTgt spid="13"/>
+                                        </p:tgtEl>
+                                      </p:cBhvr>
+                                    </p:animEffect>
+                                  </p:childTnLst>
+                                </p:cTn>
+                              </p:par>
+                              <p:par>
+                                <p:cTn id="19" presetID="10" presetClass="entr" presetSubtype="0" fill="hold" nodeType="withEffect">
+                                  <p:stCondLst>
+                                    <p:cond delay="0"/>
+                                  </p:stCondLst>
+                                  <p:childTnLst>
+                                    <p:set>
+                                      <p:cBhvr>
+                                        <p:cTn id="20" dur="1" fill="hold">
+                                          <p:stCondLst>
+                                            <p:cond delay="0"/>
+                                          </p:stCondLst>
+                                        </p:cTn>
+                                        <p:tgtEl>
+                                          <p:spTgt spid="7"/>
+                                        </p:tgtEl>
+                                        <p:attrNameLst>
+                                          <p:attrName>style.visibility</p:attrName>
+                                        </p:attrNameLst>
+                                      </p:cBhvr>
+                                      <p:to>
+                                        <p:strVal val="visible"/>
+                                      </p:to>
+                                    </p:set>
+                                    <p:animEffect transition="in" filter="fade">
+                                      <p:cBhvr>
+                                        <p:cTn id="21" dur="500"/>
+                                        <p:tgtEl>
+                                          <p:spTgt spid="7"/>
+                                        </p:tgtEl>
+                                      </p:cBhvr>
+                                    </p:animEffect>
+                                  </p:childTnLst>
+                                </p:cTn>
+                              </p:par>
+                              <p:par>
+                                <p:cTn id="22" presetID="10" presetClass="entr" presetSubtype="0" fill="hold" grpId="0" nodeType="withEffect">
+                                  <p:stCondLst>
+                                    <p:cond delay="0"/>
+                                  </p:stCondLst>
+                                  <p:childTnLst>
+                                    <p:set>
+                                      <p:cBhvr>
+                                        <p:cTn id="23" dur="1" fill="hold">
+                                          <p:stCondLst>
+                                            <p:cond delay="0"/>
+                                          </p:stCondLst>
+                                        </p:cTn>
+                                        <p:tgtEl>
+                                          <p:spTgt spid="12"/>
+                                        </p:tgtEl>
+                                        <p:attrNameLst>
+                                          <p:attrName>style.visibility</p:attrName>
+                                        </p:attrNameLst>
+                                      </p:cBhvr>
+                                      <p:to>
+                                        <p:strVal val="visible"/>
+                                      </p:to>
+                                    </p:set>
+                                    <p:animEffect transition="in" filter="fade">
+                                      <p:cBhvr>
+                                        <p:cTn id="24" dur="500"/>
+                                        <p:tgtEl>
                                           <p:spTgt spid="12"/>
                                         </p:tgtEl>
                                       </p:cBhvr>
@@ -28856,14 +27420,14 @@
                                 </p:cTn>
                               </p:par>
                               <p:par>
-                                <p:cTn id="8" presetID="10" presetClass="entr" presetSubtype="0" fill="hold" nodeType="withEffect">
+                                <p:cTn id="25" presetID="10" presetClass="entr" presetSubtype="0" fill="hold" nodeType="withEffect">
                                   <p:stCondLst>
                                     <p:cond delay="0"/>
                                   </p:stCondLst>
                                   <p:childTnLst>
                                     <p:set>
                                       <p:cBhvr>
-                                        <p:cTn id="9" dur="1" fill="hold">
+                                        <p:cTn id="26" dur="1" fill="hold">
                                           <p:stCondLst>
                                             <p:cond delay="0"/>
                                           </p:stCondLst>
@@ -28881,7 +27445,7 @@
                                     </p:set>
                                     <p:animEffect transition="in" filter="fade">
                                       <p:cBhvr>
-                                        <p:cTn id="10" dur="500"/>
+                                        <p:cTn id="27" dur="500"/>
                                         <p:tgtEl>
                                           <p:spTgt spid="5"/>
                                         </p:tgtEl>
@@ -28897,202 +27461,26 @@
                     </p:cTn>
                   </p:par>
                   <p:par>
-                    <p:cTn id="11" fill="hold">
+                    <p:cTn id="28" fill="hold">
                       <p:stCondLst>
                         <p:cond delay="indefinite"/>
                       </p:stCondLst>
                       <p:childTnLst>
                         <p:par>
-                          <p:cTn id="12" fill="hold">
+                          <p:cTn id="29" fill="hold">
                             <p:stCondLst>
                               <p:cond delay="0"/>
                             </p:stCondLst>
                             <p:childTnLst>
                               <p:par>
-                                <p:cTn id="13" presetID="10" presetClass="entr" presetSubtype="0" fill="hold" grpId="0" nodeType="clickEffect">
+                                <p:cTn id="30" presetID="10" presetClass="entr" presetSubtype="0" fill="hold" grpId="0" nodeType="clickEffect">
                                   <p:stCondLst>
                                     <p:cond delay="0"/>
                                   </p:stCondLst>
                                   <p:childTnLst>
                                     <p:set>
                                       <p:cBhvr>
-                                        <p:cTn id="14" dur="1" fill="hold">
-                                          <p:stCondLst>
-                                            <p:cond delay="0"/>
-                                          </p:stCondLst>
-                                        </p:cTn>
-                                        <p:tgtEl>
-                                          <p:spTgt spid="14"/>
-                                        </p:tgtEl>
-                                        <p:attrNameLst>
-                                          <p:attrName>style.visibility</p:attrName>
-                                        </p:attrNameLst>
-                                      </p:cBhvr>
-                                      <p:to>
-                                        <p:strVal val="visible"/>
-                                      </p:to>
-                                    </p:set>
-                                    <p:animEffect transition="in" filter="fade">
-                                      <p:cBhvr>
-                                        <p:cTn id="15" dur="500"/>
-                                        <p:tgtEl>
-                                          <p:spTgt spid="14"/>
-                                        </p:tgtEl>
-                                      </p:cBhvr>
-                                    </p:animEffect>
-                                  </p:childTnLst>
-                                </p:cTn>
-                              </p:par>
-                              <p:par>
-                                <p:cTn id="16" presetID="10" presetClass="entr" presetSubtype="0" fill="hold" nodeType="withEffect">
-                                  <p:stCondLst>
-                                    <p:cond delay="0"/>
-                                  </p:stCondLst>
-                                  <p:childTnLst>
-                                    <p:set>
-                                      <p:cBhvr>
-                                        <p:cTn id="17" dur="1" fill="hold">
-                                          <p:stCondLst>
-                                            <p:cond delay="0"/>
-                                          </p:stCondLst>
-                                        </p:cTn>
-                                        <p:tgtEl>
-                                          <p:spTgt spid="11"/>
-                                        </p:tgtEl>
-                                        <p:attrNameLst>
-                                          <p:attrName>style.visibility</p:attrName>
-                                        </p:attrNameLst>
-                                      </p:cBhvr>
-                                      <p:to>
-                                        <p:strVal val="visible"/>
-                                      </p:to>
-                                    </p:set>
-                                    <p:animEffect transition="in" filter="fade">
-                                      <p:cBhvr>
-                                        <p:cTn id="18" dur="500"/>
-                                        <p:tgtEl>
-                                          <p:spTgt spid="11"/>
-                                        </p:tgtEl>
-                                      </p:cBhvr>
-                                    </p:animEffect>
-                                  </p:childTnLst>
-                                </p:cTn>
-                              </p:par>
-                            </p:childTnLst>
-                          </p:cTn>
-                        </p:par>
-                      </p:childTnLst>
-                    </p:cTn>
-                  </p:par>
-                  <p:par>
-                    <p:cTn id="19" fill="hold">
-                      <p:stCondLst>
-                        <p:cond delay="indefinite"/>
-                      </p:stCondLst>
-                      <p:childTnLst>
-                        <p:par>
-                          <p:cTn id="20" fill="hold">
-                            <p:stCondLst>
-                              <p:cond delay="0"/>
-                            </p:stCondLst>
-                            <p:childTnLst>
-                              <p:par>
-                                <p:cTn id="21" presetID="10" presetClass="entr" presetSubtype="0" fill="hold" grpId="0" nodeType="clickEffect">
-                                  <p:stCondLst>
-                                    <p:cond delay="0"/>
-                                  </p:stCondLst>
-                                  <p:childTnLst>
-                                    <p:set>
-                                      <p:cBhvr>
-                                        <p:cTn id="22" dur="1" fill="hold">
-                                          <p:stCondLst>
-                                            <p:cond delay="0"/>
-                                          </p:stCondLst>
-                                        </p:cTn>
-                                        <p:tgtEl>
-                                          <p:spTgt spid="13"/>
-                                        </p:tgtEl>
-                                        <p:attrNameLst>
-                                          <p:attrName>style.visibility</p:attrName>
-                                        </p:attrNameLst>
-                                      </p:cBhvr>
-                                      <p:to>
-                                        <p:strVal val="visible"/>
-                                      </p:to>
-                                    </p:set>
-                                    <p:animEffect transition="in" filter="fade">
-                                      <p:cBhvr>
-                                        <p:cTn id="23" dur="500"/>
-                                        <p:tgtEl>
-                                          <p:spTgt spid="13"/>
-                                        </p:tgtEl>
-                                      </p:cBhvr>
-                                    </p:animEffect>
-                                  </p:childTnLst>
-                                </p:cTn>
-                              </p:par>
-                              <p:par>
-                                <p:cTn id="24" presetID="10" presetClass="entr" presetSubtype="0" fill="hold" nodeType="withEffect">
-                                  <p:stCondLst>
-                                    <p:cond delay="0"/>
-                                  </p:stCondLst>
-                                  <p:childTnLst>
-                                    <p:set>
-                                      <p:cBhvr>
-                                        <p:cTn id="25" dur="1" fill="hold">
-                                          <p:stCondLst>
-                                            <p:cond delay="0"/>
-                                          </p:stCondLst>
-                                        </p:cTn>
-                                        <p:tgtEl>
-                                          <p:spTgt spid="7"/>
-                                        </p:tgtEl>
-                                        <p:attrNameLst>
-                                          <p:attrName>style.visibility</p:attrName>
-                                        </p:attrNameLst>
-                                      </p:cBhvr>
-                                      <p:to>
-                                        <p:strVal val="visible"/>
-                                      </p:to>
-                                    </p:set>
-                                    <p:animEffect transition="in" filter="fade">
-                                      <p:cBhvr>
-                                        <p:cTn id="26" dur="500"/>
-                                        <p:tgtEl>
-                                          <p:spTgt spid="7"/>
-                                        </p:tgtEl>
-                                      </p:cBhvr>
-                                    </p:animEffect>
-                                  </p:childTnLst>
-                                </p:cTn>
-                              </p:par>
-                            </p:childTnLst>
-                          </p:cTn>
-                        </p:par>
-                      </p:childTnLst>
-                    </p:cTn>
-                  </p:par>
-                  <p:par>
-                    <p:cTn id="27" fill="hold">
-                      <p:stCondLst>
-                        <p:cond delay="indefinite"/>
-                      </p:stCondLst>
-                      <p:childTnLst>
-                        <p:par>
-                          <p:cTn id="28" fill="hold">
-                            <p:stCondLst>
-                              <p:cond delay="0"/>
-                            </p:stCondLst>
-                            <p:childTnLst>
-                              <p:par>
-                                <p:cTn id="29" presetID="10" presetClass="entr" presetSubtype="0" fill="hold" grpId="0" nodeType="clickEffect">
-                                  <p:stCondLst>
-                                    <p:cond delay="0"/>
-                                  </p:stCondLst>
-                                  <p:childTnLst>
-                                    <p:set>
-                                      <p:cBhvr>
-                                        <p:cTn id="30" dur="1" fill="hold">
+                                        <p:cTn id="31" dur="1" fill="hold">
                                           <p:stCondLst>
                                             <p:cond delay="0"/>
                                           </p:stCondLst>
@@ -29110,7 +27498,7 @@
                                     </p:set>
                                     <p:animEffect transition="in" filter="fade">
                                       <p:cBhvr>
-                                        <p:cTn id="31" dur="500"/>
+                                        <p:cTn id="32" dur="500"/>
                                         <p:tgtEl>
                                           <p:spTgt spid="15"/>
                                         </p:tgtEl>
@@ -29150,7 +27538,8 @@
       <p:bldP spid="12" grpId="0"/>
       <p:bldP spid="13" grpId="0"/>
       <p:bldP spid="14" grpId="0"/>
-      <p:bldP spid="15" grpId="0" uiExpand="1"/>
+      <p:bldP spid="15" grpId="0"/>
+      <p:bldP spid="16" grpId="0"/>
     </p:bldLst>
   </p:timing>
 </p:sld>

--- a/presentazione.pptx
+++ b/presentazione.pptx
@@ -19,7 +19,7 @@
     <p:sldId id="267" r:id="rId14"/>
     <p:sldId id="268" r:id="rId15"/>
   </p:sldIdLst>
-  <p:sldSz cx="9144000" cy="6858000" type="screen4x3"/>
+  <p:sldSz cx="12192000" cy="6858000"/>
   <p:notesSz cx="6858000" cy="9144000"/>
   <p:defaultTextStyle>
     <a:defPPr>
@@ -119,12 +119,12 @@
   <p:extLst>
     <p:ext uri="{EFAFB233-063F-42B5-8137-9DF3F51BA10A}">
       <p15:sldGuideLst xmlns:p15="http://schemas.microsoft.com/office/powerpoint/2012/main">
-        <p15:guide id="1" orient="horz" pos="2160">
+        <p15:guide id="1" orient="horz" pos="2160" userDrawn="1">
           <p15:clr>
             <a:srgbClr val="A4A3A4"/>
           </p15:clr>
         </p15:guide>
-        <p15:guide id="2" pos="2880">
+        <p15:guide id="2" pos="3840" userDrawn="1">
           <p15:clr>
             <a:srgbClr val="A4A3A4"/>
           </p15:clr>
@@ -161,7 +161,7 @@
         <p:spPr>
           <a:xfrm>
             <a:off x="-2" y="4664147"/>
-            <a:ext cx="9151089" cy="0"/>
+            <a:ext cx="12201452" cy="0"/>
           </a:xfrm>
           <a:prstGeom prst="rtTriangle">
             <a:avLst/>
@@ -218,7 +218,7 @@
           <a:lstStyle/>
           <a:p>
             <a:pPr algn="ctr" eaLnBrk="1" latinLnBrk="0" hangingPunct="1"/>
-            <a:endParaRPr kumimoji="0" lang="en-US"/>
+            <a:endParaRPr kumimoji="0" lang="en-US" sz="1800"/>
           </a:p>
         </p:txBody>
       </p:sp>
@@ -234,8 +234,8 @@
         </p:nvSpPr>
         <p:spPr>
           <a:xfrm>
-            <a:off x="685800" y="1752601"/>
-            <a:ext cx="7772400" cy="1829761"/>
+            <a:off x="914400" y="1752602"/>
+            <a:ext cx="10363200" cy="1829761"/>
           </a:xfrm>
         </p:spPr>
         <p:txBody>
@@ -287,8 +287,8 @@
         </p:nvSpPr>
         <p:spPr>
           <a:xfrm>
-            <a:off x="685800" y="3611607"/>
-            <a:ext cx="7772400" cy="1199704"/>
+            <a:off x="914400" y="3611607"/>
+            <a:ext cx="10363200" cy="1199704"/>
           </a:xfrm>
         </p:spPr>
         <p:txBody>
@@ -345,8 +345,8 @@
         </p:nvGrpSpPr>
         <p:grpSpPr>
           <a:xfrm>
-            <a:off x="-3765" y="4953000"/>
-            <a:ext cx="9147765" cy="1912088"/>
+            <a:off x="-5019" y="4953000"/>
+            <a:ext cx="12197020" cy="1912088"/>
             <a:chOff x="-3765" y="4832896"/>
             <a:chExt cx="9147765" cy="2032192"/>
           </a:xfrm>
@@ -430,7 +430,7 @@
             <a:bodyPr vert="horz" wrap="square" lIns="91440" tIns="45720" rIns="91440" bIns="45720" anchor="t" compatLnSpc="1"/>
             <a:lstStyle/>
             <a:p>
-              <a:endParaRPr kumimoji="0" lang="en-US"/>
+              <a:endParaRPr kumimoji="0" lang="en-US" sz="1800"/>
             </a:p>
           </p:txBody>
         </p:sp>
@@ -510,7 +510,7 @@
             <a:bodyPr vert="horz" wrap="square" lIns="91440" tIns="45720" rIns="91440" bIns="45720" anchor="t" compatLnSpc="1"/>
             <a:lstStyle/>
             <a:p>
-              <a:endParaRPr kumimoji="0" lang="en-US"/>
+              <a:endParaRPr kumimoji="0" lang="en-US" sz="1800"/>
             </a:p>
           </p:txBody>
         </p:sp>
@@ -668,7 +668,7 @@
             <a:lstStyle/>
             <a:p>
               <a:pPr algn="ctr" eaLnBrk="1" latinLnBrk="0" hangingPunct="1"/>
-              <a:endParaRPr kumimoji="0" lang="en-US"/>
+              <a:endParaRPr kumimoji="0" lang="en-US" sz="1800"/>
             </a:p>
           </p:txBody>
         </p:sp>
@@ -752,7 +752,7 @@
           <a:p>
             <a:fld id="{ED7D3210-A7A2-4A8A-A724-706A26CF2866}" type="datetimeFigureOut">
               <a:rPr lang="it-IT" smtClean="0"/>
-              <a:t>12/10/2019</a:t>
+              <a:t>15/10/2019</a:t>
             </a:fld>
             <a:endParaRPr lang="it-IT"/>
           </a:p>
@@ -880,8 +880,8 @@
         </p:nvSpPr>
         <p:spPr>
           <a:xfrm>
-            <a:off x="457200" y="1481329"/>
-            <a:ext cx="8229600" cy="4386071"/>
+            <a:off x="609600" y="1481330"/>
+            <a:ext cx="10972800" cy="4386071"/>
           </a:xfrm>
         </p:spPr>
         <p:txBody>
@@ -942,7 +942,7 @@
           <a:p>
             <a:fld id="{ED7D3210-A7A2-4A8A-A724-706A26CF2866}" type="datetimeFigureOut">
               <a:rPr lang="it-IT" smtClean="0"/>
-              <a:t>12/10/2019</a:t>
+              <a:t>15/10/2019</a:t>
             </a:fld>
             <a:endParaRPr lang="it-IT"/>
           </a:p>
@@ -1027,8 +1027,8 @@
         </p:nvSpPr>
         <p:spPr>
           <a:xfrm>
-            <a:off x="6844013" y="274640"/>
-            <a:ext cx="1777470" cy="5592761"/>
+            <a:off x="9125351" y="274641"/>
+            <a:ext cx="2369960" cy="5592761"/>
           </a:xfrm>
         </p:spPr>
         <p:txBody>
@@ -1055,8 +1055,8 @@
         </p:nvSpPr>
         <p:spPr>
           <a:xfrm>
-            <a:off x="457200" y="274641"/>
-            <a:ext cx="6324600" cy="5592760"/>
+            <a:off x="609600" y="274641"/>
+            <a:ext cx="8432800" cy="5592760"/>
           </a:xfrm>
         </p:spPr>
         <p:txBody>
@@ -1117,7 +1117,7 @@
           <a:p>
             <a:fld id="{ED7D3210-A7A2-4A8A-A724-706A26CF2866}" type="datetimeFigureOut">
               <a:rPr lang="it-IT" smtClean="0"/>
-              <a:t>12/10/2019</a:t>
+              <a:t>15/10/2019</a:t>
             </a:fld>
             <a:endParaRPr lang="it-IT"/>
           </a:p>
@@ -1259,7 +1259,7 @@
           <a:p>
             <a:fld id="{ED7D3210-A7A2-4A8A-A724-706A26CF2866}" type="datetimeFigureOut">
               <a:rPr lang="it-IT" smtClean="0"/>
-              <a:t>12/10/2019</a:t>
+              <a:t>15/10/2019</a:t>
             </a:fld>
             <a:endParaRPr lang="it-IT"/>
           </a:p>
@@ -1372,8 +1372,8 @@
         </p:nvSpPr>
         <p:spPr>
           <a:xfrm>
-            <a:off x="722376" y="1059712"/>
-            <a:ext cx="7772400" cy="1828800"/>
+            <a:off x="963168" y="1059712"/>
+            <a:ext cx="10363200" cy="1828800"/>
           </a:xfrm>
         </p:spPr>
         <p:txBody>
@@ -1423,8 +1423,8 @@
         </p:nvSpPr>
         <p:spPr>
           <a:xfrm>
-            <a:off x="3922713" y="2931712"/>
-            <a:ext cx="4572000" cy="1454888"/>
+            <a:off x="5230284" y="2931712"/>
+            <a:ext cx="6096000" cy="1454888"/>
           </a:xfrm>
         </p:spPr>
         <p:txBody>
@@ -1506,7 +1506,7 @@
           <a:p>
             <a:fld id="{ED7D3210-A7A2-4A8A-A724-706A26CF2866}" type="datetimeFigureOut">
               <a:rPr lang="it-IT" smtClean="0"/>
-              <a:t>12/10/2019</a:t>
+              <a:t>15/10/2019</a:t>
             </a:fld>
             <a:endParaRPr lang="it-IT"/>
           </a:p>
@@ -1562,8 +1562,8 @@
         </p:nvSpPr>
         <p:spPr>
           <a:xfrm>
-            <a:off x="3636680" y="3005472"/>
-            <a:ext cx="182880" cy="228600"/>
+            <a:off x="4848907" y="3005472"/>
+            <a:ext cx="243840" cy="228600"/>
           </a:xfrm>
           <a:prstGeom prst="chevron">
             <a:avLst>
@@ -1628,7 +1628,7 @@
           <a:lstStyle/>
           <a:p>
             <a:pPr algn="l" eaLnBrk="1" latinLnBrk="0" hangingPunct="1"/>
-            <a:endParaRPr kumimoji="0" lang="en-US"/>
+            <a:endParaRPr kumimoji="0" lang="en-US" sz="1800"/>
           </a:p>
         </p:txBody>
       </p:sp>
@@ -1640,8 +1640,8 @@
         </p:nvSpPr>
         <p:spPr>
           <a:xfrm>
-            <a:off x="3450264" y="3005472"/>
-            <a:ext cx="182880" cy="228600"/>
+            <a:off x="4600352" y="3005472"/>
+            <a:ext cx="243840" cy="228600"/>
           </a:xfrm>
           <a:prstGeom prst="chevron">
             <a:avLst>
@@ -1706,7 +1706,7 @@
           <a:lstStyle/>
           <a:p>
             <a:pPr algn="l" eaLnBrk="1" latinLnBrk="0" hangingPunct="1"/>
-            <a:endParaRPr kumimoji="0" lang="en-US"/>
+            <a:endParaRPr kumimoji="0" lang="en-US" sz="1800"/>
           </a:p>
         </p:txBody>
       </p:sp>
@@ -1752,8 +1752,8 @@
         </p:nvSpPr>
         <p:spPr>
           <a:xfrm>
-            <a:off x="457200" y="1481328"/>
-            <a:ext cx="4038600" cy="4525963"/>
+            <a:off x="609600" y="1481329"/>
+            <a:ext cx="5384800" cy="4525963"/>
           </a:xfrm>
         </p:spPr>
         <p:txBody>
@@ -1826,8 +1826,8 @@
         </p:nvSpPr>
         <p:spPr>
           <a:xfrm>
-            <a:off x="4648200" y="1481328"/>
-            <a:ext cx="4038600" cy="4525963"/>
+            <a:off x="6197600" y="1481329"/>
+            <a:ext cx="5384800" cy="4525963"/>
           </a:xfrm>
         </p:spPr>
         <p:txBody>
@@ -1905,7 +1905,7 @@
           <a:p>
             <a:fld id="{ED7D3210-A7A2-4A8A-A724-706A26CF2866}" type="datetimeFigureOut">
               <a:rPr lang="it-IT" smtClean="0"/>
-              <a:t>12/10/2019</a:t>
+              <a:t>15/10/2019</a:t>
             </a:fld>
             <a:endParaRPr lang="it-IT"/>
           </a:p>
@@ -2018,8 +2018,8 @@
         </p:nvSpPr>
         <p:spPr>
           <a:xfrm>
-            <a:off x="457200" y="273050"/>
-            <a:ext cx="8229600" cy="1143000"/>
+            <a:off x="609600" y="273050"/>
+            <a:ext cx="10972800" cy="1143000"/>
           </a:xfrm>
         </p:spPr>
         <p:txBody>
@@ -2051,8 +2051,8 @@
         </p:nvSpPr>
         <p:spPr>
           <a:xfrm>
-            <a:off x="457200" y="5410200"/>
-            <a:ext cx="4040188" cy="762000"/>
+            <a:off x="609600" y="5410200"/>
+            <a:ext cx="5386917" cy="762000"/>
           </a:xfrm>
           <a:solidFill>
             <a:schemeClr val="accent1"/>
@@ -2114,8 +2114,8 @@
         </p:nvSpPr>
         <p:spPr>
           <a:xfrm>
-            <a:off x="4645026" y="5410200"/>
-            <a:ext cx="4041775" cy="762000"/>
+            <a:off x="6193369" y="5410200"/>
+            <a:ext cx="5389033" cy="762000"/>
           </a:xfrm>
           <a:solidFill>
             <a:schemeClr val="accent1"/>
@@ -2177,8 +2177,8 @@
         </p:nvSpPr>
         <p:spPr>
           <a:xfrm>
-            <a:off x="457200" y="1444294"/>
-            <a:ext cx="4040188" cy="3941763"/>
+            <a:off x="609600" y="1444295"/>
+            <a:ext cx="5386917" cy="3941763"/>
           </a:xfrm>
           <a:ln>
             <a:noFill/>
@@ -2256,8 +2256,8 @@
         </p:nvSpPr>
         <p:spPr>
           <a:xfrm>
-            <a:off x="4645025" y="1444294"/>
-            <a:ext cx="4041775" cy="3941763"/>
+            <a:off x="6193368" y="1444295"/>
+            <a:ext cx="5389033" cy="3941763"/>
           </a:xfrm>
           <a:ln>
             <a:noFill/>
@@ -2343,7 +2343,7 @@
           <a:p>
             <a:fld id="{ED7D3210-A7A2-4A8A-A724-706A26CF2866}" type="datetimeFigureOut">
               <a:rPr lang="it-IT" smtClean="0"/>
-              <a:t>12/10/2019</a:t>
+              <a:t>15/10/2019</a:t>
             </a:fld>
             <a:endParaRPr lang="it-IT"/>
           </a:p>
@@ -2438,7 +2438,7 @@
           <a:p>
             <a:fld id="{ED7D3210-A7A2-4A8A-A724-706A26CF2866}" type="datetimeFigureOut">
               <a:rPr lang="it-IT" smtClean="0"/>
-              <a:t>12/10/2019</a:t>
+              <a:t>15/10/2019</a:t>
             </a:fld>
             <a:endParaRPr lang="it-IT"/>
           </a:p>
@@ -2551,7 +2551,7 @@
           <a:p>
             <a:fld id="{ED7D3210-A7A2-4A8A-A724-706A26CF2866}" type="datetimeFigureOut">
               <a:rPr lang="it-IT" smtClean="0"/>
-              <a:t>12/10/2019</a:t>
+              <a:t>15/10/2019</a:t>
             </a:fld>
             <a:endParaRPr lang="it-IT"/>
           </a:p>
@@ -2641,8 +2641,8 @@
         </p:nvSpPr>
         <p:spPr>
           <a:xfrm>
-            <a:off x="914400" y="4876800"/>
-            <a:ext cx="7481776" cy="457200"/>
+            <a:off x="1219200" y="4876800"/>
+            <a:ext cx="9975701" cy="457200"/>
           </a:xfrm>
         </p:spPr>
         <p:txBody>
@@ -2685,8 +2685,8 @@
         </p:nvSpPr>
         <p:spPr>
           <a:xfrm>
-            <a:off x="4419600" y="5355102"/>
-            <a:ext cx="3974592" cy="914400"/>
+            <a:off x="5892800" y="5355102"/>
+            <a:ext cx="5299456" cy="914400"/>
           </a:xfrm>
         </p:spPr>
         <p:txBody>
@@ -2735,8 +2735,8 @@
         </p:nvSpPr>
         <p:spPr>
           <a:xfrm>
-            <a:off x="914400" y="274320"/>
-            <a:ext cx="7479792" cy="4572000"/>
+            <a:off x="1219200" y="274320"/>
+            <a:ext cx="9973056" cy="4572000"/>
           </a:xfrm>
         </p:spPr>
         <p:txBody>
@@ -2809,8 +2809,8 @@
         </p:nvSpPr>
         <p:spPr>
           <a:xfrm>
-            <a:off x="6727032" y="6407944"/>
-            <a:ext cx="1920240" cy="365760"/>
+            <a:off x="8969376" y="6407944"/>
+            <a:ext cx="2560320" cy="365760"/>
           </a:xfrm>
         </p:spPr>
         <p:txBody>
@@ -2819,7 +2819,7 @@
           <a:p>
             <a:fld id="{ED7D3210-A7A2-4A8A-A724-706A26CF2866}" type="datetimeFigureOut">
               <a:rPr lang="it-IT" smtClean="0"/>
-              <a:t>12/10/2019</a:t>
+              <a:t>15/10/2019</a:t>
             </a:fld>
             <a:endParaRPr lang="it-IT"/>
           </a:p>
@@ -2909,8 +2909,8 @@
         </p:nvSpPr>
         <p:spPr>
           <a:xfrm>
-            <a:off x="1141232" y="5443402"/>
-            <a:ext cx="7162800" cy="648232"/>
+            <a:off x="1521643" y="5443402"/>
+            <a:ext cx="9550400" cy="648232"/>
           </a:xfrm>
           <a:noFill/>
         </p:spPr>
@@ -2956,8 +2956,8 @@
         </p:nvSpPr>
         <p:spPr>
           <a:xfrm>
-            <a:off x="228600" y="189968"/>
-            <a:ext cx="8686800" cy="4389120"/>
+            <a:off x="304800" y="189968"/>
+            <a:ext cx="11582400" cy="4389120"/>
           </a:xfrm>
           <a:prstGeom prst="rect">
             <a:avLst/>
@@ -3020,7 +3020,7 @@
           <a:p>
             <a:fld id="{ED7D3210-A7A2-4A8A-A724-706A26CF2866}" type="datetimeFigureOut">
               <a:rPr lang="it-IT" smtClean="0"/>
-              <a:t>12/10/2019</a:t>
+              <a:t>15/10/2019</a:t>
             </a:fld>
             <a:endParaRPr lang="it-IT"/>
           </a:p>
@@ -3038,8 +3038,8 @@
         </p:nvSpPr>
         <p:spPr>
           <a:xfrm>
-            <a:off x="4380072" y="6407944"/>
-            <a:ext cx="2350681" cy="365125"/>
+            <a:off x="5840097" y="6407945"/>
+            <a:ext cx="3134241" cy="365125"/>
           </a:xfrm>
         </p:spPr>
         <p:txBody>
@@ -3103,8 +3103,8 @@
         </p:nvSpPr>
         <p:spPr>
           <a:xfrm>
-            <a:off x="228600" y="4865122"/>
-            <a:ext cx="8075432" cy="562672"/>
+            <a:off x="304800" y="4865122"/>
+            <a:ext cx="10767243" cy="562672"/>
           </a:xfrm>
           <a:noFill/>
         </p:spPr>
@@ -3149,8 +3149,8 @@
         </p:nvSpPr>
         <p:spPr bwMode="auto">
           <a:xfrm>
-            <a:off x="499273" y="5944936"/>
-            <a:ext cx="4940624" cy="921076"/>
+            <a:off x="665697" y="5944936"/>
+            <a:ext cx="6587499" cy="921076"/>
           </a:xfrm>
           <a:custGeom>
             <a:avLst>
@@ -3217,7 +3217,7 @@
           <a:bodyPr vert="horz" wrap="square" lIns="91440" tIns="45720" rIns="91440" bIns="45720" anchor="t" compatLnSpc="1"/>
           <a:lstStyle/>
           <a:p>
-            <a:endParaRPr kumimoji="0" lang="en-US"/>
+            <a:endParaRPr kumimoji="0" lang="en-US" sz="1800"/>
           </a:p>
         </p:txBody>
       </p:sp>
@@ -3231,8 +3231,8 @@
         </p:nvSpPr>
         <p:spPr bwMode="auto">
           <a:xfrm>
-            <a:off x="485717" y="5939011"/>
-            <a:ext cx="3690451" cy="933450"/>
+            <a:off x="647623" y="5939011"/>
+            <a:ext cx="4920601" cy="933450"/>
           </a:xfrm>
           <a:custGeom>
             <a:avLst>
@@ -3297,7 +3297,7 @@
           <a:bodyPr vert="horz" wrap="square" lIns="91440" tIns="45720" rIns="91440" bIns="45720" anchor="t" compatLnSpc="1"/>
           <a:lstStyle/>
           <a:p>
-            <a:endParaRPr kumimoji="0" lang="en-US"/>
+            <a:endParaRPr kumimoji="0" lang="en-US" sz="1800"/>
           </a:p>
         </p:txBody>
       </p:sp>
@@ -3311,8 +3311,8 @@
         </p:nvSpPr>
         <p:spPr bwMode="auto">
           <a:xfrm>
-            <a:off x="-6042" y="5791253"/>
-            <a:ext cx="3402314" cy="1080868"/>
+            <a:off x="-8056" y="5791253"/>
+            <a:ext cx="4536419" cy="1080868"/>
           </a:xfrm>
           <a:prstGeom prst="rtTriangle">
             <a:avLst/>
@@ -3406,7 +3406,7 @@
           <a:lstStyle/>
           <a:p>
             <a:pPr algn="ctr" eaLnBrk="1" latinLnBrk="0" hangingPunct="1"/>
-            <a:endParaRPr kumimoji="0" lang="en-US"/>
+            <a:endParaRPr kumimoji="0" lang="en-US" sz="1800"/>
           </a:p>
         </p:txBody>
       </p:sp>
@@ -3418,8 +3418,8 @@
         </p:nvCxnSpPr>
         <p:spPr>
           <a:xfrm>
-            <a:off x="-9237" y="5787738"/>
-            <a:ext cx="3405509" cy="1084383"/>
+            <a:off x="-12316" y="5787739"/>
+            <a:ext cx="4540679" cy="1084383"/>
           </a:xfrm>
           <a:prstGeom prst="line">
             <a:avLst/>
@@ -3471,8 +3471,8 @@
         </p:nvSpPr>
         <p:spPr>
           <a:xfrm>
-            <a:off x="8664112" y="4988440"/>
-            <a:ext cx="182880" cy="228600"/>
+            <a:off x="11552149" y="4988440"/>
+            <a:ext cx="243840" cy="228600"/>
           </a:xfrm>
           <a:prstGeom prst="chevron">
             <a:avLst>
@@ -3537,7 +3537,7 @@
           <a:lstStyle/>
           <a:p>
             <a:pPr algn="l" eaLnBrk="1" latinLnBrk="0" hangingPunct="1"/>
-            <a:endParaRPr kumimoji="0" lang="en-US"/>
+            <a:endParaRPr kumimoji="0" lang="en-US" sz="1800"/>
           </a:p>
         </p:txBody>
       </p:sp>
@@ -3549,8 +3549,8 @@
         </p:nvSpPr>
         <p:spPr>
           <a:xfrm>
-            <a:off x="8477696" y="4988440"/>
-            <a:ext cx="182880" cy="228600"/>
+            <a:off x="11303595" y="4988440"/>
+            <a:ext cx="243840" cy="228600"/>
           </a:xfrm>
           <a:prstGeom prst="chevron">
             <a:avLst>
@@ -3615,7 +3615,7 @@
           <a:lstStyle/>
           <a:p>
             <a:pPr algn="l" eaLnBrk="1" latinLnBrk="0" hangingPunct="1"/>
-            <a:endParaRPr kumimoji="0" lang="en-US"/>
+            <a:endParaRPr kumimoji="0" lang="en-US" sz="1800"/>
           </a:p>
         </p:txBody>
       </p:sp>
@@ -3659,8 +3659,8 @@
         </p:nvSpPr>
         <p:spPr bwMode="auto">
           <a:xfrm>
-            <a:off x="499273" y="5944936"/>
-            <a:ext cx="4940624" cy="921076"/>
+            <a:off x="665697" y="5944936"/>
+            <a:ext cx="6587499" cy="921076"/>
           </a:xfrm>
           <a:custGeom>
             <a:avLst>
@@ -3727,7 +3727,7 @@
           <a:bodyPr vert="horz" wrap="square" lIns="91440" tIns="45720" rIns="91440" bIns="45720" anchor="t" compatLnSpc="1"/>
           <a:lstStyle/>
           <a:p>
-            <a:endParaRPr kumimoji="0" lang="en-US"/>
+            <a:endParaRPr kumimoji="0" lang="en-US" sz="1800"/>
           </a:p>
         </p:txBody>
       </p:sp>
@@ -3741,8 +3741,8 @@
         </p:nvSpPr>
         <p:spPr bwMode="auto">
           <a:xfrm>
-            <a:off x="485717" y="5939011"/>
-            <a:ext cx="3690451" cy="933450"/>
+            <a:off x="647623" y="5939011"/>
+            <a:ext cx="4920601" cy="933450"/>
           </a:xfrm>
           <a:custGeom>
             <a:avLst>
@@ -3807,7 +3807,7 @@
           <a:bodyPr vert="horz" wrap="square" lIns="91440" tIns="45720" rIns="91440" bIns="45720" anchor="t" compatLnSpc="1"/>
           <a:lstStyle/>
           <a:p>
-            <a:endParaRPr kumimoji="0" lang="en-US"/>
+            <a:endParaRPr kumimoji="0" lang="en-US" sz="1800"/>
           </a:p>
         </p:txBody>
       </p:sp>
@@ -3821,8 +3821,8 @@
         </p:nvSpPr>
         <p:spPr bwMode="auto">
           <a:xfrm>
-            <a:off x="-6042" y="5791253"/>
-            <a:ext cx="3402314" cy="1080868"/>
+            <a:off x="-8056" y="5791253"/>
+            <a:ext cx="4536419" cy="1080868"/>
           </a:xfrm>
           <a:prstGeom prst="rtTriangle">
             <a:avLst/>
@@ -3916,7 +3916,7 @@
           <a:lstStyle/>
           <a:p>
             <a:pPr algn="ctr" eaLnBrk="1" latinLnBrk="0" hangingPunct="1"/>
-            <a:endParaRPr kumimoji="0" lang="en-US"/>
+            <a:endParaRPr kumimoji="0" lang="en-US" sz="1800"/>
           </a:p>
         </p:txBody>
       </p:sp>
@@ -3928,8 +3928,8 @@
         </p:nvCxnSpPr>
         <p:spPr>
           <a:xfrm>
-            <a:off x="-9237" y="5787738"/>
-            <a:ext cx="3405509" cy="1084383"/>
+            <a:off x="-12316" y="5787739"/>
+            <a:ext cx="4540679" cy="1084383"/>
           </a:xfrm>
           <a:prstGeom prst="line">
             <a:avLst/>
@@ -3985,8 +3985,8 @@
         </p:nvSpPr>
         <p:spPr>
           <a:xfrm>
-            <a:off x="457200" y="274638"/>
-            <a:ext cx="8229600" cy="1143000"/>
+            <a:off x="609600" y="274638"/>
+            <a:ext cx="10972800" cy="1143000"/>
           </a:xfrm>
           <a:prstGeom prst="rect">
             <a:avLst/>
@@ -4025,8 +4025,8 @@
         </p:nvSpPr>
         <p:spPr>
           <a:xfrm>
-            <a:off x="457200" y="1481328"/>
-            <a:ext cx="8229600" cy="4525963"/>
+            <a:off x="609600" y="1481329"/>
+            <a:ext cx="10972800" cy="4525963"/>
           </a:xfrm>
           <a:prstGeom prst="rect">
             <a:avLst/>
@@ -4087,8 +4087,8 @@
         </p:nvSpPr>
         <p:spPr>
           <a:xfrm>
-            <a:off x="6727032" y="6407944"/>
-            <a:ext cx="1920240" cy="365760"/>
+            <a:off x="8969376" y="6407944"/>
+            <a:ext cx="2560320" cy="365760"/>
           </a:xfrm>
           <a:prstGeom prst="rect">
             <a:avLst/>
@@ -4109,7 +4109,7 @@
           <a:p>
             <a:fld id="{ED7D3210-A7A2-4A8A-A724-706A26CF2866}" type="datetimeFigureOut">
               <a:rPr lang="it-IT" smtClean="0"/>
-              <a:t>12/10/2019</a:t>
+              <a:t>15/10/2019</a:t>
             </a:fld>
             <a:endParaRPr lang="it-IT"/>
           </a:p>
@@ -4127,8 +4127,8 @@
         </p:nvSpPr>
         <p:spPr>
           <a:xfrm>
-            <a:off x="4380072" y="6407944"/>
-            <a:ext cx="2350681" cy="365125"/>
+            <a:off x="5840097" y="6407945"/>
+            <a:ext cx="3134241" cy="365125"/>
           </a:xfrm>
           <a:prstGeom prst="rect">
             <a:avLst/>
@@ -4163,8 +4163,8 @@
         </p:nvSpPr>
         <p:spPr>
           <a:xfrm>
-            <a:off x="8647272" y="6407944"/>
-            <a:ext cx="365760" cy="365125"/>
+            <a:off x="11529696" y="6407945"/>
+            <a:ext cx="487680" cy="365125"/>
           </a:xfrm>
           <a:prstGeom prst="rect">
             <a:avLst/>
@@ -4528,19 +4528,19 @@
         </p:nvSpPr>
         <p:spPr>
           <a:xfrm>
-            <a:off x="539552" y="1890966"/>
-            <a:ext cx="7932498" cy="1871811"/>
+            <a:off x="515380" y="1916832"/>
+            <a:ext cx="11161240" cy="2054163"/>
           </a:xfrm>
         </p:spPr>
         <p:txBody>
           <a:bodyPr>
-            <a:normAutofit fontScale="90000"/>
+            <a:normAutofit/>
           </a:bodyPr>
           <a:lstStyle/>
           <a:p>
             <a:pPr algn="ctr"/>
             <a:r>
-              <a:rPr lang="it-IT" sz="3600" dirty="0"/>
+              <a:rPr lang="it-IT" sz="4000" dirty="0"/>
               <a:t>Identificazione di eventi spazio-temporali associati: studio e implementazione su dataset di crimini</a:t>
             </a:r>
           </a:p>
@@ -4574,7 +4574,7 @@
         </p:blipFill>
         <p:spPr>
           <a:xfrm>
-            <a:off x="899592" y="292017"/>
+            <a:off x="1559496" y="321615"/>
             <a:ext cx="1008112" cy="988061"/>
           </a:xfrm>
           <a:prstGeom prst="rect">
@@ -4596,8 +4596,8 @@
         </p:nvSpPr>
         <p:spPr>
           <a:xfrm>
-            <a:off x="2076238" y="292017"/>
-            <a:ext cx="6120680" cy="1077218"/>
+            <a:off x="2790974" y="321614"/>
+            <a:ext cx="6833417" cy="1077218"/>
           </a:xfrm>
           <a:prstGeom prst="rect">
             <a:avLst/>
@@ -4712,7 +4712,7 @@
         </p:nvSpPr>
         <p:spPr>
           <a:xfrm>
-            <a:off x="42817" y="5301208"/>
+            <a:off x="191344" y="5301208"/>
             <a:ext cx="4509568" cy="707886"/>
           </a:xfrm>
           <a:prstGeom prst="rect">
@@ -4806,7 +4806,7 @@
         </p:nvSpPr>
         <p:spPr>
           <a:xfrm>
-            <a:off x="5220072" y="5734986"/>
+            <a:off x="7603413" y="5734986"/>
             <a:ext cx="4041955" cy="1015663"/>
           </a:xfrm>
           <a:prstGeom prst="rect">
@@ -4926,7 +4926,7 @@
         </p:nvSpPr>
         <p:spPr>
           <a:xfrm>
-            <a:off x="543907" y="6381317"/>
+            <a:off x="3287688" y="6381317"/>
             <a:ext cx="3783408" cy="369332"/>
           </a:xfrm>
           <a:prstGeom prst="rect">
@@ -5025,7 +5025,7 @@
             </p:nvSpPr>
             <p:spPr>
               <a:xfrm>
-                <a:off x="238236" y="1149023"/>
+                <a:off x="1055440" y="1139288"/>
                 <a:ext cx="3510104" cy="1656183"/>
               </a:xfrm>
             </p:spPr>
@@ -5052,7 +5052,7 @@
                     </m:oMathParaPr>
                     <m:oMath xmlns:m="http://schemas.openxmlformats.org/officeDocument/2006/math">
                       <m:r>
-                        <a:rPr lang="en-US" sz="2400" b="0" i="1" smtClean="0">
+                        <a:rPr lang="en-US" sz="2400" i="1">
                           <a:latin typeface="Cambria Math" panose="02040503050406030204" pitchFamily="18" charset="0"/>
                         </a:rPr>
                         <m:t>𝑠</m:t>
@@ -5060,26 +5060,26 @@
                       <m:d>
                         <m:dPr>
                           <m:ctrlPr>
-                            <a:rPr lang="en-US" sz="2400" b="0" i="1" smtClean="0">
+                            <a:rPr lang="en-US" sz="2400" i="1">
                               <a:latin typeface="Cambria Math" panose="02040503050406030204" pitchFamily="18" charset="0"/>
                             </a:rPr>
                           </m:ctrlPr>
                         </m:dPr>
                         <m:e>
                           <m:r>
-                            <a:rPr lang="en-US" sz="2400" b="0" i="1" smtClean="0">
+                            <a:rPr lang="en-US" sz="2400" i="1">
                               <a:latin typeface="Cambria Math" panose="02040503050406030204" pitchFamily="18" charset="0"/>
                             </a:rPr>
                             <m:t>𝐴</m:t>
                           </m:r>
                           <m:r>
-                            <a:rPr lang="en-US" sz="2400" b="0" i="1" smtClean="0">
+                            <a:rPr lang="en-US" sz="2400" i="1">
                               <a:latin typeface="Cambria Math" panose="02040503050406030204" pitchFamily="18" charset="0"/>
                             </a:rPr>
                             <m:t>→</m:t>
                           </m:r>
                           <m:r>
-                            <a:rPr lang="en-US" sz="2400" b="0" i="1" smtClean="0">
+                            <a:rPr lang="en-US" sz="2400" i="1">
                               <a:latin typeface="Cambria Math" panose="02040503050406030204" pitchFamily="18" charset="0"/>
                             </a:rPr>
                             <m:t>𝐵</m:t>
@@ -5087,7 +5087,7 @@
                         </m:e>
                       </m:d>
                       <m:r>
-                        <a:rPr lang="en-US" sz="2400" b="0" i="1" smtClean="0">
+                        <a:rPr lang="en-US" sz="2400" i="1">
                           <a:latin typeface="Cambria Math" panose="02040503050406030204" pitchFamily="18" charset="0"/>
                         </a:rPr>
                         <m:t>=</m:t>
@@ -5095,44 +5095,44 @@
                       <m:f>
                         <m:fPr>
                           <m:ctrlPr>
-                            <a:rPr lang="en-US" sz="2400" b="0" i="1" smtClean="0">
+                            <a:rPr lang="en-US" sz="2400" i="1">
                               <a:latin typeface="Cambria Math" panose="02040503050406030204" pitchFamily="18" charset="0"/>
                             </a:rPr>
                           </m:ctrlPr>
                         </m:fPr>
                         <m:num>
                           <m:r>
-                            <a:rPr lang="en-US" sz="2400" b="0" i="1" smtClean="0">
+                            <a:rPr lang="en-US" sz="2400" i="1">
                               <a:latin typeface="Cambria Math" panose="02040503050406030204" pitchFamily="18" charset="0"/>
                             </a:rPr>
                             <m:t>𝜎</m:t>
                           </m:r>
                           <m:r>
-                            <a:rPr lang="en-US" sz="2400" b="0" i="1" smtClean="0">
+                            <a:rPr lang="en-US" sz="2400" i="1">
                               <a:latin typeface="Cambria Math" panose="02040503050406030204" pitchFamily="18" charset="0"/>
                             </a:rPr>
                             <m:t>{</m:t>
                           </m:r>
                           <m:r>
-                            <a:rPr lang="en-US" sz="2400" b="0" i="1" smtClean="0">
+                            <a:rPr lang="en-US" sz="2400" i="1">
                               <a:latin typeface="Cambria Math" panose="02040503050406030204" pitchFamily="18" charset="0"/>
                             </a:rPr>
                             <m:t>𝐴</m:t>
                           </m:r>
                           <m:r>
-                            <a:rPr lang="en-US" sz="2400" b="0" i="1" smtClean="0">
+                            <a:rPr lang="en-US" sz="2400" i="1">
                               <a:latin typeface="Cambria Math" panose="02040503050406030204" pitchFamily="18" charset="0"/>
                             </a:rPr>
                             <m:t>, </m:t>
                           </m:r>
                           <m:r>
-                            <a:rPr lang="en-US" sz="2400" b="0" i="1" smtClean="0">
+                            <a:rPr lang="en-US" sz="2400" i="1">
                               <a:latin typeface="Cambria Math" panose="02040503050406030204" pitchFamily="18" charset="0"/>
                             </a:rPr>
                             <m:t>𝐵</m:t>
                           </m:r>
                           <m:r>
-                            <a:rPr lang="en-US" sz="2400" b="0" i="1" smtClean="0">
+                            <a:rPr lang="en-US" sz="2400" i="1">
                               <a:latin typeface="Cambria Math" panose="02040503050406030204" pitchFamily="18" charset="0"/>
                             </a:rPr>
                             <m:t>}</m:t>
@@ -5140,19 +5140,19 @@
                         </m:num>
                         <m:den>
                           <m:r>
-                            <a:rPr lang="en-US" sz="2400" b="0" i="1" smtClean="0">
+                            <a:rPr lang="en-US" sz="2400" i="1">
                               <a:latin typeface="Cambria Math" panose="02040503050406030204" pitchFamily="18" charset="0"/>
                             </a:rPr>
                             <m:t>|</m:t>
                           </m:r>
                           <m:r>
-                            <a:rPr lang="en-US" sz="2400" b="0" i="1" smtClean="0">
+                            <a:rPr lang="en-US" sz="2400" i="1">
                               <a:latin typeface="Cambria Math" panose="02040503050406030204" pitchFamily="18" charset="0"/>
                             </a:rPr>
                             <m:t>𝑇</m:t>
                           </m:r>
                           <m:r>
-                            <a:rPr lang="en-US" sz="2400" b="0" i="1" smtClean="0">
+                            <a:rPr lang="en-US" sz="2400" i="1">
                               <a:latin typeface="Cambria Math" panose="02040503050406030204" pitchFamily="18" charset="0"/>
                             </a:rPr>
                             <m:t>|</m:t>
@@ -5186,7 +5186,7 @@
             </p:nvSpPr>
             <p:spPr>
               <a:xfrm>
-                <a:off x="238236" y="1149023"/>
+                <a:off x="1055440" y="1139288"/>
                 <a:ext cx="3510104" cy="1656183"/>
               </a:xfrm>
               <a:blipFill>
@@ -5229,7 +5229,7 @@
         </p:nvSpPr>
         <p:spPr>
           <a:xfrm>
-            <a:off x="457200" y="-3712"/>
+            <a:off x="1981200" y="-3712"/>
             <a:ext cx="8229600" cy="1143000"/>
           </a:xfrm>
         </p:spPr>
@@ -5280,7 +5280,7 @@
         </p:nvSpPr>
         <p:spPr>
           <a:xfrm>
-            <a:off x="2548404" y="552338"/>
+            <a:off x="4072404" y="552338"/>
             <a:ext cx="3960440" cy="715992"/>
           </a:xfrm>
           <a:prstGeom prst="rect">
@@ -5366,7 +5366,7 @@
             </p:nvSpPr>
             <p:spPr>
               <a:xfrm>
-                <a:off x="231703" y="2506629"/>
+                <a:off x="1055440" y="2539142"/>
                 <a:ext cx="6110068" cy="1656183"/>
               </a:xfrm>
               <a:prstGeom prst="rect">
@@ -5555,7 +5555,6 @@
               </a:p>
               <a:p>
                 <a:pPr marL="109728" indent="0">
-                  <a:buFont typeface="Wingdings 3"/>
                   <a:buNone/>
                 </a:pPr>
                 <a:r>
@@ -5567,26 +5566,26 @@
                     <m:d>
                       <m:dPr>
                         <m:ctrlPr>
-                          <a:rPr lang="en-US" sz="2400" i="1" smtClean="0">
+                          <a:rPr lang="en-US" sz="2400" i="1">
                             <a:latin typeface="Cambria Math" panose="02040503050406030204" pitchFamily="18" charset="0"/>
                           </a:rPr>
                         </m:ctrlPr>
                       </m:dPr>
                       <m:e>
                         <m:r>
-                          <a:rPr lang="en-US" sz="2400" i="1" smtClean="0">
+                          <a:rPr lang="en-US" sz="2400" i="1">
                             <a:latin typeface="Cambria Math" panose="02040503050406030204" pitchFamily="18" charset="0"/>
                           </a:rPr>
                           <m:t>𝐴</m:t>
                         </m:r>
                         <m:r>
-                          <a:rPr lang="en-US" sz="2400" i="1" smtClean="0">
+                          <a:rPr lang="en-US" sz="2400" i="1">
                             <a:latin typeface="Cambria Math" panose="02040503050406030204" pitchFamily="18" charset="0"/>
                           </a:rPr>
                           <m:t>→</m:t>
                         </m:r>
                         <m:r>
-                          <a:rPr lang="en-US" sz="2400" i="1" smtClean="0">
+                          <a:rPr lang="en-US" sz="2400" i="1">
                             <a:latin typeface="Cambria Math" panose="02040503050406030204" pitchFamily="18" charset="0"/>
                           </a:rPr>
                           <m:t>𝐵</m:t>
@@ -5594,13 +5593,13 @@
                       </m:e>
                     </m:d>
                     <m:r>
-                      <a:rPr lang="en-US" sz="2400" i="1" smtClean="0">
+                      <a:rPr lang="en-US" sz="2400" i="1">
                         <a:latin typeface="Cambria Math" panose="02040503050406030204" pitchFamily="18" charset="0"/>
                       </a:rPr>
                       <m:t>=</m:t>
                     </m:r>
                     <m:r>
-                      <a:rPr lang="en-US" sz="2400" b="0" i="1" smtClean="0">
+                      <a:rPr lang="en-US" sz="2400" i="1">
                         <a:latin typeface="Cambria Math" panose="02040503050406030204" pitchFamily="18" charset="0"/>
                       </a:rPr>
                       <m:t>𝑃</m:t>
@@ -5608,14 +5607,14 @@
                     <m:d>
                       <m:dPr>
                         <m:ctrlPr>
-                          <a:rPr lang="en-US" sz="2400" b="0" i="1" smtClean="0">
+                          <a:rPr lang="en-US" sz="2400" i="1">
                             <a:latin typeface="Cambria Math" panose="02040503050406030204" pitchFamily="18" charset="0"/>
                           </a:rPr>
                         </m:ctrlPr>
                       </m:dPr>
                       <m:e>
                         <m:r>
-                          <a:rPr lang="en-US" sz="2400" b="0" i="1" smtClean="0">
+                          <a:rPr lang="en-US" sz="2400" i="1">
                             <a:latin typeface="Cambria Math" panose="02040503050406030204" pitchFamily="18" charset="0"/>
                           </a:rPr>
                           <m:t>𝐵</m:t>
@@ -5623,7 +5622,7 @@
                       </m:e>
                       <m:e>
                         <m:r>
-                          <a:rPr lang="en-US" sz="2400" b="0" i="1" smtClean="0">
+                          <a:rPr lang="en-US" sz="2400" i="1">
                             <a:latin typeface="Cambria Math" panose="02040503050406030204" pitchFamily="18" charset="0"/>
                           </a:rPr>
                           <m:t>𝐴</m:t>
@@ -5631,7 +5630,7 @@
                       </m:e>
                     </m:d>
                     <m:r>
-                      <a:rPr lang="en-US" sz="2400" b="0" i="1" smtClean="0">
+                      <a:rPr lang="en-US" sz="2400" i="1">
                         <a:latin typeface="Cambria Math" panose="02040503050406030204" pitchFamily="18" charset="0"/>
                       </a:rPr>
                       <m:t>= </m:t>
@@ -5639,44 +5638,44 @@
                     <m:f>
                       <m:fPr>
                         <m:ctrlPr>
-                          <a:rPr lang="en-US" sz="2400" b="0" i="1" smtClean="0">
+                          <a:rPr lang="en-US" sz="2400" i="1">
                             <a:latin typeface="Cambria Math" panose="02040503050406030204" pitchFamily="18" charset="0"/>
                           </a:rPr>
                         </m:ctrlPr>
                       </m:fPr>
                       <m:num>
                         <m:r>
-                          <a:rPr lang="en-US" sz="2400" b="0" i="1" smtClean="0">
+                          <a:rPr lang="en-US" sz="2400" i="1">
                             <a:latin typeface="Cambria Math" panose="02040503050406030204" pitchFamily="18" charset="0"/>
                           </a:rPr>
                           <m:t>𝑃</m:t>
                         </m:r>
                         <m:r>
-                          <a:rPr lang="en-US" sz="2400" b="0" i="1" smtClean="0">
+                          <a:rPr lang="en-US" sz="2400" i="1">
                             <a:latin typeface="Cambria Math" panose="02040503050406030204" pitchFamily="18" charset="0"/>
                           </a:rPr>
                           <m:t>(</m:t>
                         </m:r>
                         <m:r>
-                          <a:rPr lang="en-US" sz="2400" b="0" i="1" smtClean="0">
+                          <a:rPr lang="en-US" sz="2400" i="1">
                             <a:latin typeface="Cambria Math" panose="02040503050406030204" pitchFamily="18" charset="0"/>
                           </a:rPr>
                           <m:t>𝐴</m:t>
                         </m:r>
                         <m:r>
-                          <a:rPr lang="en-US" sz="2400" b="0" i="1" smtClean="0">
+                          <a:rPr lang="en-US" sz="2400" i="1">
                             <a:latin typeface="Cambria Math" panose="02040503050406030204" pitchFamily="18" charset="0"/>
                           </a:rPr>
                           <m:t>,</m:t>
                         </m:r>
                         <m:r>
-                          <a:rPr lang="en-US" sz="2400" b="0" i="1" smtClean="0">
+                          <a:rPr lang="en-US" sz="2400" i="1">
                             <a:latin typeface="Cambria Math" panose="02040503050406030204" pitchFamily="18" charset="0"/>
                           </a:rPr>
                           <m:t>𝐵</m:t>
                         </m:r>
                         <m:r>
-                          <a:rPr lang="en-US" sz="2400" b="0" i="1" smtClean="0">
+                          <a:rPr lang="en-US" sz="2400" i="1">
                             <a:latin typeface="Cambria Math" panose="02040503050406030204" pitchFamily="18" charset="0"/>
                           </a:rPr>
                           <m:t>)</m:t>
@@ -5684,25 +5683,25 @@
                       </m:num>
                       <m:den>
                         <m:r>
-                          <a:rPr lang="en-US" sz="2400" b="0" i="1" smtClean="0">
+                          <a:rPr lang="en-US" sz="2400" i="1">
                             <a:latin typeface="Cambria Math" panose="02040503050406030204" pitchFamily="18" charset="0"/>
                           </a:rPr>
                           <m:t>𝑃</m:t>
                         </m:r>
                         <m:r>
-                          <a:rPr lang="en-US" sz="2400" b="0" i="1" smtClean="0">
+                          <a:rPr lang="en-US" sz="2400" i="1">
                             <a:latin typeface="Cambria Math" panose="02040503050406030204" pitchFamily="18" charset="0"/>
                           </a:rPr>
                           <m:t>(</m:t>
                         </m:r>
                         <m:r>
-                          <a:rPr lang="en-US" sz="2400" b="0" i="1" smtClean="0">
+                          <a:rPr lang="en-US" sz="2400" i="1">
                             <a:latin typeface="Cambria Math" panose="02040503050406030204" pitchFamily="18" charset="0"/>
                           </a:rPr>
                           <m:t>𝐴</m:t>
                         </m:r>
                         <m:r>
-                          <a:rPr lang="en-US" sz="2400" b="0" i="1" smtClean="0">
+                          <a:rPr lang="en-US" sz="2400" i="1">
                             <a:latin typeface="Cambria Math" panose="02040503050406030204" pitchFamily="18" charset="0"/>
                           </a:rPr>
                           <m:t>)</m:t>
@@ -5710,7 +5709,7 @@
                       </m:den>
                     </m:f>
                     <m:r>
-                      <a:rPr lang="en-US" sz="2400" b="0" i="1" smtClean="0">
+                      <a:rPr lang="en-US" sz="2400" i="1">
                         <a:latin typeface="Cambria Math" panose="02040503050406030204" pitchFamily="18" charset="0"/>
                       </a:rPr>
                       <m:t>=</m:t>
@@ -5718,44 +5717,44 @@
                     <m:f>
                       <m:fPr>
                         <m:ctrlPr>
-                          <a:rPr lang="en-US" sz="2400" b="0" i="1" smtClean="0">
+                          <a:rPr lang="en-US" sz="2400" i="1">
                             <a:latin typeface="Cambria Math" panose="02040503050406030204" pitchFamily="18" charset="0"/>
                           </a:rPr>
                         </m:ctrlPr>
                       </m:fPr>
                       <m:num>
                         <m:r>
-                          <a:rPr lang="en-US" sz="2400" b="0" i="1" smtClean="0">
+                          <a:rPr lang="en-US" sz="2400" i="1">
                             <a:latin typeface="Cambria Math" panose="02040503050406030204" pitchFamily="18" charset="0"/>
                           </a:rPr>
                           <m:t>𝜎</m:t>
                         </m:r>
                         <m:r>
-                          <a:rPr lang="en-US" sz="2400" b="0" i="1" smtClean="0">
+                          <a:rPr lang="en-US" sz="2400" i="1">
                             <a:latin typeface="Cambria Math" panose="02040503050406030204" pitchFamily="18" charset="0"/>
                           </a:rPr>
                           <m:t>{</m:t>
                         </m:r>
                         <m:r>
-                          <a:rPr lang="en-US" sz="2400" b="0" i="1" smtClean="0">
+                          <a:rPr lang="en-US" sz="2400" i="1">
                             <a:latin typeface="Cambria Math" panose="02040503050406030204" pitchFamily="18" charset="0"/>
                           </a:rPr>
                           <m:t>𝐴</m:t>
                         </m:r>
                         <m:r>
-                          <a:rPr lang="en-US" sz="2400" b="0" i="1" smtClean="0">
+                          <a:rPr lang="en-US" sz="2400" i="1">
                             <a:latin typeface="Cambria Math" panose="02040503050406030204" pitchFamily="18" charset="0"/>
                           </a:rPr>
                           <m:t>, </m:t>
                         </m:r>
                         <m:r>
-                          <a:rPr lang="en-US" sz="2400" b="0" i="1" smtClean="0">
+                          <a:rPr lang="en-US" sz="2400" i="1">
                             <a:latin typeface="Cambria Math" panose="02040503050406030204" pitchFamily="18" charset="0"/>
                           </a:rPr>
                           <m:t>𝐵</m:t>
                         </m:r>
                         <m:r>
-                          <a:rPr lang="en-US" sz="2400" b="0" i="1" smtClean="0">
+                          <a:rPr lang="en-US" sz="2400" i="1">
                             <a:latin typeface="Cambria Math" panose="02040503050406030204" pitchFamily="18" charset="0"/>
                           </a:rPr>
                           <m:t>}</m:t>
@@ -5763,25 +5762,25 @@
                       </m:num>
                       <m:den>
                         <m:r>
-                          <a:rPr lang="en-US" sz="2400" b="0" i="1" smtClean="0">
+                          <a:rPr lang="en-US" sz="2400" i="1">
                             <a:latin typeface="Cambria Math" panose="02040503050406030204" pitchFamily="18" charset="0"/>
                           </a:rPr>
                           <m:t>𝜎</m:t>
                         </m:r>
                         <m:r>
-                          <a:rPr lang="en-US" sz="2400" b="0" i="1" smtClean="0">
+                          <a:rPr lang="en-US" sz="2400" i="1">
                             <a:latin typeface="Cambria Math" panose="02040503050406030204" pitchFamily="18" charset="0"/>
                           </a:rPr>
                           <m:t>{</m:t>
                         </m:r>
                         <m:r>
-                          <a:rPr lang="en-US" sz="2400" b="0" i="1" smtClean="0">
+                          <a:rPr lang="en-US" sz="2400" i="1">
                             <a:latin typeface="Cambria Math" panose="02040503050406030204" pitchFamily="18" charset="0"/>
                           </a:rPr>
                           <m:t>𝐴</m:t>
                         </m:r>
                         <m:r>
-                          <a:rPr lang="en-US" sz="2400" b="0" i="1" smtClean="0">
+                          <a:rPr lang="en-US" sz="2400" i="1">
                             <a:latin typeface="Cambria Math" panose="02040503050406030204" pitchFamily="18" charset="0"/>
                           </a:rPr>
                           <m:t>}</m:t>
@@ -5812,7 +5811,7 @@
             </p:nvSpPr>
             <p:spPr>
               <a:xfrm>
-                <a:off x="231703" y="2506629"/>
+                <a:off x="1055440" y="2539142"/>
                 <a:ext cx="6110068" cy="1656183"/>
               </a:xfrm>
               <a:prstGeom prst="rect">
@@ -5821,7 +5820,7 @@
               <a:blipFill>
                 <a:blip r:embed="rId3"/>
                 <a:stretch>
-                  <a:fillRect t="-2941"/>
+                  <a:fillRect t="-2952"/>
                 </a:stretch>
               </a:blipFill>
             </p:spPr>
@@ -5858,7 +5857,7 @@
             </p:nvSpPr>
             <p:spPr>
               <a:xfrm>
-                <a:off x="231703" y="4043505"/>
+                <a:off x="1055440" y="4205808"/>
                 <a:ext cx="5544616" cy="2016224"/>
               </a:xfrm>
               <a:prstGeom prst="rect">
@@ -6047,7 +6046,6 @@
               </a:p>
               <a:p>
                 <a:pPr marL="109728" indent="0">
-                  <a:buFont typeface="Wingdings 3"/>
                   <a:buNone/>
                 </a:pPr>
                 <a14:m>
@@ -6057,7 +6055,7 @@
                     </m:oMathParaPr>
                     <m:oMath xmlns:m="http://schemas.openxmlformats.org/officeDocument/2006/math">
                       <m:r>
-                        <a:rPr lang="en-US" sz="2400" b="0" i="1" smtClean="0">
+                        <a:rPr lang="en-US" sz="2400" i="1">
                           <a:latin typeface="Cambria Math" panose="02040503050406030204" pitchFamily="18" charset="0"/>
                         </a:rPr>
                         <m:t>𝐿𝑖𝑓𝑡</m:t>
@@ -6065,26 +6063,26 @@
                       <m:d>
                         <m:dPr>
                           <m:ctrlPr>
-                            <a:rPr lang="en-US" sz="2400" b="0" i="1" smtClean="0">
+                            <a:rPr lang="en-US" sz="2400" i="1">
                               <a:latin typeface="Cambria Math" panose="02040503050406030204" pitchFamily="18" charset="0"/>
                             </a:rPr>
                           </m:ctrlPr>
                         </m:dPr>
                         <m:e>
                           <m:r>
-                            <a:rPr lang="en-US" sz="2400" b="0" i="1" smtClean="0">
+                            <a:rPr lang="en-US" sz="2400" i="1">
                               <a:latin typeface="Cambria Math" panose="02040503050406030204" pitchFamily="18" charset="0"/>
                             </a:rPr>
                             <m:t>𝐴</m:t>
                           </m:r>
                           <m:r>
-                            <a:rPr lang="en-US" sz="2400" b="0" i="1" smtClean="0">
+                            <a:rPr lang="en-US" sz="2400" i="1">
                               <a:latin typeface="Cambria Math" panose="02040503050406030204" pitchFamily="18" charset="0"/>
                             </a:rPr>
                             <m:t>→</m:t>
                           </m:r>
                           <m:r>
-                            <a:rPr lang="en-US" sz="2400" b="0" i="1" smtClean="0">
+                            <a:rPr lang="en-US" sz="2400" i="1">
                               <a:latin typeface="Cambria Math" panose="02040503050406030204" pitchFamily="18" charset="0"/>
                             </a:rPr>
                             <m:t>𝐵</m:t>
@@ -6092,7 +6090,7 @@
                         </m:e>
                       </m:d>
                       <m:r>
-                        <a:rPr lang="en-US" sz="2400" b="0" i="1" smtClean="0">
+                        <a:rPr lang="en-US" sz="2400" i="1">
                           <a:latin typeface="Cambria Math" panose="02040503050406030204" pitchFamily="18" charset="0"/>
                         </a:rPr>
                         <m:t>= </m:t>
@@ -6100,44 +6098,44 @@
                       <m:f>
                         <m:fPr>
                           <m:ctrlPr>
-                            <a:rPr lang="en-US" sz="2400" b="0" i="1" smtClean="0">
+                            <a:rPr lang="en-US" sz="2400" i="1">
                               <a:latin typeface="Cambria Math" panose="02040503050406030204" pitchFamily="18" charset="0"/>
                             </a:rPr>
                           </m:ctrlPr>
                         </m:fPr>
                         <m:num>
                           <m:r>
-                            <a:rPr lang="en-US" sz="2400" b="0" i="1" smtClean="0">
+                            <a:rPr lang="en-US" sz="2400" i="1">
                               <a:latin typeface="Cambria Math" panose="02040503050406030204" pitchFamily="18" charset="0"/>
                             </a:rPr>
                             <m:t>𝑐</m:t>
                           </m:r>
                           <m:r>
-                            <a:rPr lang="en-US" sz="2400" b="0" i="1" smtClean="0">
+                            <a:rPr lang="en-US" sz="2400" i="1">
                               <a:latin typeface="Cambria Math" panose="02040503050406030204" pitchFamily="18" charset="0"/>
                             </a:rPr>
                             <m:t>(</m:t>
                           </m:r>
                           <m:r>
-                            <a:rPr lang="en-US" sz="2400" b="0" i="1" smtClean="0">
+                            <a:rPr lang="en-US" sz="2400" i="1">
                               <a:latin typeface="Cambria Math" panose="02040503050406030204" pitchFamily="18" charset="0"/>
                             </a:rPr>
                             <m:t>𝐴</m:t>
                           </m:r>
                           <m:r>
-                            <a:rPr lang="en-US" sz="2400" b="0" i="1" smtClean="0">
+                            <a:rPr lang="en-US" sz="2400" i="1">
                               <a:latin typeface="Cambria Math" panose="02040503050406030204" pitchFamily="18" charset="0"/>
                             </a:rPr>
                             <m:t>→</m:t>
                           </m:r>
                           <m:r>
-                            <a:rPr lang="en-US" sz="2400" b="0" i="1" smtClean="0">
+                            <a:rPr lang="en-US" sz="2400" i="1">
                               <a:latin typeface="Cambria Math" panose="02040503050406030204" pitchFamily="18" charset="0"/>
                             </a:rPr>
                             <m:t>𝐵</m:t>
                           </m:r>
                           <m:r>
-                            <a:rPr lang="en-US" sz="2400" b="0" i="1" smtClean="0">
+                            <a:rPr lang="en-US" sz="2400" i="1">
                               <a:latin typeface="Cambria Math" panose="02040503050406030204" pitchFamily="18" charset="0"/>
                             </a:rPr>
                             <m:t>)</m:t>
@@ -6145,25 +6143,25 @@
                         </m:num>
                         <m:den>
                           <m:r>
-                            <a:rPr lang="en-US" sz="2400" b="0" i="1" smtClean="0">
+                            <a:rPr lang="en-US" sz="2400" i="1">
                               <a:latin typeface="Cambria Math" panose="02040503050406030204" pitchFamily="18" charset="0"/>
                             </a:rPr>
                             <m:t>𝑠</m:t>
                           </m:r>
                           <m:r>
-                            <a:rPr lang="en-US" sz="2400" b="0" i="1" smtClean="0">
+                            <a:rPr lang="en-US" sz="2400" i="1">
                               <a:latin typeface="Cambria Math" panose="02040503050406030204" pitchFamily="18" charset="0"/>
                             </a:rPr>
                             <m:t>(</m:t>
                           </m:r>
                           <m:r>
-                            <a:rPr lang="en-US" sz="2400" b="0" i="1" smtClean="0">
+                            <a:rPr lang="en-US" sz="2400" i="1">
                               <a:latin typeface="Cambria Math" panose="02040503050406030204" pitchFamily="18" charset="0"/>
                             </a:rPr>
                             <m:t>𝐵</m:t>
                           </m:r>
                           <m:r>
-                            <a:rPr lang="en-US" sz="2400" b="0" i="1" smtClean="0">
+                            <a:rPr lang="en-US" sz="2400" i="1">
                               <a:latin typeface="Cambria Math" panose="02040503050406030204" pitchFamily="18" charset="0"/>
                             </a:rPr>
                             <m:t>)</m:t>
@@ -6171,7 +6169,7 @@
                         </m:den>
                       </m:f>
                       <m:r>
-                        <a:rPr lang="en-US" sz="2400" b="0" i="1" smtClean="0">
+                        <a:rPr lang="en-US" sz="2400" i="1">
                           <a:latin typeface="Cambria Math" panose="02040503050406030204" pitchFamily="18" charset="0"/>
                         </a:rPr>
                         <m:t>=</m:t>
@@ -6179,44 +6177,44 @@
                       <m:f>
                         <m:fPr>
                           <m:ctrlPr>
-                            <a:rPr lang="en-US" sz="2400" b="0" i="1" smtClean="0">
+                            <a:rPr lang="en-US" sz="2400" i="1">
                               <a:latin typeface="Cambria Math" panose="02040503050406030204" pitchFamily="18" charset="0"/>
                             </a:rPr>
                           </m:ctrlPr>
                         </m:fPr>
                         <m:num>
                           <m:r>
-                            <a:rPr lang="en-US" sz="2400" b="0" i="1" smtClean="0">
+                            <a:rPr lang="en-US" sz="2400" i="1">
                               <a:latin typeface="Cambria Math" panose="02040503050406030204" pitchFamily="18" charset="0"/>
                             </a:rPr>
                             <m:t>𝑃</m:t>
                           </m:r>
                           <m:r>
-                            <a:rPr lang="en-US" sz="2400" b="0" i="1" smtClean="0">
+                            <a:rPr lang="en-US" sz="2400" i="1">
                               <a:latin typeface="Cambria Math" panose="02040503050406030204" pitchFamily="18" charset="0"/>
                             </a:rPr>
                             <m:t>(</m:t>
                           </m:r>
                           <m:r>
-                            <a:rPr lang="en-US" sz="2400" b="0" i="1" smtClean="0">
+                            <a:rPr lang="en-US" sz="2400" i="1">
                               <a:latin typeface="Cambria Math" panose="02040503050406030204" pitchFamily="18" charset="0"/>
                             </a:rPr>
                             <m:t>𝐵</m:t>
                           </m:r>
                           <m:r>
-                            <a:rPr lang="en-US" sz="2400" b="0" i="1" smtClean="0">
+                            <a:rPr lang="en-US" sz="2400" i="1">
                               <a:latin typeface="Cambria Math" panose="02040503050406030204" pitchFamily="18" charset="0"/>
                             </a:rPr>
                             <m:t>|</m:t>
                           </m:r>
                           <m:r>
-                            <a:rPr lang="en-US" sz="2400" b="0" i="1" smtClean="0">
+                            <a:rPr lang="en-US" sz="2400" i="1">
                               <a:latin typeface="Cambria Math" panose="02040503050406030204" pitchFamily="18" charset="0"/>
                             </a:rPr>
                             <m:t>𝐴</m:t>
                           </m:r>
                           <m:r>
-                            <a:rPr lang="en-US" sz="2400" b="0" i="1" smtClean="0">
+                            <a:rPr lang="en-US" sz="2400" i="1">
                               <a:latin typeface="Cambria Math" panose="02040503050406030204" pitchFamily="18" charset="0"/>
                             </a:rPr>
                             <m:t>)</m:t>
@@ -6224,25 +6222,25 @@
                         </m:num>
                         <m:den>
                           <m:r>
-                            <a:rPr lang="en-US" sz="2400" b="0" i="1" smtClean="0">
+                            <a:rPr lang="en-US" sz="2400" i="1">
                               <a:latin typeface="Cambria Math" panose="02040503050406030204" pitchFamily="18" charset="0"/>
                             </a:rPr>
                             <m:t>𝑃</m:t>
                           </m:r>
                           <m:r>
-                            <a:rPr lang="en-US" sz="2400" b="0" i="1" smtClean="0">
+                            <a:rPr lang="en-US" sz="2400" i="1">
                               <a:latin typeface="Cambria Math" panose="02040503050406030204" pitchFamily="18" charset="0"/>
                             </a:rPr>
                             <m:t>(</m:t>
                           </m:r>
                           <m:r>
-                            <a:rPr lang="en-US" sz="2400" b="0" i="1" smtClean="0">
+                            <a:rPr lang="en-US" sz="2400" i="1">
                               <a:latin typeface="Cambria Math" panose="02040503050406030204" pitchFamily="18" charset="0"/>
                             </a:rPr>
                             <m:t>𝐵</m:t>
                           </m:r>
                           <m:r>
-                            <a:rPr lang="en-US" sz="2400" b="0" i="1" smtClean="0">
+                            <a:rPr lang="en-US" sz="2400" i="1">
                               <a:latin typeface="Cambria Math" panose="02040503050406030204" pitchFamily="18" charset="0"/>
                             </a:rPr>
                             <m:t>)</m:t>
@@ -6274,7 +6272,7 @@
             </p:nvSpPr>
             <p:spPr>
               <a:xfrm>
-                <a:off x="231703" y="4043505"/>
+                <a:off x="1055440" y="4205808"/>
                 <a:ext cx="5544616" cy="2016224"/>
               </a:xfrm>
               <a:prstGeom prst="rect">
@@ -6318,7 +6316,7 @@
             </p:nvSpPr>
             <p:spPr>
               <a:xfrm>
-                <a:off x="4211960" y="1486460"/>
+                <a:off x="5591944" y="1444852"/>
                 <a:ext cx="4716016" cy="707886"/>
               </a:xfrm>
               <a:prstGeom prst="rect">
@@ -6339,37 +6337,37 @@
                 <a14:m>
                   <m:oMath xmlns:m="http://schemas.openxmlformats.org/officeDocument/2006/math">
                     <m:r>
-                      <a:rPr lang="en-US" sz="2000" b="0" i="1" smtClean="0">
+                      <a:rPr lang="en-US" sz="2000" i="1">
                         <a:latin typeface="Cambria Math" panose="02040503050406030204" pitchFamily="18" charset="0"/>
                       </a:rPr>
                       <m:t>𝜎</m:t>
                     </m:r>
                     <m:r>
-                      <a:rPr lang="en-US" sz="2000" b="0" i="1" smtClean="0">
+                      <a:rPr lang="en-US" sz="2000" i="1">
                         <a:latin typeface="Cambria Math" panose="02040503050406030204" pitchFamily="18" charset="0"/>
                       </a:rPr>
                       <m:t>{</m:t>
                     </m:r>
                     <m:r>
-                      <a:rPr lang="en-US" sz="2000" b="0" i="1" smtClean="0">
+                      <a:rPr lang="en-US" sz="2000" i="1">
                         <a:latin typeface="Cambria Math" panose="02040503050406030204" pitchFamily="18" charset="0"/>
                       </a:rPr>
                       <m:t>𝐴</m:t>
                     </m:r>
                     <m:r>
-                      <a:rPr lang="en-US" sz="2000" b="0" i="1" smtClean="0">
+                      <a:rPr lang="en-US" sz="2000" i="1">
                         <a:latin typeface="Cambria Math" panose="02040503050406030204" pitchFamily="18" charset="0"/>
                       </a:rPr>
                       <m:t>, </m:t>
                     </m:r>
                     <m:r>
-                      <a:rPr lang="en-US" sz="2000" b="0" i="1" smtClean="0">
+                      <a:rPr lang="en-US" sz="2000" i="1">
                         <a:latin typeface="Cambria Math" panose="02040503050406030204" pitchFamily="18" charset="0"/>
                       </a:rPr>
                       <m:t>𝐵</m:t>
                     </m:r>
                     <m:r>
-                      <a:rPr lang="en-US" sz="2000" b="0" i="1" smtClean="0">
+                      <a:rPr lang="en-US" sz="2000" i="1">
                         <a:latin typeface="Cambria Math" panose="02040503050406030204" pitchFamily="18" charset="0"/>
                       </a:rPr>
                       <m:t>}</m:t>
@@ -6426,7 +6424,7 @@
             </p:nvSpPr>
             <p:spPr>
               <a:xfrm>
-                <a:off x="4211960" y="1486460"/>
+                <a:off x="5591944" y="1444852"/>
                 <a:ext cx="4716016" cy="707886"/>
               </a:xfrm>
               <a:prstGeom prst="rect">
@@ -6435,7 +6433,7 @@
               <a:blipFill>
                 <a:blip r:embed="rId5"/>
                 <a:stretch>
-                  <a:fillRect l="-1421" t="-4310" b="-14655"/>
+                  <a:fillRect l="-1292" t="-3448" b="-14655"/>
                 </a:stretch>
               </a:blipFill>
             </p:spPr>
@@ -6470,7 +6468,7 @@
             </p:nvSpPr>
             <p:spPr>
               <a:xfrm>
-                <a:off x="5580112" y="4189079"/>
+                <a:off x="7320136" y="4258986"/>
                 <a:ext cx="3491880" cy="2308324"/>
               </a:xfrm>
               <a:prstGeom prst="rect">
@@ -6495,13 +6493,13 @@
                 <a14:m>
                   <m:oMath xmlns:m="http://schemas.openxmlformats.org/officeDocument/2006/math">
                     <m:r>
-                      <a:rPr lang="en-US" b="0" i="1" smtClean="0">
+                      <a:rPr lang="en-US" i="1">
                         <a:latin typeface="Cambria Math" panose="02040503050406030204" pitchFamily="18" charset="0"/>
                       </a:rPr>
                       <m:t>𝐿𝑖𝑓𝑡</m:t>
                     </m:r>
                     <m:r>
-                      <a:rPr lang="en-US" b="0" i="1" smtClean="0">
+                      <a:rPr lang="en-US" i="1">
                         <a:latin typeface="Cambria Math" panose="02040503050406030204" pitchFamily="18" charset="0"/>
                       </a:rPr>
                       <m:t>=1</m:t>
@@ -6531,16 +6529,10 @@
                       <m:t>𝐿𝑖𝑓𝑡</m:t>
                     </m:r>
                     <m:r>
-                      <a:rPr lang="en-US" b="0" i="1" smtClean="0">
-                        <a:latin typeface="Cambria Math" panose="02040503050406030204" pitchFamily="18" charset="0"/>
-                      </a:rPr>
-                      <m:t>&gt;</m:t>
-                    </m:r>
-                    <m:r>
                       <a:rPr lang="en-US" i="1">
                         <a:latin typeface="Cambria Math" panose="02040503050406030204" pitchFamily="18" charset="0"/>
                       </a:rPr>
-                      <m:t>1</m:t>
+                      <m:t>&gt;1</m:t>
                     </m:r>
                   </m:oMath>
                 </a14:m>
@@ -6567,16 +6559,10 @@
                       <m:t>𝐿𝑖𝑓𝑡</m:t>
                     </m:r>
                     <m:r>
-                      <a:rPr lang="en-US" b="0" i="1" smtClean="0">
-                        <a:latin typeface="Cambria Math" panose="02040503050406030204" pitchFamily="18" charset="0"/>
-                      </a:rPr>
-                      <m:t>&lt;</m:t>
-                    </m:r>
-                    <m:r>
                       <a:rPr lang="en-US" i="1">
                         <a:latin typeface="Cambria Math" panose="02040503050406030204" pitchFamily="18" charset="0"/>
                       </a:rPr>
-                      <m:t>1</m:t>
+                      <m:t>&lt;1</m:t>
                     </m:r>
                   </m:oMath>
                 </a14:m>
@@ -6619,7 +6605,7 @@
             </p:nvSpPr>
             <p:spPr>
               <a:xfrm>
-                <a:off x="5580112" y="4189079"/>
+                <a:off x="7320136" y="4258986"/>
                 <a:ext cx="3491880" cy="2308324"/>
               </a:xfrm>
               <a:prstGeom prst="rect">
@@ -6628,7 +6614,7 @@
               <a:blipFill>
                 <a:blip r:embed="rId6"/>
                 <a:stretch>
-                  <a:fillRect l="-1047" t="-1055"/>
+                  <a:fillRect l="-1222" t="-1323"/>
                 </a:stretch>
               </a:blipFill>
             </p:spPr>
@@ -6923,7 +6909,7 @@
             </p:nvSpPr>
             <p:spPr>
               <a:xfrm>
-                <a:off x="997950" y="1124744"/>
+                <a:off x="0" y="1086360"/>
                 <a:ext cx="3538736" cy="1296144"/>
               </a:xfrm>
             </p:spPr>
@@ -6945,20 +6931,20 @@
                 <a14:m>
                   <m:oMath xmlns:m="http://schemas.openxmlformats.org/officeDocument/2006/math">
                     <m:r>
-                      <a:rPr lang="en-US" sz="2200" b="0" i="1" smtClean="0">
+                      <a:rPr lang="en-US" sz="2200" i="1">
                         <a:latin typeface="Cambria Math" panose="02040503050406030204" pitchFamily="18" charset="0"/>
                       </a:rPr>
                       <m:t>𝑁𝑢𝑚</m:t>
                     </m:r>
                     <m:r>
-                      <a:rPr lang="en-US" sz="2200" b="0" i="1" smtClean="0">
+                      <a:rPr lang="en-US" sz="2200" i="1">
                         <a:latin typeface="Cambria Math" panose="02040503050406030204" pitchFamily="18" charset="0"/>
                       </a:rPr>
                       <m:t>=50</m:t>
                     </m:r>
                   </m:oMath>
                 </a14:m>
-                <a:endParaRPr lang="en-US" sz="2200" b="0" i="1" dirty="0">
+                <a:endParaRPr lang="en-US" sz="2200" i="1" dirty="0">
                   <a:latin typeface="Cambria Math" panose="02040503050406030204" pitchFamily="18" charset="0"/>
                 </a:endParaRPr>
               </a:p>
@@ -6966,20 +6952,20 @@
                 <a14:m>
                   <m:oMath xmlns:m="http://schemas.openxmlformats.org/officeDocument/2006/math">
                     <m:r>
-                      <a:rPr lang="en-US" sz="2200" b="0" i="1" smtClean="0">
+                      <a:rPr lang="en-US" sz="2200" i="1">
                         <a:latin typeface="Cambria Math" panose="02040503050406030204" pitchFamily="18" charset="0"/>
                       </a:rPr>
                       <m:t>𝜃</m:t>
                     </m:r>
                     <m:r>
-                      <a:rPr lang="en-US" sz="2200" b="0" i="1" smtClean="0">
+                      <a:rPr lang="en-US" sz="2200" i="1">
                         <a:latin typeface="Cambria Math" panose="02040503050406030204" pitchFamily="18" charset="0"/>
                       </a:rPr>
                       <m:t>=0.25</m:t>
                     </m:r>
                   </m:oMath>
                 </a14:m>
-                <a:endParaRPr lang="en-US" sz="2200" b="0" dirty="0"/>
+                <a:endParaRPr lang="en-US" sz="2200" dirty="0"/>
               </a:p>
               <a:p>
                 <a:pPr marL="109728" indent="0">
@@ -7012,13 +6998,13 @@
             </p:nvSpPr>
             <p:spPr>
               <a:xfrm>
-                <a:off x="997950" y="1124744"/>
+                <a:off x="0" y="1086360"/>
                 <a:ext cx="3538736" cy="1296144"/>
               </a:xfrm>
               <a:blipFill>
                 <a:blip r:embed="rId2"/>
                 <a:stretch>
-                  <a:fillRect t="-3302" r="-862"/>
+                  <a:fillRect t="-3286" r="-688"/>
                 </a:stretch>
               </a:blipFill>
             </p:spPr>
@@ -7055,7 +7041,7 @@
         </p:nvSpPr>
         <p:spPr>
           <a:xfrm>
-            <a:off x="457200" y="188640"/>
+            <a:off x="1981200" y="188640"/>
             <a:ext cx="8229600" cy="1143000"/>
           </a:xfrm>
         </p:spPr>
@@ -7110,8 +7096,8 @@
         </p:blipFill>
         <p:spPr>
           <a:xfrm>
-            <a:off x="209310" y="2564904"/>
-            <a:ext cx="8654753" cy="3982929"/>
+            <a:off x="2416754" y="1556792"/>
+            <a:ext cx="9782505" cy="4501922"/>
           </a:xfrm>
           <a:prstGeom prst="rect">
             <a:avLst/>
@@ -7136,8 +7122,8 @@
             </p:nvSpPr>
             <p:spPr>
               <a:xfrm>
-                <a:off x="3073007" y="1544307"/>
-                <a:ext cx="3538736" cy="1008112"/>
+                <a:off x="0" y="2179974"/>
+                <a:ext cx="3935760" cy="1249025"/>
               </a:xfrm>
               <a:prstGeom prst="rect">
                 <a:avLst/>
@@ -7321,19 +7307,19 @@
                 <a14:m>
                   <m:oMath xmlns:m="http://schemas.openxmlformats.org/officeDocument/2006/math">
                     <m:r>
-                      <a:rPr lang="en-US" sz="2200" i="1" smtClean="0">
+                      <a:rPr lang="en-US" sz="2200" i="1">
                         <a:latin typeface="Cambria Math" panose="02040503050406030204" pitchFamily="18" charset="0"/>
                       </a:rPr>
                       <m:t>𝑅</m:t>
                     </m:r>
                     <m:r>
-                      <a:rPr lang="en-US" sz="2200" i="1" smtClean="0">
+                      <a:rPr lang="en-US" sz="2200" i="1">
                         <a:latin typeface="Cambria Math" panose="02040503050406030204" pitchFamily="18" charset="0"/>
                       </a:rPr>
                       <m:t>=2 </m:t>
                     </m:r>
                     <m:r>
-                      <a:rPr lang="en-US" sz="2200" i="1" smtClean="0">
+                      <a:rPr lang="en-US" sz="2200" i="1">
                         <a:latin typeface="Cambria Math" panose="02040503050406030204" pitchFamily="18" charset="0"/>
                       </a:rPr>
                       <m:t>𝑘𝑚</m:t>
@@ -7348,46 +7334,51 @@
                 <a14:m>
                   <m:oMath xmlns:m="http://schemas.openxmlformats.org/officeDocument/2006/math">
                     <m:r>
-                      <a:rPr lang="en-US" sz="2200" i="1" smtClean="0">
+                      <a:rPr lang="en-US" sz="2200" i="1">
                         <a:latin typeface="Cambria Math" panose="02040503050406030204" pitchFamily="18" charset="0"/>
                       </a:rPr>
                       <m:t>𝑇</m:t>
                     </m:r>
                     <m:r>
-                      <a:rPr lang="en-US" sz="2200" i="1" smtClean="0">
+                      <a:rPr lang="en-US" sz="2200" i="1">
                         <a:latin typeface="Cambria Math" panose="02040503050406030204" pitchFamily="18" charset="0"/>
                       </a:rPr>
                       <m:t>=168 </m:t>
                     </m:r>
                     <m:r>
-                      <a:rPr lang="en-US" sz="2200" i="1" smtClean="0">
+                      <a:rPr lang="en-US" sz="2200" i="1">
                         <a:latin typeface="Cambria Math" panose="02040503050406030204" pitchFamily="18" charset="0"/>
                       </a:rPr>
                       <m:t>𝑜𝑟𝑒</m:t>
                     </m:r>
+                  </m:oMath>
+                </a14:m>
+                <a:endParaRPr lang="en-US" sz="2200" dirty="0"/>
+              </a:p>
+              <a:p>
+                <a:pPr marL="109728" indent="0">
+                  <a:buNone/>
+                </a:pPr>
+                <a:r>
+                  <a:rPr lang="en-US" sz="2200" dirty="0"/>
+                  <a:t>   </a:t>
+                </a:r>
+                <a14:m>
+                  <m:oMath xmlns:m="http://schemas.openxmlformats.org/officeDocument/2006/math">
                     <m:r>
-                      <m:rPr>
-                        <m:nor/>
-                      </m:rPr>
-                      <a:rPr lang="en-US" sz="2200" smtClean="0">
+                      <a:rPr lang="en-US" sz="2200" i="1" dirty="0" smtClean="0">
                         <a:latin typeface="Cambria Math" panose="02040503050406030204" pitchFamily="18" charset="0"/>
                       </a:rPr>
-                      <m:t> (7 </m:t>
+                      <m:t>(7 </m:t>
                     </m:r>
                     <m:r>
-                      <m:rPr>
-                        <m:nor/>
-                      </m:rPr>
-                      <a:rPr lang="en-US" sz="2200" smtClean="0">
+                      <a:rPr lang="en-US" sz="2200" i="1" dirty="0" err="1" smtClean="0">
                         <a:latin typeface="Cambria Math" panose="02040503050406030204" pitchFamily="18" charset="0"/>
                       </a:rPr>
-                      <m:t>giorni</m:t>
+                      <m:t>𝑔𝑖𝑜𝑟𝑛𝑖</m:t>
                     </m:r>
                     <m:r>
-                      <m:rPr>
-                        <m:nor/>
-                      </m:rPr>
-                      <a:rPr lang="en-US" sz="2200" smtClean="0">
+                      <a:rPr lang="en-US" sz="2200" i="1" dirty="0" smtClean="0">
                         <a:latin typeface="Cambria Math" panose="02040503050406030204" pitchFamily="18" charset="0"/>
                       </a:rPr>
                       <m:t>)</m:t>
@@ -7398,7 +7389,6 @@
               </a:p>
               <a:p>
                 <a:pPr marL="109728" indent="0">
-                  <a:buFont typeface="Wingdings 3"/>
                   <a:buNone/>
                 </a:pPr>
                 <a:endParaRPr lang="it-IT" sz="2400" dirty="0"/>
@@ -7426,8 +7416,8 @@
             </p:nvSpPr>
             <p:spPr>
               <a:xfrm>
-                <a:off x="3073007" y="1544307"/>
-                <a:ext cx="3538736" cy="1008112"/>
+                <a:off x="0" y="2179974"/>
+                <a:ext cx="3935760" cy="1249025"/>
               </a:xfrm>
               <a:prstGeom prst="rect">
                 <a:avLst/>
@@ -7435,7 +7425,7 @@
               <a:blipFill>
                 <a:blip r:embed="rId4"/>
                 <a:stretch>
-                  <a:fillRect/>
+                  <a:fillRect b="-980"/>
                 </a:stretch>
               </a:blipFill>
             </p:spPr>
@@ -7677,13 +7667,13 @@
         </p:nvSpPr>
         <p:spPr>
           <a:xfrm>
-            <a:off x="318356" y="1556792"/>
-            <a:ext cx="8316416" cy="4525963"/>
+            <a:off x="335360" y="1412776"/>
+            <a:ext cx="11233248" cy="4525963"/>
           </a:xfrm>
         </p:spPr>
         <p:txBody>
           <a:bodyPr>
-            <a:normAutofit lnSpcReduction="10000"/>
+            <a:normAutofit/>
           </a:bodyPr>
           <a:lstStyle/>
           <a:p>
@@ -7961,7 +7951,7 @@
         </p:nvSpPr>
         <p:spPr>
           <a:xfrm>
-            <a:off x="318356" y="203745"/>
+            <a:off x="1842356" y="203745"/>
             <a:ext cx="8507288" cy="1143000"/>
           </a:xfrm>
         </p:spPr>
@@ -8027,7 +8017,7 @@
         </p:nvSpPr>
         <p:spPr>
           <a:xfrm>
-            <a:off x="685800" y="1268760"/>
+            <a:off x="2209800" y="1268760"/>
             <a:ext cx="7772400" cy="1017458"/>
           </a:xfrm>
         </p:spPr>
@@ -8070,7 +8060,7 @@
         </p:nvSpPr>
         <p:spPr>
           <a:xfrm>
-            <a:off x="755576" y="3429000"/>
+            <a:off x="2279576" y="3429001"/>
             <a:ext cx="4817894" cy="1192469"/>
           </a:xfrm>
         </p:spPr>
@@ -8138,7 +8128,7 @@
         </p:blipFill>
         <p:spPr>
           <a:xfrm>
-            <a:off x="5724128" y="2987606"/>
+            <a:off x="7248128" y="2987606"/>
             <a:ext cx="2016224" cy="2016224"/>
           </a:xfrm>
           <a:prstGeom prst="rect">
@@ -8194,8 +8184,8 @@
         </p:nvSpPr>
         <p:spPr>
           <a:xfrm>
-            <a:off x="610943" y="2222025"/>
-            <a:ext cx="8229600" cy="1054160"/>
+            <a:off x="551384" y="2114114"/>
+            <a:ext cx="9754943" cy="1054160"/>
           </a:xfrm>
         </p:spPr>
         <p:txBody>
@@ -8310,7 +8300,7 @@
         </p:nvSpPr>
         <p:spPr>
           <a:xfrm>
-            <a:off x="2474145" y="4278603"/>
+            <a:off x="4007768" y="4340400"/>
             <a:ext cx="6840760" cy="1670755"/>
           </a:xfrm>
           <a:prstGeom prst="rect">
@@ -8687,8 +8677,8 @@
         </p:nvSpPr>
         <p:spPr>
           <a:xfrm>
-            <a:off x="611560" y="1483874"/>
-            <a:ext cx="8229600" cy="936104"/>
+            <a:off x="551384" y="1483874"/>
+            <a:ext cx="10972800" cy="936104"/>
           </a:xfrm>
           <a:prstGeom prst="rect">
             <a:avLst/>
@@ -8995,7 +8985,6 @@
           </a:p>
           <a:p>
             <a:pPr marL="109728" indent="0">
-              <a:buFont typeface="Wingdings 3"/>
               <a:buNone/>
             </a:pPr>
             <a:endParaRPr lang="de-DE" sz="1800" dirty="0"/>
@@ -9018,8 +9007,8 @@
         </p:nvSpPr>
         <p:spPr>
           <a:xfrm>
-            <a:off x="610943" y="3011919"/>
-            <a:ext cx="8229600" cy="1266684"/>
+            <a:off x="551384" y="2795658"/>
+            <a:ext cx="10729192" cy="1266684"/>
           </a:xfrm>
           <a:prstGeom prst="rect">
             <a:avLst/>
@@ -9027,7 +9016,7 @@
         </p:spPr>
         <p:txBody>
           <a:bodyPr vert="horz">
-            <a:normAutofit fontScale="92500" lnSpcReduction="20000"/>
+            <a:normAutofit/>
           </a:bodyPr>
           <a:lstStyle>
             <a:lvl1pPr marL="365760" indent="-256032" algn="l" rtl="0" eaLnBrk="1" latinLnBrk="0" hangingPunct="1">
@@ -9247,7 +9236,6 @@
           </a:p>
           <a:p>
             <a:pPr marL="109728" indent="0">
-              <a:buFont typeface="Wingdings 3"/>
               <a:buNone/>
             </a:pPr>
             <a:endParaRPr lang="de-DE" sz="1800" dirty="0"/>
@@ -9283,7 +9271,7 @@
         </p:blipFill>
         <p:spPr bwMode="auto">
           <a:xfrm>
-            <a:off x="783514" y="4216805"/>
+            <a:off x="1631504" y="4216806"/>
             <a:ext cx="1518061" cy="1794349"/>
           </a:xfrm>
           <a:prstGeom prst="rect">
@@ -9842,8 +9830,8 @@
         </p:blipFill>
         <p:spPr>
           <a:xfrm>
-            <a:off x="0" y="1808449"/>
-            <a:ext cx="4899818" cy="3727951"/>
+            <a:off x="293919" y="1619672"/>
+            <a:ext cx="5514514" cy="4195633"/>
           </a:xfrm>
           <a:prstGeom prst="rect">
             <a:avLst/>
@@ -9868,8 +9856,8 @@
         </p:nvSpPr>
         <p:spPr>
           <a:xfrm>
-            <a:off x="4572000" y="1619673"/>
-            <a:ext cx="4392488" cy="873224"/>
+            <a:off x="6096000" y="1664305"/>
+            <a:ext cx="5112568" cy="873224"/>
           </a:xfrm>
         </p:spPr>
         <p:txBody>
@@ -9964,7 +9952,7 @@
         </p:nvSpPr>
         <p:spPr>
           <a:xfrm>
-            <a:off x="611560" y="116632"/>
+            <a:off x="2135560" y="116632"/>
             <a:ext cx="8229600" cy="1143000"/>
           </a:xfrm>
         </p:spPr>
@@ -10005,7 +9993,7 @@
         </p:nvSpPr>
         <p:spPr>
           <a:xfrm>
-            <a:off x="611560" y="476672"/>
+            <a:off x="2135560" y="476672"/>
             <a:ext cx="8229600" cy="1143000"/>
           </a:xfrm>
           <a:prstGeom prst="rect">
@@ -10091,7 +10079,7 @@
         </p:blipFill>
         <p:spPr>
           <a:xfrm>
-            <a:off x="4809272" y="2202490"/>
+            <a:off x="6333272" y="2202491"/>
             <a:ext cx="4246952" cy="936103"/>
           </a:xfrm>
           <a:prstGeom prst="rect">
@@ -10121,7 +10109,7 @@
         </p:blipFill>
         <p:spPr>
           <a:xfrm>
-            <a:off x="4865455" y="4272091"/>
+            <a:off x="6640576" y="4185394"/>
             <a:ext cx="3060551" cy="315928"/>
           </a:xfrm>
           <a:prstGeom prst="rect">
@@ -10145,7 +10133,7 @@
         </p:nvSpPr>
         <p:spPr>
           <a:xfrm>
-            <a:off x="4459379" y="3760611"/>
+            <a:off x="6234499" y="3673915"/>
             <a:ext cx="4392488" cy="1368149"/>
           </a:xfrm>
           <a:prstGeom prst="rect">
@@ -10399,7 +10387,7 @@
         </p:nvSpPr>
         <p:spPr>
           <a:xfrm>
-            <a:off x="4809272" y="4919101"/>
+            <a:off x="6584392" y="4832404"/>
             <a:ext cx="4392488" cy="1368150"/>
           </a:xfrm>
           <a:prstGeom prst="rect">
@@ -10643,7 +10631,7 @@
         </p:blipFill>
         <p:spPr>
           <a:xfrm>
-            <a:off x="6094301" y="5449820"/>
+            <a:off x="7869422" y="5363123"/>
             <a:ext cx="1781175" cy="285750"/>
           </a:xfrm>
           <a:prstGeom prst="rect">
@@ -10673,7 +10661,7 @@
         </p:blipFill>
         <p:spPr>
           <a:xfrm>
-            <a:off x="6376193" y="4896201"/>
+            <a:off x="8151314" y="4809505"/>
             <a:ext cx="428625" cy="295275"/>
           </a:xfrm>
           <a:prstGeom prst="rect">
@@ -10703,7 +10691,7 @@
         </p:blipFill>
         <p:spPr>
           <a:xfrm>
-            <a:off x="5295664" y="5774178"/>
+            <a:off x="7070784" y="5687481"/>
             <a:ext cx="3308784" cy="566926"/>
           </a:xfrm>
           <a:prstGeom prst="rect">
@@ -10733,7 +10721,7 @@
         </p:blipFill>
         <p:spPr>
           <a:xfrm>
-            <a:off x="5141801" y="5182575"/>
+            <a:off x="6916921" y="5095879"/>
             <a:ext cx="1905000" cy="276225"/>
           </a:xfrm>
           <a:prstGeom prst="rect">
@@ -11236,7 +11224,7 @@
         </p:nvSpPr>
         <p:spPr>
           <a:xfrm>
-            <a:off x="573959" y="2308424"/>
+            <a:off x="1045096" y="2202447"/>
             <a:ext cx="5050904" cy="507512"/>
           </a:xfrm>
         </p:spPr>
@@ -11288,7 +11276,7 @@
         </p:nvSpPr>
         <p:spPr>
           <a:xfrm>
-            <a:off x="431540" y="167060"/>
+            <a:off x="1955540" y="167060"/>
             <a:ext cx="8280920" cy="760614"/>
           </a:xfrm>
         </p:spPr>
@@ -11331,7 +11319,7 @@
         </p:nvSpPr>
         <p:spPr>
           <a:xfrm>
-            <a:off x="539552" y="562673"/>
+            <a:off x="2063552" y="562674"/>
             <a:ext cx="8280920" cy="678813"/>
           </a:xfrm>
           <a:prstGeom prst="rect">
@@ -11407,7 +11395,7 @@
         </p:nvSpPr>
         <p:spPr>
           <a:xfrm>
-            <a:off x="539552" y="1275765"/>
+            <a:off x="565178" y="1264409"/>
             <a:ext cx="6984776" cy="327339"/>
           </a:xfrm>
           <a:prstGeom prst="rect">
@@ -11646,7 +11634,7 @@
         </p:blipFill>
         <p:spPr>
           <a:xfrm>
-            <a:off x="2195736" y="2583618"/>
+            <a:off x="2666873" y="2477641"/>
             <a:ext cx="4104456" cy="704896"/>
           </a:xfrm>
           <a:prstGeom prst="rect">
@@ -11670,7 +11658,7 @@
         </p:nvSpPr>
         <p:spPr>
           <a:xfrm>
-            <a:off x="573959" y="3438615"/>
+            <a:off x="1045096" y="3332638"/>
             <a:ext cx="5050904" cy="507512"/>
           </a:xfrm>
           <a:prstGeom prst="rect">
@@ -11876,7 +11864,7 @@
         </p:nvSpPr>
         <p:spPr>
           <a:xfrm>
-            <a:off x="2046548" y="3833964"/>
+            <a:off x="2517685" y="3727987"/>
             <a:ext cx="5050904" cy="1803734"/>
           </a:xfrm>
           <a:prstGeom prst="rect">
@@ -12116,7 +12104,7 @@
         </p:blipFill>
         <p:spPr>
           <a:xfrm>
-            <a:off x="2915816" y="4215399"/>
+            <a:off x="3386953" y="4109422"/>
             <a:ext cx="3528392" cy="427684"/>
           </a:xfrm>
           <a:prstGeom prst="rect">
@@ -12146,7 +12134,7 @@
         </p:blipFill>
         <p:spPr>
           <a:xfrm>
-            <a:off x="3150204" y="5075676"/>
+            <a:off x="3621341" y="4969699"/>
             <a:ext cx="4892534" cy="980182"/>
           </a:xfrm>
           <a:prstGeom prst="rect">
@@ -12168,7 +12156,7 @@
         </p:nvSpPr>
         <p:spPr>
           <a:xfrm>
-            <a:off x="3046481" y="6093213"/>
+            <a:off x="3517619" y="5987236"/>
             <a:ext cx="793807" cy="369332"/>
           </a:xfrm>
           <a:prstGeom prst="rect">
@@ -12212,7 +12200,7 @@
         </p:blipFill>
         <p:spPr>
           <a:xfrm>
-            <a:off x="3779912" y="6070291"/>
+            <a:off x="4251049" y="5964314"/>
             <a:ext cx="4610548" cy="403530"/>
           </a:xfrm>
           <a:prstGeom prst="rect">
@@ -12242,7 +12230,7 @@
         </p:blipFill>
         <p:spPr>
           <a:xfrm>
-            <a:off x="2533566" y="1550353"/>
+            <a:off x="2532048" y="1550353"/>
             <a:ext cx="4076868" cy="393382"/>
           </a:xfrm>
           <a:prstGeom prst="rect">
@@ -12250,6 +12238,334 @@
           </a:prstGeom>
         </p:spPr>
       </p:pic>
+      <mc:AlternateContent xmlns:mc="http://schemas.openxmlformats.org/markup-compatibility/2006">
+        <mc:Choice xmlns:a14="http://schemas.microsoft.com/office/drawing/2010/main" Requires="a14">
+          <p:sp>
+            <p:nvSpPr>
+              <p:cNvPr id="16" name="Segnaposto contenuto 1">
+                <a:extLst>
+                  <a:ext uri="{FF2B5EF4-FFF2-40B4-BE49-F238E27FC236}">
+                    <a16:creationId xmlns:a16="http://schemas.microsoft.com/office/drawing/2014/main" id="{B5299535-83B9-4A75-8A13-C09E50389609}"/>
+                  </a:ext>
+                </a:extLst>
+              </p:cNvPr>
+              <p:cNvSpPr txBox="1">
+                <a:spLocks/>
+              </p:cNvSpPr>
+              <p:nvPr/>
+            </p:nvSpPr>
+            <p:spPr>
+              <a:xfrm>
+                <a:off x="7176120" y="2807195"/>
+                <a:ext cx="5276655" cy="1032955"/>
+              </a:xfrm>
+              <a:prstGeom prst="rect">
+                <a:avLst/>
+              </a:prstGeom>
+            </p:spPr>
+            <p:txBody>
+              <a:bodyPr vert="horz">
+                <a:normAutofit/>
+              </a:bodyPr>
+              <a:lstStyle>
+                <a:lvl1pPr marL="365760" indent="-256032" algn="l" rtl="0" eaLnBrk="1" latinLnBrk="0" hangingPunct="1">
+                  <a:spcBef>
+                    <a:spcPts val="400"/>
+                  </a:spcBef>
+                  <a:spcAft>
+                    <a:spcPts val="0"/>
+                  </a:spcAft>
+                  <a:buClr>
+                    <a:schemeClr val="accent1"/>
+                  </a:buClr>
+                  <a:buSzPct val="68000"/>
+                  <a:buFont typeface="Wingdings 3"/>
+                  <a:buChar char=""/>
+                  <a:defRPr kumimoji="0" sz="2700" kern="1200">
+                    <a:solidFill>
+                      <a:schemeClr val="tx1"/>
+                    </a:solidFill>
+                    <a:latin typeface="+mn-lt"/>
+                    <a:ea typeface="+mn-ea"/>
+                    <a:cs typeface="+mn-cs"/>
+                  </a:defRPr>
+                </a:lvl1pPr>
+                <a:lvl2pPr marL="621792" indent="-228600" algn="l" rtl="0" eaLnBrk="1" latinLnBrk="0" hangingPunct="1">
+                  <a:spcBef>
+                    <a:spcPts val="324"/>
+                  </a:spcBef>
+                  <a:buClr>
+                    <a:schemeClr val="accent1"/>
+                  </a:buClr>
+                  <a:buFont typeface="Verdana"/>
+                  <a:buChar char="◦"/>
+                  <a:defRPr kumimoji="0" sz="2300" kern="1200">
+                    <a:solidFill>
+                      <a:schemeClr val="tx1"/>
+                    </a:solidFill>
+                    <a:latin typeface="+mn-lt"/>
+                    <a:ea typeface="+mn-ea"/>
+                    <a:cs typeface="+mn-cs"/>
+                  </a:defRPr>
+                </a:lvl2pPr>
+                <a:lvl3pPr marL="859536" indent="-228600" algn="l" rtl="0" eaLnBrk="1" latinLnBrk="0" hangingPunct="1">
+                  <a:spcBef>
+                    <a:spcPts val="350"/>
+                  </a:spcBef>
+                  <a:buClr>
+                    <a:schemeClr val="accent2"/>
+                  </a:buClr>
+                  <a:buSzPct val="100000"/>
+                  <a:buFont typeface="Wingdings 2"/>
+                  <a:buChar char=""/>
+                  <a:defRPr kumimoji="0" sz="2100" kern="1200">
+                    <a:solidFill>
+                      <a:schemeClr val="tx1"/>
+                    </a:solidFill>
+                    <a:latin typeface="+mn-lt"/>
+                    <a:ea typeface="+mn-ea"/>
+                    <a:cs typeface="+mn-cs"/>
+                  </a:defRPr>
+                </a:lvl3pPr>
+                <a:lvl4pPr marL="1143000" indent="-228600" algn="l" rtl="0" eaLnBrk="1" latinLnBrk="0" hangingPunct="1">
+                  <a:spcBef>
+                    <a:spcPts val="350"/>
+                  </a:spcBef>
+                  <a:buClr>
+                    <a:schemeClr val="accent2"/>
+                  </a:buClr>
+                  <a:buFont typeface="Wingdings 2"/>
+                  <a:buChar char=""/>
+                  <a:defRPr kumimoji="0" sz="1900" kern="1200">
+                    <a:solidFill>
+                      <a:schemeClr val="tx1"/>
+                    </a:solidFill>
+                    <a:latin typeface="+mn-lt"/>
+                    <a:ea typeface="+mn-ea"/>
+                    <a:cs typeface="+mn-cs"/>
+                  </a:defRPr>
+                </a:lvl4pPr>
+                <a:lvl5pPr marL="1371600" indent="-228600" algn="l" rtl="0" eaLnBrk="1" latinLnBrk="0" hangingPunct="1">
+                  <a:spcBef>
+                    <a:spcPts val="350"/>
+                  </a:spcBef>
+                  <a:buClr>
+                    <a:schemeClr val="accent2"/>
+                  </a:buClr>
+                  <a:buFont typeface="Wingdings 2"/>
+                  <a:buChar char=""/>
+                  <a:defRPr kumimoji="0" sz="1800" kern="1200">
+                    <a:solidFill>
+                      <a:schemeClr val="tx1"/>
+                    </a:solidFill>
+                    <a:latin typeface="+mn-lt"/>
+                    <a:ea typeface="+mn-ea"/>
+                    <a:cs typeface="+mn-cs"/>
+                  </a:defRPr>
+                </a:lvl5pPr>
+                <a:lvl6pPr marL="1600200" indent="-228600" algn="l" rtl="0" eaLnBrk="1" latinLnBrk="0" hangingPunct="1">
+                  <a:spcBef>
+                    <a:spcPts val="350"/>
+                  </a:spcBef>
+                  <a:buClr>
+                    <a:schemeClr val="accent3"/>
+                  </a:buClr>
+                  <a:buFont typeface="Wingdings 2"/>
+                  <a:buChar char=""/>
+                  <a:defRPr kumimoji="0" sz="1800" kern="1200">
+                    <a:solidFill>
+                      <a:schemeClr val="tx1"/>
+                    </a:solidFill>
+                    <a:latin typeface="+mn-lt"/>
+                    <a:ea typeface="+mn-ea"/>
+                    <a:cs typeface="+mn-cs"/>
+                  </a:defRPr>
+                </a:lvl6pPr>
+                <a:lvl7pPr marL="1828800" indent="-228600" algn="l" rtl="0" eaLnBrk="1" latinLnBrk="0" hangingPunct="1">
+                  <a:spcBef>
+                    <a:spcPts val="350"/>
+                  </a:spcBef>
+                  <a:buClr>
+                    <a:schemeClr val="accent3"/>
+                  </a:buClr>
+                  <a:buFont typeface="Wingdings 2"/>
+                  <a:buChar char=""/>
+                  <a:defRPr kumimoji="0" sz="1600" kern="1200">
+                    <a:solidFill>
+                      <a:schemeClr val="tx1"/>
+                    </a:solidFill>
+                    <a:latin typeface="+mn-lt"/>
+                    <a:ea typeface="+mn-ea"/>
+                    <a:cs typeface="+mn-cs"/>
+                  </a:defRPr>
+                </a:lvl7pPr>
+                <a:lvl8pPr marL="2057400" indent="-228600" algn="l" rtl="0" eaLnBrk="1" latinLnBrk="0" hangingPunct="1">
+                  <a:spcBef>
+                    <a:spcPts val="350"/>
+                  </a:spcBef>
+                  <a:buClr>
+                    <a:schemeClr val="accent3"/>
+                  </a:buClr>
+                  <a:buFont typeface="Wingdings 2"/>
+                  <a:buChar char=""/>
+                  <a:defRPr kumimoji="0" sz="1600" kern="1200">
+                    <a:solidFill>
+                      <a:schemeClr val="tx1"/>
+                    </a:solidFill>
+                    <a:latin typeface="+mn-lt"/>
+                    <a:ea typeface="+mn-ea"/>
+                    <a:cs typeface="+mn-cs"/>
+                  </a:defRPr>
+                </a:lvl8pPr>
+                <a:lvl9pPr marL="2286000" indent="-228600" algn="l" rtl="0" eaLnBrk="1" latinLnBrk="0" hangingPunct="1">
+                  <a:spcBef>
+                    <a:spcPts val="350"/>
+                  </a:spcBef>
+                  <a:buClr>
+                    <a:schemeClr val="accent3"/>
+                  </a:buClr>
+                  <a:buFont typeface="Wingdings 2"/>
+                  <a:buChar char=""/>
+                  <a:defRPr kumimoji="0" sz="1600" kern="1200" baseline="0">
+                    <a:solidFill>
+                      <a:schemeClr val="tx1"/>
+                    </a:solidFill>
+                    <a:latin typeface="+mn-lt"/>
+                    <a:ea typeface="+mn-ea"/>
+                    <a:cs typeface="+mn-cs"/>
+                  </a:defRPr>
+                </a:lvl9pPr>
+                <a:extLst/>
+              </a:lstStyle>
+              <a:p>
+                <a:pPr marL="109728" indent="0">
+                  <a:buNone/>
+                </a:pPr>
+                <a:r>
+                  <a:rPr lang="en-US" sz="1800" dirty="0"/>
+                  <a:t>Es. </a:t>
+                </a:r>
+              </a:p>
+              <a:p>
+                <a:pPr marL="109728" indent="0">
+                  <a:buNone/>
+                </a:pPr>
+                <a14:m>
+                  <m:oMath xmlns:m="http://schemas.openxmlformats.org/officeDocument/2006/math">
+                    <m:r>
+                      <a:rPr lang="en-US" sz="1800" b="0" i="1" smtClean="0">
+                        <a:latin typeface="Cambria Math" panose="02040503050406030204" pitchFamily="18" charset="0"/>
+                      </a:rPr>
+                      <m:t>𝐴𝑔𝑔𝑟𝑎𝑣𝑎𝑡𝑒𝑑</m:t>
+                    </m:r>
+                    <m:r>
+                      <a:rPr lang="en-US" sz="1800" b="0" i="1" smtClean="0">
+                        <a:latin typeface="Cambria Math" panose="02040503050406030204" pitchFamily="18" charset="0"/>
+                      </a:rPr>
+                      <m:t> </m:t>
+                    </m:r>
+                    <m:r>
+                      <a:rPr lang="en-US" sz="1800" b="0" i="1" smtClean="0">
+                        <a:latin typeface="Cambria Math" panose="02040503050406030204" pitchFamily="18" charset="0"/>
+                      </a:rPr>
+                      <m:t>𝐴𝑠𝑠𝑎𝑢𝑙𝑡</m:t>
+                    </m:r>
+                    <m:r>
+                      <a:rPr lang="en-US" sz="1800" b="0" i="1" smtClean="0">
+                        <a:latin typeface="Cambria Math" panose="02040503050406030204" pitchFamily="18" charset="0"/>
+                      </a:rPr>
+                      <m:t>→</m:t>
+                    </m:r>
+                    <m:r>
+                      <a:rPr lang="en-US" sz="1800" b="0" i="1" smtClean="0">
+                        <a:latin typeface="Cambria Math" panose="02040503050406030204" pitchFamily="18" charset="0"/>
+                      </a:rPr>
+                      <m:t>𝐿𝑎𝑟𝑐𝑒𝑛𝑦</m:t>
+                    </m:r>
+                    <m:r>
+                      <a:rPr lang="en-US" sz="1800" b="0" i="1" smtClean="0">
+                        <a:latin typeface="Cambria Math" panose="02040503050406030204" pitchFamily="18" charset="0"/>
+                      </a:rPr>
+                      <m:t>→</m:t>
+                    </m:r>
+                    <m:r>
+                      <a:rPr lang="en-US" sz="1800" b="0" i="1" smtClean="0">
+                        <a:latin typeface="Cambria Math" panose="02040503050406030204" pitchFamily="18" charset="0"/>
+                      </a:rPr>
+                      <m:t>𝐻𝑜𝑚𝑖𝑐𝑖𝑑𝑒</m:t>
+                    </m:r>
+                  </m:oMath>
+                </a14:m>
+                <a:r>
+                  <a:rPr lang="it-IT" sz="1800" dirty="0"/>
+                  <a:t> </a:t>
+                </a:r>
+                <a14:m>
+                  <m:oMath xmlns:m="http://schemas.openxmlformats.org/officeDocument/2006/math">
+                    <m:r>
+                      <a:rPr lang="en-US" sz="1800" b="0" i="1" smtClean="0">
+                        <a:latin typeface="Cambria Math" panose="02040503050406030204" pitchFamily="18" charset="0"/>
+                      </a:rPr>
+                      <m:t>𝑃𝐼</m:t>
+                    </m:r>
+                    <m:r>
+                      <a:rPr lang="en-US" sz="1800" b="0" i="1" smtClean="0">
+                        <a:latin typeface="Cambria Math" panose="02040503050406030204" pitchFamily="18" charset="0"/>
+                      </a:rPr>
+                      <m:t>=0.65</m:t>
+                    </m:r>
+                  </m:oMath>
+                </a14:m>
+                <a:endParaRPr lang="it-IT" sz="1800" dirty="0"/>
+              </a:p>
+            </p:txBody>
+          </p:sp>
+        </mc:Choice>
+        <mc:Fallback>
+          <p:sp>
+            <p:nvSpPr>
+              <p:cNvPr id="16" name="Segnaposto contenuto 1">
+                <a:extLst>
+                  <a:ext uri="{FF2B5EF4-FFF2-40B4-BE49-F238E27FC236}">
+                    <a16:creationId xmlns:a16="http://schemas.microsoft.com/office/drawing/2014/main" id="{B5299535-83B9-4A75-8A13-C09E50389609}"/>
+                  </a:ext>
+                </a:extLst>
+              </p:cNvPr>
+              <p:cNvSpPr txBox="1">
+                <a:spLocks noRot="1" noChangeAspect="1" noMove="1" noResize="1" noEditPoints="1" noAdjustHandles="1" noChangeArrowheads="1" noChangeShapeType="1" noTextEdit="1"/>
+              </p:cNvSpPr>
+              <p:nvPr/>
+            </p:nvSpPr>
+            <p:spPr>
+              <a:xfrm>
+                <a:off x="7176120" y="2807195"/>
+                <a:ext cx="5276655" cy="1032955"/>
+              </a:xfrm>
+              <a:prstGeom prst="rect">
+                <a:avLst/>
+              </a:prstGeom>
+              <a:blipFill>
+                <a:blip r:embed="rId7"/>
+                <a:stretch>
+                  <a:fillRect t="-2941"/>
+                </a:stretch>
+              </a:blipFill>
+            </p:spPr>
+            <p:txBody>
+              <a:bodyPr/>
+              <a:lstStyle/>
+              <a:p>
+                <a:r>
+                  <a:rPr lang="it-IT">
+                    <a:noFill/>
+                  </a:rPr>
+                  <a:t> </a:t>
+                </a:r>
+              </a:p>
+            </p:txBody>
+          </p:sp>
+        </mc:Fallback>
+      </mc:AlternateContent>
     </p:spTree>
     <p:extLst>
       <p:ext uri="{BB962C8B-B14F-4D97-AF65-F5344CB8AC3E}">
@@ -12680,6 +12996,59 @@
                       </p:childTnLst>
                     </p:cTn>
                   </p:par>
+                  <p:par>
+                    <p:cTn id="39" fill="hold">
+                      <p:stCondLst>
+                        <p:cond delay="indefinite"/>
+                      </p:stCondLst>
+                      <p:childTnLst>
+                        <p:par>
+                          <p:cTn id="40" fill="hold">
+                            <p:stCondLst>
+                              <p:cond delay="0"/>
+                            </p:stCondLst>
+                            <p:childTnLst>
+                              <p:par>
+                                <p:cTn id="41" presetID="10" presetClass="entr" presetSubtype="0" fill="hold" grpId="0" nodeType="clickEffect">
+                                  <p:stCondLst>
+                                    <p:cond delay="0"/>
+                                  </p:stCondLst>
+                                  <p:childTnLst>
+                                    <p:set>
+                                      <p:cBhvr>
+                                        <p:cTn id="42" dur="1" fill="hold">
+                                          <p:stCondLst>
+                                            <p:cond delay="0"/>
+                                          </p:stCondLst>
+                                        </p:cTn>
+                                        <p:tgtEl>
+                                          <p:spTgt spid="16"/>
+                                        </p:tgtEl>
+                                        <p:attrNameLst>
+                                          <p:attrName>style.visibility</p:attrName>
+                                        </p:attrNameLst>
+                                      </p:cBhvr>
+                                      <p:to>
+                                        <p:strVal val="visible"/>
+                                      </p:to>
+                                    </p:set>
+                                    <p:animEffect transition="in" filter="fade">
+                                      <p:cBhvr>
+                                        <p:cTn id="43" dur="500"/>
+                                        <p:tgtEl>
+                                          <p:spTgt spid="16"/>
+                                        </p:tgtEl>
+                                      </p:cBhvr>
+                                    </p:animEffect>
+                                  </p:childTnLst>
+                                </p:cTn>
+                              </p:par>
+                            </p:childTnLst>
+                          </p:cTn>
+                        </p:par>
+                      </p:childTnLst>
+                    </p:cTn>
+                  </p:par>
                 </p:childTnLst>
               </p:cTn>
               <p:prevCondLst>
@@ -12707,6 +13076,7 @@
       <p:bldP spid="8" grpId="0"/>
       <p:bldP spid="9" grpId="0"/>
       <p:bldP spid="13" grpId="0"/>
+      <p:bldP spid="16" grpId="0"/>
     </p:bldLst>
   </p:timing>
 </p:sld>
@@ -12747,7 +13117,7 @@
         </p:nvSpPr>
         <p:spPr>
           <a:xfrm>
-            <a:off x="541658" y="251165"/>
+            <a:off x="2065658" y="251165"/>
             <a:ext cx="8229600" cy="778098"/>
           </a:xfrm>
         </p:spPr>
@@ -12784,7 +13154,7 @@
         </p:nvSpPr>
         <p:spPr>
           <a:xfrm>
-            <a:off x="392235" y="1672372"/>
+            <a:off x="1338575" y="1704175"/>
             <a:ext cx="1728192" cy="778098"/>
           </a:xfrm>
           <a:prstGeom prst="trapezoid">
@@ -12838,8 +13208,8 @@
         </p:nvCxnSpPr>
         <p:spPr>
           <a:xfrm>
-            <a:off x="2191382" y="2041041"/>
-            <a:ext cx="504056" cy="0"/>
+            <a:off x="3195719" y="2070050"/>
+            <a:ext cx="884057" cy="0"/>
           </a:xfrm>
           <a:prstGeom prst="straightConnector1">
             <a:avLst/>
@@ -12879,8 +13249,8 @@
         </p:nvCxnSpPr>
         <p:spPr>
           <a:xfrm>
-            <a:off x="5575758" y="2041041"/>
-            <a:ext cx="504056" cy="0"/>
+            <a:off x="7055474" y="2070050"/>
+            <a:ext cx="1142219" cy="0"/>
           </a:xfrm>
           <a:prstGeom prst="straightConnector1">
             <a:avLst/>
@@ -12920,7 +13290,7 @@
         </p:nvCxnSpPr>
         <p:spPr>
           <a:xfrm>
-            <a:off x="7447966" y="2459099"/>
+            <a:off x="9556590" y="2474580"/>
             <a:ext cx="0" cy="648072"/>
           </a:xfrm>
           <a:prstGeom prst="straightConnector1">
@@ -12961,7 +13331,7 @@
             </p:nvSpPr>
             <p:spPr>
               <a:xfrm>
-                <a:off x="6089069" y="3193405"/>
+                <a:off x="8197693" y="3175085"/>
                 <a:ext cx="2717794" cy="848706"/>
               </a:xfrm>
               <a:prstGeom prst="ellipse">
@@ -12998,14 +13368,14 @@
                       <m:sSub>
                         <m:sSubPr>
                           <m:ctrlPr>
-                            <a:rPr lang="en-US" b="0" i="1" smtClean="0">
+                            <a:rPr lang="en-US" i="1">
                               <a:latin typeface="Cambria Math" panose="02040503050406030204" pitchFamily="18" charset="0"/>
                             </a:rPr>
                           </m:ctrlPr>
                         </m:sSubPr>
                         <m:e>
                           <m:r>
-                            <a:rPr lang="en-US" b="0" i="1" smtClean="0">
+                            <a:rPr lang="en-US" i="1">
                               <a:latin typeface="Cambria Math" panose="02040503050406030204" pitchFamily="18" charset="0"/>
                             </a:rPr>
                             <m:t>𝐶</m:t>
@@ -13013,7 +13383,7 @@
                         </m:e>
                         <m:sub>
                           <m:r>
-                            <a:rPr lang="en-US" b="0" i="1" smtClean="0">
+                            <a:rPr lang="en-US" i="1">
                               <a:latin typeface="Cambria Math" panose="02040503050406030204" pitchFamily="18" charset="0"/>
                             </a:rPr>
                             <m:t>𝑘</m:t>
@@ -13021,7 +13391,7 @@
                         </m:sub>
                       </m:sSub>
                       <m:r>
-                        <a:rPr lang="en-US" b="0" i="1" smtClean="0">
+                        <a:rPr lang="en-US" i="1">
                           <a:latin typeface="Cambria Math" panose="02040503050406030204" pitchFamily="18" charset="0"/>
                         </a:rPr>
                         <m:t>=</m:t>
@@ -13029,7 +13399,7 @@
                     </m:oMath>
                   </m:oMathPara>
                 </a14:m>
-                <a:endParaRPr lang="en-US" b="0" i="1" dirty="0">
+                <a:endParaRPr lang="en-US" i="1" dirty="0">
                   <a:latin typeface="Cambria Math" panose="02040503050406030204" pitchFamily="18" charset="0"/>
                 </a:endParaRPr>
               </a:p>
@@ -13042,13 +13412,13 @@
                     </m:oMathParaPr>
                     <m:oMath xmlns:m="http://schemas.openxmlformats.org/officeDocument/2006/math">
                       <m:r>
-                        <a:rPr lang="en-US" b="0" i="1" smtClean="0">
+                        <a:rPr lang="en-US" i="1">
                           <a:latin typeface="Cambria Math" panose="02040503050406030204" pitchFamily="18" charset="0"/>
                         </a:rPr>
                         <m:t>𝐶𝑎𝑛𝑑𝑖𝑑𝑎𝑡𝑒𝐺𝑒𝑛</m:t>
                       </m:r>
                       <m:r>
-                        <a:rPr lang="en-US" b="0" i="1" smtClean="0">
+                        <a:rPr lang="en-US" i="1">
                           <a:latin typeface="Cambria Math" panose="02040503050406030204" pitchFamily="18" charset="0"/>
                         </a:rPr>
                         <m:t>(</m:t>
@@ -13056,14 +13426,14 @@
                       <m:sSub>
                         <m:sSubPr>
                           <m:ctrlPr>
-                            <a:rPr lang="en-US" b="0" i="1" smtClean="0">
+                            <a:rPr lang="en-US" i="1">
                               <a:latin typeface="Cambria Math" panose="02040503050406030204" pitchFamily="18" charset="0"/>
                             </a:rPr>
                           </m:ctrlPr>
                         </m:sSubPr>
                         <m:e>
                           <m:r>
-                            <a:rPr lang="en-US" b="0" i="1" smtClean="0">
+                            <a:rPr lang="en-US" i="1">
                               <a:latin typeface="Cambria Math" panose="02040503050406030204" pitchFamily="18" charset="0"/>
                             </a:rPr>
                             <m:t>𝐿</m:t>
@@ -13071,7 +13441,7 @@
                         </m:e>
                         <m:sub>
                           <m:r>
-                            <a:rPr lang="en-US" b="0" i="1" smtClean="0">
+                            <a:rPr lang="en-US" i="1">
                               <a:latin typeface="Cambria Math" panose="02040503050406030204" pitchFamily="18" charset="0"/>
                             </a:rPr>
                             <m:t>𝑘</m:t>
@@ -13079,7 +13449,7 @@
                         </m:sub>
                       </m:sSub>
                       <m:r>
-                        <a:rPr lang="en-US" b="0" i="1" smtClean="0">
+                        <a:rPr lang="en-US" i="1">
                           <a:latin typeface="Cambria Math" panose="02040503050406030204" pitchFamily="18" charset="0"/>
                         </a:rPr>
                         <m:t>)</m:t>
@@ -13109,7 +13479,7 @@
             </p:nvSpPr>
             <p:spPr>
               <a:xfrm>
-                <a:off x="6089069" y="3193405"/>
+                <a:off x="8197693" y="3175085"/>
                 <a:ext cx="2717794" cy="848706"/>
               </a:xfrm>
               <a:prstGeom prst="ellipse">
@@ -13153,8 +13523,8 @@
         </p:nvCxnSpPr>
         <p:spPr>
           <a:xfrm flipH="1">
-            <a:off x="7447966" y="4093113"/>
-            <a:ext cx="1" cy="396200"/>
+            <a:off x="9556590" y="4121566"/>
+            <a:ext cx="1" cy="748809"/>
           </a:xfrm>
           <a:prstGeom prst="straightConnector1">
             <a:avLst/>
@@ -13194,7 +13564,7 @@
             </p:nvSpPr>
             <p:spPr>
               <a:xfrm>
-                <a:off x="6272755" y="4601261"/>
+                <a:off x="8328993" y="4968150"/>
                 <a:ext cx="2534108" cy="720080"/>
               </a:xfrm>
               <a:prstGeom prst="rect">
@@ -13231,14 +13601,14 @@
                       <m:sSub>
                         <m:sSubPr>
                           <m:ctrlPr>
-                            <a:rPr lang="en-US" b="0" i="1" smtClean="0">
+                            <a:rPr lang="en-US" i="1">
                               <a:latin typeface="Cambria Math" panose="02040503050406030204" pitchFamily="18" charset="0"/>
                             </a:rPr>
                           </m:ctrlPr>
                         </m:sSubPr>
                         <m:e>
                           <m:r>
-                            <a:rPr lang="en-US" b="0" i="1" smtClean="0">
+                            <a:rPr lang="en-US" i="1">
                               <a:latin typeface="Cambria Math" panose="02040503050406030204" pitchFamily="18" charset="0"/>
                             </a:rPr>
                             <m:t>𝐿</m:t>
@@ -13246,7 +13616,7 @@
                         </m:e>
                         <m:sub>
                           <m:r>
-                            <a:rPr lang="en-US" b="0" i="1" smtClean="0">
+                            <a:rPr lang="en-US" i="1">
                               <a:latin typeface="Cambria Math" panose="02040503050406030204" pitchFamily="18" charset="0"/>
                             </a:rPr>
                             <m:t>𝑘</m:t>
@@ -13254,7 +13624,7 @@
                         </m:sub>
                       </m:sSub>
                       <m:r>
-                        <a:rPr lang="en-US" b="0" i="1" smtClean="0">
+                        <a:rPr lang="en-US" i="1">
                           <a:latin typeface="Cambria Math" panose="02040503050406030204" pitchFamily="18" charset="0"/>
                         </a:rPr>
                         <m:t>=</m:t>
@@ -13262,7 +13632,7 @@
                     </m:oMath>
                   </m:oMathPara>
                 </a14:m>
-                <a:endParaRPr lang="en-US" b="0" i="1" dirty="0">
+                <a:endParaRPr lang="en-US" i="1" dirty="0">
                   <a:latin typeface="Cambria Math" panose="02040503050406030204" pitchFamily="18" charset="0"/>
                 </a:endParaRPr>
               </a:p>
@@ -13275,13 +13645,13 @@
                     </m:oMathParaPr>
                     <m:oMath xmlns:m="http://schemas.openxmlformats.org/officeDocument/2006/math">
                       <m:r>
-                        <a:rPr lang="en-US" b="0" i="1" smtClean="0">
+                        <a:rPr lang="en-US" i="1">
                           <a:latin typeface="Cambria Math" panose="02040503050406030204" pitchFamily="18" charset="0"/>
                         </a:rPr>
                         <m:t>𝑣𝑒𝑟𝑖𝑓𝑦𝐶𝑎𝑛𝑑𝑖𝑑𝑎𝑡𝑒𝑠</m:t>
                       </m:r>
                       <m:r>
-                        <a:rPr lang="en-US" b="0" i="1" smtClean="0">
+                        <a:rPr lang="en-US" i="1">
                           <a:latin typeface="Cambria Math" panose="02040503050406030204" pitchFamily="18" charset="0"/>
                         </a:rPr>
                         <m:t>(</m:t>
@@ -13289,14 +13659,14 @@
                       <m:sSub>
                         <m:sSubPr>
                           <m:ctrlPr>
-                            <a:rPr lang="en-US" b="0" i="1" smtClean="0">
+                            <a:rPr lang="en-US" i="1">
                               <a:latin typeface="Cambria Math" panose="02040503050406030204" pitchFamily="18" charset="0"/>
                             </a:rPr>
                           </m:ctrlPr>
                         </m:sSubPr>
                         <m:e>
                           <m:r>
-                            <a:rPr lang="en-US" b="0" i="1" smtClean="0">
+                            <a:rPr lang="en-US" i="1">
                               <a:latin typeface="Cambria Math" panose="02040503050406030204" pitchFamily="18" charset="0"/>
                             </a:rPr>
                             <m:t>𝐶</m:t>
@@ -13304,7 +13674,7 @@
                         </m:e>
                         <m:sub>
                           <m:r>
-                            <a:rPr lang="en-US" b="0" i="1" smtClean="0">
+                            <a:rPr lang="en-US" i="1">
                               <a:latin typeface="Cambria Math" panose="02040503050406030204" pitchFamily="18" charset="0"/>
                             </a:rPr>
                             <m:t>𝑘</m:t>
@@ -13312,7 +13682,7 @@
                         </m:sub>
                       </m:sSub>
                       <m:r>
-                        <a:rPr lang="en-US" b="0" i="1" smtClean="0">
+                        <a:rPr lang="en-US" i="1">
                           <a:latin typeface="Cambria Math" panose="02040503050406030204" pitchFamily="18" charset="0"/>
                         </a:rPr>
                         <m:t>)</m:t>
@@ -13342,7 +13712,7 @@
             </p:nvSpPr>
             <p:spPr>
               <a:xfrm>
-                <a:off x="6272755" y="4601261"/>
+                <a:off x="8328993" y="4968150"/>
                 <a:ext cx="2534108" cy="720080"/>
               </a:xfrm>
               <a:prstGeom prst="rect">
@@ -13386,7 +13756,7 @@
             </p:nvSpPr>
             <p:spPr>
               <a:xfrm>
-                <a:off x="3686056" y="4291213"/>
+                <a:off x="5369916" y="4288010"/>
                 <a:ext cx="2141730" cy="680140"/>
               </a:xfrm>
               <a:prstGeom prst="flowChartInputOutput">
@@ -13421,25 +13791,25 @@
                     </m:oMathParaPr>
                     <m:oMath xmlns:m="http://schemas.openxmlformats.org/officeDocument/2006/math">
                       <m:r>
-                        <a:rPr lang="en-US" b="0" i="1" smtClean="0">
+                        <a:rPr lang="en-US" i="1">
                           <a:latin typeface="Cambria Math" panose="02040503050406030204" pitchFamily="18" charset="0"/>
                         </a:rPr>
                         <m:t>𝑇𝑜𝑝</m:t>
                       </m:r>
                       <m:r>
-                        <a:rPr lang="en-US" b="0" i="1" smtClean="0">
+                        <a:rPr lang="en-US" i="1">
                           <a:latin typeface="Cambria Math" panose="02040503050406030204" pitchFamily="18" charset="0"/>
                         </a:rPr>
                         <m:t> </m:t>
                       </m:r>
                       <m:r>
-                        <a:rPr lang="en-US" b="0" i="1" smtClean="0">
+                        <a:rPr lang="en-US" i="1">
                           <a:latin typeface="Cambria Math" panose="02040503050406030204" pitchFamily="18" charset="0"/>
                         </a:rPr>
                         <m:t>𝑎𝑑𝑑</m:t>
                       </m:r>
                       <m:r>
-                        <a:rPr lang="en-US" b="0" i="1" smtClean="0">
+                        <a:rPr lang="en-US" i="1">
                           <a:latin typeface="Cambria Math" panose="02040503050406030204" pitchFamily="18" charset="0"/>
                         </a:rPr>
                         <m:t> </m:t>
@@ -13447,14 +13817,14 @@
                       <m:sSub>
                         <m:sSubPr>
                           <m:ctrlPr>
-                            <a:rPr lang="en-US" b="0" i="1" smtClean="0">
+                            <a:rPr lang="en-US" i="1">
                               <a:latin typeface="Cambria Math" panose="02040503050406030204" pitchFamily="18" charset="0"/>
                             </a:rPr>
                           </m:ctrlPr>
                         </m:sSubPr>
                         <m:e>
                           <m:r>
-                            <a:rPr lang="en-US" b="0" i="1" smtClean="0">
+                            <a:rPr lang="en-US" i="1">
                               <a:latin typeface="Cambria Math" panose="02040503050406030204" pitchFamily="18" charset="0"/>
                             </a:rPr>
                             <m:t>𝐿</m:t>
@@ -13462,7 +13832,7 @@
                         </m:e>
                         <m:sub>
                           <m:r>
-                            <a:rPr lang="en-US" b="0" i="1" smtClean="0">
+                            <a:rPr lang="en-US" i="1">
                               <a:latin typeface="Cambria Math" panose="02040503050406030204" pitchFamily="18" charset="0"/>
                             </a:rPr>
                             <m:t>𝑘</m:t>
@@ -13494,7 +13864,7 @@
             </p:nvSpPr>
             <p:spPr>
               <a:xfrm>
-                <a:off x="3686056" y="4291213"/>
+                <a:off x="5369916" y="4288010"/>
                 <a:ext cx="2141730" cy="680140"/>
               </a:xfrm>
               <a:prstGeom prst="flowChartInputOutput">
@@ -13538,8 +13908,8 @@
         </p:nvCxnSpPr>
         <p:spPr>
           <a:xfrm flipH="1" flipV="1">
-            <a:off x="5637458" y="4777345"/>
-            <a:ext cx="513311" cy="183956"/>
+            <a:off x="7320136" y="4803417"/>
+            <a:ext cx="904989" cy="348689"/>
           </a:xfrm>
           <a:prstGeom prst="straightConnector1">
             <a:avLst/>
@@ -13579,7 +13949,7 @@
         </p:nvCxnSpPr>
         <p:spPr>
           <a:xfrm flipH="1" flipV="1">
-            <a:off x="3127488" y="4168258"/>
+            <a:off x="4651488" y="4168259"/>
             <a:ext cx="815214" cy="288521"/>
           </a:xfrm>
           <a:prstGeom prst="straightConnector1">
@@ -13620,7 +13990,7 @@
             </p:nvSpPr>
             <p:spPr>
               <a:xfrm>
-                <a:off x="1111957" y="3139321"/>
+                <a:off x="2457516" y="3190422"/>
                 <a:ext cx="2486614" cy="1368148"/>
               </a:xfrm>
               <a:prstGeom prst="flowChartDecision">
@@ -13657,14 +14027,14 @@
                     <m:sSub>
                       <m:sSubPr>
                         <m:ctrlPr>
-                          <a:rPr lang="en-US" b="0" i="1" smtClean="0">
+                          <a:rPr lang="en-US" i="1">
                             <a:latin typeface="Cambria Math" panose="02040503050406030204" pitchFamily="18" charset="0"/>
                           </a:rPr>
                         </m:ctrlPr>
                       </m:sSubPr>
                       <m:e>
                         <m:r>
-                          <a:rPr lang="en-US" b="0" i="1" smtClean="0">
+                          <a:rPr lang="en-US" i="1">
                             <a:latin typeface="Cambria Math" panose="02040503050406030204" pitchFamily="18" charset="0"/>
                           </a:rPr>
                           <m:t>𝐿</m:t>
@@ -13672,7 +14042,7 @@
                       </m:e>
                       <m:sub>
                         <m:r>
-                          <a:rPr lang="en-US" b="0" i="1" smtClean="0">
+                          <a:rPr lang="en-US" i="1">
                             <a:latin typeface="Cambria Math" panose="02040503050406030204" pitchFamily="18" charset="0"/>
                           </a:rPr>
                           <m:t>𝑘</m:t>
@@ -13680,13 +14050,13 @@
                       </m:sub>
                     </m:sSub>
                     <m:r>
-                      <a:rPr lang="en-US" b="0" i="1" smtClean="0">
+                      <a:rPr lang="en-US" i="1">
                         <a:latin typeface="Cambria Math" panose="02040503050406030204" pitchFamily="18" charset="0"/>
                       </a:rPr>
                       <m:t> </m:t>
                     </m:r>
                     <m:r>
-                      <a:rPr lang="en-US" b="0" i="1" smtClean="0">
+                      <a:rPr lang="en-US" i="1">
                         <a:latin typeface="Cambria Math" panose="02040503050406030204" pitchFamily="18" charset="0"/>
                         <a:ea typeface="Cambria Math" panose="02040503050406030204" pitchFamily="18" charset="0"/>
                       </a:rPr>
@@ -13720,7 +14090,7 @@
             </p:nvSpPr>
             <p:spPr>
               <a:xfrm>
-                <a:off x="1111957" y="3139321"/>
+                <a:off x="2457516" y="3190422"/>
                 <a:ext cx="2486614" cy="1368148"/>
               </a:xfrm>
               <a:prstGeom prst="flowChartDecision">
@@ -13764,8 +14134,8 @@
         </p:nvCxnSpPr>
         <p:spPr>
           <a:xfrm flipV="1">
-            <a:off x="3127486" y="2798615"/>
-            <a:ext cx="4248472" cy="696373"/>
+            <a:off x="4439816" y="2689742"/>
+            <a:ext cx="5040560" cy="804386"/>
           </a:xfrm>
           <a:prstGeom prst="straightConnector1">
             <a:avLst/>
@@ -13805,8 +14175,8 @@
         </p:nvCxnSpPr>
         <p:spPr>
           <a:xfrm>
-            <a:off x="2349722" y="4618347"/>
-            <a:ext cx="0" cy="504056"/>
+            <a:off x="3699775" y="4648050"/>
+            <a:ext cx="0" cy="680140"/>
           </a:xfrm>
           <a:prstGeom prst="straightConnector1">
             <a:avLst/>
@@ -13846,7 +14216,7 @@
             </p:nvSpPr>
             <p:spPr>
               <a:xfrm>
-                <a:off x="1256331" y="5196320"/>
+                <a:off x="2667011" y="5445224"/>
                 <a:ext cx="2141730" cy="680140"/>
               </a:xfrm>
               <a:prstGeom prst="hexagon">
@@ -13881,19 +14251,19 @@
                     </m:oMathParaPr>
                     <m:oMath xmlns:m="http://schemas.openxmlformats.org/officeDocument/2006/math">
                       <m:r>
-                        <a:rPr lang="en-US" b="0" i="1" smtClean="0">
+                        <a:rPr lang="en-US" i="1">
                           <a:latin typeface="Cambria Math" panose="02040503050406030204" pitchFamily="18" charset="0"/>
                         </a:rPr>
                         <m:t>𝑅𝑒𝑡𝑢𝑟𝑛</m:t>
                       </m:r>
                       <m:r>
-                        <a:rPr lang="en-US" b="0" i="1" smtClean="0">
+                        <a:rPr lang="en-US" i="1">
                           <a:latin typeface="Cambria Math" panose="02040503050406030204" pitchFamily="18" charset="0"/>
                         </a:rPr>
                         <m:t> </m:t>
                       </m:r>
                       <m:r>
-                        <a:rPr lang="en-US" b="0" i="1" smtClean="0">
+                        <a:rPr lang="en-US" i="1">
                           <a:latin typeface="Cambria Math" panose="02040503050406030204" pitchFamily="18" charset="0"/>
                         </a:rPr>
                         <m:t>𝑇𝑜𝑝</m:t>
@@ -13923,7 +14293,7 @@
             </p:nvSpPr>
             <p:spPr>
               <a:xfrm>
-                <a:off x="1256331" y="5196320"/>
+                <a:off x="2667011" y="5445224"/>
                 <a:ext cx="2141730" cy="680140"/>
               </a:xfrm>
               <a:prstGeom prst="hexagon">
@@ -13967,7 +14337,7 @@
             </p:nvSpPr>
             <p:spPr>
               <a:xfrm>
-                <a:off x="2787009" y="1645697"/>
+                <a:off x="4208728" y="1656245"/>
                 <a:ext cx="2717794" cy="848706"/>
               </a:xfrm>
               <a:prstGeom prst="ellipse">
@@ -14004,14 +14374,14 @@
                       <m:sSub>
                         <m:sSubPr>
                           <m:ctrlPr>
-                            <a:rPr lang="en-US" b="0" i="1" smtClean="0">
+                            <a:rPr lang="en-US" i="1">
                               <a:latin typeface="Cambria Math" panose="02040503050406030204" pitchFamily="18" charset="0"/>
                             </a:rPr>
                           </m:ctrlPr>
                         </m:sSubPr>
                         <m:e>
                           <m:r>
-                            <a:rPr lang="en-US" b="0" i="1" smtClean="0">
+                            <a:rPr lang="en-US" i="1">
                               <a:latin typeface="Cambria Math" panose="02040503050406030204" pitchFamily="18" charset="0"/>
                             </a:rPr>
                             <m:t>𝐶</m:t>
@@ -14019,7 +14389,7 @@
                         </m:e>
                         <m:sub>
                           <m:r>
-                            <a:rPr lang="en-US" b="0" i="1" smtClean="0">
+                            <a:rPr lang="en-US" i="1">
                               <a:latin typeface="Cambria Math" panose="02040503050406030204" pitchFamily="18" charset="0"/>
                             </a:rPr>
                             <m:t>2</m:t>
@@ -14027,7 +14397,7 @@
                         </m:sub>
                       </m:sSub>
                       <m:r>
-                        <a:rPr lang="en-US" b="0" i="1" smtClean="0">
+                        <a:rPr lang="en-US" i="1">
                           <a:latin typeface="Cambria Math" panose="02040503050406030204" pitchFamily="18" charset="0"/>
                         </a:rPr>
                         <m:t>=</m:t>
@@ -14035,7 +14405,7 @@
                     </m:oMath>
                   </m:oMathPara>
                 </a14:m>
-                <a:endParaRPr lang="en-US" b="0" i="1" dirty="0">
+                <a:endParaRPr lang="en-US" i="1" dirty="0">
                   <a:latin typeface="Cambria Math" panose="02040503050406030204" pitchFamily="18" charset="0"/>
                 </a:endParaRPr>
               </a:p>
@@ -14048,13 +14418,13 @@
                     </m:oMathParaPr>
                     <m:oMath xmlns:m="http://schemas.openxmlformats.org/officeDocument/2006/math">
                       <m:r>
-                        <a:rPr lang="en-US" b="0" i="1" smtClean="0">
+                        <a:rPr lang="en-US" i="1">
                           <a:latin typeface="Cambria Math" panose="02040503050406030204" pitchFamily="18" charset="0"/>
                         </a:rPr>
                         <m:t>𝐶𝑎𝑛𝑑𝑖𝑑𝑎𝑡𝑒𝐺𝑒𝑛</m:t>
                       </m:r>
                       <m:r>
-                        <a:rPr lang="en-US" b="0" i="1" smtClean="0">
+                        <a:rPr lang="en-US" i="1">
                           <a:latin typeface="Cambria Math" panose="02040503050406030204" pitchFamily="18" charset="0"/>
                         </a:rPr>
                         <m:t>(2)</m:t>
@@ -14084,7 +14454,7 @@
             </p:nvSpPr>
             <p:spPr>
               <a:xfrm>
-                <a:off x="2787009" y="1645697"/>
+                <a:off x="4208728" y="1656245"/>
                 <a:ext cx="2717794" cy="848706"/>
               </a:xfrm>
               <a:prstGeom prst="ellipse">
@@ -14128,7 +14498,7 @@
             </p:nvSpPr>
             <p:spPr>
               <a:xfrm>
-                <a:off x="6150769" y="1672372"/>
+                <a:off x="8374832" y="1675379"/>
                 <a:ext cx="2534108" cy="720080"/>
               </a:xfrm>
               <a:prstGeom prst="rect">
@@ -14165,14 +14535,14 @@
                       <m:sSub>
                         <m:sSubPr>
                           <m:ctrlPr>
-                            <a:rPr lang="en-US" b="0" i="1" smtClean="0">
+                            <a:rPr lang="en-US" i="1">
                               <a:latin typeface="Cambria Math" panose="02040503050406030204" pitchFamily="18" charset="0"/>
                             </a:rPr>
                           </m:ctrlPr>
                         </m:sSubPr>
                         <m:e>
                           <m:r>
-                            <a:rPr lang="en-US" b="0" i="1" smtClean="0">
+                            <a:rPr lang="en-US" i="1">
                               <a:latin typeface="Cambria Math" panose="02040503050406030204" pitchFamily="18" charset="0"/>
                             </a:rPr>
                             <m:t>𝐿</m:t>
@@ -14180,7 +14550,7 @@
                         </m:e>
                         <m:sub>
                           <m:r>
-                            <a:rPr lang="en-US" b="0" i="1" smtClean="0">
+                            <a:rPr lang="en-US" i="1">
                               <a:latin typeface="Cambria Math" panose="02040503050406030204" pitchFamily="18" charset="0"/>
                             </a:rPr>
                             <m:t>𝑘</m:t>
@@ -14188,7 +14558,7 @@
                         </m:sub>
                       </m:sSub>
                       <m:r>
-                        <a:rPr lang="en-US" b="0" i="1" smtClean="0">
+                        <a:rPr lang="en-US" i="1">
                           <a:latin typeface="Cambria Math" panose="02040503050406030204" pitchFamily="18" charset="0"/>
                         </a:rPr>
                         <m:t>=</m:t>
@@ -14196,7 +14566,7 @@
                     </m:oMath>
                   </m:oMathPara>
                 </a14:m>
-                <a:endParaRPr lang="en-US" b="0" i="1" dirty="0">
+                <a:endParaRPr lang="en-US" i="1" dirty="0">
                   <a:latin typeface="Cambria Math" panose="02040503050406030204" pitchFamily="18" charset="0"/>
                 </a:endParaRPr>
               </a:p>
@@ -14209,13 +14579,13 @@
                     </m:oMathParaPr>
                     <m:oMath xmlns:m="http://schemas.openxmlformats.org/officeDocument/2006/math">
                       <m:r>
-                        <a:rPr lang="en-US" b="0" i="1" smtClean="0">
+                        <a:rPr lang="en-US" i="1">
                           <a:latin typeface="Cambria Math" panose="02040503050406030204" pitchFamily="18" charset="0"/>
                         </a:rPr>
                         <m:t>𝑣𝑒𝑟𝑖𝑓𝑦𝐶𝑎𝑛𝑑𝑖𝑑𝑎𝑡𝑒𝑠</m:t>
                       </m:r>
                       <m:r>
-                        <a:rPr lang="en-US" b="0" i="1" smtClean="0">
+                        <a:rPr lang="en-US" i="1">
                           <a:latin typeface="Cambria Math" panose="02040503050406030204" pitchFamily="18" charset="0"/>
                         </a:rPr>
                         <m:t>(</m:t>
@@ -14223,14 +14593,14 @@
                       <m:sSub>
                         <m:sSubPr>
                           <m:ctrlPr>
-                            <a:rPr lang="en-US" b="0" i="1" smtClean="0">
+                            <a:rPr lang="en-US" i="1">
                               <a:latin typeface="Cambria Math" panose="02040503050406030204" pitchFamily="18" charset="0"/>
                             </a:rPr>
                           </m:ctrlPr>
                         </m:sSubPr>
                         <m:e>
                           <m:r>
-                            <a:rPr lang="en-US" b="0" i="1" smtClean="0">
+                            <a:rPr lang="en-US" i="1">
                               <a:latin typeface="Cambria Math" panose="02040503050406030204" pitchFamily="18" charset="0"/>
                             </a:rPr>
                             <m:t>𝐶</m:t>
@@ -14238,7 +14608,7 @@
                         </m:e>
                         <m:sub>
                           <m:r>
-                            <a:rPr lang="en-US" b="0" i="1" smtClean="0">
+                            <a:rPr lang="en-US" i="1">
                               <a:latin typeface="Cambria Math" panose="02040503050406030204" pitchFamily="18" charset="0"/>
                             </a:rPr>
                             <m:t>2</m:t>
@@ -14246,7 +14616,7 @@
                         </m:sub>
                       </m:sSub>
                       <m:r>
-                        <a:rPr lang="en-US" b="0" i="1" smtClean="0">
+                        <a:rPr lang="en-US" i="1">
                           <a:latin typeface="Cambria Math" panose="02040503050406030204" pitchFamily="18" charset="0"/>
                         </a:rPr>
                         <m:t>)</m:t>
@@ -14276,7 +14646,7 @@
             </p:nvSpPr>
             <p:spPr>
               <a:xfrm>
-                <a:off x="6150769" y="1672372"/>
+                <a:off x="8374832" y="1675379"/>
                 <a:ext cx="2534108" cy="720080"/>
               </a:xfrm>
               <a:prstGeom prst="rect">
@@ -14318,7 +14688,7 @@
         </p:nvSpPr>
         <p:spPr>
           <a:xfrm>
-            <a:off x="3127486" y="3168385"/>
+            <a:off x="4439816" y="3163256"/>
             <a:ext cx="314510" cy="338554"/>
           </a:xfrm>
           <a:prstGeom prst="rect">
@@ -14366,7 +14736,7 @@
         </p:nvSpPr>
         <p:spPr>
           <a:xfrm>
-            <a:off x="2054448" y="4556529"/>
+            <a:off x="3383328" y="4573934"/>
             <a:ext cx="295274" cy="338554"/>
           </a:xfrm>
           <a:prstGeom prst="rect">
@@ -14418,7 +14788,7 @@
         </p:nvSpPr>
         <p:spPr>
           <a:xfrm>
-            <a:off x="6090555" y="992823"/>
+            <a:off x="8360605" y="1018101"/>
             <a:ext cx="2953382" cy="376760"/>
           </a:xfrm>
         </p:spPr>
@@ -14468,7 +14838,7 @@
         </p:nvSpPr>
         <p:spPr>
           <a:xfrm>
-            <a:off x="457200" y="992823"/>
+            <a:off x="906105" y="1011043"/>
             <a:ext cx="1981273" cy="376760"/>
           </a:xfrm>
           <a:prstGeom prst="rect">
@@ -14682,7 +15052,7 @@
         </p:nvSpPr>
         <p:spPr>
           <a:xfrm>
-            <a:off x="2521648" y="998435"/>
+            <a:off x="3699775" y="1006939"/>
             <a:ext cx="3963783" cy="376760"/>
           </a:xfrm>
           <a:prstGeom prst="rect">
@@ -15773,7 +16143,7 @@
         </p:nvSpPr>
         <p:spPr>
           <a:xfrm>
-            <a:off x="611560" y="1715592"/>
+            <a:off x="7883735" y="3636305"/>
             <a:ext cx="4899048" cy="1713408"/>
           </a:xfrm>
         </p:spPr>
@@ -15845,11 +16215,17 @@
             <p:ph type="title"/>
           </p:nvPr>
         </p:nvSpPr>
-        <p:spPr/>
+        <p:spPr>
+          <a:xfrm>
+            <a:off x="643712" y="273727"/>
+            <a:ext cx="10972800" cy="1143000"/>
+          </a:xfrm>
+        </p:spPr>
         <p:txBody>
           <a:bodyPr/>
           <a:lstStyle/>
           <a:p>
+            <a:pPr algn="ctr"/>
             <a:r>
               <a:rPr lang="en-US" dirty="0"/>
               <a:t>Sequence Pattern Tree (</a:t>
@@ -15882,7 +16258,7 @@
         </p:nvSpPr>
         <p:spPr>
           <a:xfrm>
-            <a:off x="431540" y="846138"/>
+            <a:off x="1955540" y="846139"/>
             <a:ext cx="8280920" cy="678813"/>
           </a:xfrm>
           <a:prstGeom prst="rect">
@@ -15986,8 +16362,8 @@
         </p:blipFill>
         <p:spPr>
           <a:xfrm>
-            <a:off x="2051720" y="2645014"/>
-            <a:ext cx="7272808" cy="4029954"/>
+            <a:off x="-213584" y="1515044"/>
+            <a:ext cx="7937081" cy="4398036"/>
           </a:xfrm>
           <a:prstGeom prst="rect">
             <a:avLst/>
@@ -16016,8 +16392,8 @@
         </p:blipFill>
         <p:spPr>
           <a:xfrm>
-            <a:off x="4882353" y="1501563"/>
-            <a:ext cx="3995936" cy="1385429"/>
+            <a:off x="7339283" y="1409186"/>
+            <a:ext cx="4461320" cy="1546782"/>
           </a:xfrm>
           <a:prstGeom prst="rect">
             <a:avLst/>
@@ -16038,8 +16414,8 @@
         </p:nvSpPr>
         <p:spPr>
           <a:xfrm>
-            <a:off x="5352838" y="1967765"/>
-            <a:ext cx="707120" cy="234435"/>
+            <a:off x="7883735" y="1938420"/>
+            <a:ext cx="748318" cy="261738"/>
           </a:xfrm>
           <a:prstGeom prst="rect">
             <a:avLst/>
@@ -16092,8 +16468,8 @@
         </p:nvSpPr>
         <p:spPr>
           <a:xfrm rot="2850328">
-            <a:off x="4139915" y="3610747"/>
-            <a:ext cx="587137" cy="1608610"/>
+            <a:off x="2063544" y="2554566"/>
+            <a:ext cx="640764" cy="1715735"/>
           </a:xfrm>
           <a:prstGeom prst="ellipse">
             <a:avLst/>
@@ -16148,8 +16524,8 @@
         </p:nvCxnSpPr>
         <p:spPr>
           <a:xfrm flipV="1">
-            <a:off x="4353138" y="4079039"/>
-            <a:ext cx="999700" cy="601880"/>
+            <a:off x="2273766" y="3059068"/>
+            <a:ext cx="1079150" cy="654994"/>
           </a:xfrm>
           <a:prstGeom prst="straightConnector1">
             <a:avLst/>
@@ -16190,8 +16566,8 @@
         </p:nvSpPr>
         <p:spPr>
           <a:xfrm>
-            <a:off x="4572000" y="4591370"/>
-            <a:ext cx="567224" cy="389195"/>
+            <a:off x="2546352" y="3655869"/>
+            <a:ext cx="604998" cy="424743"/>
           </a:xfrm>
           <a:prstGeom prst="ellipse">
             <a:avLst/>
@@ -16244,8 +16620,8 @@
         </p:nvSpPr>
         <p:spPr>
           <a:xfrm>
-            <a:off x="5310460" y="4580639"/>
-            <a:ext cx="567224" cy="389195"/>
+            <a:off x="3345391" y="3642596"/>
+            <a:ext cx="604998" cy="424743"/>
           </a:xfrm>
           <a:prstGeom prst="ellipse">
             <a:avLst/>
@@ -16295,13 +16671,14 @@
           </p:cNvPr>
           <p:cNvCxnSpPr>
             <a:cxnSpLocks/>
+            <a:stCxn id="20" idx="3"/>
           </p:cNvCxnSpPr>
           <p:nvPr/>
         </p:nvCxnSpPr>
         <p:spPr>
           <a:xfrm flipH="1">
-            <a:off x="4353138" y="4951475"/>
-            <a:ext cx="1100480" cy="524581"/>
+            <a:off x="2224471" y="4005137"/>
+            <a:ext cx="1209520" cy="594216"/>
           </a:xfrm>
           <a:prstGeom prst="straightConnector1">
             <a:avLst/>
@@ -16339,13 +16716,14 @@
           </p:cNvPr>
           <p:cNvCxnSpPr>
             <a:cxnSpLocks/>
+            <a:stCxn id="19" idx="3"/>
           </p:cNvCxnSpPr>
           <p:nvPr/>
         </p:nvCxnSpPr>
         <p:spPr>
           <a:xfrm flipH="1">
-            <a:off x="3514129" y="4884319"/>
-            <a:ext cx="1097231" cy="557127"/>
+            <a:off x="1341958" y="4018410"/>
+            <a:ext cx="1292994" cy="580943"/>
           </a:xfrm>
           <a:prstGeom prst="straightConnector1">
             <a:avLst/>
@@ -16386,8 +16764,8 @@
         </p:nvSpPr>
         <p:spPr>
           <a:xfrm>
-            <a:off x="5897835" y="2172531"/>
-            <a:ext cx="1096323" cy="223328"/>
+            <a:off x="8475589" y="2162780"/>
+            <a:ext cx="1226653" cy="248652"/>
           </a:xfrm>
           <a:prstGeom prst="rect">
             <a:avLst/>
@@ -16440,8 +16818,8 @@
         </p:nvSpPr>
         <p:spPr>
           <a:xfrm>
-            <a:off x="7066379" y="2155077"/>
-            <a:ext cx="1096323" cy="223328"/>
+            <a:off x="9801588" y="2153009"/>
+            <a:ext cx="1226654" cy="245337"/>
           </a:xfrm>
           <a:prstGeom prst="rect">
             <a:avLst/>
@@ -16496,8 +16874,8 @@
         </p:nvCxnSpPr>
         <p:spPr>
           <a:xfrm>
-            <a:off x="4585016" y="2149522"/>
-            <a:ext cx="373314" cy="0"/>
+            <a:off x="7031808" y="2104845"/>
+            <a:ext cx="395064" cy="0"/>
           </a:xfrm>
           <a:prstGeom prst="straightConnector1">
             <a:avLst/>
@@ -16540,8 +16918,8 @@
         </p:nvCxnSpPr>
         <p:spPr>
           <a:xfrm>
-            <a:off x="4585016" y="2395859"/>
-            <a:ext cx="373314" cy="0"/>
+            <a:off x="7031808" y="2463175"/>
+            <a:ext cx="395064" cy="0"/>
           </a:xfrm>
           <a:prstGeom prst="straightConnector1">
             <a:avLst/>
@@ -16582,8 +16960,8 @@
         </p:nvSpPr>
         <p:spPr>
           <a:xfrm>
-            <a:off x="4519403" y="3429000"/>
-            <a:ext cx="667170" cy="461665"/>
+            <a:off x="2546352" y="2359934"/>
+            <a:ext cx="711600" cy="461665"/>
           </a:xfrm>
           <a:prstGeom prst="rect">
             <a:avLst/>
@@ -16591,7 +16969,7 @@
           <a:noFill/>
         </p:spPr>
         <p:txBody>
-          <a:bodyPr wrap="none" rtlCol="0">
+          <a:bodyPr wrap="square" rtlCol="0">
             <a:spAutoFit/>
           </a:bodyPr>
           <a:lstStyle/>
@@ -16636,8 +17014,8 @@
         </p:nvSpPr>
         <p:spPr>
           <a:xfrm>
-            <a:off x="5267197" y="3419902"/>
-            <a:ext cx="761747" cy="461665"/>
+            <a:off x="3295721" y="2460577"/>
+            <a:ext cx="812475" cy="461665"/>
           </a:xfrm>
           <a:prstGeom prst="rect">
             <a:avLst/>
@@ -16645,7 +17023,7 @@
           <a:noFill/>
         </p:spPr>
         <p:txBody>
-          <a:bodyPr wrap="none" rtlCol="0">
+          <a:bodyPr wrap="square" rtlCol="0">
             <a:spAutoFit/>
           </a:bodyPr>
           <a:lstStyle/>
@@ -17599,8 +17977,8 @@
             </p:nvSpPr>
             <p:spPr>
               <a:xfrm>
-                <a:off x="326642" y="404664"/>
-                <a:ext cx="3453270" cy="762000"/>
+                <a:off x="479376" y="404664"/>
+                <a:ext cx="4824536" cy="762000"/>
               </a:xfrm>
             </p:spPr>
             <p:txBody>
@@ -17670,8 +18048,8 @@
             </p:nvSpPr>
             <p:spPr>
               <a:xfrm>
-                <a:off x="326642" y="404664"/>
-                <a:ext cx="3453270" cy="762000"/>
+                <a:off x="479376" y="404664"/>
+                <a:ext cx="4824536" cy="762000"/>
               </a:xfrm>
               <a:blipFill>
                 <a:blip r:embed="rId2"/>
@@ -17715,8 +18093,8 @@
             </p:nvSpPr>
             <p:spPr>
               <a:xfrm>
-                <a:off x="4067944" y="404664"/>
-                <a:ext cx="4637736" cy="762000"/>
+                <a:off x="5591944" y="404664"/>
+                <a:ext cx="5832648" cy="762000"/>
               </a:xfrm>
             </p:spPr>
             <p:txBody>
@@ -17786,8 +18164,8 @@
             </p:nvSpPr>
             <p:spPr>
               <a:xfrm>
-                <a:off x="4067944" y="404664"/>
-                <a:ext cx="4637736" cy="762000"/>
+                <a:off x="5591944" y="404664"/>
+                <a:ext cx="5832648" cy="762000"/>
               </a:xfrm>
               <a:blipFill>
                 <a:blip r:embed="rId3"/>
@@ -17827,7 +18205,7 @@
             </p:nvSpPr>
             <p:spPr>
               <a:xfrm>
-                <a:off x="457200" y="1412776"/>
+                <a:off x="904746" y="1322477"/>
                 <a:ext cx="1810544" cy="432048"/>
               </a:xfrm>
               <a:prstGeom prst="flowChartAlternateProcess">
@@ -17865,13 +18243,13 @@
                         <m:rPr>
                           <m:sty m:val="p"/>
                         </m:rPr>
-                        <a:rPr lang="en-US" sz="1600" b="0" i="0" smtClean="0">
+                        <a:rPr lang="en-US" sz="1600">
                           <a:latin typeface="Cambria Math" panose="02040503050406030204" pitchFamily="18" charset="0"/>
                         </a:rPr>
                         <m:t>For</m:t>
                       </m:r>
                       <m:r>
-                        <a:rPr lang="en-US" sz="1600" b="0" i="0" smtClean="0">
+                        <a:rPr lang="en-US" sz="1600">
                           <a:latin typeface="Cambria Math" panose="02040503050406030204" pitchFamily="18" charset="0"/>
                         </a:rPr>
                         <m:t> </m:t>
@@ -17880,13 +18258,13 @@
                         <m:rPr>
                           <m:sty m:val="p"/>
                         </m:rPr>
-                        <a:rPr lang="en-US" sz="1600" b="0" i="0" smtClean="0">
+                        <a:rPr lang="en-US" sz="1600">
                           <a:latin typeface="Cambria Math" panose="02040503050406030204" pitchFamily="18" charset="0"/>
                         </a:rPr>
                         <m:t>each</m:t>
                       </m:r>
                       <m:r>
-                        <a:rPr lang="en-US" sz="1600" b="0" i="0" smtClean="0">
+                        <a:rPr lang="en-US" sz="1600">
                           <a:latin typeface="Cambria Math" panose="02040503050406030204" pitchFamily="18" charset="0"/>
                         </a:rPr>
                         <m:t> </m:t>
@@ -17895,7 +18273,7 @@
                         <m:accPr>
                           <m:chr m:val="⃗"/>
                           <m:ctrlPr>
-                            <a:rPr lang="en-US" sz="1600" b="0" i="1" smtClean="0">
+                            <a:rPr lang="en-US" sz="1600" i="1">
                               <a:latin typeface="Cambria Math" panose="02040503050406030204" pitchFamily="18" charset="0"/>
                             </a:rPr>
                           </m:ctrlPr>
@@ -17904,14 +18282,14 @@
                           <m:sSub>
                             <m:sSubPr>
                               <m:ctrlPr>
-                                <a:rPr lang="en-US" sz="1600" b="0" i="1" smtClean="0">
+                                <a:rPr lang="en-US" sz="1600" i="1">
                                   <a:latin typeface="Cambria Math" panose="02040503050406030204" pitchFamily="18" charset="0"/>
                                 </a:rPr>
                               </m:ctrlPr>
                             </m:sSubPr>
                             <m:e>
                               <m:r>
-                                <a:rPr lang="en-US" sz="1600" b="0" i="1" smtClean="0">
+                                <a:rPr lang="en-US" sz="1600" i="1">
                                   <a:latin typeface="Cambria Math" panose="02040503050406030204" pitchFamily="18" charset="0"/>
                                 </a:rPr>
                                 <m:t>𝑠</m:t>
@@ -17919,7 +18297,7 @@
                             </m:e>
                             <m:sub>
                               <m:r>
-                                <a:rPr lang="en-US" sz="1600" b="0" i="1" smtClean="0">
+                                <a:rPr lang="en-US" sz="1600" i="1">
                                   <a:latin typeface="Cambria Math" panose="02040503050406030204" pitchFamily="18" charset="0"/>
                                 </a:rPr>
                                 <m:t>𝑖</m:t>
@@ -17929,7 +18307,7 @@
                         </m:e>
                       </m:acc>
                       <m:r>
-                        <a:rPr lang="en-US" sz="1600" b="0" i="1" dirty="0" smtClean="0">
+                        <a:rPr lang="en-US" sz="1600" i="1" dirty="0">
                           <a:latin typeface="Cambria Math" panose="02040503050406030204" pitchFamily="18" charset="0"/>
                         </a:rPr>
                         <m:t>∈</m:t>
@@ -17937,14 +18315,14 @@
                       <m:sSub>
                         <m:sSubPr>
                           <m:ctrlPr>
-                            <a:rPr lang="en-US" sz="1600" b="0" i="1" dirty="0" smtClean="0">
+                            <a:rPr lang="en-US" sz="1600" i="1" dirty="0">
                               <a:latin typeface="Cambria Math" panose="02040503050406030204" pitchFamily="18" charset="0"/>
                             </a:rPr>
                           </m:ctrlPr>
                         </m:sSubPr>
                         <m:e>
                           <m:r>
-                            <a:rPr lang="en-US" sz="1600" b="0" i="1" dirty="0" smtClean="0">
+                            <a:rPr lang="en-US" sz="1600" i="1" dirty="0">
                               <a:latin typeface="Cambria Math" panose="02040503050406030204" pitchFamily="18" charset="0"/>
                             </a:rPr>
                             <m:t>𝐿</m:t>
@@ -17952,7 +18330,7 @@
                         </m:e>
                         <m:sub>
                           <m:r>
-                            <a:rPr lang="en-US" sz="1600" b="0" i="1" dirty="0" smtClean="0">
+                            <a:rPr lang="en-US" sz="1600" i="1" dirty="0">
                               <a:latin typeface="Cambria Math" panose="02040503050406030204" pitchFamily="18" charset="0"/>
                             </a:rPr>
                             <m:t>𝑘</m:t>
@@ -17984,7 +18362,7 @@
             </p:nvSpPr>
             <p:spPr>
               <a:xfrm>
-                <a:off x="457200" y="1412776"/>
+                <a:off x="904746" y="1322477"/>
                 <a:ext cx="1810544" cy="432048"/>
               </a:xfrm>
               <a:prstGeom prst="flowChartAlternateProcess">
@@ -18028,7 +18406,7 @@
             </p:nvSpPr>
             <p:spPr>
               <a:xfrm>
-                <a:off x="1095957" y="1976213"/>
+                <a:off x="1892009" y="1876153"/>
                 <a:ext cx="2304583" cy="550181"/>
               </a:xfrm>
               <a:prstGeom prst="flowChartAlternateProcess">
@@ -18063,25 +18441,25 @@
                     </m:oMathParaPr>
                     <m:oMath xmlns:m="http://schemas.openxmlformats.org/officeDocument/2006/math">
                       <m:r>
-                        <a:rPr lang="en-US" sz="1600" b="0" i="1" smtClean="0">
+                        <a:rPr lang="en-US" sz="1600" i="1">
                           <a:latin typeface="Cambria Math" panose="02040503050406030204" pitchFamily="18" charset="0"/>
                         </a:rPr>
                         <m:t>𝐹𝑜𝑟</m:t>
                       </m:r>
                       <m:r>
-                        <a:rPr lang="en-US" sz="1600" b="0" i="1" smtClean="0">
+                        <a:rPr lang="en-US" sz="1600" i="1">
                           <a:latin typeface="Cambria Math" panose="02040503050406030204" pitchFamily="18" charset="0"/>
                         </a:rPr>
                         <m:t> </m:t>
                       </m:r>
                       <m:r>
-                        <a:rPr lang="en-US" sz="1600" b="0" i="1" smtClean="0">
+                        <a:rPr lang="en-US" sz="1600" i="1">
                           <a:latin typeface="Cambria Math" panose="02040503050406030204" pitchFamily="18" charset="0"/>
                         </a:rPr>
                         <m:t>𝑒𝑎𝑐h</m:t>
                       </m:r>
                       <m:r>
-                        <a:rPr lang="en-US" sz="1600" b="0" i="1" smtClean="0">
+                        <a:rPr lang="en-US" sz="1600" i="1">
                           <a:latin typeface="Cambria Math" panose="02040503050406030204" pitchFamily="18" charset="0"/>
                         </a:rPr>
                         <m:t> </m:t>
@@ -18089,14 +18467,14 @@
                       <m:sSub>
                         <m:sSubPr>
                           <m:ctrlPr>
-                            <a:rPr lang="en-US" sz="1600" b="0" i="1" smtClean="0">
+                            <a:rPr lang="en-US" sz="1600" i="1">
                               <a:latin typeface="Cambria Math" panose="02040503050406030204" pitchFamily="18" charset="0"/>
                             </a:rPr>
                           </m:ctrlPr>
                         </m:sSubPr>
                         <m:e>
                           <m:r>
-                            <a:rPr lang="en-US" sz="1600" b="0" i="1" smtClean="0">
+                            <a:rPr lang="en-US" sz="1600" i="1">
                               <a:latin typeface="Cambria Math" panose="02040503050406030204" pitchFamily="18" charset="0"/>
                             </a:rPr>
                             <m:t>𝑠</m:t>
@@ -18104,7 +18482,7 @@
                         </m:e>
                         <m:sub>
                           <m:r>
-                            <a:rPr lang="en-US" sz="1600" b="0" i="1" smtClean="0">
+                            <a:rPr lang="en-US" sz="1600" i="1">
                               <a:latin typeface="Cambria Math" panose="02040503050406030204" pitchFamily="18" charset="0"/>
                             </a:rPr>
                             <m:t>𝑗</m:t>
@@ -18112,31 +18490,31 @@
                         </m:sub>
                       </m:sSub>
                       <m:r>
-                        <a:rPr lang="en-US" sz="1600" b="0" i="1" smtClean="0">
+                        <a:rPr lang="en-US" sz="1600" i="1">
                           <a:latin typeface="Cambria Math" panose="02040503050406030204" pitchFamily="18" charset="0"/>
                         </a:rPr>
                         <m:t>∈</m:t>
                       </m:r>
                       <m:r>
-                        <a:rPr lang="en-US" sz="1600" b="0" i="1" smtClean="0">
+                        <a:rPr lang="en-US" sz="1600" i="1">
                           <a:latin typeface="Cambria Math" panose="02040503050406030204" pitchFamily="18" charset="0"/>
                         </a:rPr>
                         <m:t>𝑐h𝑖𝑙𝑑</m:t>
                       </m:r>
                       <m:r>
-                        <a:rPr lang="en-US" sz="1600" b="0" i="1" smtClean="0">
+                        <a:rPr lang="en-US" sz="1600" i="1">
                           <a:latin typeface="Cambria Math" panose="02040503050406030204" pitchFamily="18" charset="0"/>
                         </a:rPr>
                         <m:t>(</m:t>
                       </m:r>
                       <m:r>
-                        <a:rPr lang="en-US" sz="1600" b="0" i="1" smtClean="0">
+                        <a:rPr lang="en-US" sz="1600" i="1">
                           <a:latin typeface="Cambria Math" panose="02040503050406030204" pitchFamily="18" charset="0"/>
                         </a:rPr>
                         <m:t>𝑠𝑒𝑐𝑜𝑛𝑑𝑃𝑎𝑟</m:t>
                       </m:r>
                       <m:r>
-                        <a:rPr lang="en-US" sz="1600" b="0" i="1" smtClean="0">
+                        <a:rPr lang="en-US" sz="1600" i="1">
                           <a:latin typeface="Cambria Math" panose="02040503050406030204" pitchFamily="18" charset="0"/>
                         </a:rPr>
                         <m:t>)</m:t>
@@ -18166,7 +18544,7 @@
             </p:nvSpPr>
             <p:spPr>
               <a:xfrm>
-                <a:off x="1095957" y="1976213"/>
+                <a:off x="1892009" y="1876153"/>
                 <a:ext cx="2304583" cy="550181"/>
               </a:xfrm>
               <a:prstGeom prst="flowChartAlternateProcess">
@@ -18210,7 +18588,7 @@
             </p:nvSpPr>
             <p:spPr>
               <a:xfrm>
-                <a:off x="1535953" y="2760072"/>
+                <a:off x="2665297" y="2689032"/>
                 <a:ext cx="1944216" cy="375810"/>
               </a:xfrm>
               <a:prstGeom prst="flowChartProcess">
@@ -18248,14 +18626,14 @@
                         <m:accPr>
                           <m:chr m:val="⃗"/>
                           <m:ctrlPr>
-                            <a:rPr lang="en-US" sz="1600" b="0" i="1" smtClean="0">
+                            <a:rPr lang="en-US" sz="1600" i="1">
                               <a:latin typeface="Cambria Math" panose="02040503050406030204" pitchFamily="18" charset="0"/>
                             </a:rPr>
                           </m:ctrlPr>
                         </m:accPr>
                         <m:e>
                           <m:r>
-                            <a:rPr lang="en-US" sz="1600" b="0" i="1" smtClean="0">
+                            <a:rPr lang="en-US" sz="1600" i="1">
                               <a:latin typeface="Cambria Math" panose="02040503050406030204" pitchFamily="18" charset="0"/>
                             </a:rPr>
                             <m:t>𝑠</m:t>
@@ -18263,7 +18641,7 @@
                         </m:e>
                       </m:acc>
                       <m:r>
-                        <a:rPr lang="en-US" sz="1600" b="0" i="1" smtClean="0">
+                        <a:rPr lang="en-US" sz="1600" i="1">
                           <a:latin typeface="Cambria Math" panose="02040503050406030204" pitchFamily="18" charset="0"/>
                         </a:rPr>
                         <m:t>=</m:t>
@@ -18272,7 +18650,7 @@
                         <m:accPr>
                           <m:chr m:val="⃗"/>
                           <m:ctrlPr>
-                            <a:rPr lang="en-US" sz="1600" b="0" i="1" smtClean="0">
+                            <a:rPr lang="en-US" sz="1600" i="1">
                               <a:latin typeface="Cambria Math" panose="02040503050406030204" pitchFamily="18" charset="0"/>
                             </a:rPr>
                           </m:ctrlPr>
@@ -18281,14 +18659,14 @@
                           <m:sSub>
                             <m:sSubPr>
                               <m:ctrlPr>
-                                <a:rPr lang="en-US" sz="1600" b="0" i="1" smtClean="0">
+                                <a:rPr lang="en-US" sz="1600" i="1">
                                   <a:latin typeface="Cambria Math" panose="02040503050406030204" pitchFamily="18" charset="0"/>
                                 </a:rPr>
                               </m:ctrlPr>
                             </m:sSubPr>
                             <m:e>
                               <m:r>
-                                <a:rPr lang="en-US" sz="1600" b="0" i="1" smtClean="0">
+                                <a:rPr lang="en-US" sz="1600" i="1">
                                   <a:latin typeface="Cambria Math" panose="02040503050406030204" pitchFamily="18" charset="0"/>
                                 </a:rPr>
                                 <m:t>𝑠</m:t>
@@ -18296,7 +18674,7 @@
                             </m:e>
                             <m:sub>
                               <m:r>
-                                <a:rPr lang="en-US" sz="1600" b="0" i="1" smtClean="0">
+                                <a:rPr lang="en-US" sz="1600" i="1">
                                   <a:latin typeface="Cambria Math" panose="02040503050406030204" pitchFamily="18" charset="0"/>
                                 </a:rPr>
                                 <m:t>𝑖</m:t>
@@ -18306,7 +18684,7 @@
                         </m:e>
                       </m:acc>
                       <m:r>
-                        <a:rPr lang="en-US" sz="1600" b="0" i="1" smtClean="0">
+                        <a:rPr lang="en-US" sz="1600" i="1">
                           <a:latin typeface="Cambria Math" panose="02040503050406030204" pitchFamily="18" charset="0"/>
                         </a:rPr>
                         <m:t>→</m:t>
@@ -18315,7 +18693,7 @@
                         <m:accPr>
                           <m:chr m:val="⃗"/>
                           <m:ctrlPr>
-                            <a:rPr lang="en-US" sz="1600" b="0" i="1" smtClean="0">
+                            <a:rPr lang="en-US" sz="1600" i="1">
                               <a:latin typeface="Cambria Math" panose="02040503050406030204" pitchFamily="18" charset="0"/>
                             </a:rPr>
                           </m:ctrlPr>
@@ -18324,14 +18702,14 @@
                           <m:sSub>
                             <m:sSubPr>
                               <m:ctrlPr>
-                                <a:rPr lang="en-US" sz="1600" b="0" i="1" smtClean="0">
+                                <a:rPr lang="en-US" sz="1600" i="1">
                                   <a:latin typeface="Cambria Math" panose="02040503050406030204" pitchFamily="18" charset="0"/>
                                 </a:rPr>
                               </m:ctrlPr>
                             </m:sSubPr>
                             <m:e>
                               <m:r>
-                                <a:rPr lang="en-US" sz="1600" b="0" i="1" smtClean="0">
+                                <a:rPr lang="en-US" sz="1600" i="1">
                                   <a:latin typeface="Cambria Math" panose="02040503050406030204" pitchFamily="18" charset="0"/>
                                 </a:rPr>
                                 <m:t>𝑠</m:t>
@@ -18339,7 +18717,7 @@
                             </m:e>
                             <m:sub>
                               <m:r>
-                                <a:rPr lang="en-US" sz="1600" b="0" i="1" smtClean="0">
+                                <a:rPr lang="en-US" sz="1600" i="1">
                                   <a:latin typeface="Cambria Math" panose="02040503050406030204" pitchFamily="18" charset="0"/>
                                 </a:rPr>
                                 <m:t>𝑗</m:t>
@@ -18349,19 +18727,19 @@
                         </m:e>
                       </m:acc>
                       <m:r>
-                        <a:rPr lang="en-US" sz="1600" b="0" i="1" smtClean="0">
+                        <a:rPr lang="en-US" sz="1600" i="1">
                           <a:latin typeface="Cambria Math" panose="02040503050406030204" pitchFamily="18" charset="0"/>
                         </a:rPr>
                         <m:t>[</m:t>
                       </m:r>
                       <m:r>
-                        <a:rPr lang="en-US" sz="1600" b="0" i="1" smtClean="0">
+                        <a:rPr lang="en-US" sz="1600" i="1">
                           <a:latin typeface="Cambria Math" panose="02040503050406030204" pitchFamily="18" charset="0"/>
                         </a:rPr>
                         <m:t>𝑘</m:t>
                       </m:r>
                       <m:r>
-                        <a:rPr lang="en-US" sz="1600" b="0" i="1" smtClean="0">
+                        <a:rPr lang="en-US" sz="1600" i="1">
                           <a:latin typeface="Cambria Math" panose="02040503050406030204" pitchFamily="18" charset="0"/>
                         </a:rPr>
                         <m:t>−1] </m:t>
@@ -18391,7 +18769,7 @@
             </p:nvSpPr>
             <p:spPr>
               <a:xfrm>
-                <a:off x="1535953" y="2760072"/>
+                <a:off x="2665297" y="2689032"/>
                 <a:ext cx="1944216" cy="375810"/>
               </a:xfrm>
               <a:prstGeom prst="flowChartProcess">
@@ -18400,7 +18778,7 @@
               <a:blipFill>
                 <a:blip r:embed="rId6"/>
                 <a:stretch>
-                  <a:fillRect t="-2857"/>
+                  <a:fillRect t="-1408"/>
                 </a:stretch>
               </a:blipFill>
             </p:spPr>
@@ -18435,7 +18813,7 @@
             </p:nvSpPr>
             <p:spPr>
               <a:xfrm>
-                <a:off x="1535953" y="3333763"/>
+                <a:off x="2670777" y="3253093"/>
                 <a:ext cx="1944216" cy="375810"/>
               </a:xfrm>
               <a:prstGeom prst="flowChartProcess">
@@ -18470,13 +18848,13 @@
                     </m:oMathParaPr>
                     <m:oMath xmlns:m="http://schemas.openxmlformats.org/officeDocument/2006/math">
                       <m:r>
-                        <a:rPr lang="en-US" sz="1600" b="0" i="1" smtClean="0">
+                        <a:rPr lang="en-US" sz="1600" i="1">
                           <a:latin typeface="Cambria Math" panose="02040503050406030204" pitchFamily="18" charset="0"/>
                         </a:rPr>
                         <m:t>𝑠𝑒𝑡𝐼𝑛𝑠𝑡𝑎𝑛𝑐𝑒𝑠</m:t>
                       </m:r>
                       <m:r>
-                        <a:rPr lang="en-US" sz="1600" b="0" i="1" smtClean="0">
+                        <a:rPr lang="en-US" sz="1600" i="1">
                           <a:latin typeface="Cambria Math" panose="02040503050406030204" pitchFamily="18" charset="0"/>
                         </a:rPr>
                         <m:t>(</m:t>
@@ -18485,14 +18863,14 @@
                         <m:accPr>
                           <m:chr m:val="⃗"/>
                           <m:ctrlPr>
-                            <a:rPr lang="en-US" sz="1600" b="0" i="1" smtClean="0">
+                            <a:rPr lang="en-US" sz="1600" i="1">
                               <a:latin typeface="Cambria Math" panose="02040503050406030204" pitchFamily="18" charset="0"/>
                             </a:rPr>
                           </m:ctrlPr>
                         </m:accPr>
                         <m:e>
                           <m:r>
-                            <a:rPr lang="en-US" sz="1600" b="0" i="1" smtClean="0">
+                            <a:rPr lang="en-US" sz="1600" i="1">
                               <a:latin typeface="Cambria Math" panose="02040503050406030204" pitchFamily="18" charset="0"/>
                             </a:rPr>
                             <m:t>𝑠</m:t>
@@ -18500,7 +18878,7 @@
                         </m:e>
                       </m:acc>
                       <m:r>
-                        <a:rPr lang="en-US" sz="1600" b="0" i="1" smtClean="0">
+                        <a:rPr lang="en-US" sz="1600" i="1">
                           <a:latin typeface="Cambria Math" panose="02040503050406030204" pitchFamily="18" charset="0"/>
                         </a:rPr>
                         <m:t>)</m:t>
@@ -18530,7 +18908,7 @@
             </p:nvSpPr>
             <p:spPr>
               <a:xfrm>
-                <a:off x="1535953" y="3333763"/>
+                <a:off x="2670777" y="3253093"/>
                 <a:ext cx="1944216" cy="375810"/>
               </a:xfrm>
               <a:prstGeom prst="flowChartProcess">
@@ -18539,7 +18917,7 @@
               <a:blipFill>
                 <a:blip r:embed="rId7"/>
                 <a:stretch>
-                  <a:fillRect t="-4225"/>
+                  <a:fillRect t="-4286"/>
                 </a:stretch>
               </a:blipFill>
             </p:spPr>
@@ -18574,7 +18952,7 @@
             </p:nvSpPr>
             <p:spPr>
               <a:xfrm>
-                <a:off x="1317287" y="3907454"/>
+                <a:off x="2455614" y="3821663"/>
                 <a:ext cx="2448272" cy="907984"/>
               </a:xfrm>
               <a:prstGeom prst="flowChartProcess">
@@ -18609,7 +18987,7 @@
                     </m:oMathParaPr>
                     <m:oMath xmlns:m="http://schemas.openxmlformats.org/officeDocument/2006/math">
                       <m:r>
-                        <a:rPr lang="en-US" sz="1600" b="0" i="1" smtClean="0">
+                        <a:rPr lang="en-US" sz="1600" i="1">
                           <a:latin typeface="Cambria Math" panose="02040503050406030204" pitchFamily="18" charset="0"/>
                         </a:rPr>
                         <m:t>𝑓𝑖𝑟𝑠𝑡𝑃𝑎𝑟</m:t>
@@ -18617,7 +18995,7 @@
                       <m:d>
                         <m:dPr>
                           <m:ctrlPr>
-                            <a:rPr lang="en-US" sz="1600" b="0" i="1" smtClean="0">
+                            <a:rPr lang="en-US" sz="1600" i="1">
                               <a:latin typeface="Cambria Math" panose="02040503050406030204" pitchFamily="18" charset="0"/>
                             </a:rPr>
                           </m:ctrlPr>
@@ -18627,14 +19005,14 @@
                             <m:accPr>
                               <m:chr m:val="⃗"/>
                               <m:ctrlPr>
-                                <a:rPr lang="en-US" sz="1600" b="0" i="1" smtClean="0">
+                                <a:rPr lang="en-US" sz="1600" i="1">
                                   <a:latin typeface="Cambria Math" panose="02040503050406030204" pitchFamily="18" charset="0"/>
                                 </a:rPr>
                               </m:ctrlPr>
                             </m:accPr>
                             <m:e>
                               <m:r>
-                                <a:rPr lang="en-US" sz="1600" b="0" i="1" smtClean="0">
+                                <a:rPr lang="en-US" sz="1600" i="1">
                                   <a:latin typeface="Cambria Math" panose="02040503050406030204" pitchFamily="18" charset="0"/>
                                 </a:rPr>
                                 <m:t>𝑠</m:t>
@@ -18644,7 +19022,7 @@
                         </m:e>
                       </m:d>
                       <m:r>
-                        <a:rPr lang="en-US" sz="1600" b="0" i="1" smtClean="0">
+                        <a:rPr lang="en-US" sz="1600" i="1">
                           <a:latin typeface="Cambria Math" panose="02040503050406030204" pitchFamily="18" charset="0"/>
                         </a:rPr>
                         <m:t>=</m:t>
@@ -18653,7 +19031,7 @@
                         <m:accPr>
                           <m:chr m:val="⃗"/>
                           <m:ctrlPr>
-                            <a:rPr lang="en-US" sz="1600" b="0" i="1" smtClean="0">
+                            <a:rPr lang="en-US" sz="1600" i="1">
                               <a:latin typeface="Cambria Math" panose="02040503050406030204" pitchFamily="18" charset="0"/>
                             </a:rPr>
                           </m:ctrlPr>
@@ -18662,14 +19040,14 @@
                           <m:sSub>
                             <m:sSubPr>
                               <m:ctrlPr>
-                                <a:rPr lang="en-US" sz="1600" b="0" i="1" smtClean="0">
+                                <a:rPr lang="en-US" sz="1600" i="1">
                                   <a:latin typeface="Cambria Math" panose="02040503050406030204" pitchFamily="18" charset="0"/>
                                 </a:rPr>
                               </m:ctrlPr>
                             </m:sSubPr>
                             <m:e>
                               <m:r>
-                                <a:rPr lang="en-US" sz="1600" b="0" i="1" smtClean="0">
+                                <a:rPr lang="en-US" sz="1600" i="1">
                                   <a:latin typeface="Cambria Math" panose="02040503050406030204" pitchFamily="18" charset="0"/>
                                 </a:rPr>
                                 <m:t>𝑠</m:t>
@@ -18677,7 +19055,7 @@
                             </m:e>
                             <m:sub>
                               <m:r>
-                                <a:rPr lang="en-US" sz="1600" b="0" i="1" smtClean="0">
+                                <a:rPr lang="en-US" sz="1600" i="1">
                                   <a:latin typeface="Cambria Math" panose="02040503050406030204" pitchFamily="18" charset="0"/>
                                 </a:rPr>
                                 <m:t>𝑖</m:t>
@@ -18700,7 +19078,7 @@
                     </m:oMathParaPr>
                     <m:oMath xmlns:m="http://schemas.openxmlformats.org/officeDocument/2006/math">
                       <m:r>
-                        <a:rPr lang="en-US" sz="1600" b="0" i="1" smtClean="0">
+                        <a:rPr lang="en-US" sz="1600" i="1">
                           <a:latin typeface="Cambria Math" panose="02040503050406030204" pitchFamily="18" charset="0"/>
                         </a:rPr>
                         <m:t>𝑠𝑒𝑐𝑜𝑛𝑑𝑃𝑎𝑟</m:t>
@@ -18708,7 +19086,7 @@
                       <m:d>
                         <m:dPr>
                           <m:ctrlPr>
-                            <a:rPr lang="en-US" sz="1600" b="0" i="1" smtClean="0">
+                            <a:rPr lang="en-US" sz="1600" i="1">
                               <a:latin typeface="Cambria Math" panose="02040503050406030204" pitchFamily="18" charset="0"/>
                             </a:rPr>
                           </m:ctrlPr>
@@ -18718,14 +19096,14 @@
                             <m:accPr>
                               <m:chr m:val="⃗"/>
                               <m:ctrlPr>
-                                <a:rPr lang="en-US" sz="1600" b="0" i="1" smtClean="0">
+                                <a:rPr lang="en-US" sz="1600" i="1">
                                   <a:latin typeface="Cambria Math" panose="02040503050406030204" pitchFamily="18" charset="0"/>
                                 </a:rPr>
                               </m:ctrlPr>
                             </m:accPr>
                             <m:e>
                               <m:r>
-                                <a:rPr lang="en-US" sz="1600" b="0" i="1" smtClean="0">
+                                <a:rPr lang="en-US" sz="1600" i="1">
                                   <a:latin typeface="Cambria Math" panose="02040503050406030204" pitchFamily="18" charset="0"/>
                                 </a:rPr>
                                 <m:t>𝑠</m:t>
@@ -18735,7 +19113,7 @@
                         </m:e>
                       </m:d>
                       <m:r>
-                        <a:rPr lang="en-US" sz="1600" b="0" i="1" smtClean="0">
+                        <a:rPr lang="en-US" sz="1600" i="1">
                           <a:latin typeface="Cambria Math" panose="02040503050406030204" pitchFamily="18" charset="0"/>
                         </a:rPr>
                         <m:t>=</m:t>
@@ -18744,7 +19122,7 @@
                         <m:accPr>
                           <m:chr m:val="⃗"/>
                           <m:ctrlPr>
-                            <a:rPr lang="en-US" sz="1600" b="0" i="1" smtClean="0">
+                            <a:rPr lang="en-US" sz="1600" i="1">
                               <a:latin typeface="Cambria Math" panose="02040503050406030204" pitchFamily="18" charset="0"/>
                             </a:rPr>
                           </m:ctrlPr>
@@ -18753,14 +19131,14 @@
                           <m:sSub>
                             <m:sSubPr>
                               <m:ctrlPr>
-                                <a:rPr lang="en-US" sz="1600" b="0" i="1" smtClean="0">
+                                <a:rPr lang="en-US" sz="1600" i="1">
                                   <a:latin typeface="Cambria Math" panose="02040503050406030204" pitchFamily="18" charset="0"/>
                                 </a:rPr>
                               </m:ctrlPr>
                             </m:sSubPr>
                             <m:e>
                               <m:r>
-                                <a:rPr lang="en-US" sz="1600" b="0" i="1" smtClean="0">
+                                <a:rPr lang="en-US" sz="1600" i="1">
                                   <a:latin typeface="Cambria Math" panose="02040503050406030204" pitchFamily="18" charset="0"/>
                                 </a:rPr>
                                 <m:t>𝑠</m:t>
@@ -18768,7 +19146,7 @@
                             </m:e>
                             <m:sub>
                               <m:r>
-                                <a:rPr lang="en-US" sz="1600" b="0" i="1" smtClean="0">
+                                <a:rPr lang="en-US" sz="1600" i="1">
                                   <a:latin typeface="Cambria Math" panose="02040503050406030204" pitchFamily="18" charset="0"/>
                                 </a:rPr>
                                 <m:t>𝑗</m:t>
@@ -18791,7 +19169,7 @@
                     </m:oMathParaPr>
                     <m:oMath xmlns:m="http://schemas.openxmlformats.org/officeDocument/2006/math">
                       <m:r>
-                        <a:rPr lang="en-US" sz="1600" b="0" i="1" smtClean="0">
+                        <a:rPr lang="en-US" sz="1600" i="1">
                           <a:latin typeface="Cambria Math" panose="02040503050406030204" pitchFamily="18" charset="0"/>
                         </a:rPr>
                         <m:t>𝑐h𝑖𝑙𝑑𝑟𝑒𝑛</m:t>
@@ -18799,7 +19177,7 @@
                       <m:d>
                         <m:dPr>
                           <m:ctrlPr>
-                            <a:rPr lang="en-US" sz="1600" b="0" i="1" smtClean="0">
+                            <a:rPr lang="en-US" sz="1600" i="1">
                               <a:latin typeface="Cambria Math" panose="02040503050406030204" pitchFamily="18" charset="0"/>
                             </a:rPr>
                           </m:ctrlPr>
@@ -18809,7 +19187,7 @@
                             <m:accPr>
                               <m:chr m:val="⃗"/>
                               <m:ctrlPr>
-                                <a:rPr lang="en-US" sz="1600" b="0" i="1" smtClean="0">
+                                <a:rPr lang="en-US" sz="1600" i="1">
                                   <a:latin typeface="Cambria Math" panose="02040503050406030204" pitchFamily="18" charset="0"/>
                                 </a:rPr>
                               </m:ctrlPr>
@@ -18818,14 +19196,14 @@
                               <m:sSub>
                                 <m:sSubPr>
                                   <m:ctrlPr>
-                                    <a:rPr lang="en-US" sz="1600" b="0" i="1" smtClean="0">
+                                    <a:rPr lang="en-US" sz="1600" i="1">
                                       <a:latin typeface="Cambria Math" panose="02040503050406030204" pitchFamily="18" charset="0"/>
                                     </a:rPr>
                                   </m:ctrlPr>
                                 </m:sSubPr>
                                 <m:e>
                                   <m:r>
-                                    <a:rPr lang="en-US" sz="1600" b="0" i="1" smtClean="0">
+                                    <a:rPr lang="en-US" sz="1600" i="1">
                                       <a:latin typeface="Cambria Math" panose="02040503050406030204" pitchFamily="18" charset="0"/>
                                     </a:rPr>
                                     <m:t>𝑠</m:t>
@@ -18833,7 +19211,7 @@
                                 </m:e>
                                 <m:sub>
                                   <m:r>
-                                    <a:rPr lang="en-US" sz="1600" b="0" i="1" smtClean="0">
+                                    <a:rPr lang="en-US" sz="1600" i="1">
                                       <a:latin typeface="Cambria Math" panose="02040503050406030204" pitchFamily="18" charset="0"/>
                                     </a:rPr>
                                     <m:t>𝑖</m:t>
@@ -18845,19 +19223,19 @@
                         </m:e>
                       </m:d>
                       <m:r>
-                        <a:rPr lang="en-US" sz="1600" b="0" i="1" smtClean="0">
+                        <a:rPr lang="en-US" sz="1600" i="1">
                           <a:latin typeface="Cambria Math" panose="02040503050406030204" pitchFamily="18" charset="0"/>
                         </a:rPr>
                         <m:t>.</m:t>
                       </m:r>
                       <m:r>
-                        <a:rPr lang="en-US" sz="1600" b="0" i="1" smtClean="0">
+                        <a:rPr lang="en-US" sz="1600" i="1">
                           <a:latin typeface="Cambria Math" panose="02040503050406030204" pitchFamily="18" charset="0"/>
                         </a:rPr>
                         <m:t>𝑎𝑑𝑑</m:t>
                       </m:r>
                       <m:r>
-                        <a:rPr lang="en-US" sz="1600" b="0" i="1" smtClean="0">
+                        <a:rPr lang="en-US" sz="1600" i="1">
                           <a:latin typeface="Cambria Math" panose="02040503050406030204" pitchFamily="18" charset="0"/>
                         </a:rPr>
                         <m:t>(</m:t>
@@ -18866,14 +19244,14 @@
                         <m:accPr>
                           <m:chr m:val="⃗"/>
                           <m:ctrlPr>
-                            <a:rPr lang="en-US" sz="1600" b="0" i="1" smtClean="0">
+                            <a:rPr lang="en-US" sz="1600" i="1">
                               <a:latin typeface="Cambria Math" panose="02040503050406030204" pitchFamily="18" charset="0"/>
                             </a:rPr>
                           </m:ctrlPr>
                         </m:accPr>
                         <m:e>
                           <m:r>
-                            <a:rPr lang="en-US" sz="1600" b="0" i="1" smtClean="0">
+                            <a:rPr lang="en-US" sz="1600" i="1">
                               <a:latin typeface="Cambria Math" panose="02040503050406030204" pitchFamily="18" charset="0"/>
                             </a:rPr>
                             <m:t>𝑠</m:t>
@@ -18881,7 +19259,7 @@
                         </m:e>
                       </m:acc>
                       <m:r>
-                        <a:rPr lang="en-US" sz="1600" b="0" i="1" smtClean="0">
+                        <a:rPr lang="en-US" sz="1600" i="1">
                           <a:latin typeface="Cambria Math" panose="02040503050406030204" pitchFamily="18" charset="0"/>
                         </a:rPr>
                         <m:t>)</m:t>
@@ -18911,7 +19289,7 @@
             </p:nvSpPr>
             <p:spPr>
               <a:xfrm>
-                <a:off x="1317287" y="3907454"/>
+                <a:off x="2455614" y="3821663"/>
                 <a:ext cx="2448272" cy="907984"/>
               </a:xfrm>
               <a:prstGeom prst="flowChartProcess">
@@ -18955,7 +19333,7 @@
             </p:nvSpPr>
             <p:spPr>
               <a:xfrm>
-                <a:off x="1573424" y="5086195"/>
+                <a:off x="2701432" y="5005916"/>
                 <a:ext cx="1944216" cy="360040"/>
               </a:xfrm>
               <a:prstGeom prst="flowChartProcess">
@@ -18992,14 +19370,14 @@
                       <m:sSub>
                         <m:sSubPr>
                           <m:ctrlPr>
-                            <a:rPr lang="en-US" b="0" i="1" smtClean="0">
+                            <a:rPr lang="en-US" i="1">
                               <a:latin typeface="Cambria Math" panose="02040503050406030204" pitchFamily="18" charset="0"/>
                             </a:rPr>
                           </m:ctrlPr>
                         </m:sSubPr>
                         <m:e>
                           <m:r>
-                            <a:rPr lang="en-US" b="0" i="1" smtClean="0">
+                            <a:rPr lang="en-US" i="1">
                               <a:latin typeface="Cambria Math" panose="02040503050406030204" pitchFamily="18" charset="0"/>
                             </a:rPr>
                             <m:t>𝐶</m:t>
@@ -19007,7 +19385,7 @@
                         </m:e>
                         <m:sub>
                           <m:r>
-                            <a:rPr lang="en-US" b="0" i="1" smtClean="0">
+                            <a:rPr lang="en-US" i="1">
                               <a:latin typeface="Cambria Math" panose="02040503050406030204" pitchFamily="18" charset="0"/>
                             </a:rPr>
                             <m:t>𝑘</m:t>
@@ -19015,19 +19393,19 @@
                         </m:sub>
                       </m:sSub>
                       <m:r>
-                        <a:rPr lang="en-US" b="0" i="1" smtClean="0">
+                        <a:rPr lang="en-US" i="1">
                           <a:latin typeface="Cambria Math" panose="02040503050406030204" pitchFamily="18" charset="0"/>
                         </a:rPr>
                         <m:t>.</m:t>
                       </m:r>
                       <m:r>
-                        <a:rPr lang="en-US" b="0" i="1" smtClean="0">
+                        <a:rPr lang="en-US" i="1">
                           <a:latin typeface="Cambria Math" panose="02040503050406030204" pitchFamily="18" charset="0"/>
                         </a:rPr>
                         <m:t>𝑎𝑑𝑑</m:t>
                       </m:r>
                       <m:r>
-                        <a:rPr lang="en-US" b="0" i="1" smtClean="0">
+                        <a:rPr lang="en-US" i="1">
                           <a:latin typeface="Cambria Math" panose="02040503050406030204" pitchFamily="18" charset="0"/>
                         </a:rPr>
                         <m:t>(</m:t>
@@ -19036,14 +19414,14 @@
                         <m:accPr>
                           <m:chr m:val="⃗"/>
                           <m:ctrlPr>
-                            <a:rPr lang="en-US" b="0" i="1" smtClean="0">
+                            <a:rPr lang="en-US" i="1">
                               <a:latin typeface="Cambria Math" panose="02040503050406030204" pitchFamily="18" charset="0"/>
                             </a:rPr>
                           </m:ctrlPr>
                         </m:accPr>
                         <m:e>
                           <m:r>
-                            <a:rPr lang="en-US" b="0" i="1" smtClean="0">
+                            <a:rPr lang="en-US" i="1">
                               <a:latin typeface="Cambria Math" panose="02040503050406030204" pitchFamily="18" charset="0"/>
                             </a:rPr>
                             <m:t>𝑠</m:t>
@@ -19051,7 +19429,7 @@
                         </m:e>
                       </m:acc>
                       <m:r>
-                        <a:rPr lang="en-US" b="0" i="1" smtClean="0">
+                        <a:rPr lang="en-US" i="1">
                           <a:latin typeface="Cambria Math" panose="02040503050406030204" pitchFamily="18" charset="0"/>
                         </a:rPr>
                         <m:t>)</m:t>
@@ -19081,7 +19459,7 @@
             </p:nvSpPr>
             <p:spPr>
               <a:xfrm>
-                <a:off x="1573424" y="5086195"/>
+                <a:off x="2701432" y="5005916"/>
                 <a:ext cx="1944216" cy="360040"/>
               </a:xfrm>
               <a:prstGeom prst="flowChartProcess">
@@ -19125,7 +19503,7 @@
             </p:nvSpPr>
             <p:spPr>
               <a:xfrm>
-                <a:off x="246583" y="5781927"/>
+                <a:off x="694129" y="5691628"/>
                 <a:ext cx="1656184" cy="576064"/>
               </a:xfrm>
               <a:prstGeom prst="flowChartTerminator">
@@ -19160,13 +19538,13 @@
                     </m:oMathParaPr>
                     <m:oMath xmlns:m="http://schemas.openxmlformats.org/officeDocument/2006/math">
                       <m:r>
-                        <a:rPr lang="en-US" sz="1600" b="0" i="1" smtClean="0">
+                        <a:rPr lang="en-US" sz="1600" i="1">
                           <a:latin typeface="Cambria Math" panose="02040503050406030204" pitchFamily="18" charset="0"/>
                         </a:rPr>
                         <m:t>𝑅𝑒𝑡𝑢𝑟𝑛</m:t>
                       </m:r>
                       <m:r>
-                        <a:rPr lang="en-US" sz="1600" b="0" i="1" smtClean="0">
+                        <a:rPr lang="en-US" sz="1600" i="1">
                           <a:latin typeface="Cambria Math" panose="02040503050406030204" pitchFamily="18" charset="0"/>
                         </a:rPr>
                         <m:t> </m:t>
@@ -19174,14 +19552,14 @@
                       <m:sSub>
                         <m:sSubPr>
                           <m:ctrlPr>
-                            <a:rPr lang="en-US" sz="1600" b="0" i="1" smtClean="0">
+                            <a:rPr lang="en-US" sz="1600" i="1">
                               <a:latin typeface="Cambria Math" panose="02040503050406030204" pitchFamily="18" charset="0"/>
                             </a:rPr>
                           </m:ctrlPr>
                         </m:sSubPr>
                         <m:e>
                           <m:r>
-                            <a:rPr lang="en-US" sz="1600" b="0" i="1" smtClean="0">
+                            <a:rPr lang="en-US" sz="1600" i="1">
                               <a:latin typeface="Cambria Math" panose="02040503050406030204" pitchFamily="18" charset="0"/>
                             </a:rPr>
                             <m:t>𝐶</m:t>
@@ -19189,7 +19567,7 @@
                         </m:e>
                         <m:sub>
                           <m:r>
-                            <a:rPr lang="en-US" sz="1600" b="0" i="1" smtClean="0">
+                            <a:rPr lang="en-US" sz="1600" i="1">
                               <a:latin typeface="Cambria Math" panose="02040503050406030204" pitchFamily="18" charset="0"/>
                             </a:rPr>
                             <m:t>𝑘</m:t>
@@ -19221,7 +19599,7 @@
             </p:nvSpPr>
             <p:spPr>
               <a:xfrm>
-                <a:off x="246583" y="5781927"/>
+                <a:off x="694129" y="5691628"/>
                 <a:ext cx="1656184" cy="576064"/>
               </a:xfrm>
               <a:prstGeom prst="flowChartTerminator">
@@ -19265,7 +19643,7 @@
             </p:nvSpPr>
             <p:spPr>
               <a:xfrm>
-                <a:off x="4067944" y="1322476"/>
+                <a:off x="5591944" y="1322477"/>
                 <a:ext cx="1810544" cy="289733"/>
               </a:xfrm>
               <a:prstGeom prst="flowChartAlternateProcess">
@@ -19300,25 +19678,25 @@
                     </m:oMathParaPr>
                     <m:oMath xmlns:m="http://schemas.openxmlformats.org/officeDocument/2006/math">
                       <m:r>
-                        <a:rPr lang="en-US" sz="1600" b="0" i="1" smtClean="0">
+                        <a:rPr lang="en-US" sz="1600" i="1">
                           <a:latin typeface="Cambria Math" panose="02040503050406030204" pitchFamily="18" charset="0"/>
                         </a:rPr>
                         <m:t>𝐹𝑜𝑟</m:t>
                       </m:r>
                       <m:r>
-                        <a:rPr lang="en-US" sz="1600" b="0" i="1" smtClean="0">
+                        <a:rPr lang="en-US" sz="1600" i="1">
                           <a:latin typeface="Cambria Math" panose="02040503050406030204" pitchFamily="18" charset="0"/>
                         </a:rPr>
                         <m:t> </m:t>
                       </m:r>
                       <m:r>
-                        <a:rPr lang="en-US" sz="1600" b="0" i="1" smtClean="0">
+                        <a:rPr lang="en-US" sz="1600" i="1">
                           <a:latin typeface="Cambria Math" panose="02040503050406030204" pitchFamily="18" charset="0"/>
                         </a:rPr>
                         <m:t>𝑒𝑎𝑐h</m:t>
                       </m:r>
                       <m:r>
-                        <a:rPr lang="en-US" sz="1600" b="0" i="1" smtClean="0">
+                        <a:rPr lang="en-US" sz="1600" i="1">
                           <a:latin typeface="Cambria Math" panose="02040503050406030204" pitchFamily="18" charset="0"/>
                         </a:rPr>
                         <m:t> </m:t>
@@ -19327,14 +19705,14 @@
                         <m:accPr>
                           <m:chr m:val="⃗"/>
                           <m:ctrlPr>
-                            <a:rPr lang="en-US" sz="1600" b="0" i="1" smtClean="0">
+                            <a:rPr lang="en-US" sz="1600" i="1">
                               <a:latin typeface="Cambria Math" panose="02040503050406030204" pitchFamily="18" charset="0"/>
                             </a:rPr>
                           </m:ctrlPr>
                         </m:accPr>
                         <m:e>
                           <m:r>
-                            <a:rPr lang="en-US" sz="1600" b="0" i="1" smtClean="0">
+                            <a:rPr lang="en-US" sz="1600" i="1">
                               <a:latin typeface="Cambria Math" panose="02040503050406030204" pitchFamily="18" charset="0"/>
                             </a:rPr>
                             <m:t>𝑠</m:t>
@@ -19342,7 +19720,7 @@
                         </m:e>
                       </m:acc>
                       <m:r>
-                        <a:rPr lang="en-US" sz="1600" b="0" i="1" smtClean="0">
+                        <a:rPr lang="en-US" sz="1600" i="1">
                           <a:latin typeface="Cambria Math" panose="02040503050406030204" pitchFamily="18" charset="0"/>
                         </a:rPr>
                         <m:t>∈</m:t>
@@ -19350,14 +19728,14 @@
                       <m:sSub>
                         <m:sSubPr>
                           <m:ctrlPr>
-                            <a:rPr lang="en-US" sz="1600" b="0" i="1" smtClean="0">
+                            <a:rPr lang="en-US" sz="1600" i="1">
                               <a:latin typeface="Cambria Math" panose="02040503050406030204" pitchFamily="18" charset="0"/>
                             </a:rPr>
                           </m:ctrlPr>
                         </m:sSubPr>
                         <m:e>
                           <m:r>
-                            <a:rPr lang="en-US" sz="1600" b="0" i="1" smtClean="0">
+                            <a:rPr lang="en-US" sz="1600" i="1">
                               <a:latin typeface="Cambria Math" panose="02040503050406030204" pitchFamily="18" charset="0"/>
                             </a:rPr>
                             <m:t>𝐶</m:t>
@@ -19365,7 +19743,7 @@
                         </m:e>
                         <m:sub>
                           <m:r>
-                            <a:rPr lang="en-US" sz="1600" b="0" i="1" smtClean="0">
+                            <a:rPr lang="en-US" sz="1600" i="1">
                               <a:latin typeface="Cambria Math" panose="02040503050406030204" pitchFamily="18" charset="0"/>
                             </a:rPr>
                             <m:t>𝑘</m:t>
@@ -19397,7 +19775,7 @@
             </p:nvSpPr>
             <p:spPr>
               <a:xfrm>
-                <a:off x="4067944" y="1322476"/>
+                <a:off x="5591944" y="1322477"/>
                 <a:ext cx="1810544" cy="289733"/>
               </a:xfrm>
               <a:prstGeom prst="flowChartAlternateProcess">
@@ -19441,7 +19819,7 @@
             </p:nvSpPr>
             <p:spPr>
               <a:xfrm>
-                <a:off x="4627204" y="1768021"/>
+                <a:off x="6802766" y="1730135"/>
                 <a:ext cx="2016224" cy="289733"/>
               </a:xfrm>
               <a:prstGeom prst="flowChartProcess">
@@ -19472,25 +19850,25 @@
                 <a14:m>
                   <m:oMath xmlns:m="http://schemas.openxmlformats.org/officeDocument/2006/math">
                     <m:r>
-                      <a:rPr lang="en-US" sz="1600" b="0" i="1" smtClean="0">
+                      <a:rPr lang="en-US" sz="1600" i="1">
                         <a:latin typeface="Cambria Math" panose="02040503050406030204" pitchFamily="18" charset="0"/>
                       </a:rPr>
                       <m:t>𝑃𝐼</m:t>
                     </m:r>
                     <m:r>
-                      <a:rPr lang="en-US" sz="1600" b="0" i="1" smtClean="0">
+                      <a:rPr lang="en-US" sz="1600" i="1">
                         <a:latin typeface="Cambria Math" panose="02040503050406030204" pitchFamily="18" charset="0"/>
                       </a:rPr>
                       <m:t>=</m:t>
                     </m:r>
                     <m:r>
-                      <a:rPr lang="en-US" sz="1600" b="0" i="1" smtClean="0">
+                      <a:rPr lang="en-US" sz="1600" i="1">
                         <a:latin typeface="Cambria Math" panose="02040503050406030204" pitchFamily="18" charset="0"/>
                       </a:rPr>
                       <m:t>𝑐𝑎𝑙𝑐𝑢𝑙𝑎𝑡𝑒𝑃𝐼</m:t>
                     </m:r>
                     <m:r>
-                      <a:rPr lang="en-US" sz="1600" b="0" i="0" smtClean="0">
+                      <a:rPr lang="en-US" sz="1600">
                         <a:latin typeface="Cambria Math" panose="02040503050406030204" pitchFamily="18" charset="0"/>
                       </a:rPr>
                       <m:t>(</m:t>
@@ -19499,14 +19877,14 @@
                       <m:accPr>
                         <m:chr m:val="⃗"/>
                         <m:ctrlPr>
-                          <a:rPr lang="en-US" sz="1600" b="0" i="1" smtClean="0">
+                          <a:rPr lang="en-US" sz="1600" i="1">
                             <a:latin typeface="Cambria Math" panose="02040503050406030204" pitchFamily="18" charset="0"/>
                           </a:rPr>
                         </m:ctrlPr>
                       </m:accPr>
                       <m:e>
                         <m:r>
-                          <a:rPr lang="en-US" sz="1600" b="0" i="1" smtClean="0">
+                          <a:rPr lang="en-US" sz="1600" i="1">
                             <a:latin typeface="Cambria Math" panose="02040503050406030204" pitchFamily="18" charset="0"/>
                           </a:rPr>
                           <m:t>𝑠</m:t>
@@ -19514,7 +19892,7 @@
                       </m:e>
                     </m:acc>
                     <m:r>
-                      <a:rPr lang="en-US" sz="1600" b="0" i="1" smtClean="0">
+                      <a:rPr lang="en-US" sz="1600" i="1">
                         <a:latin typeface="Cambria Math" panose="02040503050406030204" pitchFamily="18" charset="0"/>
                       </a:rPr>
                       <m:t>)</m:t>
@@ -19546,7 +19924,7 @@
             </p:nvSpPr>
             <p:spPr>
               <a:xfrm>
-                <a:off x="4627204" y="1768021"/>
+                <a:off x="6802766" y="1730135"/>
                 <a:ext cx="2016224" cy="289733"/>
               </a:xfrm>
               <a:prstGeom prst="flowChartProcess">
@@ -19555,7 +19933,7 @@
               <a:blipFill>
                 <a:blip r:embed="rId12"/>
                 <a:stretch>
-                  <a:fillRect t="-15789" r="-5882" b="-5263"/>
+                  <a:fillRect t="-16071" r="-5882" b="-7143"/>
                 </a:stretch>
               </a:blipFill>
             </p:spPr>
@@ -19590,7 +19968,7 @@
             </p:nvSpPr>
             <p:spPr>
               <a:xfrm>
-                <a:off x="4807224" y="2197277"/>
+                <a:off x="6966435" y="2169498"/>
                 <a:ext cx="1656184" cy="420253"/>
               </a:xfrm>
               <a:prstGeom prst="flowChartDecision">
@@ -19625,19 +20003,19 @@
                     </m:oMathParaPr>
                     <m:oMath xmlns:m="http://schemas.openxmlformats.org/officeDocument/2006/math">
                       <m:r>
-                        <a:rPr lang="en-US" sz="1600" b="0" i="1" smtClean="0">
+                        <a:rPr lang="en-US" sz="1600" i="1">
                           <a:latin typeface="Cambria Math" panose="02040503050406030204" pitchFamily="18" charset="0"/>
                         </a:rPr>
                         <m:t>𝑃𝐼</m:t>
                       </m:r>
                       <m:r>
-                        <a:rPr lang="en-US" sz="1600" b="0" i="1" smtClean="0">
+                        <a:rPr lang="en-US" sz="1600" i="1">
                           <a:latin typeface="Cambria Math" panose="02040503050406030204" pitchFamily="18" charset="0"/>
                         </a:rPr>
                         <m:t>≥</m:t>
                       </m:r>
                       <m:r>
-                        <a:rPr lang="en-US" sz="1600" b="0" i="1" smtClean="0">
+                        <a:rPr lang="en-US" sz="1600" i="1">
                           <a:latin typeface="Cambria Math" panose="02040503050406030204" pitchFamily="18" charset="0"/>
                         </a:rPr>
                         <m:t>𝜃</m:t>
@@ -19667,7 +20045,7 @@
             </p:nvSpPr>
             <p:spPr>
               <a:xfrm>
-                <a:off x="4807224" y="2197277"/>
+                <a:off x="6966435" y="2169498"/>
                 <a:ext cx="1656184" cy="420253"/>
               </a:xfrm>
               <a:prstGeom prst="flowChartDecision">
@@ -19711,7 +20089,7 @@
             </p:nvSpPr>
             <p:spPr>
               <a:xfrm>
-                <a:off x="6707087" y="2173586"/>
+                <a:off x="9124959" y="2091504"/>
                 <a:ext cx="1979712" cy="550181"/>
               </a:xfrm>
               <a:prstGeom prst="flowChartInputOutput">
@@ -19746,13 +20124,13 @@
                     </m:oMathParaPr>
                     <m:oMath xmlns:m="http://schemas.openxmlformats.org/officeDocument/2006/math">
                       <m:r>
-                        <a:rPr lang="en-US" sz="1600" b="0" i="1" smtClean="0">
+                        <a:rPr lang="en-US" sz="1600" i="1">
                           <a:latin typeface="Cambria Math" panose="02040503050406030204" pitchFamily="18" charset="0"/>
                         </a:rPr>
                         <m:t>𝐷𝑒𝑙𝑒𝑡𝑒</m:t>
                       </m:r>
                       <m:r>
-                        <a:rPr lang="en-US" sz="1600" b="0" i="1" smtClean="0">
+                        <a:rPr lang="en-US" sz="1600" i="1">
                           <a:latin typeface="Cambria Math" panose="02040503050406030204" pitchFamily="18" charset="0"/>
                         </a:rPr>
                         <m:t> </m:t>
@@ -19761,14 +20139,14 @@
                         <m:accPr>
                           <m:chr m:val="⃗"/>
                           <m:ctrlPr>
-                            <a:rPr lang="en-US" sz="1600" b="0" i="1" smtClean="0">
+                            <a:rPr lang="en-US" sz="1600" i="1">
                               <a:latin typeface="Cambria Math" panose="02040503050406030204" pitchFamily="18" charset="0"/>
                             </a:rPr>
                           </m:ctrlPr>
                         </m:accPr>
                         <m:e>
                           <m:r>
-                            <a:rPr lang="en-US" sz="1600" b="0" i="1" smtClean="0">
+                            <a:rPr lang="en-US" sz="1600" i="1">
                               <a:latin typeface="Cambria Math" panose="02040503050406030204" pitchFamily="18" charset="0"/>
                             </a:rPr>
                             <m:t>𝑠</m:t>
@@ -19776,13 +20154,13 @@
                         </m:e>
                       </m:acc>
                       <m:r>
-                        <a:rPr lang="en-US" sz="1600" b="0" i="1" smtClean="0">
+                        <a:rPr lang="en-US" sz="1600" i="1">
                           <a:latin typeface="Cambria Math" panose="02040503050406030204" pitchFamily="18" charset="0"/>
                         </a:rPr>
                         <m:t> </m:t>
                       </m:r>
                       <m:r>
-                        <a:rPr lang="en-US" sz="1600" b="0" i="1" smtClean="0">
+                        <a:rPr lang="en-US" sz="1600" i="1">
                           <a:latin typeface="Cambria Math" panose="02040503050406030204" pitchFamily="18" charset="0"/>
                         </a:rPr>
                         <m:t>𝑓𝑟𝑜𝑚</m:t>
@@ -19790,7 +20168,7 @@
                     </m:oMath>
                   </m:oMathPara>
                 </a14:m>
-                <a:endParaRPr lang="en-US" sz="1600" b="0" i="1" dirty="0">
+                <a:endParaRPr lang="en-US" sz="1600" i="1" dirty="0">
                   <a:latin typeface="Cambria Math" panose="02040503050406030204" pitchFamily="18" charset="0"/>
                 </a:endParaRPr>
               </a:p>
@@ -19803,13 +20181,13 @@
                     </m:oMathParaPr>
                     <m:oMath xmlns:m="http://schemas.openxmlformats.org/officeDocument/2006/math">
                       <m:r>
-                        <a:rPr lang="en-US" sz="1600" b="0" i="1" smtClean="0">
+                        <a:rPr lang="en-US" sz="1600" i="1">
                           <a:latin typeface="Cambria Math" panose="02040503050406030204" pitchFamily="18" charset="0"/>
                         </a:rPr>
                         <m:t> </m:t>
                       </m:r>
                       <m:r>
-                        <a:rPr lang="en-US" sz="1600" b="0" i="1" smtClean="0">
+                        <a:rPr lang="en-US" sz="1600" i="1">
                           <a:latin typeface="Cambria Math" panose="02040503050406030204" pitchFamily="18" charset="0"/>
                         </a:rPr>
                         <m:t>𝑇𝑟𝑒𝑒</m:t>
@@ -19839,7 +20217,7 @@
             </p:nvSpPr>
             <p:spPr>
               <a:xfrm>
-                <a:off x="6707087" y="2173586"/>
+                <a:off x="9124959" y="2091504"/>
                 <a:ext cx="1979712" cy="550181"/>
               </a:xfrm>
               <a:prstGeom prst="flowChartInputOutput">
@@ -19848,7 +20226,7 @@
               <a:blipFill>
                 <a:blip r:embed="rId14"/>
                 <a:stretch>
-                  <a:fillRect t="-6061"/>
+                  <a:fillRect t="-5051"/>
                 </a:stretch>
               </a:blipFill>
             </p:spPr>
@@ -19883,7 +20261,7 @@
             </p:nvSpPr>
             <p:spPr>
               <a:xfrm>
-                <a:off x="4485564" y="2760072"/>
+                <a:off x="6637740" y="2707596"/>
                 <a:ext cx="2304256" cy="420254"/>
               </a:xfrm>
               <a:prstGeom prst="flowChartPreparation">
@@ -19918,13 +20296,13 @@
                     </m:oMathParaPr>
                     <m:oMath xmlns:m="http://schemas.openxmlformats.org/officeDocument/2006/math">
                       <m:r>
-                        <a:rPr lang="en-US" sz="1600" b="0" i="1" smtClean="0">
+                        <a:rPr lang="en-US" sz="1600" i="1">
                           <a:latin typeface="Cambria Math" panose="02040503050406030204" pitchFamily="18" charset="0"/>
                         </a:rPr>
                         <m:t>𝐴𝑑𝑑</m:t>
                       </m:r>
                       <m:r>
-                        <a:rPr lang="en-US" sz="1600" b="0" i="1" smtClean="0">
+                        <a:rPr lang="en-US" sz="1600" i="1">
                           <a:latin typeface="Cambria Math" panose="02040503050406030204" pitchFamily="18" charset="0"/>
                         </a:rPr>
                         <m:t> </m:t>
@@ -19933,14 +20311,14 @@
                         <m:accPr>
                           <m:chr m:val="⃗"/>
                           <m:ctrlPr>
-                            <a:rPr lang="en-US" sz="1600" b="0" i="1" smtClean="0">
+                            <a:rPr lang="en-US" sz="1600" i="1">
                               <a:latin typeface="Cambria Math" panose="02040503050406030204" pitchFamily="18" charset="0"/>
                             </a:rPr>
                           </m:ctrlPr>
                         </m:accPr>
                         <m:e>
                           <m:r>
-                            <a:rPr lang="en-US" sz="1600" b="0" i="1" smtClean="0">
+                            <a:rPr lang="en-US" sz="1600" i="1">
                               <a:latin typeface="Cambria Math" panose="02040503050406030204" pitchFamily="18" charset="0"/>
                             </a:rPr>
                             <m:t>𝑠</m:t>
@@ -19948,19 +20326,19 @@
                         </m:e>
                       </m:acc>
                       <m:r>
-                        <a:rPr lang="en-US" sz="1600" b="0" i="1" smtClean="0">
+                        <a:rPr lang="en-US" sz="1600" i="1">
                           <a:latin typeface="Cambria Math" panose="02040503050406030204" pitchFamily="18" charset="0"/>
                         </a:rPr>
                         <m:t> </m:t>
                       </m:r>
                       <m:r>
-                        <a:rPr lang="en-US" sz="1600" b="0" i="1" smtClean="0">
+                        <a:rPr lang="en-US" sz="1600" i="1">
                           <a:latin typeface="Cambria Math" panose="02040503050406030204" pitchFamily="18" charset="0"/>
                         </a:rPr>
                         <m:t>𝑡𝑜</m:t>
                       </m:r>
                       <m:r>
-                        <a:rPr lang="en-US" sz="1600" b="0" i="1" smtClean="0">
+                        <a:rPr lang="en-US" sz="1600" i="1">
                           <a:latin typeface="Cambria Math" panose="02040503050406030204" pitchFamily="18" charset="0"/>
                         </a:rPr>
                         <m:t> </m:t>
@@ -19968,14 +20346,14 @@
                       <m:sSub>
                         <m:sSubPr>
                           <m:ctrlPr>
-                            <a:rPr lang="en-US" sz="1600" b="0" i="1" smtClean="0">
+                            <a:rPr lang="en-US" sz="1600" i="1">
                               <a:latin typeface="Cambria Math" panose="02040503050406030204" pitchFamily="18" charset="0"/>
                             </a:rPr>
                           </m:ctrlPr>
                         </m:sSubPr>
                         <m:e>
                           <m:r>
-                            <a:rPr lang="en-US" sz="1600" b="0" i="1" smtClean="0">
+                            <a:rPr lang="en-US" sz="1600" i="1">
                               <a:latin typeface="Cambria Math" panose="02040503050406030204" pitchFamily="18" charset="0"/>
                             </a:rPr>
                             <m:t>𝐿</m:t>
@@ -19983,7 +20361,7 @@
                         </m:e>
                         <m:sub>
                           <m:r>
-                            <a:rPr lang="en-US" sz="1600" b="0" i="1" smtClean="0">
+                            <a:rPr lang="en-US" sz="1600" i="1">
                               <a:latin typeface="Cambria Math" panose="02040503050406030204" pitchFamily="18" charset="0"/>
                             </a:rPr>
                             <m:t>𝑘</m:t>
@@ -19991,25 +20369,25 @@
                         </m:sub>
                       </m:sSub>
                       <m:r>
-                        <a:rPr lang="en-US" sz="1600" b="0" i="1" smtClean="0">
+                        <a:rPr lang="en-US" sz="1600" i="1">
                           <a:latin typeface="Cambria Math" panose="02040503050406030204" pitchFamily="18" charset="0"/>
                         </a:rPr>
                         <m:t> </m:t>
                       </m:r>
                       <m:r>
-                        <a:rPr lang="en-US" sz="1600" b="0" i="1" smtClean="0">
+                        <a:rPr lang="en-US" sz="1600" i="1">
                           <a:latin typeface="Cambria Math" panose="02040503050406030204" pitchFamily="18" charset="0"/>
                         </a:rPr>
                         <m:t>𝑎𝑛𝑑</m:t>
                       </m:r>
                       <m:r>
-                        <a:rPr lang="en-US" sz="1600" b="0" i="1" smtClean="0">
+                        <a:rPr lang="en-US" sz="1600" i="1">
                           <a:latin typeface="Cambria Math" panose="02040503050406030204" pitchFamily="18" charset="0"/>
                         </a:rPr>
                         <m:t> </m:t>
                       </m:r>
                       <m:r>
-                        <a:rPr lang="en-US" sz="1600" b="0" i="1" smtClean="0">
+                        <a:rPr lang="en-US" sz="1600" i="1">
                           <a:latin typeface="Cambria Math" panose="02040503050406030204" pitchFamily="18" charset="0"/>
                         </a:rPr>
                         <m:t>𝑇𝑜𝑝</m:t>
@@ -20039,7 +20417,7 @@
             </p:nvSpPr>
             <p:spPr>
               <a:xfrm>
-                <a:off x="4485564" y="2760072"/>
+                <a:off x="6637740" y="2707596"/>
                 <a:ext cx="2304256" cy="420254"/>
               </a:xfrm>
               <a:prstGeom prst="flowChartPreparation">
@@ -20067,8 +20445,8 @@
           </p:sp>
         </mc:Fallback>
       </mc:AlternateContent>
-      <mc:AlternateContent xmlns:mc="http://schemas.openxmlformats.org/markup-compatibility/2006" xmlns:a14="http://schemas.microsoft.com/office/drawing/2010/main">
-        <mc:Choice Requires="a14">
+      <mc:AlternateContent xmlns:mc="http://schemas.openxmlformats.org/markup-compatibility/2006">
+        <mc:Choice xmlns:a14="http://schemas.microsoft.com/office/drawing/2010/main" Requires="a14">
           <p:sp>
             <p:nvSpPr>
               <p:cNvPr id="19" name="Decisione 18">
@@ -20083,7 +20461,7 @@
             </p:nvSpPr>
             <p:spPr>
               <a:xfrm>
-                <a:off x="4951240" y="3304754"/>
+                <a:off x="7116230" y="3281985"/>
                 <a:ext cx="1368152" cy="704068"/>
               </a:xfrm>
               <a:prstGeom prst="flowChartDecision">
@@ -20118,13 +20496,13 @@
                     </m:oMathParaPr>
                     <m:oMath xmlns:m="http://schemas.openxmlformats.org/officeDocument/2006/math">
                       <m:r>
-                        <a:rPr lang="en-US" sz="1600" b="0" i="1" smtClean="0">
+                        <a:rPr lang="en-US" sz="1600" i="1">
                           <a:latin typeface="Cambria Math" panose="02040503050406030204" pitchFamily="18" charset="0"/>
                         </a:rPr>
                         <m:t>𝐼𝑓</m:t>
                       </m:r>
                       <m:r>
-                        <a:rPr lang="en-US" sz="1600" b="0" i="1" smtClean="0">
+                        <a:rPr lang="en-US" sz="1600" i="1">
                           <a:latin typeface="Cambria Math" panose="02040503050406030204" pitchFamily="18" charset="0"/>
                         </a:rPr>
                         <m:t> </m:t>
@@ -20134,14 +20512,14 @@
                           <m:begChr m:val="|"/>
                           <m:endChr m:val="|"/>
                           <m:ctrlPr>
-                            <a:rPr lang="en-US" sz="1600" b="0" i="1" smtClean="0">
+                            <a:rPr lang="en-US" sz="1600" i="1">
                               <a:latin typeface="Cambria Math" panose="02040503050406030204" pitchFamily="18" charset="0"/>
                             </a:rPr>
                           </m:ctrlPr>
                         </m:dPr>
                         <m:e>
                           <m:r>
-                            <a:rPr lang="en-US" sz="1600" b="0" i="1" smtClean="0">
+                            <a:rPr lang="en-US" sz="1600" i="1">
                               <a:latin typeface="Cambria Math" panose="02040503050406030204" pitchFamily="18" charset="0"/>
                             </a:rPr>
                             <m:t>𝑇𝑜𝑝</m:t>
@@ -20149,13 +20527,13 @@
                         </m:e>
                       </m:d>
                       <m:r>
-                        <a:rPr lang="en-US" sz="1600" b="0" i="1" smtClean="0">
+                        <a:rPr lang="en-US" sz="1600" i="1">
                           <a:latin typeface="Cambria Math" panose="02040503050406030204" pitchFamily="18" charset="0"/>
                         </a:rPr>
                         <m:t>=</m:t>
                       </m:r>
                       <m:r>
-                        <a:rPr lang="en-US" sz="1600" b="0" i="1" smtClean="0">
+                        <a:rPr lang="en-US" sz="1600" i="1">
                           <a:latin typeface="Cambria Math" panose="02040503050406030204" pitchFamily="18" charset="0"/>
                         </a:rPr>
                         <m:t>𝑁𝑢𝑚</m:t>
@@ -20168,7 +20546,7 @@
             </p:txBody>
           </p:sp>
         </mc:Choice>
-        <mc:Fallback xmlns="">
+        <mc:Fallback>
           <p:sp>
             <p:nvSpPr>
               <p:cNvPr id="19" name="Decisione 18">
@@ -20185,7 +20563,7 @@
             </p:nvSpPr>
             <p:spPr>
               <a:xfrm>
-                <a:off x="4951240" y="3304754"/>
+                <a:off x="7116230" y="3281985"/>
                 <a:ext cx="1368152" cy="704068"/>
               </a:xfrm>
               <a:prstGeom prst="flowChartDecision">
@@ -20229,7 +20607,7 @@
             </p:nvSpPr>
             <p:spPr>
               <a:xfrm>
-                <a:off x="6645150" y="3432207"/>
+                <a:off x="9137160" y="3415932"/>
                 <a:ext cx="1921859" cy="374010"/>
               </a:xfrm>
               <a:prstGeom prst="flowChartProcess">
@@ -20264,13 +20642,13 @@
                     </m:oMathParaPr>
                     <m:oMath xmlns:m="http://schemas.openxmlformats.org/officeDocument/2006/math">
                       <m:r>
-                        <a:rPr lang="en-US" sz="1600" b="0" i="1" smtClean="0">
+                        <a:rPr lang="en-US" sz="1600" i="1">
                           <a:latin typeface="Cambria Math" panose="02040503050406030204" pitchFamily="18" charset="0"/>
                         </a:rPr>
                         <m:t>𝜃</m:t>
                       </m:r>
                       <m:r>
-                        <a:rPr lang="en-US" sz="1600" b="0" i="1" smtClean="0">
+                        <a:rPr lang="en-US" sz="1600" i="1">
                           <a:latin typeface="Cambria Math" panose="02040503050406030204" pitchFamily="18" charset="0"/>
                         </a:rPr>
                         <m:t>=</m:t>
@@ -20279,19 +20657,19 @@
                         <m:rPr>
                           <m:sty m:val="p"/>
                         </m:rPr>
-                        <a:rPr lang="en-US" sz="1600" b="0" i="0" smtClean="0">
+                        <a:rPr lang="en-US" sz="1600">
                           <a:latin typeface="Cambria Math" panose="02040503050406030204" pitchFamily="18" charset="0"/>
                         </a:rPr>
                         <m:t>min</m:t>
                       </m:r>
                       <m:r>
-                        <a:rPr lang="en-US" sz="1600" b="0" i="1" smtClean="0">
+                        <a:rPr lang="en-US" sz="1600" i="1">
                           <a:latin typeface="Cambria Math" panose="02040503050406030204" pitchFamily="18" charset="0"/>
                         </a:rPr>
                         <m:t>⁡(</m:t>
                       </m:r>
                       <m:r>
-                        <a:rPr lang="en-US" sz="1600" b="0" i="1" smtClean="0">
+                        <a:rPr lang="en-US" sz="1600" i="1">
                           <a:latin typeface="Cambria Math" panose="02040503050406030204" pitchFamily="18" charset="0"/>
                         </a:rPr>
                         <m:t>𝑃𝐼</m:t>
@@ -20299,14 +20677,14 @@
                       <m:d>
                         <m:dPr>
                           <m:ctrlPr>
-                            <a:rPr lang="en-US" sz="1600" b="0" i="1" smtClean="0">
+                            <a:rPr lang="en-US" sz="1600" i="1">
                               <a:latin typeface="Cambria Math" panose="02040503050406030204" pitchFamily="18" charset="0"/>
                             </a:rPr>
                           </m:ctrlPr>
                         </m:dPr>
                         <m:e>
                           <m:r>
-                            <a:rPr lang="en-US" sz="1600" b="0" i="1" smtClean="0">
+                            <a:rPr lang="en-US" sz="1600" i="1">
                               <a:latin typeface="Cambria Math" panose="02040503050406030204" pitchFamily="18" charset="0"/>
                             </a:rPr>
                             <m:t>𝑇𝑜𝑝</m:t>
@@ -20314,7 +20692,7 @@
                         </m:e>
                       </m:d>
                       <m:r>
-                        <a:rPr lang="en-US" sz="1600" b="0" i="1" smtClean="0">
+                        <a:rPr lang="en-US" sz="1600" i="1">
                           <a:latin typeface="Cambria Math" panose="02040503050406030204" pitchFamily="18" charset="0"/>
                         </a:rPr>
                         <m:t>)</m:t>
@@ -20344,7 +20722,7 @@
             </p:nvSpPr>
             <p:spPr>
               <a:xfrm>
-                <a:off x="6645150" y="3432207"/>
+                <a:off x="9137160" y="3415932"/>
                 <a:ext cx="1921859" cy="374010"/>
               </a:xfrm>
               <a:prstGeom prst="flowChartProcess">
@@ -20388,7 +20766,7 @@
             </p:nvSpPr>
             <p:spPr>
               <a:xfrm>
-                <a:off x="4450839" y="5374449"/>
+                <a:off x="6215351" y="5332968"/>
                 <a:ext cx="2982593" cy="814956"/>
               </a:xfrm>
               <a:prstGeom prst="flowChartInputOutput">
@@ -20423,25 +20801,25 @@
                     </m:oMathParaPr>
                     <m:oMath xmlns:m="http://schemas.openxmlformats.org/officeDocument/2006/math">
                       <m:r>
-                        <a:rPr lang="en-US" sz="1600" b="0" i="1" smtClean="0">
+                        <a:rPr lang="en-US" sz="1600" i="1">
                           <a:latin typeface="Cambria Math" panose="02040503050406030204" pitchFamily="18" charset="0"/>
                         </a:rPr>
                         <m:t>𝐷𝑒𝑙𝑒𝑡𝑒</m:t>
                       </m:r>
                       <m:r>
-                        <a:rPr lang="en-US" sz="1600" b="0" i="1" smtClean="0">
+                        <a:rPr lang="en-US" sz="1600" i="1">
                           <a:latin typeface="Cambria Math" panose="02040503050406030204" pitchFamily="18" charset="0"/>
                         </a:rPr>
                         <m:t> </m:t>
                       </m:r>
                       <m:r>
-                        <a:rPr lang="en-US" sz="1600" b="0" i="1" smtClean="0">
+                        <a:rPr lang="en-US" sz="1600" i="1">
                           <a:latin typeface="Cambria Math" panose="02040503050406030204" pitchFamily="18" charset="0"/>
                         </a:rPr>
                         <m:t>𝑎𝑙𝑙</m:t>
                       </m:r>
                       <m:r>
-                        <a:rPr lang="en-US" sz="1600" b="0" i="1" smtClean="0">
+                        <a:rPr lang="en-US" sz="1600" i="1">
                           <a:latin typeface="Cambria Math" panose="02040503050406030204" pitchFamily="18" charset="0"/>
                         </a:rPr>
                         <m:t> </m:t>
@@ -20450,14 +20828,14 @@
                         <m:accPr>
                           <m:chr m:val="⃗"/>
                           <m:ctrlPr>
-                            <a:rPr lang="en-US" sz="1600" b="0" i="1" smtClean="0">
+                            <a:rPr lang="en-US" sz="1600" i="1">
                               <a:latin typeface="Cambria Math" panose="02040503050406030204" pitchFamily="18" charset="0"/>
                             </a:rPr>
                           </m:ctrlPr>
                         </m:accPr>
                         <m:e>
                           <m:r>
-                            <a:rPr lang="en-US" sz="1600" b="0" i="1" smtClean="0">
+                            <a:rPr lang="en-US" sz="1600" i="1">
                               <a:latin typeface="Cambria Math" panose="02040503050406030204" pitchFamily="18" charset="0"/>
                             </a:rPr>
                             <m:t>𝑠</m:t>
@@ -20465,19 +20843,19 @@
                         </m:e>
                       </m:acc>
                       <m:r>
-                        <a:rPr lang="en-US" sz="1600" b="0" i="1" smtClean="0">
+                        <a:rPr lang="en-US" sz="1600" i="1">
                           <a:latin typeface="Cambria Math" panose="02040503050406030204" pitchFamily="18" charset="0"/>
                         </a:rPr>
                         <m:t> </m:t>
                       </m:r>
                       <m:r>
-                        <a:rPr lang="en-US" sz="1600" b="0" i="1" smtClean="0">
+                        <a:rPr lang="en-US" sz="1600" i="1">
                           <a:latin typeface="Cambria Math" panose="02040503050406030204" pitchFamily="18" charset="0"/>
                         </a:rPr>
                         <m:t>𝑓𝑟𝑜𝑚</m:t>
                       </m:r>
                       <m:r>
-                        <a:rPr lang="en-US" sz="1600" b="0" i="1" smtClean="0">
+                        <a:rPr lang="en-US" sz="1600" i="1">
                           <a:latin typeface="Cambria Math" panose="02040503050406030204" pitchFamily="18" charset="0"/>
                         </a:rPr>
                         <m:t> </m:t>
@@ -20485,7 +20863,7 @@
                     </m:oMath>
                   </m:oMathPara>
                 </a14:m>
-                <a:endParaRPr lang="en-US" sz="1600" b="0" i="1" dirty="0">
+                <a:endParaRPr lang="en-US" sz="1600" i="1" dirty="0">
                   <a:latin typeface="Cambria Math" panose="02040503050406030204" pitchFamily="18" charset="0"/>
                 </a:endParaRPr>
               </a:p>
@@ -20498,25 +20876,25 @@
                     </m:oMathParaPr>
                     <m:oMath xmlns:m="http://schemas.openxmlformats.org/officeDocument/2006/math">
                       <m:r>
-                        <a:rPr lang="en-US" sz="1600" b="0" i="1" smtClean="0">
+                        <a:rPr lang="en-US" sz="1600" i="1">
                           <a:latin typeface="Cambria Math" panose="02040503050406030204" pitchFamily="18" charset="0"/>
                         </a:rPr>
                         <m:t>𝑇𝑜𝑝</m:t>
                       </m:r>
                       <m:r>
-                        <a:rPr lang="en-US" sz="1600" b="0" i="1" smtClean="0">
+                        <a:rPr lang="en-US" sz="1600" i="1">
                           <a:latin typeface="Cambria Math" panose="02040503050406030204" pitchFamily="18" charset="0"/>
                         </a:rPr>
                         <m:t> </m:t>
                       </m:r>
                       <m:r>
-                        <a:rPr lang="en-US" sz="1600" b="0" i="1" smtClean="0">
+                        <a:rPr lang="en-US" sz="1600" i="1">
                           <a:latin typeface="Cambria Math" panose="02040503050406030204" pitchFamily="18" charset="0"/>
                         </a:rPr>
                         <m:t>𝑎𝑛𝑑</m:t>
                       </m:r>
                       <m:r>
-                        <a:rPr lang="en-US" sz="1600" b="0" i="1" smtClean="0">
+                        <a:rPr lang="en-US" sz="1600" i="1">
                           <a:latin typeface="Cambria Math" panose="02040503050406030204" pitchFamily="18" charset="0"/>
                         </a:rPr>
                         <m:t> </m:t>
@@ -20524,14 +20902,14 @@
                       <m:sSub>
                         <m:sSubPr>
                           <m:ctrlPr>
-                            <a:rPr lang="en-US" sz="1600" b="0" i="1" smtClean="0">
+                            <a:rPr lang="en-US" sz="1600" i="1">
                               <a:latin typeface="Cambria Math" panose="02040503050406030204" pitchFamily="18" charset="0"/>
                             </a:rPr>
                           </m:ctrlPr>
                         </m:sSubPr>
                         <m:e>
                           <m:r>
-                            <a:rPr lang="en-US" sz="1600" b="0" i="1" smtClean="0">
+                            <a:rPr lang="en-US" sz="1600" i="1">
                               <a:latin typeface="Cambria Math" panose="02040503050406030204" pitchFamily="18" charset="0"/>
                             </a:rPr>
                             <m:t>𝐿</m:t>
@@ -20539,7 +20917,7 @@
                         </m:e>
                         <m:sub>
                           <m:r>
-                            <a:rPr lang="en-US" sz="1600" b="0" i="1" smtClean="0">
+                            <a:rPr lang="en-US" sz="1600" i="1">
                               <a:latin typeface="Cambria Math" panose="02040503050406030204" pitchFamily="18" charset="0"/>
                             </a:rPr>
                             <m:t>𝑘</m:t>
@@ -20547,19 +20925,19 @@
                         </m:sub>
                       </m:sSub>
                       <m:r>
-                        <a:rPr lang="en-US" sz="1600" b="0" i="1" smtClean="0">
+                        <a:rPr lang="en-US" sz="1600" i="1">
                           <a:latin typeface="Cambria Math" panose="02040503050406030204" pitchFamily="18" charset="0"/>
                         </a:rPr>
                         <m:t>𝑎𝑛𝑑</m:t>
                       </m:r>
                       <m:r>
-                        <a:rPr lang="en-US" sz="1600" b="0" i="1" smtClean="0">
+                        <a:rPr lang="en-US" sz="1600" i="1">
                           <a:latin typeface="Cambria Math" panose="02040503050406030204" pitchFamily="18" charset="0"/>
                         </a:rPr>
                         <m:t> </m:t>
                       </m:r>
                       <m:r>
-                        <a:rPr lang="en-US" sz="1600" b="0" i="1" smtClean="0">
+                        <a:rPr lang="en-US" sz="1600" i="1">
                           <a:latin typeface="Cambria Math" panose="02040503050406030204" pitchFamily="18" charset="0"/>
                         </a:rPr>
                         <m:t>𝑇𝑟𝑒𝑒</m:t>
@@ -20567,26 +20945,26 @@
                     </m:oMath>
                   </m:oMathPara>
                 </a14:m>
-                <a:endParaRPr lang="en-US" sz="1600" b="0" dirty="0"/>
+                <a:endParaRPr lang="en-US" sz="1600" dirty="0"/>
               </a:p>
               <a:p>
                 <a:pPr algn="ctr"/>
                 <a14:m>
                   <m:oMath xmlns:m="http://schemas.openxmlformats.org/officeDocument/2006/math">
                     <m:r>
-                      <a:rPr lang="en-US" sz="1600" b="0" i="1" smtClean="0">
+                      <a:rPr lang="en-US" sz="1600" i="1">
                         <a:latin typeface="Cambria Math" panose="02040503050406030204" pitchFamily="18" charset="0"/>
                       </a:rPr>
                       <m:t>𝑖𝑓</m:t>
                     </m:r>
                     <m:r>
-                      <a:rPr lang="en-US" sz="1600" b="0" i="1" smtClean="0">
+                      <a:rPr lang="en-US" sz="1600" i="1">
                         <a:latin typeface="Cambria Math" panose="02040503050406030204" pitchFamily="18" charset="0"/>
                       </a:rPr>
                       <m:t> </m:t>
                     </m:r>
                     <m:r>
-                      <a:rPr lang="en-US" sz="1600" b="0" i="1" smtClean="0">
+                      <a:rPr lang="en-US" sz="1600" i="1">
                         <a:latin typeface="Cambria Math" panose="02040503050406030204" pitchFamily="18" charset="0"/>
                       </a:rPr>
                       <m:t>𝑃𝐼</m:t>
@@ -20594,7 +20972,7 @@
                     <m:d>
                       <m:dPr>
                         <m:ctrlPr>
-                          <a:rPr lang="en-US" sz="1600" b="0" i="1" smtClean="0">
+                          <a:rPr lang="en-US" sz="1600" i="1">
                             <a:latin typeface="Cambria Math" panose="02040503050406030204" pitchFamily="18" charset="0"/>
                           </a:rPr>
                         </m:ctrlPr>
@@ -20604,14 +20982,14 @@
                           <m:accPr>
                             <m:chr m:val="⃗"/>
                             <m:ctrlPr>
-                              <a:rPr lang="en-US" sz="1600" b="0" i="1" smtClean="0">
+                              <a:rPr lang="en-US" sz="1600" i="1">
                                 <a:latin typeface="Cambria Math" panose="02040503050406030204" pitchFamily="18" charset="0"/>
                               </a:rPr>
                             </m:ctrlPr>
                           </m:accPr>
                           <m:e>
                             <m:r>
-                              <a:rPr lang="en-US" sz="1600" b="0" i="1" smtClean="0">
+                              <a:rPr lang="en-US" sz="1600" i="1">
                                 <a:latin typeface="Cambria Math" panose="02040503050406030204" pitchFamily="18" charset="0"/>
                               </a:rPr>
                               <m:t>𝑠</m:t>
@@ -20621,13 +20999,13 @@
                       </m:e>
                     </m:d>
                     <m:r>
-                      <a:rPr lang="en-US" sz="1600" b="0" i="1" smtClean="0">
+                      <a:rPr lang="en-US" sz="1600" i="1">
                         <a:latin typeface="Cambria Math" panose="02040503050406030204" pitchFamily="18" charset="0"/>
                       </a:rPr>
                       <m:t>&lt;</m:t>
                     </m:r>
                     <m:r>
-                      <a:rPr lang="en-US" sz="1600" b="0" i="1" smtClean="0">
+                      <a:rPr lang="en-US" sz="1600" i="1">
                         <a:latin typeface="Cambria Math" panose="02040503050406030204" pitchFamily="18" charset="0"/>
                       </a:rPr>
                       <m:t>𝜃</m:t>
@@ -20659,7 +21037,7 @@
             </p:nvSpPr>
             <p:spPr>
               <a:xfrm>
-                <a:off x="4450839" y="5374449"/>
+                <a:off x="6215351" y="5332968"/>
                 <a:ext cx="2982593" cy="814956"/>
               </a:xfrm>
               <a:prstGeom prst="flowChartInputOutput">
@@ -20668,7 +21046,7 @@
               <a:blipFill>
                 <a:blip r:embed="rId18"/>
                 <a:stretch>
-                  <a:fillRect t="-2817"/>
+                  <a:fillRect t="-2797"/>
                 </a:stretch>
               </a:blipFill>
             </p:spPr>
@@ -20703,7 +21081,7 @@
             </p:nvSpPr>
             <p:spPr>
               <a:xfrm>
-                <a:off x="4757617" y="4210757"/>
+                <a:off x="6895041" y="4140188"/>
                 <a:ext cx="1764196" cy="399014"/>
               </a:xfrm>
               <a:prstGeom prst="flowChartDecision">
@@ -20738,19 +21116,19 @@
                     </m:oMathParaPr>
                     <m:oMath xmlns:m="http://schemas.openxmlformats.org/officeDocument/2006/math">
                       <m:r>
-                        <a:rPr lang="en-US" b="0" i="1" smtClean="0">
+                        <a:rPr lang="en-US" i="1">
                           <a:latin typeface="Cambria Math" panose="02040503050406030204" pitchFamily="18" charset="0"/>
                         </a:rPr>
                         <m:t>𝑃𝐼</m:t>
                       </m:r>
                       <m:r>
-                        <a:rPr lang="en-US" b="0" i="1" smtClean="0">
+                        <a:rPr lang="en-US" i="1">
                           <a:latin typeface="Cambria Math" panose="02040503050406030204" pitchFamily="18" charset="0"/>
                         </a:rPr>
                         <m:t>&gt;</m:t>
                       </m:r>
                       <m:r>
-                        <a:rPr lang="en-US" b="0" i="1" smtClean="0">
+                        <a:rPr lang="en-US" i="1">
                           <a:latin typeface="Cambria Math" panose="02040503050406030204" pitchFamily="18" charset="0"/>
                         </a:rPr>
                         <m:t>𝜃</m:t>
@@ -20780,7 +21158,7 @@
             </p:nvSpPr>
             <p:spPr>
               <a:xfrm>
-                <a:off x="4757617" y="4210757"/>
+                <a:off x="6895041" y="4140188"/>
                 <a:ext cx="1764196" cy="399014"/>
               </a:xfrm>
               <a:prstGeom prst="flowChartDecision">
@@ -20824,7 +21202,7 @@
             </p:nvSpPr>
             <p:spPr>
               <a:xfrm>
-                <a:off x="4687251" y="4814294"/>
+                <a:off x="6833598" y="4787402"/>
                 <a:ext cx="1921859" cy="374010"/>
               </a:xfrm>
               <a:prstGeom prst="flowChartProcess">
@@ -20859,13 +21237,13 @@
                     </m:oMathParaPr>
                     <m:oMath xmlns:m="http://schemas.openxmlformats.org/officeDocument/2006/math">
                       <m:r>
-                        <a:rPr lang="en-US" sz="1600" b="0" i="1" smtClean="0">
+                        <a:rPr lang="en-US" sz="1600" i="1">
                           <a:latin typeface="Cambria Math" panose="02040503050406030204" pitchFamily="18" charset="0"/>
                         </a:rPr>
                         <m:t>𝜃</m:t>
                       </m:r>
                       <m:r>
-                        <a:rPr lang="en-US" sz="1600" b="0" i="1" smtClean="0">
+                        <a:rPr lang="en-US" sz="1600" i="1">
                           <a:latin typeface="Cambria Math" panose="02040503050406030204" pitchFamily="18" charset="0"/>
                         </a:rPr>
                         <m:t>=</m:t>
@@ -20874,19 +21252,19 @@
                         <m:rPr>
                           <m:sty m:val="p"/>
                         </m:rPr>
-                        <a:rPr lang="en-US" sz="1600" b="0" i="0" smtClean="0">
+                        <a:rPr lang="en-US" sz="1600">
                           <a:latin typeface="Cambria Math" panose="02040503050406030204" pitchFamily="18" charset="0"/>
                         </a:rPr>
                         <m:t>min</m:t>
                       </m:r>
                       <m:r>
-                        <a:rPr lang="en-US" sz="1600" b="0" i="1" smtClean="0">
+                        <a:rPr lang="en-US" sz="1600" i="1">
                           <a:latin typeface="Cambria Math" panose="02040503050406030204" pitchFamily="18" charset="0"/>
                         </a:rPr>
                         <m:t>⁡(</m:t>
                       </m:r>
                       <m:r>
-                        <a:rPr lang="en-US" sz="1600" b="0" i="1" smtClean="0">
+                        <a:rPr lang="en-US" sz="1600" i="1">
                           <a:latin typeface="Cambria Math" panose="02040503050406030204" pitchFamily="18" charset="0"/>
                         </a:rPr>
                         <m:t>𝑃𝐼</m:t>
@@ -20894,14 +21272,14 @@
                       <m:d>
                         <m:dPr>
                           <m:ctrlPr>
-                            <a:rPr lang="en-US" sz="1600" b="0" i="1" smtClean="0">
+                            <a:rPr lang="en-US" sz="1600" i="1">
                               <a:latin typeface="Cambria Math" panose="02040503050406030204" pitchFamily="18" charset="0"/>
                             </a:rPr>
                           </m:ctrlPr>
                         </m:dPr>
                         <m:e>
                           <m:r>
-                            <a:rPr lang="en-US" sz="1600" b="0" i="1" smtClean="0">
+                            <a:rPr lang="en-US" sz="1600" i="1">
                               <a:latin typeface="Cambria Math" panose="02040503050406030204" pitchFamily="18" charset="0"/>
                             </a:rPr>
                             <m:t>𝑇𝑜𝑝</m:t>
@@ -20909,7 +21287,7 @@
                         </m:e>
                       </m:d>
                       <m:r>
-                        <a:rPr lang="en-US" sz="1600" b="0" i="1" smtClean="0">
+                        <a:rPr lang="en-US" sz="1600" i="1">
                           <a:latin typeface="Cambria Math" panose="02040503050406030204" pitchFamily="18" charset="0"/>
                         </a:rPr>
                         <m:t>)</m:t>
@@ -20939,7 +21317,7 @@
             </p:nvSpPr>
             <p:spPr>
               <a:xfrm>
-                <a:off x="4687251" y="4814294"/>
+                <a:off x="6833598" y="4787402"/>
                 <a:ext cx="1921859" cy="374010"/>
               </a:xfrm>
               <a:prstGeom prst="flowChartProcess">
@@ -20967,8 +21345,8 @@
           </p:sp>
         </mc:Fallback>
       </mc:AlternateContent>
-      <mc:AlternateContent xmlns:mc="http://schemas.openxmlformats.org/markup-compatibility/2006" xmlns:a14="http://schemas.microsoft.com/office/drawing/2010/main">
-        <mc:Choice Requires="a14">
+      <mc:AlternateContent xmlns:mc="http://schemas.openxmlformats.org/markup-compatibility/2006">
+        <mc:Choice xmlns:a14="http://schemas.microsoft.com/office/drawing/2010/main" Requires="a14">
           <p:sp>
             <p:nvSpPr>
               <p:cNvPr id="24" name="Terminatore 23">
@@ -20983,7 +21361,7 @@
             </p:nvSpPr>
             <p:spPr>
               <a:xfrm>
-                <a:off x="3883817" y="6326303"/>
+                <a:off x="5635619" y="6335325"/>
                 <a:ext cx="1461699" cy="432048"/>
               </a:xfrm>
               <a:prstGeom prst="flowChartTerminator">
@@ -21018,13 +21396,13 @@
                     </m:oMathParaPr>
                     <m:oMath xmlns:m="http://schemas.openxmlformats.org/officeDocument/2006/math">
                       <m:r>
-                        <a:rPr lang="en-US" sz="1600" b="0" i="1" smtClean="0">
+                        <a:rPr lang="en-US" sz="1600" i="1" smtClean="0">
                           <a:latin typeface="Cambria Math" panose="02040503050406030204" pitchFamily="18" charset="0"/>
                         </a:rPr>
                         <m:t>𝑅𝑒𝑡𝑢𝑟𝑛</m:t>
                       </m:r>
                       <m:r>
-                        <a:rPr lang="en-US" sz="1600" b="0" i="1" smtClean="0">
+                        <a:rPr lang="en-US" sz="1600" i="1" smtClean="0">
                           <a:latin typeface="Cambria Math" panose="02040503050406030204" pitchFamily="18" charset="0"/>
                         </a:rPr>
                         <m:t> </m:t>
@@ -21032,7 +21410,7 @@
                       <m:sSub>
                         <m:sSubPr>
                           <m:ctrlPr>
-                            <a:rPr lang="en-US" sz="1600" b="0" i="1" smtClean="0">
+                            <a:rPr lang="en-US" sz="1600" i="1">
                               <a:latin typeface="Cambria Math" panose="02040503050406030204" pitchFamily="18" charset="0"/>
                             </a:rPr>
                           </m:ctrlPr>
@@ -21042,12 +21420,12 @@
                             <a:rPr lang="en-US" sz="1600" b="0" i="1" smtClean="0">
                               <a:latin typeface="Cambria Math" panose="02040503050406030204" pitchFamily="18" charset="0"/>
                             </a:rPr>
-                            <m:t>𝐶</m:t>
+                            <m:t>𝐿</m:t>
                           </m:r>
                         </m:e>
                         <m:sub>
                           <m:r>
-                            <a:rPr lang="en-US" sz="1600" b="0" i="1" smtClean="0">
+                            <a:rPr lang="en-US" sz="1600" i="1">
                               <a:latin typeface="Cambria Math" panose="02040503050406030204" pitchFamily="18" charset="0"/>
                             </a:rPr>
                             <m:t>𝑘</m:t>
@@ -21062,7 +21440,7 @@
             </p:txBody>
           </p:sp>
         </mc:Choice>
-        <mc:Fallback xmlns="">
+        <mc:Fallback>
           <p:sp>
             <p:nvSpPr>
               <p:cNvPr id="24" name="Terminatore 23">
@@ -21079,7 +21457,7 @@
             </p:nvSpPr>
             <p:spPr>
               <a:xfrm>
-                <a:off x="3883817" y="6326303"/>
+                <a:off x="5635619" y="6335325"/>
                 <a:ext cx="1461699" cy="432048"/>
               </a:xfrm>
               <a:prstGeom prst="flowChartTerminator">
@@ -21124,7 +21502,7 @@
         </p:nvCxnSpPr>
         <p:spPr>
           <a:xfrm rot="16200000" flipH="1">
-            <a:off x="819376" y="1974722"/>
+            <a:off x="1615428" y="1874662"/>
             <a:ext cx="374799" cy="178363"/>
           </a:xfrm>
           <a:prstGeom prst="bentConnector2">
@@ -21167,8 +21545,8 @@
         </p:nvCxnSpPr>
         <p:spPr>
           <a:xfrm>
-            <a:off x="2508061" y="3135882"/>
-            <a:ext cx="0" cy="197881"/>
+            <a:off x="3637405" y="3064842"/>
+            <a:ext cx="5480" cy="188251"/>
           </a:xfrm>
           <a:prstGeom prst="straightConnector1">
             <a:avLst/>
@@ -21209,7 +21587,7 @@
         </p:nvCxnSpPr>
         <p:spPr>
           <a:xfrm>
-            <a:off x="2508061" y="3709573"/>
+            <a:off x="3642885" y="3628903"/>
             <a:ext cx="0" cy="178622"/>
           </a:xfrm>
           <a:prstGeom prst="straightConnector1">
@@ -21251,9 +21629,9 @@
           <p:nvPr/>
         </p:nvCxnSpPr>
         <p:spPr>
-          <a:xfrm>
-            <a:off x="2541423" y="4815438"/>
-            <a:ext cx="4109" cy="270757"/>
+          <a:xfrm flipH="1">
+            <a:off x="3673540" y="4729647"/>
+            <a:ext cx="6210" cy="276269"/>
           </a:xfrm>
           <a:prstGeom prst="straightConnector1">
             <a:avLst/>
@@ -21294,7 +21672,7 @@
         </p:nvCxnSpPr>
         <p:spPr>
           <a:xfrm rot="16200000" flipH="1">
-            <a:off x="1216336" y="2628360"/>
+            <a:off x="2345680" y="2557320"/>
             <a:ext cx="420570" cy="218664"/>
           </a:xfrm>
           <a:prstGeom prst="bentConnector2">
@@ -21336,7 +21714,7 @@
         </p:nvCxnSpPr>
         <p:spPr>
           <a:xfrm rot="16200000" flipH="1">
-            <a:off x="4383810" y="1669494"/>
+            <a:off x="6559372" y="1631607"/>
             <a:ext cx="287404" cy="199384"/>
           </a:xfrm>
           <a:prstGeom prst="bentConnector2">
@@ -21377,9 +21755,9 @@
           <p:nvPr/>
         </p:nvCxnSpPr>
         <p:spPr>
-          <a:xfrm>
-            <a:off x="5635316" y="2057754"/>
-            <a:ext cx="0" cy="139523"/>
+          <a:xfrm flipH="1">
+            <a:off x="7794527" y="2019868"/>
+            <a:ext cx="16351" cy="149630"/>
           </a:xfrm>
           <a:prstGeom prst="straightConnector1">
             <a:avLst/>
@@ -21419,9 +21797,9 @@
           <p:nvPr/>
         </p:nvCxnSpPr>
         <p:spPr>
-          <a:xfrm>
-            <a:off x="6463408" y="2407404"/>
-            <a:ext cx="441650" cy="41273"/>
+          <a:xfrm flipV="1">
+            <a:off x="8622619" y="2366595"/>
+            <a:ext cx="700311" cy="13030"/>
           </a:xfrm>
           <a:prstGeom prst="straightConnector1">
             <a:avLst/>
@@ -21462,8 +21840,8 @@
         </p:nvCxnSpPr>
         <p:spPr>
           <a:xfrm rot="16200000" flipV="1">
-            <a:off x="6434595" y="911237"/>
-            <a:ext cx="706243" cy="1818455"/>
+            <a:off x="8446572" y="423260"/>
+            <a:ext cx="624160" cy="2712327"/>
           </a:xfrm>
           <a:prstGeom prst="bentConnector2">
             <a:avLst/>
@@ -21503,9 +21881,9 @@
           <p:nvPr/>
         </p:nvCxnSpPr>
         <p:spPr>
-          <a:xfrm>
-            <a:off x="5635316" y="2617530"/>
-            <a:ext cx="2376" cy="142542"/>
+          <a:xfrm flipH="1">
+            <a:off x="7789868" y="2589751"/>
+            <a:ext cx="4659" cy="117845"/>
           </a:xfrm>
           <a:prstGeom prst="straightConnector1">
             <a:avLst/>
@@ -21545,9 +21923,9 @@
           <p:nvPr/>
         </p:nvCxnSpPr>
         <p:spPr>
-          <a:xfrm flipH="1">
-            <a:off x="5635316" y="3180326"/>
-            <a:ext cx="2376" cy="124428"/>
+          <a:xfrm>
+            <a:off x="7789868" y="3127850"/>
+            <a:ext cx="10438" cy="154135"/>
           </a:xfrm>
           <a:prstGeom prst="straightConnector1">
             <a:avLst/>
@@ -21588,8 +21966,8 @@
         </p:nvCxnSpPr>
         <p:spPr>
           <a:xfrm flipV="1">
-            <a:off x="6319392" y="3619212"/>
-            <a:ext cx="325758" cy="37576"/>
+            <a:off x="8484382" y="3602937"/>
+            <a:ext cx="652778" cy="31082"/>
           </a:xfrm>
           <a:prstGeom prst="straightConnector1">
             <a:avLst/>
@@ -21630,13 +22008,13 @@
         </p:nvCxnSpPr>
         <p:spPr>
           <a:xfrm flipH="1" flipV="1">
-            <a:off x="7738317" y="1469538"/>
-            <a:ext cx="828692" cy="2149674"/>
+            <a:off x="10154413" y="1467343"/>
+            <a:ext cx="904606" cy="2135594"/>
           </a:xfrm>
           <a:prstGeom prst="bentConnector4">
             <a:avLst>
-              <a:gd name="adj1" fmla="val -27586"/>
-              <a:gd name="adj2" fmla="val 100223"/>
+              <a:gd name="adj1" fmla="val -25271"/>
+              <a:gd name="adj2" fmla="val 100134"/>
             </a:avLst>
           </a:prstGeom>
           <a:ln w="19050">
@@ -21674,9 +22052,9 @@
           <p:nvPr/>
         </p:nvCxnSpPr>
         <p:spPr>
-          <a:xfrm>
-            <a:off x="5635316" y="4008822"/>
-            <a:ext cx="4399" cy="201935"/>
+          <a:xfrm flipH="1">
+            <a:off x="7777139" y="3986053"/>
+            <a:ext cx="23167" cy="154135"/>
           </a:xfrm>
           <a:prstGeom prst="straightConnector1">
             <a:avLst/>
@@ -21717,8 +22095,8 @@
         </p:nvCxnSpPr>
         <p:spPr>
           <a:xfrm>
-            <a:off x="5639715" y="4609771"/>
-            <a:ext cx="8466" cy="204523"/>
+            <a:off x="7777139" y="4539202"/>
+            <a:ext cx="17389" cy="248200"/>
           </a:xfrm>
           <a:prstGeom prst="straightConnector1">
             <a:avLst/>
@@ -21759,12 +22137,12 @@
         </p:nvCxnSpPr>
         <p:spPr>
           <a:xfrm flipV="1">
-            <a:off x="6521813" y="3635212"/>
-            <a:ext cx="2183867" cy="775052"/>
+            <a:off x="8659237" y="3650312"/>
+            <a:ext cx="2621339" cy="689383"/>
           </a:xfrm>
           <a:prstGeom prst="bentConnector3">
             <a:avLst>
-              <a:gd name="adj1" fmla="val 100081"/>
+              <a:gd name="adj1" fmla="val 99930"/>
             </a:avLst>
           </a:prstGeom>
           <a:ln w="19050">
@@ -21802,7 +22180,7 @@
         </p:nvCxnSpPr>
         <p:spPr>
           <a:xfrm>
-            <a:off x="5676373" y="5212194"/>
+            <a:off x="7770844" y="5185687"/>
             <a:ext cx="6295" cy="147281"/>
           </a:xfrm>
           <a:prstGeom prst="straightConnector1">
@@ -21844,12 +22222,12 @@
         </p:nvCxnSpPr>
         <p:spPr>
           <a:xfrm flipV="1">
-            <a:off x="7135173" y="4429543"/>
-            <a:ext cx="1570507" cy="1352384"/>
+            <a:off x="8899685" y="4339695"/>
+            <a:ext cx="2380891" cy="1400751"/>
           </a:xfrm>
           <a:prstGeom prst="bentConnector3">
             <a:avLst>
-              <a:gd name="adj1" fmla="val 100232"/>
+              <a:gd name="adj1" fmla="val 100078"/>
             </a:avLst>
           </a:prstGeom>
           <a:ln w="19050">
@@ -21888,8 +22266,8 @@
         </p:nvCxnSpPr>
         <p:spPr>
           <a:xfrm rot="10800000">
-            <a:off x="1197124" y="2544375"/>
-            <a:ext cx="376300" cy="2721840"/>
+            <a:off x="2136232" y="2464096"/>
+            <a:ext cx="565200" cy="2721840"/>
           </a:xfrm>
           <a:prstGeom prst="bentConnector2">
             <a:avLst/>
@@ -21929,8 +22307,8 @@
         </p:nvCxnSpPr>
         <p:spPr>
           <a:xfrm>
-            <a:off x="4202296" y="1635761"/>
-            <a:ext cx="4295" cy="4700819"/>
+            <a:off x="5978148" y="1618847"/>
+            <a:ext cx="404" cy="4648845"/>
           </a:xfrm>
           <a:prstGeom prst="straightConnector1">
             <a:avLst/>
@@ -21968,7 +22346,7 @@
         </p:nvSpPr>
         <p:spPr>
           <a:xfrm>
-            <a:off x="6503005" y="2172208"/>
+            <a:off x="8610130" y="2107679"/>
             <a:ext cx="280846" cy="307777"/>
           </a:xfrm>
           <a:prstGeom prst="rect">
@@ -22012,7 +22390,7 @@
         </p:nvSpPr>
         <p:spPr>
           <a:xfrm>
-            <a:off x="5086604" y="2510387"/>
+            <a:off x="6610604" y="2510388"/>
             <a:ext cx="298480" cy="307777"/>
           </a:xfrm>
           <a:prstGeom prst="rect">
@@ -22056,7 +22434,7 @@
         </p:nvSpPr>
         <p:spPr>
           <a:xfrm>
-            <a:off x="6293489" y="3387764"/>
+            <a:off x="8451663" y="3372290"/>
             <a:ext cx="298480" cy="307777"/>
           </a:xfrm>
           <a:prstGeom prst="rect">
@@ -22100,7 +22478,7 @@
         </p:nvSpPr>
         <p:spPr>
           <a:xfrm>
-            <a:off x="5292472" y="3918584"/>
+            <a:off x="6816472" y="3918585"/>
             <a:ext cx="280846" cy="307777"/>
           </a:xfrm>
           <a:prstGeom prst="rect">
@@ -22144,7 +22522,7 @@
         </p:nvSpPr>
         <p:spPr>
           <a:xfrm>
-            <a:off x="6503005" y="4121766"/>
+            <a:off x="8669821" y="4057790"/>
             <a:ext cx="280846" cy="307777"/>
           </a:xfrm>
           <a:prstGeom prst="rect">
@@ -22188,7 +22566,7 @@
         </p:nvSpPr>
         <p:spPr>
           <a:xfrm>
-            <a:off x="5231026" y="4535215"/>
+            <a:off x="6755026" y="4535216"/>
             <a:ext cx="298480" cy="307777"/>
           </a:xfrm>
           <a:prstGeom prst="rect">
@@ -22232,7 +22610,7 @@
         </p:nvSpPr>
         <p:spPr>
           <a:xfrm>
-            <a:off x="3880006" y="3109360"/>
+            <a:off x="5644858" y="3167064"/>
             <a:ext cx="400110" cy="722314"/>
           </a:xfrm>
           <a:prstGeom prst="rect">
@@ -22276,7 +22654,7 @@
         </p:nvSpPr>
         <p:spPr>
           <a:xfrm>
-            <a:off x="183065" y="3831674"/>
+            <a:off x="661859" y="3446368"/>
             <a:ext cx="400110" cy="722314"/>
           </a:xfrm>
           <a:prstGeom prst="rect">
@@ -22322,7 +22700,7 @@
         </p:nvCxnSpPr>
         <p:spPr>
           <a:xfrm rot="10800000">
-            <a:off x="586252" y="1888427"/>
+            <a:off x="1328815" y="1768022"/>
             <a:ext cx="521822" cy="518977"/>
           </a:xfrm>
           <a:prstGeom prst="bentConnector3">
@@ -22363,7 +22741,7 @@
         </p:nvSpPr>
         <p:spPr>
           <a:xfrm rot="5400000">
-            <a:off x="533870" y="2202564"/>
+            <a:off x="1241615" y="2095209"/>
             <a:ext cx="400110" cy="722314"/>
           </a:xfrm>
           <a:prstGeom prst="rect">
@@ -22395,29 +22773,25 @@
       </p:sp>
       <p:cxnSp>
         <p:nvCxnSpPr>
-          <p:cNvPr id="32" name="Connettore a gomito 31">
+          <p:cNvPr id="25" name="Connettore 2 24">
             <a:extLst>
               <a:ext uri="{FF2B5EF4-FFF2-40B4-BE49-F238E27FC236}">
-                <a16:creationId xmlns:a16="http://schemas.microsoft.com/office/drawing/2014/main" id="{7B510DE2-799A-4FE9-9A42-7C057033E8C6}"/>
+                <a16:creationId xmlns:a16="http://schemas.microsoft.com/office/drawing/2014/main" id="{DBD0D877-FC52-47D7-8E55-0D8F7653AE6E}"/>
               </a:ext>
             </a:extLst>
           </p:cNvPr>
           <p:cNvCxnSpPr>
             <a:cxnSpLocks/>
-            <a:stCxn id="7" idx="1"/>
           </p:cNvCxnSpPr>
           <p:nvPr/>
         </p:nvCxnSpPr>
         <p:spPr>
-          <a:xfrm rot="10800000" flipH="1" flipV="1">
-            <a:off x="457199" y="1628799"/>
-            <a:ext cx="38765" cy="4153127"/>
+          <a:xfrm>
+            <a:off x="1009332" y="1780194"/>
+            <a:ext cx="13365" cy="3911434"/>
           </a:xfrm>
-          <a:prstGeom prst="bentConnector4">
-            <a:avLst>
-              <a:gd name="adj1" fmla="val -589707"/>
-              <a:gd name="adj2" fmla="val 52601"/>
-            </a:avLst>
+          <a:prstGeom prst="straightConnector1">
+            <a:avLst/>
           </a:prstGeom>
           <a:ln w="19050">
             <a:tailEnd type="triangle"/>
@@ -23103,7 +23477,7 @@
                             </p:stCondLst>
                             <p:childTnLst>
                               <p:par>
-                                <p:cTn id="63" presetID="22" presetClass="entr" presetSubtype="1" fill="hold" grpId="0" nodeType="clickEffect">
+                                <p:cTn id="63" presetID="22" presetClass="entr" presetSubtype="1" fill="hold" nodeType="clickEffect">
                                   <p:stCondLst>
                                     <p:cond delay="0"/>
                                   </p:stCondLst>
@@ -23111,6 +23485,41 @@
                                     <p:set>
                                       <p:cBhvr>
                                         <p:cTn id="64" dur="1" fill="hold">
+                                          <p:stCondLst>
+                                            <p:cond delay="0"/>
+                                          </p:stCondLst>
+                                        </p:cTn>
+                                        <p:tgtEl>
+                                          <p:spTgt spid="25"/>
+                                        </p:tgtEl>
+                                        <p:attrNameLst>
+                                          <p:attrName>style.visibility</p:attrName>
+                                        </p:attrNameLst>
+                                      </p:cBhvr>
+                                      <p:to>
+                                        <p:strVal val="visible"/>
+                                      </p:to>
+                                    </p:set>
+                                    <p:animEffect transition="in" filter="wipe(up)">
+                                      <p:cBhvr>
+                                        <p:cTn id="65" dur="500"/>
+                                        <p:tgtEl>
+                                          <p:spTgt spid="25"/>
+                                        </p:tgtEl>
+                                      </p:cBhvr>
+                                    </p:animEffect>
+                                  </p:childTnLst>
+                                </p:cTn>
+                              </p:par>
+                              <p:par>
+                                <p:cTn id="66" presetID="22" presetClass="entr" presetSubtype="1" fill="hold" grpId="0" nodeType="withEffect">
+                                  <p:stCondLst>
+                                    <p:cond delay="0"/>
+                                  </p:stCondLst>
+                                  <p:childTnLst>
+                                    <p:set>
+                                      <p:cBhvr>
+                                        <p:cTn id="67" dur="1" fill="hold">
                                           <p:stCondLst>
                                             <p:cond delay="0"/>
                                           </p:stCondLst>
@@ -23128,44 +23537,9 @@
                                     </p:set>
                                     <p:animEffect transition="in" filter="wipe(up)">
                                       <p:cBhvr>
-                                        <p:cTn id="65" dur="500"/>
+                                        <p:cTn id="68" dur="500"/>
                                         <p:tgtEl>
                                           <p:spTgt spid="180"/>
-                                        </p:tgtEl>
-                                      </p:cBhvr>
-                                    </p:animEffect>
-                                  </p:childTnLst>
-                                </p:cTn>
-                              </p:par>
-                              <p:par>
-                                <p:cTn id="66" presetID="22" presetClass="entr" presetSubtype="1" fill="hold" nodeType="withEffect">
-                                  <p:stCondLst>
-                                    <p:cond delay="0"/>
-                                  </p:stCondLst>
-                                  <p:childTnLst>
-                                    <p:set>
-                                      <p:cBhvr>
-                                        <p:cTn id="67" dur="1" fill="hold">
-                                          <p:stCondLst>
-                                            <p:cond delay="0"/>
-                                          </p:stCondLst>
-                                        </p:cTn>
-                                        <p:tgtEl>
-                                          <p:spTgt spid="32"/>
-                                        </p:tgtEl>
-                                        <p:attrNameLst>
-                                          <p:attrName>style.visibility</p:attrName>
-                                        </p:attrNameLst>
-                                      </p:cBhvr>
-                                      <p:to>
-                                        <p:strVal val="visible"/>
-                                      </p:to>
-                                    </p:set>
-                                    <p:animEffect transition="in" filter="wipe(up)">
-                                      <p:cBhvr>
-                                        <p:cTn id="68" dur="500"/>
-                                        <p:tgtEl>
-                                          <p:spTgt spid="32"/>
                                         </p:tgtEl>
                                       </p:cBhvr>
                                     </p:animEffect>
@@ -24692,7 +25066,7 @@
         </p:nvSpPr>
         <p:spPr>
           <a:xfrm>
-            <a:off x="431540" y="4577040"/>
+            <a:off x="767408" y="4661685"/>
             <a:ext cx="2952328" cy="715993"/>
           </a:xfrm>
         </p:spPr>
@@ -24746,7 +25120,7 @@
         </p:nvSpPr>
         <p:spPr>
           <a:xfrm>
-            <a:off x="251520" y="332656"/>
+            <a:off x="1775520" y="332656"/>
             <a:ext cx="8640960" cy="1167558"/>
           </a:xfrm>
         </p:spPr>
@@ -24798,7 +25172,7 @@
         </p:blipFill>
         <p:spPr bwMode="auto">
           <a:xfrm>
-            <a:off x="2891509" y="4013611"/>
+            <a:off x="3625573" y="3948549"/>
             <a:ext cx="2802494" cy="1553190"/>
           </a:xfrm>
           <a:prstGeom prst="rect">
@@ -24832,7 +25206,7 @@
         </p:nvSpPr>
         <p:spPr>
           <a:xfrm>
-            <a:off x="-72516" y="3861048"/>
+            <a:off x="263352" y="3945692"/>
             <a:ext cx="3456384" cy="715992"/>
           </a:xfrm>
           <a:prstGeom prst="rect">
@@ -24904,7 +25278,7 @@
         </p:nvSpPr>
         <p:spPr>
           <a:xfrm>
-            <a:off x="2671144" y="1181903"/>
+            <a:off x="4195144" y="1181903"/>
             <a:ext cx="3456384" cy="715992"/>
           </a:xfrm>
           <a:prstGeom prst="rect">
@@ -24976,7 +25350,7 @@
         </p:nvSpPr>
         <p:spPr>
           <a:xfrm>
-            <a:off x="1105224" y="1869846"/>
+            <a:off x="2351584" y="1857150"/>
             <a:ext cx="3131840" cy="1709488"/>
           </a:xfrm>
           <a:prstGeom prst="rect">
@@ -25237,7 +25611,7 @@
         </p:nvSpPr>
         <p:spPr>
           <a:xfrm>
-            <a:off x="4499992" y="1942953"/>
+            <a:off x="6096000" y="1854527"/>
             <a:ext cx="3131840" cy="1608377"/>
           </a:xfrm>
           <a:prstGeom prst="rect">
@@ -25504,7 +25878,7 @@
         </p:nvSpPr>
         <p:spPr>
           <a:xfrm>
-            <a:off x="5474822" y="4725144"/>
+            <a:off x="7248128" y="4376851"/>
             <a:ext cx="3456384" cy="715992"/>
           </a:xfrm>
           <a:prstGeom prst="rect">
@@ -25572,7 +25946,7 @@
         </p:nvSpPr>
         <p:spPr>
           <a:xfrm>
-            <a:off x="6159110" y="5362715"/>
+            <a:off x="7932417" y="5014423"/>
             <a:ext cx="2306989" cy="1495285"/>
           </a:xfrm>
           <a:prstGeom prst="rect">
@@ -25795,7 +26169,7 @@
         </p:nvSpPr>
         <p:spPr>
           <a:xfrm>
-            <a:off x="5364088" y="3808310"/>
+            <a:off x="6939336" y="3584891"/>
             <a:ext cx="3456384" cy="821467"/>
           </a:xfrm>
           <a:prstGeom prst="rect">
@@ -26319,7 +26693,7 @@
         </p:nvSpPr>
         <p:spPr>
           <a:xfrm>
-            <a:off x="457200" y="-3712"/>
+            <a:off x="767408" y="63793"/>
             <a:ext cx="8229600" cy="1143000"/>
           </a:xfrm>
         </p:spPr>
@@ -26382,8 +26756,8 @@
         </p:blipFill>
         <p:spPr>
           <a:xfrm>
-            <a:off x="807823" y="4190503"/>
-            <a:ext cx="3301690" cy="2395859"/>
+            <a:off x="1327112" y="3110056"/>
+            <a:ext cx="4425064" cy="3211032"/>
           </a:xfrm>
           <a:prstGeom prst="rect">
             <a:avLst/>
@@ -26418,8 +26792,8 @@
         </p:blipFill>
         <p:spPr>
           <a:xfrm>
-            <a:off x="5436096" y="4251642"/>
-            <a:ext cx="3476469" cy="2606358"/>
+            <a:off x="6888088" y="3815009"/>
+            <a:ext cx="4076608" cy="3056291"/>
           </a:xfrm>
           <a:prstGeom prst="rect">
             <a:avLst/>
@@ -26454,8 +26828,8 @@
         </p:blipFill>
         <p:spPr>
           <a:xfrm>
-            <a:off x="4716016" y="1417638"/>
-            <a:ext cx="3627105" cy="2535990"/>
+            <a:off x="7379599" y="461513"/>
+            <a:ext cx="4371267" cy="3056291"/>
           </a:xfrm>
           <a:prstGeom prst="rect">
             <a:avLst/>
@@ -26476,8 +26850,8 @@
         </p:nvSpPr>
         <p:spPr>
           <a:xfrm>
-            <a:off x="662219" y="3851950"/>
-            <a:ext cx="3158237" cy="338554"/>
+            <a:off x="2079006" y="2891431"/>
+            <a:ext cx="3371934" cy="338554"/>
           </a:xfrm>
           <a:prstGeom prst="rect">
             <a:avLst/>
@@ -26485,7 +26859,7 @@
           <a:noFill/>
         </p:spPr>
         <p:txBody>
-          <a:bodyPr wrap="none" rtlCol="0">
+          <a:bodyPr wrap="square" rtlCol="0">
             <a:spAutoFit/>
           </a:bodyPr>
           <a:lstStyle/>
@@ -26520,8 +26894,8 @@
         </p:nvSpPr>
         <p:spPr>
           <a:xfrm>
-            <a:off x="5974768" y="4021227"/>
-            <a:ext cx="2133918" cy="338554"/>
+            <a:off x="7248128" y="3591538"/>
+            <a:ext cx="2254188" cy="338554"/>
           </a:xfrm>
           <a:prstGeom prst="rect">
             <a:avLst/>
@@ -26529,7 +26903,7 @@
           <a:noFill/>
         </p:spPr>
         <p:txBody>
-          <a:bodyPr wrap="none" rtlCol="0">
+          <a:bodyPr wrap="square" rtlCol="0">
             <a:spAutoFit/>
           </a:bodyPr>
           <a:lstStyle/>
@@ -26564,8 +26938,8 @@
         </p:nvSpPr>
         <p:spPr>
           <a:xfrm>
-            <a:off x="4950449" y="1180762"/>
-            <a:ext cx="3158237" cy="338554"/>
+            <a:off x="7626173" y="235431"/>
+            <a:ext cx="3292643" cy="347948"/>
           </a:xfrm>
           <a:prstGeom prst="rect">
             <a:avLst/>
@@ -26573,7 +26947,7 @@
           <a:noFill/>
         </p:spPr>
         <p:txBody>
-          <a:bodyPr wrap="none" rtlCol="0">
+          <a:bodyPr wrap="square" rtlCol="0">
             <a:spAutoFit/>
           </a:bodyPr>
           <a:lstStyle/>
@@ -26610,8 +26984,8 @@
         </p:nvSpPr>
         <p:spPr>
           <a:xfrm>
-            <a:off x="370448" y="2132856"/>
-            <a:ext cx="4201552" cy="1368152"/>
+            <a:off x="911424" y="1741904"/>
+            <a:ext cx="5707098" cy="1368152"/>
           </a:xfrm>
           <a:prstGeom prst="rect">
             <a:avLst/>
@@ -26871,7 +27245,7 @@
         </p:nvSpPr>
         <p:spPr>
           <a:xfrm>
-            <a:off x="2548404" y="552338"/>
+            <a:off x="3143672" y="618339"/>
             <a:ext cx="3960440" cy="715992"/>
           </a:xfrm>
           <a:prstGeom prst="rect">
@@ -26967,7 +27341,7 @@
         </p:nvSpPr>
         <p:spPr>
           <a:xfrm>
-            <a:off x="370448" y="1599160"/>
+            <a:off x="964966" y="1334331"/>
             <a:ext cx="4201552" cy="358225"/>
           </a:xfrm>
           <a:prstGeom prst="rect">
